--- a/doc/DSLR Proposal.pptx
+++ b/doc/DSLR Proposal.pptx
@@ -197,7 +197,7 @@
           <a:p>
             <a:fld id="{F691A432-E9BC-495B-9031-8FAC2536ACE4}" type="datetimeFigureOut">
               <a:rPr lang="ko-KR" altLang="en-US" smtClean="0"/>
-              <a:t>2013-03-19</a:t>
+              <a:t>2013-03-22</a:t>
             </a:fld>
             <a:endParaRPr lang="ko-KR" altLang="en-US"/>
           </a:p>
@@ -543,15 +543,31 @@
             </a:r>
             <a:r>
               <a:rPr lang="ko-KR" altLang="en-US" dirty="0" smtClean="0"/>
-              <a:t>지도교수</a:t>
+              <a:t>저희 조의 주제는 </a:t>
+            </a:r>
+            <a:r>
+              <a:rPr lang="en-US" altLang="ko-KR" dirty="0" smtClean="0"/>
+              <a:t>Kinect</a:t>
+            </a:r>
+            <a:r>
+              <a:rPr lang="ko-KR" altLang="en-US" dirty="0" smtClean="0"/>
+              <a:t>를 이용한 수화번역기 입니다</a:t>
+            </a:r>
+            <a:r>
+              <a:rPr lang="en-US" altLang="ko-KR" dirty="0" smtClean="0"/>
+              <a:t>. </a:t>
+            </a:r>
+            <a:r>
+              <a:rPr lang="ko-KR" altLang="en-US" dirty="0" smtClean="0"/>
+              <a:t>저희 조는 정인환 교수님의 지도 아래 박정호</a:t>
             </a:r>
             <a:r>
               <a:rPr lang="en-US" altLang="ko-KR" dirty="0" smtClean="0"/>
               <a:t>, </a:t>
             </a:r>
             <a:r>
-              <a:rPr lang="ko-KR" altLang="en-US" dirty="0" smtClean="0"/>
-              <a:t>기업</a:t>
+              <a:rPr lang="ko-KR" altLang="en-US" dirty="0" err="1" smtClean="0"/>
+              <a:t>김면중</a:t>
             </a:r>
             <a:r>
               <a:rPr lang="en-US" altLang="ko-KR" dirty="0" smtClean="0"/>
@@ -559,19 +575,35 @@
             </a:r>
             <a:r>
               <a:rPr lang="ko-KR" altLang="en-US" dirty="0" smtClean="0"/>
-              <a:t>팀원 소개</a:t>
+              <a:t>권순일</a:t>
             </a:r>
             <a:r>
               <a:rPr lang="en-US" altLang="ko-KR" dirty="0" smtClean="0"/>
-              <a:t>.</a:t>
-            </a:r>
-            <a:r>
-              <a:rPr lang="en-US" altLang="ko-KR" baseline="0" dirty="0" smtClean="0"/>
-              <a:t> </a:t>
+              <a:t>, </a:t>
+            </a:r>
+            <a:r>
+              <a:rPr lang="ko-KR" altLang="en-US" dirty="0" smtClean="0"/>
+              <a:t>문대식 </a:t>
+            </a:r>
+            <a:r>
+              <a:rPr lang="en-US" altLang="ko-KR" dirty="0" smtClean="0"/>
+              <a:t>4</a:t>
+            </a:r>
+            <a:r>
+              <a:rPr lang="ko-KR" altLang="en-US" dirty="0" smtClean="0"/>
+              <a:t>명으로 구성되어 있습니다</a:t>
+            </a:r>
+            <a:r>
+              <a:rPr lang="en-US" altLang="ko-KR" dirty="0" smtClean="0"/>
+              <a:t>. </a:t>
             </a:r>
             <a:r>
               <a:rPr lang="ko-KR" altLang="en-US" baseline="0" dirty="0" smtClean="0"/>
-              <a:t>참고로 저희는 중소기업청에서 하는 산학연공동개발사업에 참여하고 있습니다</a:t>
+              <a:t>참고로 </a:t>
+            </a:r>
+            <a:r>
+              <a:rPr lang="ko-KR" altLang="en-US" baseline="0" dirty="0" smtClean="0"/>
+              <a:t>저희는 중소기업청에서 하는 산학연공동개발사업에 참여하고 있습니다</a:t>
             </a:r>
             <a:r>
               <a:rPr lang="en-US" altLang="ko-KR" baseline="0" dirty="0" smtClean="0"/>
@@ -680,39 +712,8 @@
             </a:pPr>
             <a:r>
               <a:rPr lang="ko-KR" altLang="en-US" dirty="0" smtClean="0"/>
-              <a:t>필요성 개발목표 설명</a:t>
-            </a:r>
-            <a:r>
-              <a:rPr lang="en-US" altLang="ko-KR" dirty="0" smtClean="0"/>
-              <a:t>. </a:t>
-            </a:r>
-            <a:r>
-              <a:rPr lang="ko-KR" altLang="en-US" dirty="0" smtClean="0"/>
-              <a:t>저희 </a:t>
-            </a:r>
-            <a:r>
-              <a:rPr lang="en-US" altLang="ko-KR" dirty="0" smtClean="0"/>
-              <a:t>DSLR</a:t>
-            </a:r>
-            <a:r>
-              <a:rPr lang="ko-KR" altLang="en-US" dirty="0" smtClean="0"/>
-              <a:t>조는 </a:t>
-            </a:r>
-            <a:r>
-              <a:rPr lang="ko-KR" altLang="en-US" dirty="0" err="1" smtClean="0"/>
-              <a:t>국립국어원의</a:t>
-            </a:r>
-            <a:r>
-              <a:rPr lang="ko-KR" altLang="en-US" dirty="0" smtClean="0"/>
-              <a:t> 한국수화사전을 기반으로 한 한국어 수화 번역 시스템을 개발하는 것이 목표입니다</a:t>
-            </a:r>
-            <a:r>
-              <a:rPr lang="en-US" altLang="ko-KR" dirty="0" smtClean="0"/>
-              <a:t>.</a:t>
-            </a:r>
-            <a:endParaRPr lang="ko-KR" altLang="en-US" dirty="0" smtClean="0"/>
-          </a:p>
-          <a:p>
+              <a:t>필요성과 개발 목표</a:t>
+            </a:r>
             <a:endParaRPr lang="ko-KR" altLang="en-US" dirty="0"/>
           </a:p>
         </p:txBody>
@@ -817,14 +818,6 @@
               <a:rPr lang="en-US" altLang="ko-KR" dirty="0" smtClean="0"/>
               <a:t>. </a:t>
             </a:r>
-            <a:r>
-              <a:rPr lang="ko-KR" altLang="en-US" dirty="0" smtClean="0"/>
-              <a:t>수화가 끝나면 번역된 단어로 문장 표시</a:t>
-            </a:r>
-            <a:r>
-              <a:rPr lang="en-US" altLang="ko-KR" dirty="0" smtClean="0"/>
-              <a:t>.</a:t>
-            </a:r>
             <a:endParaRPr lang="ko-KR" altLang="en-US" dirty="0"/>
           </a:p>
         </p:txBody>
@@ -909,6 +902,23 @@
           <a:bodyPr/>
           <a:lstStyle/>
           <a:p>
+            <a:pPr marL="0" marR="0" indent="0" algn="l" defTabSz="914400" rtl="0" eaLnBrk="1" fontAlgn="auto" latinLnBrk="1" hangingPunct="1">
+              <a:lnSpc>
+                <a:spcPct val="100000"/>
+              </a:lnSpc>
+              <a:spcBef>
+                <a:spcPts val="0"/>
+              </a:spcBef>
+              <a:spcAft>
+                <a:spcPts val="0"/>
+              </a:spcAft>
+              <a:buClrTx/>
+              <a:buSzTx/>
+              <a:buFontTx/>
+              <a:buNone/>
+              <a:tabLst/>
+              <a:defRPr/>
+            </a:pPr>
             <a:r>
               <a:rPr lang="en-US" altLang="ko-KR" dirty="0" smtClean="0"/>
               <a:t>KINECT</a:t>
@@ -1391,7 +1401,7 @@
           <a:p>
             <a:fld id="{D698ECF3-E86C-4529-9833-4A4DF0A41B5F}" type="datetimeFigureOut">
               <a:rPr lang="ko-KR" altLang="en-US" smtClean="0"/>
-              <a:t>2013-03-19</a:t>
+              <a:t>2013-03-22</a:t>
             </a:fld>
             <a:endParaRPr lang="ko-KR" altLang="en-US"/>
           </a:p>
@@ -1744,7 +1754,7 @@
           <a:p>
             <a:fld id="{D698ECF3-E86C-4529-9833-4A4DF0A41B5F}" type="datetimeFigureOut">
               <a:rPr lang="ko-KR" altLang="en-US" smtClean="0"/>
-              <a:t>2013-03-19</a:t>
+              <a:t>2013-03-22</a:t>
             </a:fld>
             <a:endParaRPr lang="ko-KR" altLang="en-US"/>
           </a:p>
@@ -1919,7 +1929,7 @@
           <a:p>
             <a:fld id="{D698ECF3-E86C-4529-9833-4A4DF0A41B5F}" type="datetimeFigureOut">
               <a:rPr lang="ko-KR" altLang="en-US" smtClean="0"/>
-              <a:t>2013-03-19</a:t>
+              <a:t>2013-03-22</a:t>
             </a:fld>
             <a:endParaRPr lang="ko-KR" altLang="en-US"/>
           </a:p>
@@ -2032,7 +2042,7 @@
           <a:p>
             <a:fld id="{D698ECF3-E86C-4529-9833-4A4DF0A41B5F}" type="datetimeFigureOut">
               <a:rPr lang="ko-KR" altLang="en-US" smtClean="0"/>
-              <a:t>2013-03-19</a:t>
+              <a:t>2013-03-22</a:t>
             </a:fld>
             <a:endParaRPr lang="ko-KR" altLang="en-US"/>
           </a:p>
@@ -2390,7 +2400,7 @@
           <a:p>
             <a:fld id="{D698ECF3-E86C-4529-9833-4A4DF0A41B5F}" type="datetimeFigureOut">
               <a:rPr lang="ko-KR" altLang="en-US" smtClean="0"/>
-              <a:t>2013-03-19</a:t>
+              <a:t>2013-03-22</a:t>
             </a:fld>
             <a:endParaRPr lang="ko-KR" altLang="en-US"/>
           </a:p>
@@ -2655,7 +2665,7 @@
           <a:p>
             <a:fld id="{D698ECF3-E86C-4529-9833-4A4DF0A41B5F}" type="datetimeFigureOut">
               <a:rPr lang="ko-KR" altLang="en-US" smtClean="0"/>
-              <a:t>2013-03-19</a:t>
+              <a:t>2013-03-22</a:t>
             </a:fld>
             <a:endParaRPr lang="ko-KR" altLang="en-US"/>
           </a:p>
@@ -3017,7 +3027,7 @@
           <a:p>
             <a:fld id="{D698ECF3-E86C-4529-9833-4A4DF0A41B5F}" type="datetimeFigureOut">
               <a:rPr lang="ko-KR" altLang="en-US" smtClean="0"/>
-              <a:t>2013-03-19</a:t>
+              <a:t>2013-03-22</a:t>
             </a:fld>
             <a:endParaRPr lang="ko-KR" altLang="en-US"/>
           </a:p>
@@ -3244,7 +3254,7 @@
           <a:p>
             <a:fld id="{D698ECF3-E86C-4529-9833-4A4DF0A41B5F}" type="datetimeFigureOut">
               <a:rPr lang="ko-KR" altLang="en-US" smtClean="0"/>
-              <a:t>2013-03-19</a:t>
+              <a:t>2013-03-22</a:t>
             </a:fld>
             <a:endParaRPr lang="ko-KR" altLang="en-US"/>
           </a:p>
@@ -3334,7 +3344,7 @@
           <a:p>
             <a:fld id="{D698ECF3-E86C-4529-9833-4A4DF0A41B5F}" type="datetimeFigureOut">
               <a:rPr lang="ko-KR" altLang="en-US" smtClean="0"/>
-              <a:t>2013-03-19</a:t>
+              <a:t>2013-03-22</a:t>
             </a:fld>
             <a:endParaRPr lang="ko-KR" altLang="en-US"/>
           </a:p>
@@ -3601,7 +3611,7 @@
           <a:p>
             <a:fld id="{D698ECF3-E86C-4529-9833-4A4DF0A41B5F}" type="datetimeFigureOut">
               <a:rPr lang="ko-KR" altLang="en-US" smtClean="0"/>
-              <a:t>2013-03-19</a:t>
+              <a:t>2013-03-22</a:t>
             </a:fld>
             <a:endParaRPr lang="ko-KR" altLang="en-US"/>
           </a:p>
@@ -3829,7 +3839,7 @@
           <a:p>
             <a:fld id="{D698ECF3-E86C-4529-9833-4A4DF0A41B5F}" type="datetimeFigureOut">
               <a:rPr lang="ko-KR" altLang="en-US" smtClean="0"/>
-              <a:t>2013-03-19</a:t>
+              <a:t>2013-03-22</a:t>
             </a:fld>
             <a:endParaRPr lang="ko-KR" altLang="en-US"/>
           </a:p>
@@ -4328,7 +4338,7 @@
           <a:p>
             <a:fld id="{D698ECF3-E86C-4529-9833-4A4DF0A41B5F}" type="datetimeFigureOut">
               <a:rPr lang="ko-KR" altLang="en-US" smtClean="0"/>
-              <a:t>2013-03-19</a:t>
+              <a:t>2013-03-22</a:t>
             </a:fld>
             <a:endParaRPr lang="ko-KR" altLang="en-US"/>
           </a:p>
@@ -4928,6 +4938,13 @@
   <p:clrMapOvr>
     <a:masterClrMapping/>
   </p:clrMapOvr>
+  <p:timing>
+    <p:tnLst>
+      <p:par>
+        <p:cTn id="1" dur="indefinite" restart="never" nodeType="tmRoot"/>
+      </p:par>
+    </p:tnLst>
+  </p:timing>
 </p:sld>
 </file>
 
@@ -4968,7 +4985,7 @@
                 <a:latin typeface="+mn-ea"/>
                 <a:ea typeface="+mn-ea"/>
               </a:rPr>
-              <a:t>프로젝트 수행 목적</a:t>
+              <a:t>필요성과 개발 목표</a:t>
             </a:r>
             <a:endParaRPr lang="ko-KR" altLang="en-US" b="1" dirty="0">
               <a:latin typeface="+mn-ea"/>
@@ -5105,6 +5122,13 @@
   <p:clrMapOvr>
     <a:masterClrMapping/>
   </p:clrMapOvr>
+  <p:timing>
+    <p:tnLst>
+      <p:par>
+        <p:cTn id="1" dur="indefinite" restart="never" nodeType="tmRoot"/>
+      </p:par>
+    </p:tnLst>
+  </p:timing>
 </p:sld>
 </file>
 
@@ -5217,57 +5241,6 @@
           </a:p>
         </p:txBody>
       </p:sp>
-      <p:pic>
-        <p:nvPicPr>
-          <p:cNvPr id="1025" name="_x185768144" descr="EMB00000d84265e"/>
-          <p:cNvPicPr>
-            <a:picLocks noChangeAspect="1" noChangeArrowheads="1"/>
-          </p:cNvPicPr>
-          <p:nvPr/>
-        </p:nvPicPr>
-        <p:blipFill>
-          <a:blip r:embed="rId3">
-            <a:extLst>
-              <a:ext uri="{28A0092B-C50C-407E-A947-70E740481C1C}">
-                <a14:useLocalDpi xmlns:a14="http://schemas.microsoft.com/office/drawing/2010/main" val="0"/>
-              </a:ext>
-            </a:extLst>
-          </a:blip>
-          <a:srcRect/>
-          <a:stretch>
-            <a:fillRect/>
-          </a:stretch>
-        </p:blipFill>
-        <p:spPr bwMode="auto">
-          <a:xfrm>
-            <a:off x="1763688" y="2492896"/>
-            <a:ext cx="5165725" cy="2847975"/>
-          </a:xfrm>
-          <a:prstGeom prst="rect">
-            <a:avLst/>
-          </a:prstGeom>
-          <a:noFill/>
-          <a:ln>
-            <a:solidFill>
-              <a:schemeClr val="accent1"/>
-            </a:solidFill>
-          </a:ln>
-          <a:effectLst>
-            <a:glow rad="63500">
-              <a:schemeClr val="accent1"/>
-            </a:glow>
-          </a:effectLst>
-          <a:extLst>
-            <a:ext uri="{909E8E84-426E-40DD-AFC4-6F175D3DCCD1}">
-              <a14:hiddenFill xmlns:a14="http://schemas.microsoft.com/office/drawing/2010/main">
-                <a:solidFill>
-                  <a:srgbClr val="FFFFFF"/>
-                </a:solidFill>
-              </a14:hiddenFill>
-            </a:ext>
-          </a:extLst>
-        </p:spPr>
-      </p:pic>
       <p:cxnSp>
         <p:nvCxnSpPr>
           <p:cNvPr id="6" name="직선 연결선 5"/>
@@ -5298,6 +5271,406 @@
           </a:fontRef>
         </p:style>
       </p:cxnSp>
+      <p:grpSp>
+        <p:nvGrpSpPr>
+          <p:cNvPr id="3" name="그룹 2"/>
+          <p:cNvGrpSpPr/>
+          <p:nvPr/>
+        </p:nvGrpSpPr>
+        <p:grpSpPr>
+          <a:xfrm>
+            <a:off x="1288445" y="1581390"/>
+            <a:ext cx="6699469" cy="5050532"/>
+            <a:chOff x="395536" y="214313"/>
+            <a:chExt cx="7189955" cy="5446935"/>
+          </a:xfrm>
+        </p:grpSpPr>
+        <p:pic>
+          <p:nvPicPr>
+            <p:cNvPr id="9" name="Picture 4"/>
+            <p:cNvPicPr>
+              <a:picLocks noChangeAspect="1" noChangeArrowheads="1"/>
+            </p:cNvPicPr>
+            <p:nvPr/>
+          </p:nvPicPr>
+          <p:blipFill>
+            <a:blip r:embed="rId3">
+              <a:extLst>
+                <a:ext uri="{28A0092B-C50C-407E-A947-70E740481C1C}">
+                  <a14:useLocalDpi xmlns:a14="http://schemas.microsoft.com/office/drawing/2010/main" val="0"/>
+                </a:ext>
+              </a:extLst>
+            </a:blip>
+            <a:srcRect/>
+            <a:stretch>
+              <a:fillRect/>
+            </a:stretch>
+          </p:blipFill>
+          <p:spPr bwMode="auto">
+            <a:xfrm>
+              <a:off x="395536" y="214313"/>
+              <a:ext cx="7189955" cy="5446935"/>
+            </a:xfrm>
+            <a:prstGeom prst="rect">
+              <a:avLst/>
+            </a:prstGeom>
+            <a:noFill/>
+            <a:ln>
+              <a:noFill/>
+            </a:ln>
+            <a:effectLst/>
+            <a:extLst>
+              <a:ext uri="{909E8E84-426E-40DD-AFC4-6F175D3DCCD1}">
+                <a14:hiddenFill xmlns:a14="http://schemas.microsoft.com/office/drawing/2010/main">
+                  <a:solidFill>
+                    <a:schemeClr val="accent1"/>
+                  </a:solidFill>
+                </a14:hiddenFill>
+              </a:ext>
+              <a:ext uri="{91240B29-F687-4F45-9708-019B960494DF}">
+                <a14:hiddenLine xmlns:a14="http://schemas.microsoft.com/office/drawing/2010/main" w="9525">
+                  <a:solidFill>
+                    <a:schemeClr val="tx1"/>
+                  </a:solidFill>
+                  <a:miter lim="800000"/>
+                  <a:headEnd/>
+                  <a:tailEnd/>
+                </a14:hiddenLine>
+              </a:ext>
+              <a:ext uri="{AF507438-7753-43E0-B8FC-AC1667EBCBE1}">
+                <a14:hiddenEffects xmlns:a14="http://schemas.microsoft.com/office/drawing/2010/main">
+                  <a:effectLst>
+                    <a:outerShdw dist="35921" dir="2700000" algn="ctr" rotWithShape="0">
+                      <a:schemeClr val="bg2"/>
+                    </a:outerShdw>
+                  </a:effectLst>
+                </a14:hiddenEffects>
+              </a:ext>
+            </a:extLst>
+          </p:spPr>
+        </p:pic>
+        <p:sp>
+          <p:nvSpPr>
+            <p:cNvPr id="10" name="모서리가 둥근 직사각형 9"/>
+            <p:cNvSpPr/>
+            <p:nvPr/>
+          </p:nvSpPr>
+          <p:spPr>
+            <a:xfrm>
+              <a:off x="611560" y="3582201"/>
+              <a:ext cx="3228258" cy="1933433"/>
+            </a:xfrm>
+            <a:prstGeom prst="roundRect">
+              <a:avLst/>
+            </a:prstGeom>
+            <a:solidFill>
+              <a:schemeClr val="bg1">
+                <a:lumMod val="95000"/>
+              </a:schemeClr>
+            </a:solidFill>
+          </p:spPr>
+          <p:style>
+            <a:lnRef idx="2">
+              <a:schemeClr val="accent1">
+                <a:shade val="50000"/>
+              </a:schemeClr>
+            </a:lnRef>
+            <a:fillRef idx="1">
+              <a:schemeClr val="accent1"/>
+            </a:fillRef>
+            <a:effectRef idx="0">
+              <a:schemeClr val="accent1"/>
+            </a:effectRef>
+            <a:fontRef idx="minor">
+              <a:schemeClr val="lt1"/>
+            </a:fontRef>
+          </p:style>
+          <p:txBody>
+            <a:bodyPr rtlCol="0" anchor="ctr"/>
+            <a:lstStyle/>
+            <a:p>
+              <a:pPr algn="ctr"/>
+              <a:endParaRPr lang="ko-KR" altLang="en-US"/>
+            </a:p>
+          </p:txBody>
+        </p:sp>
+        <p:sp>
+          <p:nvSpPr>
+            <p:cNvPr id="11" name="모서리가 둥근 직사각형 10"/>
+            <p:cNvSpPr/>
+            <p:nvPr/>
+          </p:nvSpPr>
+          <p:spPr>
+            <a:xfrm>
+              <a:off x="4139952" y="3928796"/>
+              <a:ext cx="2699997" cy="966717"/>
+            </a:xfrm>
+            <a:prstGeom prst="roundRect">
+              <a:avLst/>
+            </a:prstGeom>
+            <a:solidFill>
+              <a:schemeClr val="bg1">
+                <a:lumMod val="95000"/>
+              </a:schemeClr>
+            </a:solidFill>
+          </p:spPr>
+          <p:style>
+            <a:lnRef idx="2">
+              <a:schemeClr val="accent1">
+                <a:shade val="50000"/>
+              </a:schemeClr>
+            </a:lnRef>
+            <a:fillRef idx="1">
+              <a:schemeClr val="accent1"/>
+            </a:fillRef>
+            <a:effectRef idx="0">
+              <a:schemeClr val="accent1"/>
+            </a:effectRef>
+            <a:fontRef idx="minor">
+              <a:schemeClr val="lt1"/>
+            </a:fontRef>
+          </p:style>
+          <p:txBody>
+            <a:bodyPr rtlCol="0" anchor="ctr"/>
+            <a:lstStyle/>
+            <a:p>
+              <a:pPr algn="ctr"/>
+              <a:endParaRPr lang="ko-KR" altLang="en-US"/>
+            </a:p>
+          </p:txBody>
+        </p:sp>
+        <p:sp>
+          <p:nvSpPr>
+            <p:cNvPr id="12" name="모서리가 둥근 직사각형 11"/>
+            <p:cNvSpPr/>
+            <p:nvPr/>
+          </p:nvSpPr>
+          <p:spPr>
+            <a:xfrm>
+              <a:off x="4067944" y="3098843"/>
+              <a:ext cx="1512168" cy="483358"/>
+            </a:xfrm>
+            <a:prstGeom prst="roundRect">
+              <a:avLst/>
+            </a:prstGeom>
+            <a:solidFill>
+              <a:schemeClr val="bg1">
+                <a:lumMod val="95000"/>
+              </a:schemeClr>
+            </a:solidFill>
+          </p:spPr>
+          <p:style>
+            <a:lnRef idx="2">
+              <a:schemeClr val="accent1">
+                <a:shade val="50000"/>
+              </a:schemeClr>
+            </a:lnRef>
+            <a:fillRef idx="1">
+              <a:schemeClr val="accent1"/>
+            </a:fillRef>
+            <a:effectRef idx="0">
+              <a:schemeClr val="accent1"/>
+            </a:effectRef>
+            <a:fontRef idx="minor">
+              <a:schemeClr val="lt1"/>
+            </a:fontRef>
+          </p:style>
+          <p:txBody>
+            <a:bodyPr rtlCol="0" anchor="ctr"/>
+            <a:lstStyle/>
+            <a:p>
+              <a:pPr algn="ctr"/>
+              <a:endParaRPr lang="ko-KR" altLang="en-US"/>
+            </a:p>
+          </p:txBody>
+        </p:sp>
+        <p:sp>
+          <p:nvSpPr>
+            <p:cNvPr id="13" name="모서리가 둥근 직사각형 12"/>
+            <p:cNvSpPr/>
+            <p:nvPr/>
+          </p:nvSpPr>
+          <p:spPr>
+            <a:xfrm>
+              <a:off x="628353" y="2996952"/>
+              <a:ext cx="1343038" cy="483358"/>
+            </a:xfrm>
+            <a:prstGeom prst="roundRect">
+              <a:avLst/>
+            </a:prstGeom>
+            <a:solidFill>
+              <a:schemeClr val="bg1">
+                <a:lumMod val="95000"/>
+              </a:schemeClr>
+            </a:solidFill>
+          </p:spPr>
+          <p:style>
+            <a:lnRef idx="2">
+              <a:schemeClr val="accent1">
+                <a:shade val="50000"/>
+              </a:schemeClr>
+            </a:lnRef>
+            <a:fillRef idx="1">
+              <a:schemeClr val="accent1"/>
+            </a:fillRef>
+            <a:effectRef idx="0">
+              <a:schemeClr val="accent1"/>
+            </a:effectRef>
+            <a:fontRef idx="minor">
+              <a:schemeClr val="lt1"/>
+            </a:fontRef>
+          </p:style>
+          <p:txBody>
+            <a:bodyPr rtlCol="0" anchor="ctr"/>
+            <a:lstStyle/>
+            <a:p>
+              <a:pPr algn="ctr"/>
+              <a:endParaRPr lang="ko-KR" altLang="en-US"/>
+            </a:p>
+          </p:txBody>
+        </p:sp>
+        <p:sp>
+          <p:nvSpPr>
+            <p:cNvPr id="14" name="TextBox 13"/>
+            <p:cNvSpPr txBox="1"/>
+            <p:nvPr/>
+          </p:nvSpPr>
+          <p:spPr>
+            <a:xfrm>
+              <a:off x="611560" y="3053965"/>
+              <a:ext cx="1542121" cy="369332"/>
+            </a:xfrm>
+            <a:prstGeom prst="rect">
+              <a:avLst/>
+            </a:prstGeom>
+            <a:noFill/>
+          </p:spPr>
+          <p:txBody>
+            <a:bodyPr wrap="square" rtlCol="0">
+              <a:spAutoFit/>
+            </a:bodyPr>
+            <a:lstStyle/>
+            <a:p>
+              <a:r>
+                <a:rPr lang="ko-KR" altLang="en-US" dirty="0" smtClean="0"/>
+                <a:t>번역된 문장</a:t>
+              </a:r>
+              <a:endParaRPr lang="ko-KR" altLang="en-US" dirty="0"/>
+            </a:p>
+          </p:txBody>
+        </p:sp>
+        <p:sp>
+          <p:nvSpPr>
+            <p:cNvPr id="15" name="TextBox 14"/>
+            <p:cNvSpPr txBox="1"/>
+            <p:nvPr/>
+          </p:nvSpPr>
+          <p:spPr>
+            <a:xfrm>
+              <a:off x="4114349" y="3155856"/>
+              <a:ext cx="1687616" cy="369332"/>
+            </a:xfrm>
+            <a:prstGeom prst="rect">
+              <a:avLst/>
+            </a:prstGeom>
+            <a:noFill/>
+          </p:spPr>
+          <p:txBody>
+            <a:bodyPr wrap="square" rtlCol="0">
+              <a:spAutoFit/>
+            </a:bodyPr>
+            <a:lstStyle/>
+            <a:p>
+              <a:r>
+                <a:rPr lang="ko-KR" altLang="en-US" dirty="0" smtClean="0"/>
+                <a:t>번역된 단어</a:t>
+              </a:r>
+              <a:endParaRPr lang="ko-KR" altLang="en-US" dirty="0"/>
+            </a:p>
+          </p:txBody>
+        </p:sp>
+        <p:sp>
+          <p:nvSpPr>
+            <p:cNvPr id="16" name="TextBox 15"/>
+            <p:cNvSpPr txBox="1"/>
+            <p:nvPr/>
+          </p:nvSpPr>
+          <p:spPr>
+            <a:xfrm>
+              <a:off x="784166" y="4895513"/>
+              <a:ext cx="2883045" cy="369332"/>
+            </a:xfrm>
+            <a:prstGeom prst="rect">
+              <a:avLst/>
+            </a:prstGeom>
+            <a:noFill/>
+          </p:spPr>
+          <p:txBody>
+            <a:bodyPr wrap="square" rtlCol="0">
+              <a:spAutoFit/>
+            </a:bodyPr>
+            <a:lstStyle/>
+            <a:p>
+              <a:r>
+                <a:rPr lang="ko-KR" altLang="en-US" dirty="0" smtClean="0"/>
+                <a:t>오늘 농구를 했다</a:t>
+              </a:r>
+              <a:r>
+                <a:rPr lang="en-US" altLang="ko-KR" dirty="0" smtClean="0"/>
+                <a:t>.</a:t>
+              </a:r>
+              <a:endParaRPr lang="ko-KR" altLang="en-US" dirty="0"/>
+            </a:p>
+          </p:txBody>
+        </p:sp>
+        <p:sp>
+          <p:nvSpPr>
+            <p:cNvPr id="17" name="TextBox 16"/>
+            <p:cNvSpPr txBox="1"/>
+            <p:nvPr/>
+          </p:nvSpPr>
+          <p:spPr>
+            <a:xfrm>
+              <a:off x="4211960" y="3928796"/>
+              <a:ext cx="2883045" cy="923330"/>
+            </a:xfrm>
+            <a:prstGeom prst="rect">
+              <a:avLst/>
+            </a:prstGeom>
+            <a:noFill/>
+          </p:spPr>
+          <p:txBody>
+            <a:bodyPr wrap="square" rtlCol="0">
+              <a:spAutoFit/>
+            </a:bodyPr>
+            <a:lstStyle/>
+            <a:p>
+              <a:r>
+                <a:rPr lang="ko-KR" altLang="en-US" dirty="0" smtClean="0"/>
+                <a:t>오늘</a:t>
+              </a:r>
+              <a:endParaRPr lang="en-US" altLang="ko-KR" dirty="0" smtClean="0"/>
+            </a:p>
+            <a:p>
+              <a:r>
+                <a:rPr lang="ko-KR" altLang="en-US" dirty="0" smtClean="0"/>
+                <a:t>농구</a:t>
+              </a:r>
+              <a:endParaRPr lang="en-US" altLang="ko-KR" dirty="0" smtClean="0"/>
+            </a:p>
+            <a:p>
+              <a:r>
+                <a:rPr lang="ko-KR" altLang="en-US" dirty="0" smtClean="0"/>
+                <a:t>하</a:t>
+              </a:r>
+              <a:r>
+                <a:rPr lang="ko-KR" altLang="en-US" dirty="0"/>
+                <a:t>다</a:t>
+              </a:r>
+            </a:p>
+          </p:txBody>
+        </p:sp>
+      </p:grpSp>
     </p:spTree>
     <p:extLst>
       <p:ext uri="{BB962C8B-B14F-4D97-AF65-F5344CB8AC3E}">
@@ -5308,6 +5681,13 @@
   <p:clrMapOvr>
     <a:masterClrMapping/>
   </p:clrMapOvr>
+  <p:timing>
+    <p:tnLst>
+      <p:par>
+        <p:cTn id="1" dur="indefinite" restart="never" nodeType="tmRoot"/>
+      </p:par>
+    </p:tnLst>
+  </p:timing>
 </p:sld>
 </file>
 
@@ -5330,6 +5710,69 @@
       </p:grpSpPr>
       <p:sp>
         <p:nvSpPr>
+          <p:cNvPr id="23" name="모서리가 둥근 직사각형 22"/>
+          <p:cNvSpPr/>
+          <p:nvPr/>
+        </p:nvSpPr>
+        <p:spPr>
+          <a:xfrm>
+            <a:off x="6084168" y="2060848"/>
+            <a:ext cx="2376264" cy="4176464"/>
+          </a:xfrm>
+          <a:prstGeom prst="roundRect">
+            <a:avLst/>
+          </a:prstGeom>
+          <a:solidFill>
+            <a:srgbClr val="0070C0"/>
+          </a:solidFill>
+          <a:ln>
+            <a:solidFill>
+              <a:schemeClr val="tx1"/>
+            </a:solidFill>
+          </a:ln>
+        </p:spPr>
+        <p:style>
+          <a:lnRef idx="2">
+            <a:schemeClr val="accent1">
+              <a:shade val="50000"/>
+            </a:schemeClr>
+          </a:lnRef>
+          <a:fillRef idx="1">
+            <a:schemeClr val="accent1"/>
+          </a:fillRef>
+          <a:effectRef idx="0">
+            <a:schemeClr val="accent1"/>
+          </a:effectRef>
+          <a:fontRef idx="minor">
+            <a:schemeClr val="lt1"/>
+          </a:fontRef>
+        </p:style>
+        <p:txBody>
+          <a:bodyPr rtlCol="0" anchor="t" anchorCtr="0"/>
+          <a:lstStyle/>
+          <a:p>
+            <a:pPr algn="ctr"/>
+            <a:r>
+              <a:rPr lang="ko-KR" altLang="en-US" b="1" dirty="0" smtClean="0">
+                <a:solidFill>
+                  <a:schemeClr val="bg1"/>
+                </a:solidFill>
+              </a:rPr>
+              <a:t>수화번역시스</a:t>
+            </a:r>
+            <a:r>
+              <a:rPr lang="ko-KR" altLang="en-US" b="1" dirty="0">
+                <a:solidFill>
+                  <a:schemeClr val="bg1"/>
+                </a:solidFill>
+              </a:rPr>
+              <a:t>템</a:t>
+            </a:r>
+          </a:p>
+        </p:txBody>
+      </p:sp>
+      <p:sp>
+        <p:nvSpPr>
           <p:cNvPr id="2" name="제목 1"/>
           <p:cNvSpPr>
             <a:spLocks noGrp="1"/>
@@ -5348,7 +5791,14 @@
                 <a:latin typeface="+mn-ea"/>
                 <a:ea typeface="+mn-ea"/>
               </a:rPr>
-              <a:t>수화번역 시스템</a:t>
+              <a:t>수화번역 </a:t>
+            </a:r>
+            <a:r>
+              <a:rPr lang="ko-KR" altLang="en-US" b="1" dirty="0" smtClean="0">
+                <a:latin typeface="+mn-ea"/>
+                <a:ea typeface="+mn-ea"/>
+              </a:rPr>
+              <a:t>시스템 구조</a:t>
             </a:r>
             <a:endParaRPr lang="ko-KR" altLang="en-US" b="1" dirty="0">
               <a:latin typeface="+mn-ea"/>
@@ -5420,57 +5870,6 @@
           </a:p>
         </p:txBody>
       </p:sp>
-      <p:pic>
-        <p:nvPicPr>
-          <p:cNvPr id="2049" name="_x185765264" descr="EMB00000d842661"/>
-          <p:cNvPicPr>
-            <a:picLocks noChangeAspect="1" noChangeArrowheads="1"/>
-          </p:cNvPicPr>
-          <p:nvPr/>
-        </p:nvPicPr>
-        <p:blipFill>
-          <a:blip r:embed="rId3">
-            <a:extLst>
-              <a:ext uri="{28A0092B-C50C-407E-A947-70E740481C1C}">
-                <a14:useLocalDpi xmlns:a14="http://schemas.microsoft.com/office/drawing/2010/main" val="0"/>
-              </a:ext>
-            </a:extLst>
-          </a:blip>
-          <a:srcRect/>
-          <a:stretch>
-            <a:fillRect/>
-          </a:stretch>
-        </p:blipFill>
-        <p:spPr bwMode="auto">
-          <a:xfrm>
-            <a:off x="849012" y="2060848"/>
-            <a:ext cx="7295673" cy="3960440"/>
-          </a:xfrm>
-          <a:prstGeom prst="rect">
-            <a:avLst/>
-          </a:prstGeom>
-          <a:noFill/>
-          <a:ln>
-            <a:solidFill>
-              <a:schemeClr val="accent1"/>
-            </a:solidFill>
-          </a:ln>
-          <a:effectLst>
-            <a:glow rad="127000">
-              <a:schemeClr val="bg1"/>
-            </a:glow>
-          </a:effectLst>
-          <a:extLst>
-            <a:ext uri="{909E8E84-426E-40DD-AFC4-6F175D3DCCD1}">
-              <a14:hiddenFill xmlns:a14="http://schemas.microsoft.com/office/drawing/2010/main">
-                <a:solidFill>
-                  <a:srgbClr val="FFFFFF"/>
-                </a:solidFill>
-              </a14:hiddenFill>
-            </a:ext>
-          </a:extLst>
-        </p:spPr>
-      </p:pic>
       <p:cxnSp>
         <p:nvCxnSpPr>
           <p:cNvPr id="6" name="직선 연결선 5"/>
@@ -5501,6 +5900,430 @@
           </a:fontRef>
         </p:style>
       </p:cxnSp>
+      <p:sp>
+        <p:nvSpPr>
+          <p:cNvPr id="3" name="순서도: 자기 디스크 2"/>
+          <p:cNvSpPr/>
+          <p:nvPr/>
+        </p:nvSpPr>
+        <p:spPr>
+          <a:xfrm>
+            <a:off x="6300192" y="4869160"/>
+            <a:ext cx="2016224" cy="720080"/>
+          </a:xfrm>
+          <a:prstGeom prst="flowChartMagneticDisk">
+            <a:avLst/>
+          </a:prstGeom>
+          <a:solidFill>
+            <a:srgbClr val="92D050"/>
+          </a:solidFill>
+        </p:spPr>
+        <p:style>
+          <a:lnRef idx="2">
+            <a:schemeClr val="accent1">
+              <a:shade val="50000"/>
+            </a:schemeClr>
+          </a:lnRef>
+          <a:fillRef idx="1">
+            <a:schemeClr val="accent1"/>
+          </a:fillRef>
+          <a:effectRef idx="0">
+            <a:schemeClr val="accent1"/>
+          </a:effectRef>
+          <a:fontRef idx="minor">
+            <a:schemeClr val="lt1"/>
+          </a:fontRef>
+        </p:style>
+        <p:txBody>
+          <a:bodyPr rtlCol="0" anchor="ctr"/>
+          <a:lstStyle/>
+          <a:p>
+            <a:pPr algn="ctr"/>
+            <a:r>
+              <a:rPr lang="ko-KR" altLang="en-US" b="1" dirty="0" smtClean="0">
+                <a:solidFill>
+                  <a:schemeClr val="tx1">
+                    <a:lumMod val="95000"/>
+                    <a:lumOff val="5000"/>
+                  </a:schemeClr>
+                </a:solidFill>
+              </a:rPr>
+              <a:t>수화 </a:t>
+            </a:r>
+            <a:r>
+              <a:rPr lang="en-US" altLang="ko-KR" b="1" dirty="0" smtClean="0">
+                <a:solidFill>
+                  <a:schemeClr val="tx1">
+                    <a:lumMod val="95000"/>
+                    <a:lumOff val="5000"/>
+                  </a:schemeClr>
+                </a:solidFill>
+              </a:rPr>
+              <a:t>DB</a:t>
+            </a:r>
+            <a:endParaRPr lang="ko-KR" altLang="en-US" b="1" dirty="0">
+              <a:solidFill>
+                <a:schemeClr val="tx1">
+                  <a:lumMod val="95000"/>
+                  <a:lumOff val="5000"/>
+                </a:schemeClr>
+              </a:solidFill>
+            </a:endParaRPr>
+          </a:p>
+        </p:txBody>
+      </p:sp>
+      <p:pic>
+        <p:nvPicPr>
+          <p:cNvPr id="7" name="Picture 2"/>
+          <p:cNvPicPr>
+            <a:picLocks noChangeAspect="1" noChangeArrowheads="1"/>
+          </p:cNvPicPr>
+          <p:nvPr/>
+        </p:nvPicPr>
+        <p:blipFill>
+          <a:blip r:embed="rId3">
+            <a:extLst>
+              <a:ext uri="{28A0092B-C50C-407E-A947-70E740481C1C}">
+                <a14:useLocalDpi xmlns:a14="http://schemas.microsoft.com/office/drawing/2010/main" val="0"/>
+              </a:ext>
+            </a:extLst>
+          </a:blip>
+          <a:srcRect/>
+          <a:stretch>
+            <a:fillRect/>
+          </a:stretch>
+        </p:blipFill>
+        <p:spPr bwMode="auto">
+          <a:xfrm>
+            <a:off x="409575" y="2132856"/>
+            <a:ext cx="4162425" cy="1333500"/>
+          </a:xfrm>
+          <a:prstGeom prst="rect">
+            <a:avLst/>
+          </a:prstGeom>
+          <a:noFill/>
+          <a:ln>
+            <a:noFill/>
+          </a:ln>
+          <a:extLst>
+            <a:ext uri="{909E8E84-426E-40DD-AFC4-6F175D3DCCD1}">
+              <a14:hiddenFill xmlns:a14="http://schemas.microsoft.com/office/drawing/2010/main">
+                <a:solidFill>
+                  <a:schemeClr val="accent1"/>
+                </a:solidFill>
+              </a14:hiddenFill>
+            </a:ext>
+            <a:ext uri="{91240B29-F687-4F45-9708-019B960494DF}">
+              <a14:hiddenLine xmlns:a14="http://schemas.microsoft.com/office/drawing/2010/main" w="9525">
+                <a:solidFill>
+                  <a:schemeClr val="tx1"/>
+                </a:solidFill>
+                <a:miter lim="800000"/>
+                <a:headEnd/>
+                <a:tailEnd/>
+              </a14:hiddenLine>
+            </a:ext>
+          </a:extLst>
+        </p:spPr>
+      </p:pic>
+      <p:sp>
+        <p:nvSpPr>
+          <p:cNvPr id="5" name="모서리가 둥근 직사각형 4"/>
+          <p:cNvSpPr/>
+          <p:nvPr/>
+        </p:nvSpPr>
+        <p:spPr>
+          <a:xfrm>
+            <a:off x="6300192" y="2799379"/>
+            <a:ext cx="1944216" cy="893787"/>
+          </a:xfrm>
+          <a:prstGeom prst="roundRect">
+            <a:avLst/>
+          </a:prstGeom>
+          <a:solidFill>
+            <a:srgbClr val="92D050"/>
+          </a:solidFill>
+        </p:spPr>
+        <p:style>
+          <a:lnRef idx="2">
+            <a:schemeClr val="accent1">
+              <a:shade val="50000"/>
+            </a:schemeClr>
+          </a:lnRef>
+          <a:fillRef idx="1">
+            <a:schemeClr val="accent1"/>
+          </a:fillRef>
+          <a:effectRef idx="0">
+            <a:schemeClr val="accent1"/>
+          </a:effectRef>
+          <a:fontRef idx="minor">
+            <a:schemeClr val="lt1"/>
+          </a:fontRef>
+        </p:style>
+        <p:txBody>
+          <a:bodyPr rtlCol="0" anchor="ctr"/>
+          <a:lstStyle/>
+          <a:p>
+            <a:pPr algn="ctr"/>
+            <a:r>
+              <a:rPr lang="ko-KR" altLang="en-US" b="1" dirty="0" smtClean="0">
+                <a:solidFill>
+                  <a:schemeClr val="tx1">
+                    <a:lumMod val="95000"/>
+                    <a:lumOff val="5000"/>
+                  </a:schemeClr>
+                </a:solidFill>
+              </a:rPr>
+              <a:t>수화 검출기</a:t>
+            </a:r>
+            <a:endParaRPr lang="en-US" altLang="ko-KR" b="1" dirty="0" smtClean="0">
+              <a:solidFill>
+                <a:schemeClr val="tx1">
+                  <a:lumMod val="95000"/>
+                  <a:lumOff val="5000"/>
+                </a:schemeClr>
+              </a:solidFill>
+            </a:endParaRPr>
+          </a:p>
+        </p:txBody>
+      </p:sp>
+      <p:cxnSp>
+        <p:nvCxnSpPr>
+          <p:cNvPr id="9" name="직선 화살표 연결선 8"/>
+          <p:cNvCxnSpPr/>
+          <p:nvPr/>
+        </p:nvCxnSpPr>
+        <p:spPr>
+          <a:xfrm>
+            <a:off x="4539312" y="2897236"/>
+            <a:ext cx="1472848" cy="243732"/>
+          </a:xfrm>
+          <a:prstGeom prst="straightConnector1">
+            <a:avLst/>
+          </a:prstGeom>
+          <a:ln>
+            <a:tailEnd type="arrow"/>
+          </a:ln>
+        </p:spPr>
+        <p:style>
+          <a:lnRef idx="3">
+            <a:schemeClr val="accent1"/>
+          </a:lnRef>
+          <a:fillRef idx="0">
+            <a:schemeClr val="accent1"/>
+          </a:fillRef>
+          <a:effectRef idx="2">
+            <a:schemeClr val="accent1"/>
+          </a:effectRef>
+          <a:fontRef idx="minor">
+            <a:schemeClr val="tx1"/>
+          </a:fontRef>
+        </p:style>
+      </p:cxnSp>
+      <p:cxnSp>
+        <p:nvCxnSpPr>
+          <p:cNvPr id="12" name="직선 화살표 연결선 11"/>
+          <p:cNvCxnSpPr/>
+          <p:nvPr/>
+        </p:nvCxnSpPr>
+        <p:spPr>
+          <a:xfrm flipV="1">
+            <a:off x="7452320" y="3693166"/>
+            <a:ext cx="0" cy="1175993"/>
+          </a:xfrm>
+          <a:prstGeom prst="straightConnector1">
+            <a:avLst/>
+          </a:prstGeom>
+          <a:ln>
+            <a:tailEnd type="arrow"/>
+          </a:ln>
+        </p:spPr>
+        <p:style>
+          <a:lnRef idx="3">
+            <a:schemeClr val="accent1"/>
+          </a:lnRef>
+          <a:fillRef idx="0">
+            <a:schemeClr val="accent1"/>
+          </a:fillRef>
+          <a:effectRef idx="2">
+            <a:schemeClr val="accent1"/>
+          </a:effectRef>
+          <a:fontRef idx="minor">
+            <a:schemeClr val="tx1"/>
+          </a:fontRef>
+        </p:style>
+      </p:cxnSp>
+      <p:cxnSp>
+        <p:nvCxnSpPr>
+          <p:cNvPr id="13" name="직선 화살표 연결선 12"/>
+          <p:cNvCxnSpPr/>
+          <p:nvPr/>
+        </p:nvCxnSpPr>
+        <p:spPr>
+          <a:xfrm>
+            <a:off x="6948264" y="3693167"/>
+            <a:ext cx="36004" cy="1175994"/>
+          </a:xfrm>
+          <a:prstGeom prst="straightConnector1">
+            <a:avLst/>
+          </a:prstGeom>
+          <a:ln>
+            <a:tailEnd type="arrow"/>
+          </a:ln>
+        </p:spPr>
+        <p:style>
+          <a:lnRef idx="3">
+            <a:schemeClr val="accent1"/>
+          </a:lnRef>
+          <a:fillRef idx="0">
+            <a:schemeClr val="accent1"/>
+          </a:fillRef>
+          <a:effectRef idx="2">
+            <a:schemeClr val="accent1"/>
+          </a:effectRef>
+          <a:fontRef idx="minor">
+            <a:schemeClr val="tx1"/>
+          </a:fontRef>
+        </p:style>
+      </p:cxnSp>
+      <p:pic>
+        <p:nvPicPr>
+          <p:cNvPr id="20" name="_x185768144" descr="EMB00000d84265e"/>
+          <p:cNvPicPr>
+            <a:picLocks noChangeAspect="1" noChangeArrowheads="1"/>
+          </p:cNvPicPr>
+          <p:nvPr/>
+        </p:nvPicPr>
+        <p:blipFill>
+          <a:blip r:embed="rId4" cstate="print">
+            <a:extLst>
+              <a:ext uri="{28A0092B-C50C-407E-A947-70E740481C1C}">
+                <a14:useLocalDpi xmlns:a14="http://schemas.microsoft.com/office/drawing/2010/main" val="0"/>
+              </a:ext>
+            </a:extLst>
+          </a:blip>
+          <a:srcRect/>
+          <a:stretch>
+            <a:fillRect/>
+          </a:stretch>
+        </p:blipFill>
+        <p:spPr bwMode="auto">
+          <a:xfrm>
+            <a:off x="849630" y="4149080"/>
+            <a:ext cx="3282314" cy="1809610"/>
+          </a:xfrm>
+          <a:prstGeom prst="rect">
+            <a:avLst/>
+          </a:prstGeom>
+          <a:noFill/>
+          <a:ln>
+            <a:solidFill>
+              <a:schemeClr val="accent1"/>
+            </a:solidFill>
+          </a:ln>
+          <a:effectLst>
+            <a:glow rad="63500">
+              <a:schemeClr val="accent1"/>
+            </a:glow>
+          </a:effectLst>
+          <a:extLst>
+            <a:ext uri="{909E8E84-426E-40DD-AFC4-6F175D3DCCD1}">
+              <a14:hiddenFill xmlns:a14="http://schemas.microsoft.com/office/drawing/2010/main">
+                <a:solidFill>
+                  <a:srgbClr val="FFFFFF"/>
+                </a:solidFill>
+              </a14:hiddenFill>
+            </a:ext>
+          </a:extLst>
+        </p:spPr>
+      </p:pic>
+      <p:cxnSp>
+        <p:nvCxnSpPr>
+          <p:cNvPr id="21" name="직선 화살표 연결선 20"/>
+          <p:cNvCxnSpPr/>
+          <p:nvPr/>
+        </p:nvCxnSpPr>
+        <p:spPr>
+          <a:xfrm flipH="1">
+            <a:off x="4355976" y="3356992"/>
+            <a:ext cx="1656184" cy="1344081"/>
+          </a:xfrm>
+          <a:prstGeom prst="straightConnector1">
+            <a:avLst/>
+          </a:prstGeom>
+          <a:ln>
+            <a:tailEnd type="arrow"/>
+          </a:ln>
+        </p:spPr>
+        <p:style>
+          <a:lnRef idx="3">
+            <a:schemeClr val="accent1"/>
+          </a:lnRef>
+          <a:fillRef idx="0">
+            <a:schemeClr val="accent1"/>
+          </a:fillRef>
+          <a:effectRef idx="2">
+            <a:schemeClr val="accent1"/>
+          </a:effectRef>
+          <a:fontRef idx="minor">
+            <a:schemeClr val="tx1"/>
+          </a:fontRef>
+        </p:style>
+      </p:cxnSp>
+      <p:pic>
+        <p:nvPicPr>
+          <p:cNvPr id="2052" name="Picture 4"/>
+          <p:cNvPicPr>
+            <a:picLocks noChangeAspect="1" noChangeArrowheads="1"/>
+          </p:cNvPicPr>
+          <p:nvPr/>
+        </p:nvPicPr>
+        <p:blipFill>
+          <a:blip r:embed="rId5">
+            <a:extLst>
+              <a:ext uri="{28A0092B-C50C-407E-A947-70E740481C1C}">
+                <a14:useLocalDpi xmlns:a14="http://schemas.microsoft.com/office/drawing/2010/main" val="0"/>
+              </a:ext>
+            </a:extLst>
+          </a:blip>
+          <a:srcRect/>
+          <a:stretch>
+            <a:fillRect/>
+          </a:stretch>
+        </p:blipFill>
+        <p:spPr bwMode="auto">
+          <a:xfrm>
+            <a:off x="395536" y="3791822"/>
+            <a:ext cx="3867150" cy="2524125"/>
+          </a:xfrm>
+          <a:prstGeom prst="rect">
+            <a:avLst/>
+          </a:prstGeom>
+          <a:noFill/>
+          <a:ln>
+            <a:noFill/>
+          </a:ln>
+          <a:extLst>
+            <a:ext uri="{909E8E84-426E-40DD-AFC4-6F175D3DCCD1}">
+              <a14:hiddenFill xmlns:a14="http://schemas.microsoft.com/office/drawing/2010/main">
+                <a:solidFill>
+                  <a:schemeClr val="accent1"/>
+                </a:solidFill>
+              </a14:hiddenFill>
+            </a:ext>
+            <a:ext uri="{91240B29-F687-4F45-9708-019B960494DF}">
+              <a14:hiddenLine xmlns:a14="http://schemas.microsoft.com/office/drawing/2010/main" w="9525">
+                <a:solidFill>
+                  <a:schemeClr val="tx1"/>
+                </a:solidFill>
+                <a:miter lim="800000"/>
+                <a:headEnd/>
+                <a:tailEnd/>
+              </a14:hiddenLine>
+            </a:ext>
+          </a:extLst>
+        </p:spPr>
+      </p:pic>
     </p:spTree>
     <p:extLst>
       <p:ext uri="{BB962C8B-B14F-4D97-AF65-F5344CB8AC3E}">
@@ -5511,6 +6334,13 @@
   <p:clrMapOvr>
     <a:masterClrMapping/>
   </p:clrMapOvr>
+  <p:timing>
+    <p:tnLst>
+      <p:par>
+        <p:cTn id="1" dur="indefinite" restart="never" nodeType="tmRoot"/>
+      </p:par>
+    </p:tnLst>
+  </p:timing>
 </p:sld>
 </file>
 
@@ -5796,6 +6626,13 @@
   <p:clrMapOvr>
     <a:masterClrMapping/>
   </p:clrMapOvr>
+  <p:timing>
+    <p:tnLst>
+      <p:par>
+        <p:cTn id="1" dur="indefinite" restart="never" nodeType="tmRoot"/>
+      </p:par>
+    </p:tnLst>
+  </p:timing>
 </p:sld>
 </file>
 
@@ -5857,7 +6694,7 @@
         </p:nvSpPr>
         <p:spPr>
           <a:xfrm>
-            <a:off x="721804" y="1844824"/>
+            <a:off x="1187624" y="1844824"/>
             <a:ext cx="7772400" cy="4572000"/>
           </a:xfrm>
         </p:spPr>
@@ -5906,6 +6743,7990 @@
           </a:fontRef>
         </p:style>
       </p:cxnSp>
+      <p:graphicFrame>
+        <p:nvGraphicFramePr>
+          <p:cNvPr id="5" name="표 4"/>
+          <p:cNvGraphicFramePr>
+            <a:graphicFrameLocks noGrp="1"/>
+          </p:cNvGraphicFramePr>
+          <p:nvPr>
+            <p:extLst>
+              <p:ext uri="{D42A27DB-BD31-4B8C-83A1-F6EECF244321}">
+                <p14:modId xmlns:p14="http://schemas.microsoft.com/office/powerpoint/2010/main" val="2376965093"/>
+              </p:ext>
+            </p:extLst>
+          </p:nvPr>
+        </p:nvGraphicFramePr>
+        <p:xfrm>
+          <a:off x="1115616" y="2420888"/>
+          <a:ext cx="5438902" cy="3736086"/>
+        </p:xfrm>
+        <a:graphic>
+          <a:graphicData uri="http://schemas.openxmlformats.org/drawingml/2006/table">
+            <a:tbl>
+              <a:tblPr/>
+              <a:tblGrid>
+                <a:gridCol w="361950"/>
+                <a:gridCol w="1241679"/>
+                <a:gridCol w="224917"/>
+                <a:gridCol w="225044"/>
+                <a:gridCol w="224917"/>
+                <a:gridCol w="225044"/>
+                <a:gridCol w="224917"/>
+                <a:gridCol w="225044"/>
+                <a:gridCol w="224917"/>
+                <a:gridCol w="179578"/>
+                <a:gridCol w="270383"/>
+                <a:gridCol w="225044"/>
+                <a:gridCol w="224917"/>
+                <a:gridCol w="225044"/>
+                <a:gridCol w="1135507"/>
+              </a:tblGrid>
+              <a:tr h="240284">
+                <a:tc rowSpan="2">
+                  <a:txBody>
+                    <a:bodyPr/>
+                    <a:lstStyle/>
+                    <a:p>
+                      <a:pPr marL="0" marR="0" indent="0" algn="ctr" fontAlgn="base" latinLnBrk="0">
+                        <a:lnSpc>
+                          <a:spcPct val="120000"/>
+                        </a:lnSpc>
+                        <a:spcBef>
+                          <a:spcPts val="0"/>
+                        </a:spcBef>
+                        <a:spcAft>
+                          <a:spcPts val="0"/>
+                        </a:spcAft>
+                      </a:pPr>
+                      <a:r>
+                        <a:rPr lang="ko-KR" altLang="en-US" sz="1000" b="1" kern="0" spc="0" dirty="0">
+                          <a:solidFill>
+                            <a:srgbClr val="000000"/>
+                          </a:solidFill>
+                          <a:effectLst/>
+                          <a:ea typeface="굴림체"/>
+                        </a:rPr>
+                        <a:t>일련</a:t>
+                      </a:r>
+                      <a:endParaRPr lang="ko-KR" altLang="en-US" sz="1000" kern="0" spc="0" dirty="0">
+                        <a:solidFill>
+                          <a:srgbClr val="000000"/>
+                        </a:solidFill>
+                        <a:effectLst/>
+                      </a:endParaRPr>
+                    </a:p>
+                    <a:p>
+                      <a:pPr marL="0" marR="0" indent="0" algn="ctr" fontAlgn="base" latinLnBrk="0">
+                        <a:lnSpc>
+                          <a:spcPct val="120000"/>
+                        </a:lnSpc>
+                        <a:spcBef>
+                          <a:spcPts val="0"/>
+                        </a:spcBef>
+                        <a:spcAft>
+                          <a:spcPts val="0"/>
+                        </a:spcAft>
+                      </a:pPr>
+                      <a:r>
+                        <a:rPr lang="ko-KR" altLang="en-US" sz="1000" b="1" kern="0" spc="0" dirty="0">
+                          <a:solidFill>
+                            <a:srgbClr val="000000"/>
+                          </a:solidFill>
+                          <a:effectLst/>
+                          <a:ea typeface="굴림체"/>
+                        </a:rPr>
+                        <a:t>번호</a:t>
+                      </a:r>
+                      <a:endParaRPr lang="ko-KR" altLang="en-US" sz="1000" kern="0" spc="0" dirty="0">
+                        <a:solidFill>
+                          <a:srgbClr val="000000"/>
+                        </a:solidFill>
+                        <a:effectLst/>
+                      </a:endParaRPr>
+                    </a:p>
+                  </a:txBody>
+                  <a:tcPr marL="17907" marR="17907" marT="17907" marB="17907" anchor="ctr">
+                    <a:lnL w="21590" cap="flat" cmpd="sng" algn="ctr">
+                      <a:solidFill>
+                        <a:srgbClr val="000000"/>
+                      </a:solidFill>
+                      <a:prstDash val="solid"/>
+                      <a:round/>
+                      <a:headEnd type="none" w="med" len="med"/>
+                      <a:tailEnd type="none" w="med" len="med"/>
+                    </a:lnL>
+                    <a:lnR w="3556" cap="flat" cmpd="sng" algn="ctr">
+                      <a:solidFill>
+                        <a:srgbClr val="000000"/>
+                      </a:solidFill>
+                      <a:prstDash val="solid"/>
+                      <a:round/>
+                      <a:headEnd type="none" w="med" len="med"/>
+                      <a:tailEnd type="none" w="med" len="med"/>
+                    </a:lnR>
+                    <a:lnT w="21590" cap="flat" cmpd="sng" algn="ctr">
+                      <a:solidFill>
+                        <a:srgbClr val="000000"/>
+                      </a:solidFill>
+                      <a:prstDash val="solid"/>
+                      <a:round/>
+                      <a:headEnd type="none" w="med" len="med"/>
+                      <a:tailEnd type="none" w="med" len="med"/>
+                    </a:lnT>
+                    <a:lnB w="21590" cap="flat" cmpd="sng" algn="ctr">
+                      <a:solidFill>
+                        <a:srgbClr val="000000"/>
+                      </a:solidFill>
+                      <a:prstDash val="solid"/>
+                      <a:round/>
+                      <a:headEnd type="none" w="med" len="med"/>
+                      <a:tailEnd type="none" w="med" len="med"/>
+                    </a:lnB>
+                    <a:solidFill>
+                      <a:srgbClr val="F1F1F1"/>
+                    </a:solidFill>
+                  </a:tcPr>
+                </a:tc>
+                <a:tc rowSpan="2">
+                  <a:txBody>
+                    <a:bodyPr/>
+                    <a:lstStyle/>
+                    <a:p>
+                      <a:pPr marL="0" marR="0" indent="0" algn="ctr" fontAlgn="base" latinLnBrk="0">
+                        <a:lnSpc>
+                          <a:spcPct val="160000"/>
+                        </a:lnSpc>
+                        <a:spcBef>
+                          <a:spcPts val="0"/>
+                        </a:spcBef>
+                        <a:spcAft>
+                          <a:spcPts val="0"/>
+                        </a:spcAft>
+                      </a:pPr>
+                      <a:r>
+                        <a:rPr lang="ko-KR" altLang="en-US" sz="1000" b="1" kern="0" spc="0" dirty="0">
+                          <a:solidFill>
+                            <a:srgbClr val="000000"/>
+                          </a:solidFill>
+                          <a:effectLst/>
+                          <a:ea typeface="굴림체"/>
+                        </a:rPr>
+                        <a:t>내 용</a:t>
+                      </a:r>
+                      <a:endParaRPr lang="ko-KR" altLang="en-US" sz="1000" kern="0" spc="0" dirty="0">
+                        <a:solidFill>
+                          <a:srgbClr val="000000"/>
+                        </a:solidFill>
+                        <a:effectLst/>
+                      </a:endParaRPr>
+                    </a:p>
+                  </a:txBody>
+                  <a:tcPr marL="17907" marR="17907" marT="17907" marB="17907" anchor="ctr">
+                    <a:lnL w="3556" cap="flat" cmpd="sng" algn="ctr">
+                      <a:solidFill>
+                        <a:srgbClr val="000000"/>
+                      </a:solidFill>
+                      <a:prstDash val="solid"/>
+                      <a:round/>
+                      <a:headEnd type="none" w="med" len="med"/>
+                      <a:tailEnd type="none" w="med" len="med"/>
+                    </a:lnL>
+                    <a:lnR w="3556" cap="flat" cmpd="sng" algn="ctr">
+                      <a:solidFill>
+                        <a:srgbClr val="000000"/>
+                      </a:solidFill>
+                      <a:prstDash val="solid"/>
+                      <a:round/>
+                      <a:headEnd type="none" w="med" len="med"/>
+                      <a:tailEnd type="none" w="med" len="med"/>
+                    </a:lnR>
+                    <a:lnT w="21590" cap="flat" cmpd="sng" algn="ctr">
+                      <a:solidFill>
+                        <a:srgbClr val="000000"/>
+                      </a:solidFill>
+                      <a:prstDash val="solid"/>
+                      <a:round/>
+                      <a:headEnd type="none" w="med" len="med"/>
+                      <a:tailEnd type="none" w="med" len="med"/>
+                    </a:lnT>
+                    <a:lnB w="21590" cap="flat" cmpd="sng" algn="ctr">
+                      <a:solidFill>
+                        <a:srgbClr val="000000"/>
+                      </a:solidFill>
+                      <a:prstDash val="solid"/>
+                      <a:round/>
+                      <a:headEnd type="none" w="med" len="med"/>
+                      <a:tailEnd type="none" w="med" len="med"/>
+                    </a:lnB>
+                    <a:solidFill>
+                      <a:srgbClr val="F1F1F1"/>
+                    </a:solidFill>
+                  </a:tcPr>
+                </a:tc>
+                <a:tc gridSpan="12">
+                  <a:txBody>
+                    <a:bodyPr/>
+                    <a:lstStyle/>
+                    <a:p>
+                      <a:pPr marL="0" marR="0" indent="0" algn="ctr" fontAlgn="base" latinLnBrk="0">
+                        <a:lnSpc>
+                          <a:spcPct val="160000"/>
+                        </a:lnSpc>
+                        <a:spcBef>
+                          <a:spcPts val="0"/>
+                        </a:spcBef>
+                        <a:spcAft>
+                          <a:spcPts val="0"/>
+                        </a:spcAft>
+                      </a:pPr>
+                      <a:r>
+                        <a:rPr lang="ko-KR" altLang="en-US" sz="1000" b="1" kern="0" spc="0">
+                          <a:solidFill>
+                            <a:srgbClr val="000000"/>
+                          </a:solidFill>
+                          <a:effectLst/>
+                          <a:ea typeface="굴림체"/>
+                        </a:rPr>
+                        <a:t>세부 추진 일정 </a:t>
+                      </a:r>
+                      <a:r>
+                        <a:rPr lang="en-US" altLang="ko-KR" sz="1000" kern="0" spc="0">
+                          <a:solidFill>
+                            <a:srgbClr val="000000"/>
+                          </a:solidFill>
+                          <a:effectLst/>
+                          <a:latin typeface="굴림체"/>
+                        </a:rPr>
+                        <a:t>(</a:t>
+                      </a:r>
+                      <a:r>
+                        <a:rPr lang="ko-KR" altLang="en-US" sz="1000" kern="0" spc="0">
+                          <a:solidFill>
+                            <a:srgbClr val="000000"/>
+                          </a:solidFill>
+                          <a:effectLst/>
+                          <a:ea typeface="굴림체"/>
+                        </a:rPr>
+                        <a:t>월</a:t>
+                      </a:r>
+                      <a:r>
+                        <a:rPr lang="en-US" altLang="ko-KR" sz="1000" kern="0" spc="0">
+                          <a:solidFill>
+                            <a:srgbClr val="000000"/>
+                          </a:solidFill>
+                          <a:effectLst/>
+                          <a:latin typeface="굴림체"/>
+                        </a:rPr>
+                        <a:t>)</a:t>
+                      </a:r>
+                      <a:endParaRPr lang="ko-KR" altLang="en-US" sz="1000" kern="0" spc="0">
+                        <a:solidFill>
+                          <a:srgbClr val="000000"/>
+                        </a:solidFill>
+                        <a:effectLst/>
+                      </a:endParaRPr>
+                    </a:p>
+                  </a:txBody>
+                  <a:tcPr marL="17907" marR="17907" marT="17907" marB="17907" anchor="ctr">
+                    <a:lnL w="3556" cap="flat" cmpd="sng" algn="ctr">
+                      <a:solidFill>
+                        <a:srgbClr val="000000"/>
+                      </a:solidFill>
+                      <a:prstDash val="solid"/>
+                      <a:round/>
+                      <a:headEnd type="none" w="med" len="med"/>
+                      <a:tailEnd type="none" w="med" len="med"/>
+                    </a:lnL>
+                    <a:lnR w="3556" cap="flat" cmpd="sng" algn="ctr">
+                      <a:solidFill>
+                        <a:srgbClr val="000000"/>
+                      </a:solidFill>
+                      <a:prstDash val="solid"/>
+                      <a:round/>
+                      <a:headEnd type="none" w="med" len="med"/>
+                      <a:tailEnd type="none" w="med" len="med"/>
+                    </a:lnR>
+                    <a:lnT w="21590" cap="flat" cmpd="sng" algn="ctr">
+                      <a:solidFill>
+                        <a:srgbClr val="000000"/>
+                      </a:solidFill>
+                      <a:prstDash val="solid"/>
+                      <a:round/>
+                      <a:headEnd type="none" w="med" len="med"/>
+                      <a:tailEnd type="none" w="med" len="med"/>
+                    </a:lnT>
+                    <a:lnB w="3556" cap="flat" cmpd="sng" algn="ctr">
+                      <a:solidFill>
+                        <a:srgbClr val="000000"/>
+                      </a:solidFill>
+                      <a:prstDash val="solid"/>
+                      <a:round/>
+                      <a:headEnd type="none" w="med" len="med"/>
+                      <a:tailEnd type="none" w="med" len="med"/>
+                    </a:lnB>
+                    <a:solidFill>
+                      <a:srgbClr val="F1F1F1"/>
+                    </a:solidFill>
+                  </a:tcPr>
+                </a:tc>
+                <a:tc hMerge="1">
+                  <a:txBody>
+                    <a:bodyPr/>
+                    <a:lstStyle/>
+                    <a:p>
+                      <a:pPr latinLnBrk="1"/>
+                      <a:endParaRPr lang="ko-KR" altLang="en-US"/>
+                    </a:p>
+                  </a:txBody>
+                  <a:tcPr/>
+                </a:tc>
+                <a:tc hMerge="1">
+                  <a:txBody>
+                    <a:bodyPr/>
+                    <a:lstStyle/>
+                    <a:p>
+                      <a:pPr latinLnBrk="1"/>
+                      <a:endParaRPr lang="ko-KR" altLang="en-US"/>
+                    </a:p>
+                  </a:txBody>
+                  <a:tcPr/>
+                </a:tc>
+                <a:tc hMerge="1">
+                  <a:txBody>
+                    <a:bodyPr/>
+                    <a:lstStyle/>
+                    <a:p>
+                      <a:pPr latinLnBrk="1"/>
+                      <a:endParaRPr lang="ko-KR" altLang="en-US"/>
+                    </a:p>
+                  </a:txBody>
+                  <a:tcPr/>
+                </a:tc>
+                <a:tc hMerge="1">
+                  <a:txBody>
+                    <a:bodyPr/>
+                    <a:lstStyle/>
+                    <a:p>
+                      <a:pPr latinLnBrk="1"/>
+                      <a:endParaRPr lang="ko-KR" altLang="en-US"/>
+                    </a:p>
+                  </a:txBody>
+                  <a:tcPr/>
+                </a:tc>
+                <a:tc hMerge="1">
+                  <a:txBody>
+                    <a:bodyPr/>
+                    <a:lstStyle/>
+                    <a:p>
+                      <a:pPr latinLnBrk="1"/>
+                      <a:endParaRPr lang="ko-KR" altLang="en-US"/>
+                    </a:p>
+                  </a:txBody>
+                  <a:tcPr/>
+                </a:tc>
+                <a:tc hMerge="1">
+                  <a:txBody>
+                    <a:bodyPr/>
+                    <a:lstStyle/>
+                    <a:p>
+                      <a:pPr latinLnBrk="1"/>
+                      <a:endParaRPr lang="ko-KR" altLang="en-US"/>
+                    </a:p>
+                  </a:txBody>
+                  <a:tcPr/>
+                </a:tc>
+                <a:tc hMerge="1">
+                  <a:txBody>
+                    <a:bodyPr/>
+                    <a:lstStyle/>
+                    <a:p>
+                      <a:pPr latinLnBrk="1"/>
+                      <a:endParaRPr lang="ko-KR" altLang="en-US"/>
+                    </a:p>
+                  </a:txBody>
+                  <a:tcPr/>
+                </a:tc>
+                <a:tc hMerge="1">
+                  <a:txBody>
+                    <a:bodyPr/>
+                    <a:lstStyle/>
+                    <a:p>
+                      <a:pPr latinLnBrk="1"/>
+                      <a:endParaRPr lang="ko-KR" altLang="en-US"/>
+                    </a:p>
+                  </a:txBody>
+                  <a:tcPr/>
+                </a:tc>
+                <a:tc hMerge="1">
+                  <a:txBody>
+                    <a:bodyPr/>
+                    <a:lstStyle/>
+                    <a:p>
+                      <a:pPr latinLnBrk="1"/>
+                      <a:endParaRPr lang="ko-KR" altLang="en-US"/>
+                    </a:p>
+                  </a:txBody>
+                  <a:tcPr/>
+                </a:tc>
+                <a:tc hMerge="1">
+                  <a:txBody>
+                    <a:bodyPr/>
+                    <a:lstStyle/>
+                    <a:p>
+                      <a:pPr latinLnBrk="1"/>
+                      <a:endParaRPr lang="ko-KR" altLang="en-US"/>
+                    </a:p>
+                  </a:txBody>
+                  <a:tcPr/>
+                </a:tc>
+                <a:tc hMerge="1">
+                  <a:txBody>
+                    <a:bodyPr/>
+                    <a:lstStyle/>
+                    <a:p>
+                      <a:pPr latinLnBrk="1"/>
+                      <a:endParaRPr lang="ko-KR" altLang="en-US"/>
+                    </a:p>
+                  </a:txBody>
+                  <a:tcPr/>
+                </a:tc>
+                <a:tc rowSpan="2">
+                  <a:txBody>
+                    <a:bodyPr/>
+                    <a:lstStyle/>
+                    <a:p>
+                      <a:pPr marL="0" marR="0" indent="0" algn="ctr" fontAlgn="base" latinLnBrk="0">
+                        <a:lnSpc>
+                          <a:spcPct val="160000"/>
+                        </a:lnSpc>
+                        <a:spcBef>
+                          <a:spcPts val="0"/>
+                        </a:spcBef>
+                        <a:spcAft>
+                          <a:spcPts val="0"/>
+                        </a:spcAft>
+                      </a:pPr>
+                      <a:r>
+                        <a:rPr lang="ko-KR" altLang="en-US" sz="1000" b="1" kern="0" spc="0">
+                          <a:solidFill>
+                            <a:srgbClr val="000000"/>
+                          </a:solidFill>
+                          <a:effectLst/>
+                          <a:ea typeface="굴림체"/>
+                        </a:rPr>
+                        <a:t>상 세</a:t>
+                      </a:r>
+                      <a:endParaRPr lang="ko-KR" altLang="en-US" sz="1000" kern="0" spc="0">
+                        <a:solidFill>
+                          <a:srgbClr val="000000"/>
+                        </a:solidFill>
+                        <a:effectLst/>
+                      </a:endParaRPr>
+                    </a:p>
+                  </a:txBody>
+                  <a:tcPr marL="17907" marR="17907" marT="17907" marB="17907" anchor="ctr">
+                    <a:lnL w="3556" cap="flat" cmpd="sng" algn="ctr">
+                      <a:solidFill>
+                        <a:srgbClr val="000000"/>
+                      </a:solidFill>
+                      <a:prstDash val="solid"/>
+                      <a:round/>
+                      <a:headEnd type="none" w="med" len="med"/>
+                      <a:tailEnd type="none" w="med" len="med"/>
+                    </a:lnL>
+                    <a:lnR w="21590" cap="flat" cmpd="sng" algn="ctr">
+                      <a:solidFill>
+                        <a:srgbClr val="000000"/>
+                      </a:solidFill>
+                      <a:prstDash val="solid"/>
+                      <a:round/>
+                      <a:headEnd type="none" w="med" len="med"/>
+                      <a:tailEnd type="none" w="med" len="med"/>
+                    </a:lnR>
+                    <a:lnT w="21590" cap="flat" cmpd="sng" algn="ctr">
+                      <a:solidFill>
+                        <a:srgbClr val="000000"/>
+                      </a:solidFill>
+                      <a:prstDash val="solid"/>
+                      <a:round/>
+                      <a:headEnd type="none" w="med" len="med"/>
+                      <a:tailEnd type="none" w="med" len="med"/>
+                    </a:lnT>
+                    <a:lnB w="21590" cap="flat" cmpd="sng" algn="ctr">
+                      <a:solidFill>
+                        <a:srgbClr val="000000"/>
+                      </a:solidFill>
+                      <a:prstDash val="solid"/>
+                      <a:round/>
+                      <a:headEnd type="none" w="med" len="med"/>
+                      <a:tailEnd type="none" w="med" len="med"/>
+                    </a:lnB>
+                    <a:solidFill>
+                      <a:srgbClr val="F1F1F1"/>
+                    </a:solidFill>
+                  </a:tcPr>
+                </a:tc>
+              </a:tr>
+              <a:tr h="224155">
+                <a:tc vMerge="1">
+                  <a:txBody>
+                    <a:bodyPr/>
+                    <a:lstStyle/>
+                    <a:p>
+                      <a:pPr latinLnBrk="1"/>
+                      <a:endParaRPr lang="ko-KR" altLang="en-US"/>
+                    </a:p>
+                  </a:txBody>
+                  <a:tcPr/>
+                </a:tc>
+                <a:tc vMerge="1">
+                  <a:txBody>
+                    <a:bodyPr/>
+                    <a:lstStyle/>
+                    <a:p>
+                      <a:pPr latinLnBrk="1"/>
+                      <a:endParaRPr lang="ko-KR" altLang="en-US"/>
+                    </a:p>
+                  </a:txBody>
+                  <a:tcPr/>
+                </a:tc>
+                <a:tc gridSpan="4">
+                  <a:txBody>
+                    <a:bodyPr/>
+                    <a:lstStyle/>
+                    <a:p>
+                      <a:pPr marL="0" marR="0" indent="0" algn="ctr" fontAlgn="base" latinLnBrk="0">
+                        <a:lnSpc>
+                          <a:spcPct val="160000"/>
+                        </a:lnSpc>
+                        <a:spcBef>
+                          <a:spcPts val="0"/>
+                        </a:spcBef>
+                        <a:spcAft>
+                          <a:spcPts val="0"/>
+                        </a:spcAft>
+                      </a:pPr>
+                      <a:r>
+                        <a:rPr lang="en-US" sz="1000" b="1" kern="0" spc="0">
+                          <a:solidFill>
+                            <a:srgbClr val="000000"/>
+                          </a:solidFill>
+                          <a:effectLst/>
+                          <a:latin typeface="굴림체"/>
+                        </a:rPr>
+                        <a:t>3</a:t>
+                      </a:r>
+                      <a:endParaRPr lang="en-US" sz="1000" kern="0" spc="0">
+                        <a:solidFill>
+                          <a:srgbClr val="000000"/>
+                        </a:solidFill>
+                        <a:effectLst/>
+                      </a:endParaRPr>
+                    </a:p>
+                  </a:txBody>
+                  <a:tcPr marL="17907" marR="17907" marT="17907" marB="17907" anchor="ctr">
+                    <a:lnL w="3556" cap="flat" cmpd="sng" algn="ctr">
+                      <a:solidFill>
+                        <a:srgbClr val="000000"/>
+                      </a:solidFill>
+                      <a:prstDash val="solid"/>
+                      <a:round/>
+                      <a:headEnd type="none" w="med" len="med"/>
+                      <a:tailEnd type="none" w="med" len="med"/>
+                    </a:lnL>
+                    <a:lnR w="3556" cap="flat" cmpd="sng" algn="ctr">
+                      <a:solidFill>
+                        <a:srgbClr val="000000"/>
+                      </a:solidFill>
+                      <a:prstDash val="solid"/>
+                      <a:round/>
+                      <a:headEnd type="none" w="med" len="med"/>
+                      <a:tailEnd type="none" w="med" len="med"/>
+                    </a:lnR>
+                    <a:lnT w="3556" cap="flat" cmpd="sng" algn="ctr">
+                      <a:solidFill>
+                        <a:srgbClr val="000000"/>
+                      </a:solidFill>
+                      <a:prstDash val="solid"/>
+                      <a:round/>
+                      <a:headEnd type="none" w="med" len="med"/>
+                      <a:tailEnd type="none" w="med" len="med"/>
+                    </a:lnT>
+                    <a:lnB w="21590" cap="flat" cmpd="sng" algn="ctr">
+                      <a:solidFill>
+                        <a:srgbClr val="000000"/>
+                      </a:solidFill>
+                      <a:prstDash val="solid"/>
+                      <a:round/>
+                      <a:headEnd type="none" w="med" len="med"/>
+                      <a:tailEnd type="none" w="med" len="med"/>
+                    </a:lnB>
+                    <a:solidFill>
+                      <a:srgbClr val="F1F1F1"/>
+                    </a:solidFill>
+                  </a:tcPr>
+                </a:tc>
+                <a:tc hMerge="1">
+                  <a:txBody>
+                    <a:bodyPr/>
+                    <a:lstStyle/>
+                    <a:p>
+                      <a:pPr latinLnBrk="1"/>
+                      <a:endParaRPr lang="ko-KR" altLang="en-US"/>
+                    </a:p>
+                  </a:txBody>
+                  <a:tcPr/>
+                </a:tc>
+                <a:tc hMerge="1">
+                  <a:txBody>
+                    <a:bodyPr/>
+                    <a:lstStyle/>
+                    <a:p>
+                      <a:pPr latinLnBrk="1"/>
+                      <a:endParaRPr lang="ko-KR" altLang="en-US"/>
+                    </a:p>
+                  </a:txBody>
+                  <a:tcPr/>
+                </a:tc>
+                <a:tc hMerge="1">
+                  <a:txBody>
+                    <a:bodyPr/>
+                    <a:lstStyle/>
+                    <a:p>
+                      <a:pPr latinLnBrk="1"/>
+                      <a:endParaRPr lang="ko-KR" altLang="en-US"/>
+                    </a:p>
+                  </a:txBody>
+                  <a:tcPr/>
+                </a:tc>
+                <a:tc gridSpan="4">
+                  <a:txBody>
+                    <a:bodyPr/>
+                    <a:lstStyle/>
+                    <a:p>
+                      <a:pPr marL="0" marR="0" indent="0" algn="ctr" fontAlgn="base" latinLnBrk="0">
+                        <a:lnSpc>
+                          <a:spcPct val="160000"/>
+                        </a:lnSpc>
+                        <a:spcBef>
+                          <a:spcPts val="0"/>
+                        </a:spcBef>
+                        <a:spcAft>
+                          <a:spcPts val="0"/>
+                        </a:spcAft>
+                      </a:pPr>
+                      <a:r>
+                        <a:rPr lang="en-US" sz="1000" b="1" kern="0" spc="0">
+                          <a:solidFill>
+                            <a:srgbClr val="000000"/>
+                          </a:solidFill>
+                          <a:effectLst/>
+                          <a:latin typeface="굴림체"/>
+                        </a:rPr>
+                        <a:t>4</a:t>
+                      </a:r>
+                      <a:endParaRPr lang="en-US" sz="1000" kern="0" spc="0">
+                        <a:solidFill>
+                          <a:srgbClr val="000000"/>
+                        </a:solidFill>
+                        <a:effectLst/>
+                      </a:endParaRPr>
+                    </a:p>
+                  </a:txBody>
+                  <a:tcPr marL="17907" marR="17907" marT="17907" marB="17907" anchor="ctr">
+                    <a:lnL w="3556" cap="flat" cmpd="sng" algn="ctr">
+                      <a:solidFill>
+                        <a:srgbClr val="000000"/>
+                      </a:solidFill>
+                      <a:prstDash val="solid"/>
+                      <a:round/>
+                      <a:headEnd type="none" w="med" len="med"/>
+                      <a:tailEnd type="none" w="med" len="med"/>
+                    </a:lnL>
+                    <a:lnR w="3556" cap="flat" cmpd="sng" algn="ctr">
+                      <a:solidFill>
+                        <a:srgbClr val="000000"/>
+                      </a:solidFill>
+                      <a:prstDash val="solid"/>
+                      <a:round/>
+                      <a:headEnd type="none" w="med" len="med"/>
+                      <a:tailEnd type="none" w="med" len="med"/>
+                    </a:lnR>
+                    <a:lnT w="3556" cap="flat" cmpd="sng" algn="ctr">
+                      <a:solidFill>
+                        <a:srgbClr val="000000"/>
+                      </a:solidFill>
+                      <a:prstDash val="solid"/>
+                      <a:round/>
+                      <a:headEnd type="none" w="med" len="med"/>
+                      <a:tailEnd type="none" w="med" len="med"/>
+                    </a:lnT>
+                    <a:lnB w="21590" cap="flat" cmpd="sng" algn="ctr">
+                      <a:solidFill>
+                        <a:srgbClr val="000000"/>
+                      </a:solidFill>
+                      <a:prstDash val="solid"/>
+                      <a:round/>
+                      <a:headEnd type="none" w="med" len="med"/>
+                      <a:tailEnd type="none" w="med" len="med"/>
+                    </a:lnB>
+                    <a:solidFill>
+                      <a:srgbClr val="F1F1F1"/>
+                    </a:solidFill>
+                  </a:tcPr>
+                </a:tc>
+                <a:tc hMerge="1">
+                  <a:txBody>
+                    <a:bodyPr/>
+                    <a:lstStyle/>
+                    <a:p>
+                      <a:pPr latinLnBrk="1"/>
+                      <a:endParaRPr lang="ko-KR" altLang="en-US"/>
+                    </a:p>
+                  </a:txBody>
+                  <a:tcPr/>
+                </a:tc>
+                <a:tc hMerge="1">
+                  <a:txBody>
+                    <a:bodyPr/>
+                    <a:lstStyle/>
+                    <a:p>
+                      <a:pPr latinLnBrk="1"/>
+                      <a:endParaRPr lang="ko-KR" altLang="en-US"/>
+                    </a:p>
+                  </a:txBody>
+                  <a:tcPr/>
+                </a:tc>
+                <a:tc hMerge="1">
+                  <a:txBody>
+                    <a:bodyPr/>
+                    <a:lstStyle/>
+                    <a:p>
+                      <a:pPr latinLnBrk="1"/>
+                      <a:endParaRPr lang="ko-KR" altLang="en-US"/>
+                    </a:p>
+                  </a:txBody>
+                  <a:tcPr/>
+                </a:tc>
+                <a:tc gridSpan="4">
+                  <a:txBody>
+                    <a:bodyPr/>
+                    <a:lstStyle/>
+                    <a:p>
+                      <a:pPr marL="0" marR="0" indent="0" algn="ctr" fontAlgn="base" latinLnBrk="0">
+                        <a:lnSpc>
+                          <a:spcPct val="160000"/>
+                        </a:lnSpc>
+                        <a:spcBef>
+                          <a:spcPts val="0"/>
+                        </a:spcBef>
+                        <a:spcAft>
+                          <a:spcPts val="0"/>
+                        </a:spcAft>
+                      </a:pPr>
+                      <a:r>
+                        <a:rPr lang="en-US" sz="1000" b="1" kern="0" spc="0">
+                          <a:solidFill>
+                            <a:srgbClr val="000000"/>
+                          </a:solidFill>
+                          <a:effectLst/>
+                          <a:latin typeface="굴림체"/>
+                        </a:rPr>
+                        <a:t>5</a:t>
+                      </a:r>
+                      <a:endParaRPr lang="en-US" sz="1000" kern="0" spc="0">
+                        <a:solidFill>
+                          <a:srgbClr val="000000"/>
+                        </a:solidFill>
+                        <a:effectLst/>
+                      </a:endParaRPr>
+                    </a:p>
+                  </a:txBody>
+                  <a:tcPr marL="17907" marR="17907" marT="17907" marB="17907" anchor="ctr">
+                    <a:lnL w="3556" cap="flat" cmpd="sng" algn="ctr">
+                      <a:solidFill>
+                        <a:srgbClr val="000000"/>
+                      </a:solidFill>
+                      <a:prstDash val="solid"/>
+                      <a:round/>
+                      <a:headEnd type="none" w="med" len="med"/>
+                      <a:tailEnd type="none" w="med" len="med"/>
+                    </a:lnL>
+                    <a:lnR w="3556" cap="flat" cmpd="sng" algn="ctr">
+                      <a:solidFill>
+                        <a:srgbClr val="000000"/>
+                      </a:solidFill>
+                      <a:prstDash val="solid"/>
+                      <a:round/>
+                      <a:headEnd type="none" w="med" len="med"/>
+                      <a:tailEnd type="none" w="med" len="med"/>
+                    </a:lnR>
+                    <a:lnT w="3556" cap="flat" cmpd="sng" algn="ctr">
+                      <a:solidFill>
+                        <a:srgbClr val="000000"/>
+                      </a:solidFill>
+                      <a:prstDash val="solid"/>
+                      <a:round/>
+                      <a:headEnd type="none" w="med" len="med"/>
+                      <a:tailEnd type="none" w="med" len="med"/>
+                    </a:lnT>
+                    <a:lnB w="21590" cap="flat" cmpd="sng" algn="ctr">
+                      <a:solidFill>
+                        <a:srgbClr val="000000"/>
+                      </a:solidFill>
+                      <a:prstDash val="solid"/>
+                      <a:round/>
+                      <a:headEnd type="none" w="med" len="med"/>
+                      <a:tailEnd type="none" w="med" len="med"/>
+                    </a:lnB>
+                    <a:solidFill>
+                      <a:srgbClr val="F1F1F1"/>
+                    </a:solidFill>
+                  </a:tcPr>
+                </a:tc>
+                <a:tc hMerge="1">
+                  <a:txBody>
+                    <a:bodyPr/>
+                    <a:lstStyle/>
+                    <a:p>
+                      <a:pPr latinLnBrk="1"/>
+                      <a:endParaRPr lang="ko-KR" altLang="en-US"/>
+                    </a:p>
+                  </a:txBody>
+                  <a:tcPr/>
+                </a:tc>
+                <a:tc hMerge="1">
+                  <a:txBody>
+                    <a:bodyPr/>
+                    <a:lstStyle/>
+                    <a:p>
+                      <a:pPr latinLnBrk="1"/>
+                      <a:endParaRPr lang="ko-KR" altLang="en-US"/>
+                    </a:p>
+                  </a:txBody>
+                  <a:tcPr/>
+                </a:tc>
+                <a:tc hMerge="1">
+                  <a:txBody>
+                    <a:bodyPr/>
+                    <a:lstStyle/>
+                    <a:p>
+                      <a:pPr latinLnBrk="1"/>
+                      <a:endParaRPr lang="ko-KR" altLang="en-US"/>
+                    </a:p>
+                  </a:txBody>
+                  <a:tcPr/>
+                </a:tc>
+                <a:tc vMerge="1">
+                  <a:txBody>
+                    <a:bodyPr/>
+                    <a:lstStyle/>
+                    <a:p>
+                      <a:pPr latinLnBrk="1"/>
+                      <a:endParaRPr lang="ko-KR" altLang="en-US"/>
+                    </a:p>
+                  </a:txBody>
+                  <a:tcPr/>
+                </a:tc>
+              </a:tr>
+              <a:tr h="401701">
+                <a:tc>
+                  <a:txBody>
+                    <a:bodyPr/>
+                    <a:lstStyle/>
+                    <a:p>
+                      <a:pPr marL="0" marR="0" indent="0" algn="ctr" fontAlgn="base" latinLnBrk="0">
+                        <a:lnSpc>
+                          <a:spcPct val="160000"/>
+                        </a:lnSpc>
+                        <a:spcBef>
+                          <a:spcPts val="0"/>
+                        </a:spcBef>
+                        <a:spcAft>
+                          <a:spcPts val="0"/>
+                        </a:spcAft>
+                      </a:pPr>
+                      <a:r>
+                        <a:rPr lang="en-US" sz="1000" b="1" kern="0" spc="0">
+                          <a:solidFill>
+                            <a:srgbClr val="000000"/>
+                          </a:solidFill>
+                          <a:effectLst/>
+                          <a:latin typeface="굴림체"/>
+                        </a:rPr>
+                        <a:t>1</a:t>
+                      </a:r>
+                      <a:endParaRPr lang="en-US" sz="1000" kern="0" spc="0">
+                        <a:solidFill>
+                          <a:srgbClr val="000000"/>
+                        </a:solidFill>
+                        <a:effectLst/>
+                      </a:endParaRPr>
+                    </a:p>
+                  </a:txBody>
+                  <a:tcPr marL="17907" marR="17907" marT="17907" marB="17907" anchor="ctr">
+                    <a:lnL w="21590" cap="flat" cmpd="sng" algn="ctr">
+                      <a:solidFill>
+                        <a:srgbClr val="000000"/>
+                      </a:solidFill>
+                      <a:prstDash val="solid"/>
+                      <a:round/>
+                      <a:headEnd type="none" w="med" len="med"/>
+                      <a:tailEnd type="none" w="med" len="med"/>
+                    </a:lnL>
+                    <a:lnR w="3556" cap="flat" cmpd="sng" algn="ctr">
+                      <a:solidFill>
+                        <a:srgbClr val="000000"/>
+                      </a:solidFill>
+                      <a:prstDash val="solid"/>
+                      <a:round/>
+                      <a:headEnd type="none" w="med" len="med"/>
+                      <a:tailEnd type="none" w="med" len="med"/>
+                    </a:lnR>
+                    <a:lnT w="21590" cap="flat" cmpd="sng" algn="ctr">
+                      <a:solidFill>
+                        <a:srgbClr val="000000"/>
+                      </a:solidFill>
+                      <a:prstDash val="solid"/>
+                      <a:round/>
+                      <a:headEnd type="none" w="med" len="med"/>
+                      <a:tailEnd type="none" w="med" len="med"/>
+                    </a:lnT>
+                    <a:lnB w="3556" cap="flat" cmpd="sng" algn="ctr">
+                      <a:solidFill>
+                        <a:srgbClr val="000000"/>
+                      </a:solidFill>
+                      <a:prstDash val="solid"/>
+                      <a:round/>
+                      <a:headEnd type="none" w="med" len="med"/>
+                      <a:tailEnd type="none" w="med" len="med"/>
+                    </a:lnB>
+                  </a:tcPr>
+                </a:tc>
+                <a:tc>
+                  <a:txBody>
+                    <a:bodyPr/>
+                    <a:lstStyle/>
+                    <a:p>
+                      <a:pPr marL="0" marR="0" indent="0" algn="ctr" fontAlgn="base" latinLnBrk="0">
+                        <a:lnSpc>
+                          <a:spcPct val="160000"/>
+                        </a:lnSpc>
+                        <a:spcBef>
+                          <a:spcPts val="0"/>
+                        </a:spcBef>
+                        <a:spcAft>
+                          <a:spcPts val="0"/>
+                        </a:spcAft>
+                      </a:pPr>
+                      <a:r>
+                        <a:rPr lang="ko-KR" altLang="en-US" sz="1000" b="1" kern="0" spc="0">
+                          <a:solidFill>
+                            <a:srgbClr val="000000"/>
+                          </a:solidFill>
+                          <a:effectLst/>
+                          <a:ea typeface="굴림체"/>
+                        </a:rPr>
+                        <a:t>자료수집 </a:t>
+                      </a:r>
+                      <a:r>
+                        <a:rPr lang="en-US" altLang="ko-KR" sz="1000" b="1" kern="0" spc="0">
+                          <a:solidFill>
+                            <a:srgbClr val="000000"/>
+                          </a:solidFill>
+                          <a:effectLst/>
+                          <a:latin typeface="굴림체"/>
+                        </a:rPr>
+                        <a:t>&amp;</a:t>
+                      </a:r>
+                      <a:endParaRPr lang="ko-KR" altLang="en-US" sz="1000" kern="0" spc="0">
+                        <a:solidFill>
+                          <a:srgbClr val="000000"/>
+                        </a:solidFill>
+                        <a:effectLst/>
+                      </a:endParaRPr>
+                    </a:p>
+                    <a:p>
+                      <a:pPr marL="0" marR="0" indent="0" algn="ctr" fontAlgn="base" latinLnBrk="0">
+                        <a:lnSpc>
+                          <a:spcPct val="160000"/>
+                        </a:lnSpc>
+                        <a:spcBef>
+                          <a:spcPts val="0"/>
+                        </a:spcBef>
+                        <a:spcAft>
+                          <a:spcPts val="0"/>
+                        </a:spcAft>
+                      </a:pPr>
+                      <a:r>
+                        <a:rPr lang="en-US" sz="1000" b="1" kern="0" spc="0">
+                          <a:solidFill>
+                            <a:srgbClr val="000000"/>
+                          </a:solidFill>
+                          <a:effectLst/>
+                          <a:latin typeface="굴림체"/>
+                        </a:rPr>
+                        <a:t>Study</a:t>
+                      </a:r>
+                      <a:endParaRPr lang="en-US" sz="1000" kern="0" spc="0">
+                        <a:solidFill>
+                          <a:srgbClr val="000000"/>
+                        </a:solidFill>
+                        <a:effectLst/>
+                      </a:endParaRPr>
+                    </a:p>
+                  </a:txBody>
+                  <a:tcPr marL="17907" marR="17907" marT="17907" marB="17907" anchor="ctr">
+                    <a:lnL w="3556" cap="flat" cmpd="sng" algn="ctr">
+                      <a:solidFill>
+                        <a:srgbClr val="000000"/>
+                      </a:solidFill>
+                      <a:prstDash val="solid"/>
+                      <a:round/>
+                      <a:headEnd type="none" w="med" len="med"/>
+                      <a:tailEnd type="none" w="med" len="med"/>
+                    </a:lnL>
+                    <a:lnR w="3556" cap="flat" cmpd="sng" algn="ctr">
+                      <a:solidFill>
+                        <a:srgbClr val="000000"/>
+                      </a:solidFill>
+                      <a:prstDash val="solid"/>
+                      <a:round/>
+                      <a:headEnd type="none" w="med" len="med"/>
+                      <a:tailEnd type="none" w="med" len="med"/>
+                    </a:lnR>
+                    <a:lnT w="21590" cap="flat" cmpd="sng" algn="ctr">
+                      <a:solidFill>
+                        <a:srgbClr val="000000"/>
+                      </a:solidFill>
+                      <a:prstDash val="solid"/>
+                      <a:round/>
+                      <a:headEnd type="none" w="med" len="med"/>
+                      <a:tailEnd type="none" w="med" len="med"/>
+                    </a:lnT>
+                    <a:lnB w="3556" cap="flat" cmpd="sng" algn="ctr">
+                      <a:solidFill>
+                        <a:srgbClr val="000000"/>
+                      </a:solidFill>
+                      <a:prstDash val="solid"/>
+                      <a:round/>
+                      <a:headEnd type="none" w="med" len="med"/>
+                      <a:tailEnd type="none" w="med" len="med"/>
+                    </a:lnB>
+                  </a:tcPr>
+                </a:tc>
+                <a:tc>
+                  <a:txBody>
+                    <a:bodyPr/>
+                    <a:lstStyle/>
+                    <a:p>
+                      <a:pPr marL="0" marR="0" indent="0" algn="ctr" fontAlgn="base" latinLnBrk="0">
+                        <a:lnSpc>
+                          <a:spcPct val="160000"/>
+                        </a:lnSpc>
+                        <a:spcBef>
+                          <a:spcPts val="0"/>
+                        </a:spcBef>
+                        <a:spcAft>
+                          <a:spcPts val="0"/>
+                        </a:spcAft>
+                      </a:pPr>
+                      <a:endParaRPr lang="ko-KR" altLang="en-US" sz="1000" kern="0" spc="0">
+                        <a:solidFill>
+                          <a:srgbClr val="000000"/>
+                        </a:solidFill>
+                        <a:effectLst/>
+                      </a:endParaRPr>
+                    </a:p>
+                  </a:txBody>
+                  <a:tcPr marL="17907" marR="17907" marT="17907" marB="17907" anchor="ctr">
+                    <a:lnL w="3556" cap="flat" cmpd="sng" algn="ctr">
+                      <a:solidFill>
+                        <a:srgbClr val="000000"/>
+                      </a:solidFill>
+                      <a:prstDash val="solid"/>
+                      <a:round/>
+                      <a:headEnd type="none" w="med" len="med"/>
+                      <a:tailEnd type="none" w="med" len="med"/>
+                    </a:lnL>
+                    <a:lnR w="3556" cap="flat" cmpd="sng" algn="ctr">
+                      <a:solidFill>
+                        <a:srgbClr val="000000"/>
+                      </a:solidFill>
+                      <a:prstDash val="solid"/>
+                      <a:round/>
+                      <a:headEnd type="none" w="med" len="med"/>
+                      <a:tailEnd type="none" w="med" len="med"/>
+                    </a:lnR>
+                    <a:lnT w="21590" cap="flat" cmpd="sng" algn="ctr">
+                      <a:solidFill>
+                        <a:srgbClr val="000000"/>
+                      </a:solidFill>
+                      <a:prstDash val="solid"/>
+                      <a:round/>
+                      <a:headEnd type="none" w="med" len="med"/>
+                      <a:tailEnd type="none" w="med" len="med"/>
+                    </a:lnT>
+                    <a:lnB w="3556" cap="flat" cmpd="sng" algn="ctr">
+                      <a:solidFill>
+                        <a:srgbClr val="000000"/>
+                      </a:solidFill>
+                      <a:prstDash val="solid"/>
+                      <a:round/>
+                      <a:headEnd type="none" w="med" len="med"/>
+                      <a:tailEnd type="none" w="med" len="med"/>
+                    </a:lnB>
+                    <a:solidFill>
+                      <a:srgbClr val="CCCCCC"/>
+                    </a:solidFill>
+                  </a:tcPr>
+                </a:tc>
+                <a:tc>
+                  <a:txBody>
+                    <a:bodyPr/>
+                    <a:lstStyle/>
+                    <a:p>
+                      <a:pPr marL="0" marR="0" indent="0" algn="ctr" fontAlgn="base" latinLnBrk="0">
+                        <a:lnSpc>
+                          <a:spcPct val="160000"/>
+                        </a:lnSpc>
+                        <a:spcBef>
+                          <a:spcPts val="0"/>
+                        </a:spcBef>
+                        <a:spcAft>
+                          <a:spcPts val="0"/>
+                        </a:spcAft>
+                      </a:pPr>
+                      <a:endParaRPr lang="ko-KR" altLang="en-US" sz="1000" kern="0" spc="0">
+                        <a:solidFill>
+                          <a:srgbClr val="000000"/>
+                        </a:solidFill>
+                        <a:effectLst/>
+                      </a:endParaRPr>
+                    </a:p>
+                  </a:txBody>
+                  <a:tcPr marL="17907" marR="17907" marT="17907" marB="17907" anchor="ctr">
+                    <a:lnL w="3556" cap="flat" cmpd="sng" algn="ctr">
+                      <a:solidFill>
+                        <a:srgbClr val="000000"/>
+                      </a:solidFill>
+                      <a:prstDash val="solid"/>
+                      <a:round/>
+                      <a:headEnd type="none" w="med" len="med"/>
+                      <a:tailEnd type="none" w="med" len="med"/>
+                    </a:lnL>
+                    <a:lnR w="3556" cap="flat" cmpd="sng" algn="ctr">
+                      <a:solidFill>
+                        <a:srgbClr val="000000"/>
+                      </a:solidFill>
+                      <a:prstDash val="solid"/>
+                      <a:round/>
+                      <a:headEnd type="none" w="med" len="med"/>
+                      <a:tailEnd type="none" w="med" len="med"/>
+                    </a:lnR>
+                    <a:lnT w="21590" cap="flat" cmpd="sng" algn="ctr">
+                      <a:solidFill>
+                        <a:srgbClr val="000000"/>
+                      </a:solidFill>
+                      <a:prstDash val="solid"/>
+                      <a:round/>
+                      <a:headEnd type="none" w="med" len="med"/>
+                      <a:tailEnd type="none" w="med" len="med"/>
+                    </a:lnT>
+                    <a:lnB w="3556" cap="flat" cmpd="sng" algn="ctr">
+                      <a:solidFill>
+                        <a:srgbClr val="000000"/>
+                      </a:solidFill>
+                      <a:prstDash val="solid"/>
+                      <a:round/>
+                      <a:headEnd type="none" w="med" len="med"/>
+                      <a:tailEnd type="none" w="med" len="med"/>
+                    </a:lnB>
+                    <a:solidFill>
+                      <a:srgbClr val="CCCCCC"/>
+                    </a:solidFill>
+                  </a:tcPr>
+                </a:tc>
+                <a:tc>
+                  <a:txBody>
+                    <a:bodyPr/>
+                    <a:lstStyle/>
+                    <a:p>
+                      <a:pPr marL="0" marR="0" indent="0" algn="ctr" fontAlgn="base" latinLnBrk="0">
+                        <a:lnSpc>
+                          <a:spcPct val="160000"/>
+                        </a:lnSpc>
+                        <a:spcBef>
+                          <a:spcPts val="0"/>
+                        </a:spcBef>
+                        <a:spcAft>
+                          <a:spcPts val="0"/>
+                        </a:spcAft>
+                      </a:pPr>
+                      <a:endParaRPr lang="ko-KR" altLang="en-US" sz="1000" kern="0" spc="0">
+                        <a:solidFill>
+                          <a:srgbClr val="000000"/>
+                        </a:solidFill>
+                        <a:effectLst/>
+                      </a:endParaRPr>
+                    </a:p>
+                  </a:txBody>
+                  <a:tcPr marL="17907" marR="17907" marT="17907" marB="17907" anchor="ctr">
+                    <a:lnL w="3556" cap="flat" cmpd="sng" algn="ctr">
+                      <a:solidFill>
+                        <a:srgbClr val="000000"/>
+                      </a:solidFill>
+                      <a:prstDash val="solid"/>
+                      <a:round/>
+                      <a:headEnd type="none" w="med" len="med"/>
+                      <a:tailEnd type="none" w="med" len="med"/>
+                    </a:lnL>
+                    <a:lnR w="3556" cap="flat" cmpd="sng" algn="ctr">
+                      <a:solidFill>
+                        <a:srgbClr val="000000"/>
+                      </a:solidFill>
+                      <a:prstDash val="solid"/>
+                      <a:round/>
+                      <a:headEnd type="none" w="med" len="med"/>
+                      <a:tailEnd type="none" w="med" len="med"/>
+                    </a:lnR>
+                    <a:lnT w="21590" cap="flat" cmpd="sng" algn="ctr">
+                      <a:solidFill>
+                        <a:srgbClr val="000000"/>
+                      </a:solidFill>
+                      <a:prstDash val="solid"/>
+                      <a:round/>
+                      <a:headEnd type="none" w="med" len="med"/>
+                      <a:tailEnd type="none" w="med" len="med"/>
+                    </a:lnT>
+                    <a:lnB w="3556" cap="flat" cmpd="sng" algn="ctr">
+                      <a:solidFill>
+                        <a:srgbClr val="000000"/>
+                      </a:solidFill>
+                      <a:prstDash val="solid"/>
+                      <a:round/>
+                      <a:headEnd type="none" w="med" len="med"/>
+                      <a:tailEnd type="none" w="med" len="med"/>
+                    </a:lnB>
+                    <a:solidFill>
+                      <a:srgbClr val="CCCCCC"/>
+                    </a:solidFill>
+                  </a:tcPr>
+                </a:tc>
+                <a:tc>
+                  <a:txBody>
+                    <a:bodyPr/>
+                    <a:lstStyle/>
+                    <a:p>
+                      <a:pPr marL="0" marR="0" indent="0" algn="ctr" fontAlgn="base" latinLnBrk="0">
+                        <a:lnSpc>
+                          <a:spcPct val="160000"/>
+                        </a:lnSpc>
+                        <a:spcBef>
+                          <a:spcPts val="0"/>
+                        </a:spcBef>
+                        <a:spcAft>
+                          <a:spcPts val="0"/>
+                        </a:spcAft>
+                      </a:pPr>
+                      <a:endParaRPr lang="ko-KR" altLang="en-US" sz="1000" kern="0" spc="0">
+                        <a:solidFill>
+                          <a:srgbClr val="000000"/>
+                        </a:solidFill>
+                        <a:effectLst/>
+                      </a:endParaRPr>
+                    </a:p>
+                  </a:txBody>
+                  <a:tcPr marL="17907" marR="17907" marT="17907" marB="17907" anchor="ctr">
+                    <a:lnL w="3556" cap="flat" cmpd="sng" algn="ctr">
+                      <a:solidFill>
+                        <a:srgbClr val="000000"/>
+                      </a:solidFill>
+                      <a:prstDash val="solid"/>
+                      <a:round/>
+                      <a:headEnd type="none" w="med" len="med"/>
+                      <a:tailEnd type="none" w="med" len="med"/>
+                    </a:lnL>
+                    <a:lnR w="3556" cap="flat" cmpd="sng" algn="ctr">
+                      <a:solidFill>
+                        <a:srgbClr val="000000"/>
+                      </a:solidFill>
+                      <a:prstDash val="solid"/>
+                      <a:round/>
+                      <a:headEnd type="none" w="med" len="med"/>
+                      <a:tailEnd type="none" w="med" len="med"/>
+                    </a:lnR>
+                    <a:lnT w="21590" cap="flat" cmpd="sng" algn="ctr">
+                      <a:solidFill>
+                        <a:srgbClr val="000000"/>
+                      </a:solidFill>
+                      <a:prstDash val="solid"/>
+                      <a:round/>
+                      <a:headEnd type="none" w="med" len="med"/>
+                      <a:tailEnd type="none" w="med" len="med"/>
+                    </a:lnT>
+                    <a:lnB w="3556" cap="flat" cmpd="sng" algn="ctr">
+                      <a:solidFill>
+                        <a:srgbClr val="000000"/>
+                      </a:solidFill>
+                      <a:prstDash val="solid"/>
+                      <a:round/>
+                      <a:headEnd type="none" w="med" len="med"/>
+                      <a:tailEnd type="none" w="med" len="med"/>
+                    </a:lnB>
+                    <a:solidFill>
+                      <a:srgbClr val="CCCCCC"/>
+                    </a:solidFill>
+                  </a:tcPr>
+                </a:tc>
+                <a:tc>
+                  <a:txBody>
+                    <a:bodyPr/>
+                    <a:lstStyle/>
+                    <a:p>
+                      <a:pPr marL="0" marR="0" indent="0" algn="ctr" fontAlgn="base" latinLnBrk="0">
+                        <a:lnSpc>
+                          <a:spcPct val="160000"/>
+                        </a:lnSpc>
+                        <a:spcBef>
+                          <a:spcPts val="0"/>
+                        </a:spcBef>
+                        <a:spcAft>
+                          <a:spcPts val="0"/>
+                        </a:spcAft>
+                      </a:pPr>
+                      <a:endParaRPr lang="ko-KR" altLang="en-US" sz="1000" kern="0" spc="0">
+                        <a:solidFill>
+                          <a:srgbClr val="000000"/>
+                        </a:solidFill>
+                        <a:effectLst/>
+                      </a:endParaRPr>
+                    </a:p>
+                  </a:txBody>
+                  <a:tcPr marL="17907" marR="17907" marT="17907" marB="17907" anchor="ctr">
+                    <a:lnL w="3556" cap="flat" cmpd="sng" algn="ctr">
+                      <a:solidFill>
+                        <a:srgbClr val="000000"/>
+                      </a:solidFill>
+                      <a:prstDash val="solid"/>
+                      <a:round/>
+                      <a:headEnd type="none" w="med" len="med"/>
+                      <a:tailEnd type="none" w="med" len="med"/>
+                    </a:lnL>
+                    <a:lnR w="3556" cap="flat" cmpd="sng" algn="ctr">
+                      <a:solidFill>
+                        <a:srgbClr val="000000"/>
+                      </a:solidFill>
+                      <a:prstDash val="solid"/>
+                      <a:round/>
+                      <a:headEnd type="none" w="med" len="med"/>
+                      <a:tailEnd type="none" w="med" len="med"/>
+                    </a:lnR>
+                    <a:lnT w="21590" cap="flat" cmpd="sng" algn="ctr">
+                      <a:solidFill>
+                        <a:srgbClr val="000000"/>
+                      </a:solidFill>
+                      <a:prstDash val="solid"/>
+                      <a:round/>
+                      <a:headEnd type="none" w="med" len="med"/>
+                      <a:tailEnd type="none" w="med" len="med"/>
+                    </a:lnT>
+                    <a:lnB w="3556" cap="flat" cmpd="sng" algn="ctr">
+                      <a:solidFill>
+                        <a:srgbClr val="000000"/>
+                      </a:solidFill>
+                      <a:prstDash val="solid"/>
+                      <a:round/>
+                      <a:headEnd type="none" w="med" len="med"/>
+                      <a:tailEnd type="none" w="med" len="med"/>
+                    </a:lnB>
+                  </a:tcPr>
+                </a:tc>
+                <a:tc>
+                  <a:txBody>
+                    <a:bodyPr/>
+                    <a:lstStyle/>
+                    <a:p>
+                      <a:pPr marL="0" marR="0" indent="0" algn="ctr" fontAlgn="base" latinLnBrk="0">
+                        <a:lnSpc>
+                          <a:spcPct val="160000"/>
+                        </a:lnSpc>
+                        <a:spcBef>
+                          <a:spcPts val="0"/>
+                        </a:spcBef>
+                        <a:spcAft>
+                          <a:spcPts val="0"/>
+                        </a:spcAft>
+                      </a:pPr>
+                      <a:endParaRPr lang="ko-KR" altLang="en-US" sz="1000" kern="0" spc="0">
+                        <a:solidFill>
+                          <a:srgbClr val="000000"/>
+                        </a:solidFill>
+                        <a:effectLst/>
+                      </a:endParaRPr>
+                    </a:p>
+                  </a:txBody>
+                  <a:tcPr marL="17907" marR="17907" marT="17907" marB="17907" anchor="ctr">
+                    <a:lnL w="3556" cap="flat" cmpd="sng" algn="ctr">
+                      <a:solidFill>
+                        <a:srgbClr val="000000"/>
+                      </a:solidFill>
+                      <a:prstDash val="solid"/>
+                      <a:round/>
+                      <a:headEnd type="none" w="med" len="med"/>
+                      <a:tailEnd type="none" w="med" len="med"/>
+                    </a:lnL>
+                    <a:lnR w="3556" cap="flat" cmpd="sng" algn="ctr">
+                      <a:solidFill>
+                        <a:srgbClr val="000000"/>
+                      </a:solidFill>
+                      <a:prstDash val="solid"/>
+                      <a:round/>
+                      <a:headEnd type="none" w="med" len="med"/>
+                      <a:tailEnd type="none" w="med" len="med"/>
+                    </a:lnR>
+                    <a:lnT w="21590" cap="flat" cmpd="sng" algn="ctr">
+                      <a:solidFill>
+                        <a:srgbClr val="000000"/>
+                      </a:solidFill>
+                      <a:prstDash val="solid"/>
+                      <a:round/>
+                      <a:headEnd type="none" w="med" len="med"/>
+                      <a:tailEnd type="none" w="med" len="med"/>
+                    </a:lnT>
+                    <a:lnB w="3556" cap="flat" cmpd="sng" algn="ctr">
+                      <a:solidFill>
+                        <a:srgbClr val="000000"/>
+                      </a:solidFill>
+                      <a:prstDash val="solid"/>
+                      <a:round/>
+                      <a:headEnd type="none" w="med" len="med"/>
+                      <a:tailEnd type="none" w="med" len="med"/>
+                    </a:lnB>
+                  </a:tcPr>
+                </a:tc>
+                <a:tc>
+                  <a:txBody>
+                    <a:bodyPr/>
+                    <a:lstStyle/>
+                    <a:p>
+                      <a:pPr marL="0" marR="0" indent="0" algn="ctr" fontAlgn="base" latinLnBrk="0">
+                        <a:lnSpc>
+                          <a:spcPct val="160000"/>
+                        </a:lnSpc>
+                        <a:spcBef>
+                          <a:spcPts val="0"/>
+                        </a:spcBef>
+                        <a:spcAft>
+                          <a:spcPts val="0"/>
+                        </a:spcAft>
+                      </a:pPr>
+                      <a:endParaRPr lang="ko-KR" altLang="en-US" sz="1000" kern="0" spc="0">
+                        <a:solidFill>
+                          <a:srgbClr val="000000"/>
+                        </a:solidFill>
+                        <a:effectLst/>
+                      </a:endParaRPr>
+                    </a:p>
+                  </a:txBody>
+                  <a:tcPr marL="17907" marR="17907" marT="17907" marB="17907" anchor="ctr">
+                    <a:lnL w="3556" cap="flat" cmpd="sng" algn="ctr">
+                      <a:solidFill>
+                        <a:srgbClr val="000000"/>
+                      </a:solidFill>
+                      <a:prstDash val="solid"/>
+                      <a:round/>
+                      <a:headEnd type="none" w="med" len="med"/>
+                      <a:tailEnd type="none" w="med" len="med"/>
+                    </a:lnL>
+                    <a:lnR w="3556" cap="flat" cmpd="sng" algn="ctr">
+                      <a:solidFill>
+                        <a:srgbClr val="000000"/>
+                      </a:solidFill>
+                      <a:prstDash val="solid"/>
+                      <a:round/>
+                      <a:headEnd type="none" w="med" len="med"/>
+                      <a:tailEnd type="none" w="med" len="med"/>
+                    </a:lnR>
+                    <a:lnT w="21590" cap="flat" cmpd="sng" algn="ctr">
+                      <a:solidFill>
+                        <a:srgbClr val="000000"/>
+                      </a:solidFill>
+                      <a:prstDash val="solid"/>
+                      <a:round/>
+                      <a:headEnd type="none" w="med" len="med"/>
+                      <a:tailEnd type="none" w="med" len="med"/>
+                    </a:lnT>
+                    <a:lnB w="3556" cap="flat" cmpd="sng" algn="ctr">
+                      <a:solidFill>
+                        <a:srgbClr val="000000"/>
+                      </a:solidFill>
+                      <a:prstDash val="solid"/>
+                      <a:round/>
+                      <a:headEnd type="none" w="med" len="med"/>
+                      <a:tailEnd type="none" w="med" len="med"/>
+                    </a:lnB>
+                  </a:tcPr>
+                </a:tc>
+                <a:tc>
+                  <a:txBody>
+                    <a:bodyPr/>
+                    <a:lstStyle/>
+                    <a:p>
+                      <a:pPr marL="0" marR="0" indent="0" algn="ctr" fontAlgn="base" latinLnBrk="0">
+                        <a:lnSpc>
+                          <a:spcPct val="160000"/>
+                        </a:lnSpc>
+                        <a:spcBef>
+                          <a:spcPts val="0"/>
+                        </a:spcBef>
+                        <a:spcAft>
+                          <a:spcPts val="0"/>
+                        </a:spcAft>
+                      </a:pPr>
+                      <a:endParaRPr lang="ko-KR" altLang="en-US" sz="1000" kern="0" spc="0">
+                        <a:solidFill>
+                          <a:srgbClr val="000000"/>
+                        </a:solidFill>
+                        <a:effectLst/>
+                      </a:endParaRPr>
+                    </a:p>
+                  </a:txBody>
+                  <a:tcPr marL="17907" marR="17907" marT="17907" marB="17907" anchor="ctr">
+                    <a:lnL w="3556" cap="flat" cmpd="sng" algn="ctr">
+                      <a:solidFill>
+                        <a:srgbClr val="000000"/>
+                      </a:solidFill>
+                      <a:prstDash val="solid"/>
+                      <a:round/>
+                      <a:headEnd type="none" w="med" len="med"/>
+                      <a:tailEnd type="none" w="med" len="med"/>
+                    </a:lnL>
+                    <a:lnR w="3556" cap="flat" cmpd="sng" algn="ctr">
+                      <a:solidFill>
+                        <a:srgbClr val="000000"/>
+                      </a:solidFill>
+                      <a:prstDash val="solid"/>
+                      <a:round/>
+                      <a:headEnd type="none" w="med" len="med"/>
+                      <a:tailEnd type="none" w="med" len="med"/>
+                    </a:lnR>
+                    <a:lnT w="21590" cap="flat" cmpd="sng" algn="ctr">
+                      <a:solidFill>
+                        <a:srgbClr val="000000"/>
+                      </a:solidFill>
+                      <a:prstDash val="solid"/>
+                      <a:round/>
+                      <a:headEnd type="none" w="med" len="med"/>
+                      <a:tailEnd type="none" w="med" len="med"/>
+                    </a:lnT>
+                    <a:lnB w="3556" cap="flat" cmpd="sng" algn="ctr">
+                      <a:solidFill>
+                        <a:srgbClr val="000000"/>
+                      </a:solidFill>
+                      <a:prstDash val="solid"/>
+                      <a:round/>
+                      <a:headEnd type="none" w="med" len="med"/>
+                      <a:tailEnd type="none" w="med" len="med"/>
+                    </a:lnB>
+                  </a:tcPr>
+                </a:tc>
+                <a:tc>
+                  <a:txBody>
+                    <a:bodyPr/>
+                    <a:lstStyle/>
+                    <a:p>
+                      <a:pPr marL="0" marR="0" indent="0" algn="ctr" fontAlgn="base" latinLnBrk="0">
+                        <a:lnSpc>
+                          <a:spcPct val="160000"/>
+                        </a:lnSpc>
+                        <a:spcBef>
+                          <a:spcPts val="0"/>
+                        </a:spcBef>
+                        <a:spcAft>
+                          <a:spcPts val="0"/>
+                        </a:spcAft>
+                      </a:pPr>
+                      <a:endParaRPr lang="ko-KR" altLang="en-US" sz="1000" kern="0" spc="0" dirty="0">
+                        <a:solidFill>
+                          <a:srgbClr val="000000"/>
+                        </a:solidFill>
+                        <a:effectLst/>
+                      </a:endParaRPr>
+                    </a:p>
+                  </a:txBody>
+                  <a:tcPr marL="17907" marR="17907" marT="17907" marB="17907" anchor="ctr">
+                    <a:lnL w="3556" cap="flat" cmpd="sng" algn="ctr">
+                      <a:solidFill>
+                        <a:srgbClr val="000000"/>
+                      </a:solidFill>
+                      <a:prstDash val="solid"/>
+                      <a:round/>
+                      <a:headEnd type="none" w="med" len="med"/>
+                      <a:tailEnd type="none" w="med" len="med"/>
+                    </a:lnL>
+                    <a:lnR w="3556" cap="flat" cmpd="sng" algn="ctr">
+                      <a:solidFill>
+                        <a:srgbClr val="000000"/>
+                      </a:solidFill>
+                      <a:prstDash val="solid"/>
+                      <a:round/>
+                      <a:headEnd type="none" w="med" len="med"/>
+                      <a:tailEnd type="none" w="med" len="med"/>
+                    </a:lnR>
+                    <a:lnT w="21590" cap="flat" cmpd="sng" algn="ctr">
+                      <a:solidFill>
+                        <a:srgbClr val="000000"/>
+                      </a:solidFill>
+                      <a:prstDash val="solid"/>
+                      <a:round/>
+                      <a:headEnd type="none" w="med" len="med"/>
+                      <a:tailEnd type="none" w="med" len="med"/>
+                    </a:lnT>
+                    <a:lnB w="3556" cap="flat" cmpd="sng" algn="ctr">
+                      <a:solidFill>
+                        <a:srgbClr val="000000"/>
+                      </a:solidFill>
+                      <a:prstDash val="solid"/>
+                      <a:round/>
+                      <a:headEnd type="none" w="med" len="med"/>
+                      <a:tailEnd type="none" w="med" len="med"/>
+                    </a:lnB>
+                  </a:tcPr>
+                </a:tc>
+                <a:tc>
+                  <a:txBody>
+                    <a:bodyPr/>
+                    <a:lstStyle/>
+                    <a:p>
+                      <a:pPr marL="0" marR="0" indent="0" algn="ctr" fontAlgn="base" latinLnBrk="0">
+                        <a:lnSpc>
+                          <a:spcPct val="160000"/>
+                        </a:lnSpc>
+                        <a:spcBef>
+                          <a:spcPts val="0"/>
+                        </a:spcBef>
+                        <a:spcAft>
+                          <a:spcPts val="0"/>
+                        </a:spcAft>
+                      </a:pPr>
+                      <a:endParaRPr lang="ko-KR" altLang="en-US" sz="1000" kern="0" spc="0">
+                        <a:solidFill>
+                          <a:srgbClr val="000000"/>
+                        </a:solidFill>
+                        <a:effectLst/>
+                      </a:endParaRPr>
+                    </a:p>
+                  </a:txBody>
+                  <a:tcPr marL="17907" marR="17907" marT="17907" marB="17907" anchor="ctr">
+                    <a:lnL w="3556" cap="flat" cmpd="sng" algn="ctr">
+                      <a:solidFill>
+                        <a:srgbClr val="000000"/>
+                      </a:solidFill>
+                      <a:prstDash val="solid"/>
+                      <a:round/>
+                      <a:headEnd type="none" w="med" len="med"/>
+                      <a:tailEnd type="none" w="med" len="med"/>
+                    </a:lnL>
+                    <a:lnR w="3556" cap="flat" cmpd="sng" algn="ctr">
+                      <a:solidFill>
+                        <a:srgbClr val="000000"/>
+                      </a:solidFill>
+                      <a:prstDash val="solid"/>
+                      <a:round/>
+                      <a:headEnd type="none" w="med" len="med"/>
+                      <a:tailEnd type="none" w="med" len="med"/>
+                    </a:lnR>
+                    <a:lnT w="21590" cap="flat" cmpd="sng" algn="ctr">
+                      <a:solidFill>
+                        <a:srgbClr val="000000"/>
+                      </a:solidFill>
+                      <a:prstDash val="solid"/>
+                      <a:round/>
+                      <a:headEnd type="none" w="med" len="med"/>
+                      <a:tailEnd type="none" w="med" len="med"/>
+                    </a:lnT>
+                    <a:lnB w="3556" cap="flat" cmpd="sng" algn="ctr">
+                      <a:solidFill>
+                        <a:srgbClr val="000000"/>
+                      </a:solidFill>
+                      <a:prstDash val="solid"/>
+                      <a:round/>
+                      <a:headEnd type="none" w="med" len="med"/>
+                      <a:tailEnd type="none" w="med" len="med"/>
+                    </a:lnB>
+                  </a:tcPr>
+                </a:tc>
+                <a:tc>
+                  <a:txBody>
+                    <a:bodyPr/>
+                    <a:lstStyle/>
+                    <a:p>
+                      <a:pPr marL="0" marR="0" indent="0" algn="ctr" fontAlgn="base" latinLnBrk="0">
+                        <a:lnSpc>
+                          <a:spcPct val="160000"/>
+                        </a:lnSpc>
+                        <a:spcBef>
+                          <a:spcPts val="0"/>
+                        </a:spcBef>
+                        <a:spcAft>
+                          <a:spcPts val="0"/>
+                        </a:spcAft>
+                      </a:pPr>
+                      <a:endParaRPr lang="ko-KR" altLang="en-US" sz="1000" kern="0" spc="0">
+                        <a:solidFill>
+                          <a:srgbClr val="000000"/>
+                        </a:solidFill>
+                        <a:effectLst/>
+                      </a:endParaRPr>
+                    </a:p>
+                  </a:txBody>
+                  <a:tcPr marL="17907" marR="17907" marT="17907" marB="17907" anchor="ctr">
+                    <a:lnL w="3556" cap="flat" cmpd="sng" algn="ctr">
+                      <a:solidFill>
+                        <a:srgbClr val="000000"/>
+                      </a:solidFill>
+                      <a:prstDash val="solid"/>
+                      <a:round/>
+                      <a:headEnd type="none" w="med" len="med"/>
+                      <a:tailEnd type="none" w="med" len="med"/>
+                    </a:lnL>
+                    <a:lnR w="3556" cap="flat" cmpd="sng" algn="ctr">
+                      <a:solidFill>
+                        <a:srgbClr val="000000"/>
+                      </a:solidFill>
+                      <a:prstDash val="solid"/>
+                      <a:round/>
+                      <a:headEnd type="none" w="med" len="med"/>
+                      <a:tailEnd type="none" w="med" len="med"/>
+                    </a:lnR>
+                    <a:lnT w="21590" cap="flat" cmpd="sng" algn="ctr">
+                      <a:solidFill>
+                        <a:srgbClr val="000000"/>
+                      </a:solidFill>
+                      <a:prstDash val="solid"/>
+                      <a:round/>
+                      <a:headEnd type="none" w="med" len="med"/>
+                      <a:tailEnd type="none" w="med" len="med"/>
+                    </a:lnT>
+                    <a:lnB w="3556" cap="flat" cmpd="sng" algn="ctr">
+                      <a:solidFill>
+                        <a:srgbClr val="000000"/>
+                      </a:solidFill>
+                      <a:prstDash val="solid"/>
+                      <a:round/>
+                      <a:headEnd type="none" w="med" len="med"/>
+                      <a:tailEnd type="none" w="med" len="med"/>
+                    </a:lnB>
+                  </a:tcPr>
+                </a:tc>
+                <a:tc>
+                  <a:txBody>
+                    <a:bodyPr/>
+                    <a:lstStyle/>
+                    <a:p>
+                      <a:pPr marL="0" marR="0" indent="0" algn="ctr" fontAlgn="base" latinLnBrk="0">
+                        <a:lnSpc>
+                          <a:spcPct val="160000"/>
+                        </a:lnSpc>
+                        <a:spcBef>
+                          <a:spcPts val="0"/>
+                        </a:spcBef>
+                        <a:spcAft>
+                          <a:spcPts val="0"/>
+                        </a:spcAft>
+                      </a:pPr>
+                      <a:endParaRPr lang="ko-KR" altLang="en-US" sz="1000" kern="0" spc="0">
+                        <a:solidFill>
+                          <a:srgbClr val="000000"/>
+                        </a:solidFill>
+                        <a:effectLst/>
+                      </a:endParaRPr>
+                    </a:p>
+                  </a:txBody>
+                  <a:tcPr marL="17907" marR="17907" marT="17907" marB="17907" anchor="ctr">
+                    <a:lnL w="3556" cap="flat" cmpd="sng" algn="ctr">
+                      <a:solidFill>
+                        <a:srgbClr val="000000"/>
+                      </a:solidFill>
+                      <a:prstDash val="solid"/>
+                      <a:round/>
+                      <a:headEnd type="none" w="med" len="med"/>
+                      <a:tailEnd type="none" w="med" len="med"/>
+                    </a:lnL>
+                    <a:lnR w="3556" cap="flat" cmpd="sng" algn="ctr">
+                      <a:solidFill>
+                        <a:srgbClr val="000000"/>
+                      </a:solidFill>
+                      <a:prstDash val="solid"/>
+                      <a:round/>
+                      <a:headEnd type="none" w="med" len="med"/>
+                      <a:tailEnd type="none" w="med" len="med"/>
+                    </a:lnR>
+                    <a:lnT w="21590" cap="flat" cmpd="sng" algn="ctr">
+                      <a:solidFill>
+                        <a:srgbClr val="000000"/>
+                      </a:solidFill>
+                      <a:prstDash val="solid"/>
+                      <a:round/>
+                      <a:headEnd type="none" w="med" len="med"/>
+                      <a:tailEnd type="none" w="med" len="med"/>
+                    </a:lnT>
+                    <a:lnB w="3556" cap="flat" cmpd="sng" algn="ctr">
+                      <a:solidFill>
+                        <a:srgbClr val="000000"/>
+                      </a:solidFill>
+                      <a:prstDash val="solid"/>
+                      <a:round/>
+                      <a:headEnd type="none" w="med" len="med"/>
+                      <a:tailEnd type="none" w="med" len="med"/>
+                    </a:lnB>
+                  </a:tcPr>
+                </a:tc>
+                <a:tc>
+                  <a:txBody>
+                    <a:bodyPr/>
+                    <a:lstStyle/>
+                    <a:p>
+                      <a:pPr marL="0" marR="0" indent="0" algn="ctr" fontAlgn="base" latinLnBrk="0">
+                        <a:lnSpc>
+                          <a:spcPct val="160000"/>
+                        </a:lnSpc>
+                        <a:spcBef>
+                          <a:spcPts val="0"/>
+                        </a:spcBef>
+                        <a:spcAft>
+                          <a:spcPts val="0"/>
+                        </a:spcAft>
+                      </a:pPr>
+                      <a:endParaRPr lang="ko-KR" altLang="en-US" sz="1000" kern="0" spc="0">
+                        <a:solidFill>
+                          <a:srgbClr val="000000"/>
+                        </a:solidFill>
+                        <a:effectLst/>
+                      </a:endParaRPr>
+                    </a:p>
+                  </a:txBody>
+                  <a:tcPr marL="17907" marR="17907" marT="17907" marB="17907" anchor="ctr">
+                    <a:lnL w="3556" cap="flat" cmpd="sng" algn="ctr">
+                      <a:solidFill>
+                        <a:srgbClr val="000000"/>
+                      </a:solidFill>
+                      <a:prstDash val="solid"/>
+                      <a:round/>
+                      <a:headEnd type="none" w="med" len="med"/>
+                      <a:tailEnd type="none" w="med" len="med"/>
+                    </a:lnL>
+                    <a:lnR w="21590" cap="flat" cmpd="sng" algn="ctr">
+                      <a:solidFill>
+                        <a:srgbClr val="000000"/>
+                      </a:solidFill>
+                      <a:prstDash val="solid"/>
+                      <a:round/>
+                      <a:headEnd type="none" w="med" len="med"/>
+                      <a:tailEnd type="none" w="med" len="med"/>
+                    </a:lnR>
+                    <a:lnT w="21590" cap="flat" cmpd="sng" algn="ctr">
+                      <a:solidFill>
+                        <a:srgbClr val="000000"/>
+                      </a:solidFill>
+                      <a:prstDash val="solid"/>
+                      <a:round/>
+                      <a:headEnd type="none" w="med" len="med"/>
+                      <a:tailEnd type="none" w="med" len="med"/>
+                    </a:lnT>
+                    <a:lnB w="21590" cap="flat" cmpd="sng" algn="ctr">
+                      <a:solidFill>
+                        <a:srgbClr val="000000"/>
+                      </a:solidFill>
+                      <a:prstDash val="solid"/>
+                      <a:round/>
+                      <a:headEnd type="none" w="med" len="med"/>
+                      <a:tailEnd type="none" w="med" len="med"/>
+                    </a:lnB>
+                  </a:tcPr>
+                </a:tc>
+              </a:tr>
+              <a:tr h="243332">
+                <a:tc>
+                  <a:txBody>
+                    <a:bodyPr/>
+                    <a:lstStyle/>
+                    <a:p>
+                      <a:pPr marL="0" marR="0" indent="0" algn="ctr" fontAlgn="base" latinLnBrk="0">
+                        <a:lnSpc>
+                          <a:spcPct val="160000"/>
+                        </a:lnSpc>
+                        <a:spcBef>
+                          <a:spcPts val="0"/>
+                        </a:spcBef>
+                        <a:spcAft>
+                          <a:spcPts val="0"/>
+                        </a:spcAft>
+                      </a:pPr>
+                      <a:r>
+                        <a:rPr lang="en-US" sz="1000" b="1" kern="0" spc="0">
+                          <a:solidFill>
+                            <a:srgbClr val="000000"/>
+                          </a:solidFill>
+                          <a:effectLst/>
+                          <a:latin typeface="굴림체"/>
+                        </a:rPr>
+                        <a:t>2</a:t>
+                      </a:r>
+                      <a:endParaRPr lang="en-US" sz="1000" kern="0" spc="0">
+                        <a:solidFill>
+                          <a:srgbClr val="000000"/>
+                        </a:solidFill>
+                        <a:effectLst/>
+                      </a:endParaRPr>
+                    </a:p>
+                  </a:txBody>
+                  <a:tcPr marL="17907" marR="17907" marT="17907" marB="17907" anchor="ctr">
+                    <a:lnL w="21590" cap="flat" cmpd="sng" algn="ctr">
+                      <a:solidFill>
+                        <a:srgbClr val="000000"/>
+                      </a:solidFill>
+                      <a:prstDash val="solid"/>
+                      <a:round/>
+                      <a:headEnd type="none" w="med" len="med"/>
+                      <a:tailEnd type="none" w="med" len="med"/>
+                    </a:lnL>
+                    <a:lnR w="3556" cap="flat" cmpd="sng" algn="ctr">
+                      <a:solidFill>
+                        <a:srgbClr val="000000"/>
+                      </a:solidFill>
+                      <a:prstDash val="solid"/>
+                      <a:round/>
+                      <a:headEnd type="none" w="med" len="med"/>
+                      <a:tailEnd type="none" w="med" len="med"/>
+                    </a:lnR>
+                    <a:lnT w="3556" cap="flat" cmpd="sng" algn="ctr">
+                      <a:solidFill>
+                        <a:srgbClr val="000000"/>
+                      </a:solidFill>
+                      <a:prstDash val="solid"/>
+                      <a:round/>
+                      <a:headEnd type="none" w="med" len="med"/>
+                      <a:tailEnd type="none" w="med" len="med"/>
+                    </a:lnT>
+                    <a:lnB w="3556" cap="flat" cmpd="sng" algn="ctr">
+                      <a:solidFill>
+                        <a:srgbClr val="000000"/>
+                      </a:solidFill>
+                      <a:prstDash val="solid"/>
+                      <a:round/>
+                      <a:headEnd type="none" w="med" len="med"/>
+                      <a:tailEnd type="none" w="med" len="med"/>
+                    </a:lnB>
+                  </a:tcPr>
+                </a:tc>
+                <a:tc>
+                  <a:txBody>
+                    <a:bodyPr/>
+                    <a:lstStyle/>
+                    <a:p>
+                      <a:pPr marL="0" marR="0" indent="0" algn="ctr" fontAlgn="base" latinLnBrk="0">
+                        <a:lnSpc>
+                          <a:spcPct val="160000"/>
+                        </a:lnSpc>
+                        <a:spcBef>
+                          <a:spcPts val="0"/>
+                        </a:spcBef>
+                        <a:spcAft>
+                          <a:spcPts val="0"/>
+                        </a:spcAft>
+                      </a:pPr>
+                      <a:r>
+                        <a:rPr lang="en-US" sz="1000" b="1" kern="0" spc="0">
+                          <a:solidFill>
+                            <a:srgbClr val="000000"/>
+                          </a:solidFill>
+                          <a:effectLst/>
+                          <a:latin typeface="굴림체"/>
+                        </a:rPr>
+                        <a:t>Demo(ver.1.0)</a:t>
+                      </a:r>
+                      <a:endParaRPr lang="en-US" sz="1000" kern="0" spc="0">
+                        <a:solidFill>
+                          <a:srgbClr val="000000"/>
+                        </a:solidFill>
+                        <a:effectLst/>
+                      </a:endParaRPr>
+                    </a:p>
+                  </a:txBody>
+                  <a:tcPr marL="17907" marR="17907" marT="17907" marB="17907" anchor="ctr">
+                    <a:lnL w="3556" cap="flat" cmpd="sng" algn="ctr">
+                      <a:solidFill>
+                        <a:srgbClr val="000000"/>
+                      </a:solidFill>
+                      <a:prstDash val="solid"/>
+                      <a:round/>
+                      <a:headEnd type="none" w="med" len="med"/>
+                      <a:tailEnd type="none" w="med" len="med"/>
+                    </a:lnL>
+                    <a:lnR w="3556" cap="flat" cmpd="sng" algn="ctr">
+                      <a:solidFill>
+                        <a:srgbClr val="000000"/>
+                      </a:solidFill>
+                      <a:prstDash val="solid"/>
+                      <a:round/>
+                      <a:headEnd type="none" w="med" len="med"/>
+                      <a:tailEnd type="none" w="med" len="med"/>
+                    </a:lnR>
+                    <a:lnT w="3556" cap="flat" cmpd="sng" algn="ctr">
+                      <a:solidFill>
+                        <a:srgbClr val="000000"/>
+                      </a:solidFill>
+                      <a:prstDash val="solid"/>
+                      <a:round/>
+                      <a:headEnd type="none" w="med" len="med"/>
+                      <a:tailEnd type="none" w="med" len="med"/>
+                    </a:lnT>
+                    <a:lnB w="3556" cap="flat" cmpd="sng" algn="ctr">
+                      <a:solidFill>
+                        <a:srgbClr val="000000"/>
+                      </a:solidFill>
+                      <a:prstDash val="solid"/>
+                      <a:round/>
+                      <a:headEnd type="none" w="med" len="med"/>
+                      <a:tailEnd type="none" w="med" len="med"/>
+                    </a:lnB>
+                  </a:tcPr>
+                </a:tc>
+                <a:tc>
+                  <a:txBody>
+                    <a:bodyPr/>
+                    <a:lstStyle/>
+                    <a:p>
+                      <a:pPr marL="0" marR="0" indent="0" algn="ctr" fontAlgn="base" latinLnBrk="0">
+                        <a:lnSpc>
+                          <a:spcPct val="160000"/>
+                        </a:lnSpc>
+                        <a:spcBef>
+                          <a:spcPts val="0"/>
+                        </a:spcBef>
+                        <a:spcAft>
+                          <a:spcPts val="0"/>
+                        </a:spcAft>
+                      </a:pPr>
+                      <a:endParaRPr lang="ko-KR" altLang="en-US" sz="1000" kern="0" spc="0">
+                        <a:solidFill>
+                          <a:srgbClr val="000000"/>
+                        </a:solidFill>
+                        <a:effectLst/>
+                      </a:endParaRPr>
+                    </a:p>
+                  </a:txBody>
+                  <a:tcPr marL="17907" marR="17907" marT="17907" marB="17907" anchor="ctr">
+                    <a:lnL w="3556" cap="flat" cmpd="sng" algn="ctr">
+                      <a:solidFill>
+                        <a:srgbClr val="000000"/>
+                      </a:solidFill>
+                      <a:prstDash val="solid"/>
+                      <a:round/>
+                      <a:headEnd type="none" w="med" len="med"/>
+                      <a:tailEnd type="none" w="med" len="med"/>
+                    </a:lnL>
+                    <a:lnR w="3556" cap="flat" cmpd="sng" algn="ctr">
+                      <a:solidFill>
+                        <a:srgbClr val="000000"/>
+                      </a:solidFill>
+                      <a:prstDash val="solid"/>
+                      <a:round/>
+                      <a:headEnd type="none" w="med" len="med"/>
+                      <a:tailEnd type="none" w="med" len="med"/>
+                    </a:lnR>
+                    <a:lnT w="3556" cap="flat" cmpd="sng" algn="ctr">
+                      <a:solidFill>
+                        <a:srgbClr val="000000"/>
+                      </a:solidFill>
+                      <a:prstDash val="solid"/>
+                      <a:round/>
+                      <a:headEnd type="none" w="med" len="med"/>
+                      <a:tailEnd type="none" w="med" len="med"/>
+                    </a:lnT>
+                    <a:lnB w="3556" cap="flat" cmpd="sng" algn="ctr">
+                      <a:solidFill>
+                        <a:srgbClr val="000000"/>
+                      </a:solidFill>
+                      <a:prstDash val="solid"/>
+                      <a:round/>
+                      <a:headEnd type="none" w="med" len="med"/>
+                      <a:tailEnd type="none" w="med" len="med"/>
+                    </a:lnB>
+                  </a:tcPr>
+                </a:tc>
+                <a:tc>
+                  <a:txBody>
+                    <a:bodyPr/>
+                    <a:lstStyle/>
+                    <a:p>
+                      <a:pPr marL="0" marR="0" indent="0" algn="ctr" fontAlgn="base" latinLnBrk="0">
+                        <a:lnSpc>
+                          <a:spcPct val="160000"/>
+                        </a:lnSpc>
+                        <a:spcBef>
+                          <a:spcPts val="0"/>
+                        </a:spcBef>
+                        <a:spcAft>
+                          <a:spcPts val="0"/>
+                        </a:spcAft>
+                      </a:pPr>
+                      <a:endParaRPr lang="ko-KR" altLang="en-US" sz="1000" kern="0" spc="0">
+                        <a:solidFill>
+                          <a:srgbClr val="000000"/>
+                        </a:solidFill>
+                        <a:effectLst/>
+                      </a:endParaRPr>
+                    </a:p>
+                  </a:txBody>
+                  <a:tcPr marL="17907" marR="17907" marT="17907" marB="17907" anchor="ctr">
+                    <a:lnL w="3556" cap="flat" cmpd="sng" algn="ctr">
+                      <a:solidFill>
+                        <a:srgbClr val="000000"/>
+                      </a:solidFill>
+                      <a:prstDash val="solid"/>
+                      <a:round/>
+                      <a:headEnd type="none" w="med" len="med"/>
+                      <a:tailEnd type="none" w="med" len="med"/>
+                    </a:lnL>
+                    <a:lnR w="3556" cap="flat" cmpd="sng" algn="ctr">
+                      <a:solidFill>
+                        <a:srgbClr val="000000"/>
+                      </a:solidFill>
+                      <a:prstDash val="solid"/>
+                      <a:round/>
+                      <a:headEnd type="none" w="med" len="med"/>
+                      <a:tailEnd type="none" w="med" len="med"/>
+                    </a:lnR>
+                    <a:lnT w="3556" cap="flat" cmpd="sng" algn="ctr">
+                      <a:solidFill>
+                        <a:srgbClr val="000000"/>
+                      </a:solidFill>
+                      <a:prstDash val="solid"/>
+                      <a:round/>
+                      <a:headEnd type="none" w="med" len="med"/>
+                      <a:tailEnd type="none" w="med" len="med"/>
+                    </a:lnT>
+                    <a:lnB w="3556" cap="flat" cmpd="sng" algn="ctr">
+                      <a:solidFill>
+                        <a:srgbClr val="000000"/>
+                      </a:solidFill>
+                      <a:prstDash val="solid"/>
+                      <a:round/>
+                      <a:headEnd type="none" w="med" len="med"/>
+                      <a:tailEnd type="none" w="med" len="med"/>
+                    </a:lnB>
+                    <a:solidFill>
+                      <a:srgbClr val="CCCCCC"/>
+                    </a:solidFill>
+                  </a:tcPr>
+                </a:tc>
+                <a:tc>
+                  <a:txBody>
+                    <a:bodyPr/>
+                    <a:lstStyle/>
+                    <a:p>
+                      <a:pPr marL="0" marR="0" indent="0" algn="ctr" fontAlgn="base" latinLnBrk="0">
+                        <a:lnSpc>
+                          <a:spcPct val="160000"/>
+                        </a:lnSpc>
+                        <a:spcBef>
+                          <a:spcPts val="0"/>
+                        </a:spcBef>
+                        <a:spcAft>
+                          <a:spcPts val="0"/>
+                        </a:spcAft>
+                      </a:pPr>
+                      <a:endParaRPr lang="ko-KR" altLang="en-US" sz="1000" kern="0" spc="0">
+                        <a:solidFill>
+                          <a:srgbClr val="000000"/>
+                        </a:solidFill>
+                        <a:effectLst/>
+                      </a:endParaRPr>
+                    </a:p>
+                  </a:txBody>
+                  <a:tcPr marL="17907" marR="17907" marT="17907" marB="17907" anchor="ctr">
+                    <a:lnL w="3556" cap="flat" cmpd="sng" algn="ctr">
+                      <a:solidFill>
+                        <a:srgbClr val="000000"/>
+                      </a:solidFill>
+                      <a:prstDash val="solid"/>
+                      <a:round/>
+                      <a:headEnd type="none" w="med" len="med"/>
+                      <a:tailEnd type="none" w="med" len="med"/>
+                    </a:lnL>
+                    <a:lnR w="3556" cap="flat" cmpd="sng" algn="ctr">
+                      <a:solidFill>
+                        <a:srgbClr val="000000"/>
+                      </a:solidFill>
+                      <a:prstDash val="solid"/>
+                      <a:round/>
+                      <a:headEnd type="none" w="med" len="med"/>
+                      <a:tailEnd type="none" w="med" len="med"/>
+                    </a:lnR>
+                    <a:lnT w="3556" cap="flat" cmpd="sng" algn="ctr">
+                      <a:solidFill>
+                        <a:srgbClr val="000000"/>
+                      </a:solidFill>
+                      <a:prstDash val="solid"/>
+                      <a:round/>
+                      <a:headEnd type="none" w="med" len="med"/>
+                      <a:tailEnd type="none" w="med" len="med"/>
+                    </a:lnT>
+                    <a:lnB w="3556" cap="flat" cmpd="sng" algn="ctr">
+                      <a:solidFill>
+                        <a:srgbClr val="000000"/>
+                      </a:solidFill>
+                      <a:prstDash val="solid"/>
+                      <a:round/>
+                      <a:headEnd type="none" w="med" len="med"/>
+                      <a:tailEnd type="none" w="med" len="med"/>
+                    </a:lnB>
+                  </a:tcPr>
+                </a:tc>
+                <a:tc>
+                  <a:txBody>
+                    <a:bodyPr/>
+                    <a:lstStyle/>
+                    <a:p>
+                      <a:pPr marL="0" marR="0" indent="0" algn="ctr" fontAlgn="base" latinLnBrk="0">
+                        <a:lnSpc>
+                          <a:spcPct val="160000"/>
+                        </a:lnSpc>
+                        <a:spcBef>
+                          <a:spcPts val="0"/>
+                        </a:spcBef>
+                        <a:spcAft>
+                          <a:spcPts val="0"/>
+                        </a:spcAft>
+                      </a:pPr>
+                      <a:endParaRPr lang="ko-KR" altLang="en-US" sz="1000" kern="0" spc="0">
+                        <a:solidFill>
+                          <a:srgbClr val="000000"/>
+                        </a:solidFill>
+                        <a:effectLst/>
+                      </a:endParaRPr>
+                    </a:p>
+                  </a:txBody>
+                  <a:tcPr marL="17907" marR="17907" marT="17907" marB="17907" anchor="ctr">
+                    <a:lnL w="3556" cap="flat" cmpd="sng" algn="ctr">
+                      <a:solidFill>
+                        <a:srgbClr val="000000"/>
+                      </a:solidFill>
+                      <a:prstDash val="solid"/>
+                      <a:round/>
+                      <a:headEnd type="none" w="med" len="med"/>
+                      <a:tailEnd type="none" w="med" len="med"/>
+                    </a:lnL>
+                    <a:lnR w="3556" cap="flat" cmpd="sng" algn="ctr">
+                      <a:solidFill>
+                        <a:srgbClr val="000000"/>
+                      </a:solidFill>
+                      <a:prstDash val="solid"/>
+                      <a:round/>
+                      <a:headEnd type="none" w="med" len="med"/>
+                      <a:tailEnd type="none" w="med" len="med"/>
+                    </a:lnR>
+                    <a:lnT w="3556" cap="flat" cmpd="sng" algn="ctr">
+                      <a:solidFill>
+                        <a:srgbClr val="000000"/>
+                      </a:solidFill>
+                      <a:prstDash val="solid"/>
+                      <a:round/>
+                      <a:headEnd type="none" w="med" len="med"/>
+                      <a:tailEnd type="none" w="med" len="med"/>
+                    </a:lnT>
+                    <a:lnB w="3556" cap="flat" cmpd="sng" algn="ctr">
+                      <a:solidFill>
+                        <a:srgbClr val="000000"/>
+                      </a:solidFill>
+                      <a:prstDash val="solid"/>
+                      <a:round/>
+                      <a:headEnd type="none" w="med" len="med"/>
+                      <a:tailEnd type="none" w="med" len="med"/>
+                    </a:lnB>
+                  </a:tcPr>
+                </a:tc>
+                <a:tc>
+                  <a:txBody>
+                    <a:bodyPr/>
+                    <a:lstStyle/>
+                    <a:p>
+                      <a:pPr marL="0" marR="0" indent="0" algn="ctr" fontAlgn="base" latinLnBrk="0">
+                        <a:lnSpc>
+                          <a:spcPct val="160000"/>
+                        </a:lnSpc>
+                        <a:spcBef>
+                          <a:spcPts val="0"/>
+                        </a:spcBef>
+                        <a:spcAft>
+                          <a:spcPts val="0"/>
+                        </a:spcAft>
+                      </a:pPr>
+                      <a:endParaRPr lang="ko-KR" altLang="en-US" sz="1000" kern="0" spc="0">
+                        <a:solidFill>
+                          <a:srgbClr val="000000"/>
+                        </a:solidFill>
+                        <a:effectLst/>
+                      </a:endParaRPr>
+                    </a:p>
+                  </a:txBody>
+                  <a:tcPr marL="17907" marR="17907" marT="17907" marB="17907" anchor="ctr">
+                    <a:lnL w="3556" cap="flat" cmpd="sng" algn="ctr">
+                      <a:solidFill>
+                        <a:srgbClr val="000000"/>
+                      </a:solidFill>
+                      <a:prstDash val="solid"/>
+                      <a:round/>
+                      <a:headEnd type="none" w="med" len="med"/>
+                      <a:tailEnd type="none" w="med" len="med"/>
+                    </a:lnL>
+                    <a:lnR w="3556" cap="flat" cmpd="sng" algn="ctr">
+                      <a:solidFill>
+                        <a:srgbClr val="000000"/>
+                      </a:solidFill>
+                      <a:prstDash val="solid"/>
+                      <a:round/>
+                      <a:headEnd type="none" w="med" len="med"/>
+                      <a:tailEnd type="none" w="med" len="med"/>
+                    </a:lnR>
+                    <a:lnT w="3556" cap="flat" cmpd="sng" algn="ctr">
+                      <a:solidFill>
+                        <a:srgbClr val="000000"/>
+                      </a:solidFill>
+                      <a:prstDash val="solid"/>
+                      <a:round/>
+                      <a:headEnd type="none" w="med" len="med"/>
+                      <a:tailEnd type="none" w="med" len="med"/>
+                    </a:lnT>
+                    <a:lnB w="3556" cap="flat" cmpd="sng" algn="ctr">
+                      <a:solidFill>
+                        <a:srgbClr val="000000"/>
+                      </a:solidFill>
+                      <a:prstDash val="solid"/>
+                      <a:round/>
+                      <a:headEnd type="none" w="med" len="med"/>
+                      <a:tailEnd type="none" w="med" len="med"/>
+                    </a:lnB>
+                  </a:tcPr>
+                </a:tc>
+                <a:tc>
+                  <a:txBody>
+                    <a:bodyPr/>
+                    <a:lstStyle/>
+                    <a:p>
+                      <a:pPr marL="0" marR="0" indent="0" algn="ctr" fontAlgn="base" latinLnBrk="0">
+                        <a:lnSpc>
+                          <a:spcPct val="160000"/>
+                        </a:lnSpc>
+                        <a:spcBef>
+                          <a:spcPts val="0"/>
+                        </a:spcBef>
+                        <a:spcAft>
+                          <a:spcPts val="0"/>
+                        </a:spcAft>
+                      </a:pPr>
+                      <a:endParaRPr lang="ko-KR" altLang="en-US" sz="1000" kern="0" spc="0">
+                        <a:solidFill>
+                          <a:srgbClr val="000000"/>
+                        </a:solidFill>
+                        <a:effectLst/>
+                      </a:endParaRPr>
+                    </a:p>
+                  </a:txBody>
+                  <a:tcPr marL="17907" marR="17907" marT="17907" marB="17907" anchor="ctr">
+                    <a:lnL w="3556" cap="flat" cmpd="sng" algn="ctr">
+                      <a:solidFill>
+                        <a:srgbClr val="000000"/>
+                      </a:solidFill>
+                      <a:prstDash val="solid"/>
+                      <a:round/>
+                      <a:headEnd type="none" w="med" len="med"/>
+                      <a:tailEnd type="none" w="med" len="med"/>
+                    </a:lnL>
+                    <a:lnR w="3556" cap="flat" cmpd="sng" algn="ctr">
+                      <a:solidFill>
+                        <a:srgbClr val="000000"/>
+                      </a:solidFill>
+                      <a:prstDash val="solid"/>
+                      <a:round/>
+                      <a:headEnd type="none" w="med" len="med"/>
+                      <a:tailEnd type="none" w="med" len="med"/>
+                    </a:lnR>
+                    <a:lnT w="3556" cap="flat" cmpd="sng" algn="ctr">
+                      <a:solidFill>
+                        <a:srgbClr val="000000"/>
+                      </a:solidFill>
+                      <a:prstDash val="solid"/>
+                      <a:round/>
+                      <a:headEnd type="none" w="med" len="med"/>
+                      <a:tailEnd type="none" w="med" len="med"/>
+                    </a:lnT>
+                    <a:lnB w="3556" cap="flat" cmpd="sng" algn="ctr">
+                      <a:solidFill>
+                        <a:srgbClr val="000000"/>
+                      </a:solidFill>
+                      <a:prstDash val="solid"/>
+                      <a:round/>
+                      <a:headEnd type="none" w="med" len="med"/>
+                      <a:tailEnd type="none" w="med" len="med"/>
+                    </a:lnB>
+                  </a:tcPr>
+                </a:tc>
+                <a:tc>
+                  <a:txBody>
+                    <a:bodyPr/>
+                    <a:lstStyle/>
+                    <a:p>
+                      <a:pPr marL="0" marR="0" indent="0" algn="ctr" fontAlgn="base" latinLnBrk="0">
+                        <a:lnSpc>
+                          <a:spcPct val="160000"/>
+                        </a:lnSpc>
+                        <a:spcBef>
+                          <a:spcPts val="0"/>
+                        </a:spcBef>
+                        <a:spcAft>
+                          <a:spcPts val="0"/>
+                        </a:spcAft>
+                      </a:pPr>
+                      <a:endParaRPr lang="ko-KR" altLang="en-US" sz="1000" kern="0" spc="0">
+                        <a:solidFill>
+                          <a:srgbClr val="000000"/>
+                        </a:solidFill>
+                        <a:effectLst/>
+                      </a:endParaRPr>
+                    </a:p>
+                  </a:txBody>
+                  <a:tcPr marL="17907" marR="17907" marT="17907" marB="17907" anchor="ctr">
+                    <a:lnL w="3556" cap="flat" cmpd="sng" algn="ctr">
+                      <a:solidFill>
+                        <a:srgbClr val="000000"/>
+                      </a:solidFill>
+                      <a:prstDash val="solid"/>
+                      <a:round/>
+                      <a:headEnd type="none" w="med" len="med"/>
+                      <a:tailEnd type="none" w="med" len="med"/>
+                    </a:lnL>
+                    <a:lnR w="3556" cap="flat" cmpd="sng" algn="ctr">
+                      <a:solidFill>
+                        <a:srgbClr val="000000"/>
+                      </a:solidFill>
+                      <a:prstDash val="solid"/>
+                      <a:round/>
+                      <a:headEnd type="none" w="med" len="med"/>
+                      <a:tailEnd type="none" w="med" len="med"/>
+                    </a:lnR>
+                    <a:lnT w="3556" cap="flat" cmpd="sng" algn="ctr">
+                      <a:solidFill>
+                        <a:srgbClr val="000000"/>
+                      </a:solidFill>
+                      <a:prstDash val="solid"/>
+                      <a:round/>
+                      <a:headEnd type="none" w="med" len="med"/>
+                      <a:tailEnd type="none" w="med" len="med"/>
+                    </a:lnT>
+                    <a:lnB w="3556" cap="flat" cmpd="sng" algn="ctr">
+                      <a:solidFill>
+                        <a:srgbClr val="000000"/>
+                      </a:solidFill>
+                      <a:prstDash val="solid"/>
+                      <a:round/>
+                      <a:headEnd type="none" w="med" len="med"/>
+                      <a:tailEnd type="none" w="med" len="med"/>
+                    </a:lnB>
+                  </a:tcPr>
+                </a:tc>
+                <a:tc>
+                  <a:txBody>
+                    <a:bodyPr/>
+                    <a:lstStyle/>
+                    <a:p>
+                      <a:pPr marL="0" marR="0" indent="0" algn="ctr" fontAlgn="base" latinLnBrk="0">
+                        <a:lnSpc>
+                          <a:spcPct val="160000"/>
+                        </a:lnSpc>
+                        <a:spcBef>
+                          <a:spcPts val="0"/>
+                        </a:spcBef>
+                        <a:spcAft>
+                          <a:spcPts val="0"/>
+                        </a:spcAft>
+                      </a:pPr>
+                      <a:endParaRPr lang="ko-KR" altLang="en-US" sz="1000" kern="0" spc="0">
+                        <a:solidFill>
+                          <a:srgbClr val="000000"/>
+                        </a:solidFill>
+                        <a:effectLst/>
+                      </a:endParaRPr>
+                    </a:p>
+                  </a:txBody>
+                  <a:tcPr marL="17907" marR="17907" marT="17907" marB="17907" anchor="ctr">
+                    <a:lnL w="3556" cap="flat" cmpd="sng" algn="ctr">
+                      <a:solidFill>
+                        <a:srgbClr val="000000"/>
+                      </a:solidFill>
+                      <a:prstDash val="solid"/>
+                      <a:round/>
+                      <a:headEnd type="none" w="med" len="med"/>
+                      <a:tailEnd type="none" w="med" len="med"/>
+                    </a:lnL>
+                    <a:lnR w="3556" cap="flat" cmpd="sng" algn="ctr">
+                      <a:solidFill>
+                        <a:srgbClr val="000000"/>
+                      </a:solidFill>
+                      <a:prstDash val="solid"/>
+                      <a:round/>
+                      <a:headEnd type="none" w="med" len="med"/>
+                      <a:tailEnd type="none" w="med" len="med"/>
+                    </a:lnR>
+                    <a:lnT w="3556" cap="flat" cmpd="sng" algn="ctr">
+                      <a:solidFill>
+                        <a:srgbClr val="000000"/>
+                      </a:solidFill>
+                      <a:prstDash val="solid"/>
+                      <a:round/>
+                      <a:headEnd type="none" w="med" len="med"/>
+                      <a:tailEnd type="none" w="med" len="med"/>
+                    </a:lnT>
+                    <a:lnB w="3556" cap="flat" cmpd="sng" algn="ctr">
+                      <a:solidFill>
+                        <a:srgbClr val="000000"/>
+                      </a:solidFill>
+                      <a:prstDash val="solid"/>
+                      <a:round/>
+                      <a:headEnd type="none" w="med" len="med"/>
+                      <a:tailEnd type="none" w="med" len="med"/>
+                    </a:lnB>
+                  </a:tcPr>
+                </a:tc>
+                <a:tc>
+                  <a:txBody>
+                    <a:bodyPr/>
+                    <a:lstStyle/>
+                    <a:p>
+                      <a:pPr marL="0" marR="0" indent="0" algn="ctr" fontAlgn="base" latinLnBrk="0">
+                        <a:lnSpc>
+                          <a:spcPct val="160000"/>
+                        </a:lnSpc>
+                        <a:spcBef>
+                          <a:spcPts val="0"/>
+                        </a:spcBef>
+                        <a:spcAft>
+                          <a:spcPts val="0"/>
+                        </a:spcAft>
+                      </a:pPr>
+                      <a:endParaRPr lang="ko-KR" altLang="en-US" sz="1000" kern="0" spc="0">
+                        <a:solidFill>
+                          <a:srgbClr val="000000"/>
+                        </a:solidFill>
+                        <a:effectLst/>
+                      </a:endParaRPr>
+                    </a:p>
+                  </a:txBody>
+                  <a:tcPr marL="17907" marR="17907" marT="17907" marB="17907" anchor="ctr">
+                    <a:lnL w="3556" cap="flat" cmpd="sng" algn="ctr">
+                      <a:solidFill>
+                        <a:srgbClr val="000000"/>
+                      </a:solidFill>
+                      <a:prstDash val="solid"/>
+                      <a:round/>
+                      <a:headEnd type="none" w="med" len="med"/>
+                      <a:tailEnd type="none" w="med" len="med"/>
+                    </a:lnL>
+                    <a:lnR w="3556" cap="flat" cmpd="sng" algn="ctr">
+                      <a:solidFill>
+                        <a:srgbClr val="000000"/>
+                      </a:solidFill>
+                      <a:prstDash val="solid"/>
+                      <a:round/>
+                      <a:headEnd type="none" w="med" len="med"/>
+                      <a:tailEnd type="none" w="med" len="med"/>
+                    </a:lnR>
+                    <a:lnT w="3556" cap="flat" cmpd="sng" algn="ctr">
+                      <a:solidFill>
+                        <a:srgbClr val="000000"/>
+                      </a:solidFill>
+                      <a:prstDash val="solid"/>
+                      <a:round/>
+                      <a:headEnd type="none" w="med" len="med"/>
+                      <a:tailEnd type="none" w="med" len="med"/>
+                    </a:lnT>
+                    <a:lnB w="3556" cap="flat" cmpd="sng" algn="ctr">
+                      <a:solidFill>
+                        <a:srgbClr val="000000"/>
+                      </a:solidFill>
+                      <a:prstDash val="solid"/>
+                      <a:round/>
+                      <a:headEnd type="none" w="med" len="med"/>
+                      <a:tailEnd type="none" w="med" len="med"/>
+                    </a:lnB>
+                  </a:tcPr>
+                </a:tc>
+                <a:tc>
+                  <a:txBody>
+                    <a:bodyPr/>
+                    <a:lstStyle/>
+                    <a:p>
+                      <a:pPr marL="0" marR="0" indent="0" algn="ctr" fontAlgn="base" latinLnBrk="0">
+                        <a:lnSpc>
+                          <a:spcPct val="160000"/>
+                        </a:lnSpc>
+                        <a:spcBef>
+                          <a:spcPts val="0"/>
+                        </a:spcBef>
+                        <a:spcAft>
+                          <a:spcPts val="0"/>
+                        </a:spcAft>
+                      </a:pPr>
+                      <a:endParaRPr lang="ko-KR" altLang="en-US" sz="1000" kern="0" spc="0">
+                        <a:solidFill>
+                          <a:srgbClr val="000000"/>
+                        </a:solidFill>
+                        <a:effectLst/>
+                      </a:endParaRPr>
+                    </a:p>
+                  </a:txBody>
+                  <a:tcPr marL="17907" marR="17907" marT="17907" marB="17907" anchor="ctr">
+                    <a:lnL w="3556" cap="flat" cmpd="sng" algn="ctr">
+                      <a:solidFill>
+                        <a:srgbClr val="000000"/>
+                      </a:solidFill>
+                      <a:prstDash val="solid"/>
+                      <a:round/>
+                      <a:headEnd type="none" w="med" len="med"/>
+                      <a:tailEnd type="none" w="med" len="med"/>
+                    </a:lnL>
+                    <a:lnR w="3556" cap="flat" cmpd="sng" algn="ctr">
+                      <a:solidFill>
+                        <a:srgbClr val="000000"/>
+                      </a:solidFill>
+                      <a:prstDash val="solid"/>
+                      <a:round/>
+                      <a:headEnd type="none" w="med" len="med"/>
+                      <a:tailEnd type="none" w="med" len="med"/>
+                    </a:lnR>
+                    <a:lnT w="3556" cap="flat" cmpd="sng" algn="ctr">
+                      <a:solidFill>
+                        <a:srgbClr val="000000"/>
+                      </a:solidFill>
+                      <a:prstDash val="solid"/>
+                      <a:round/>
+                      <a:headEnd type="none" w="med" len="med"/>
+                      <a:tailEnd type="none" w="med" len="med"/>
+                    </a:lnT>
+                    <a:lnB w="3556" cap="flat" cmpd="sng" algn="ctr">
+                      <a:solidFill>
+                        <a:srgbClr val="000000"/>
+                      </a:solidFill>
+                      <a:prstDash val="solid"/>
+                      <a:round/>
+                      <a:headEnd type="none" w="med" len="med"/>
+                      <a:tailEnd type="none" w="med" len="med"/>
+                    </a:lnB>
+                  </a:tcPr>
+                </a:tc>
+                <a:tc>
+                  <a:txBody>
+                    <a:bodyPr/>
+                    <a:lstStyle/>
+                    <a:p>
+                      <a:pPr marL="0" marR="0" indent="0" algn="ctr" fontAlgn="base" latinLnBrk="0">
+                        <a:lnSpc>
+                          <a:spcPct val="160000"/>
+                        </a:lnSpc>
+                        <a:spcBef>
+                          <a:spcPts val="0"/>
+                        </a:spcBef>
+                        <a:spcAft>
+                          <a:spcPts val="0"/>
+                        </a:spcAft>
+                      </a:pPr>
+                      <a:endParaRPr lang="ko-KR" altLang="en-US" sz="1000" kern="0" spc="0">
+                        <a:solidFill>
+                          <a:srgbClr val="000000"/>
+                        </a:solidFill>
+                        <a:effectLst/>
+                      </a:endParaRPr>
+                    </a:p>
+                  </a:txBody>
+                  <a:tcPr marL="17907" marR="17907" marT="17907" marB="17907" anchor="ctr">
+                    <a:lnL w="3556" cap="flat" cmpd="sng" algn="ctr">
+                      <a:solidFill>
+                        <a:srgbClr val="000000"/>
+                      </a:solidFill>
+                      <a:prstDash val="solid"/>
+                      <a:round/>
+                      <a:headEnd type="none" w="med" len="med"/>
+                      <a:tailEnd type="none" w="med" len="med"/>
+                    </a:lnL>
+                    <a:lnR w="3556" cap="flat" cmpd="sng" algn="ctr">
+                      <a:solidFill>
+                        <a:srgbClr val="000000"/>
+                      </a:solidFill>
+                      <a:prstDash val="solid"/>
+                      <a:round/>
+                      <a:headEnd type="none" w="med" len="med"/>
+                      <a:tailEnd type="none" w="med" len="med"/>
+                    </a:lnR>
+                    <a:lnT w="3556" cap="flat" cmpd="sng" algn="ctr">
+                      <a:solidFill>
+                        <a:srgbClr val="000000"/>
+                      </a:solidFill>
+                      <a:prstDash val="solid"/>
+                      <a:round/>
+                      <a:headEnd type="none" w="med" len="med"/>
+                      <a:tailEnd type="none" w="med" len="med"/>
+                    </a:lnT>
+                    <a:lnB w="3556" cap="flat" cmpd="sng" algn="ctr">
+                      <a:solidFill>
+                        <a:srgbClr val="000000"/>
+                      </a:solidFill>
+                      <a:prstDash val="solid"/>
+                      <a:round/>
+                      <a:headEnd type="none" w="med" len="med"/>
+                      <a:tailEnd type="none" w="med" len="med"/>
+                    </a:lnB>
+                  </a:tcPr>
+                </a:tc>
+                <a:tc>
+                  <a:txBody>
+                    <a:bodyPr/>
+                    <a:lstStyle/>
+                    <a:p>
+                      <a:pPr marL="0" marR="0" indent="0" algn="ctr" fontAlgn="base" latinLnBrk="0">
+                        <a:lnSpc>
+                          <a:spcPct val="160000"/>
+                        </a:lnSpc>
+                        <a:spcBef>
+                          <a:spcPts val="0"/>
+                        </a:spcBef>
+                        <a:spcAft>
+                          <a:spcPts val="0"/>
+                        </a:spcAft>
+                      </a:pPr>
+                      <a:endParaRPr lang="ko-KR" altLang="en-US" sz="1000" kern="0" spc="0">
+                        <a:solidFill>
+                          <a:srgbClr val="000000"/>
+                        </a:solidFill>
+                        <a:effectLst/>
+                      </a:endParaRPr>
+                    </a:p>
+                  </a:txBody>
+                  <a:tcPr marL="17907" marR="17907" marT="17907" marB="17907" anchor="ctr">
+                    <a:lnL w="3556" cap="flat" cmpd="sng" algn="ctr">
+                      <a:solidFill>
+                        <a:srgbClr val="000000"/>
+                      </a:solidFill>
+                      <a:prstDash val="solid"/>
+                      <a:round/>
+                      <a:headEnd type="none" w="med" len="med"/>
+                      <a:tailEnd type="none" w="med" len="med"/>
+                    </a:lnL>
+                    <a:lnR w="3556" cap="flat" cmpd="sng" algn="ctr">
+                      <a:solidFill>
+                        <a:srgbClr val="000000"/>
+                      </a:solidFill>
+                      <a:prstDash val="solid"/>
+                      <a:round/>
+                      <a:headEnd type="none" w="med" len="med"/>
+                      <a:tailEnd type="none" w="med" len="med"/>
+                    </a:lnR>
+                    <a:lnT w="3556" cap="flat" cmpd="sng" algn="ctr">
+                      <a:solidFill>
+                        <a:srgbClr val="000000"/>
+                      </a:solidFill>
+                      <a:prstDash val="solid"/>
+                      <a:round/>
+                      <a:headEnd type="none" w="med" len="med"/>
+                      <a:tailEnd type="none" w="med" len="med"/>
+                    </a:lnT>
+                    <a:lnB w="3556" cap="flat" cmpd="sng" algn="ctr">
+                      <a:solidFill>
+                        <a:srgbClr val="000000"/>
+                      </a:solidFill>
+                      <a:prstDash val="solid"/>
+                      <a:round/>
+                      <a:headEnd type="none" w="med" len="med"/>
+                      <a:tailEnd type="none" w="med" len="med"/>
+                    </a:lnB>
+                  </a:tcPr>
+                </a:tc>
+                <a:tc>
+                  <a:txBody>
+                    <a:bodyPr/>
+                    <a:lstStyle/>
+                    <a:p>
+                      <a:pPr marL="0" marR="0" indent="0" algn="ctr" fontAlgn="base" latinLnBrk="0">
+                        <a:lnSpc>
+                          <a:spcPct val="160000"/>
+                        </a:lnSpc>
+                        <a:spcBef>
+                          <a:spcPts val="0"/>
+                        </a:spcBef>
+                        <a:spcAft>
+                          <a:spcPts val="0"/>
+                        </a:spcAft>
+                      </a:pPr>
+                      <a:r>
+                        <a:rPr lang="en-US" sz="1000" kern="0" spc="0">
+                          <a:solidFill>
+                            <a:srgbClr val="000000"/>
+                          </a:solidFill>
+                          <a:effectLst/>
+                          <a:latin typeface="굴림체"/>
+                        </a:rPr>
+                        <a:t>Kinect </a:t>
+                      </a:r>
+                      <a:r>
+                        <a:rPr lang="ko-KR" altLang="en-US" sz="1000" kern="0" spc="0">
+                          <a:solidFill>
+                            <a:srgbClr val="000000"/>
+                          </a:solidFill>
+                          <a:effectLst/>
+                          <a:ea typeface="굴림체"/>
+                        </a:rPr>
+                        <a:t>영상 출력</a:t>
+                      </a:r>
+                      <a:endParaRPr lang="ko-KR" altLang="en-US" sz="1000" kern="0" spc="0">
+                        <a:solidFill>
+                          <a:srgbClr val="000000"/>
+                        </a:solidFill>
+                        <a:effectLst/>
+                      </a:endParaRPr>
+                    </a:p>
+                  </a:txBody>
+                  <a:tcPr marL="17907" marR="17907" marT="17907" marB="17907" anchor="ctr">
+                    <a:lnL w="3556" cap="flat" cmpd="sng" algn="ctr">
+                      <a:solidFill>
+                        <a:srgbClr val="000000"/>
+                      </a:solidFill>
+                      <a:prstDash val="solid"/>
+                      <a:round/>
+                      <a:headEnd type="none" w="med" len="med"/>
+                      <a:tailEnd type="none" w="med" len="med"/>
+                    </a:lnL>
+                    <a:lnR w="21590" cap="flat" cmpd="sng" algn="ctr">
+                      <a:solidFill>
+                        <a:srgbClr val="000000"/>
+                      </a:solidFill>
+                      <a:prstDash val="solid"/>
+                      <a:round/>
+                      <a:headEnd type="none" w="med" len="med"/>
+                      <a:tailEnd type="none" w="med" len="med"/>
+                    </a:lnR>
+                    <a:lnT w="21590" cap="flat" cmpd="sng" algn="ctr">
+                      <a:solidFill>
+                        <a:srgbClr val="000000"/>
+                      </a:solidFill>
+                      <a:prstDash val="solid"/>
+                      <a:round/>
+                      <a:headEnd type="none" w="med" len="med"/>
+                      <a:tailEnd type="none" w="med" len="med"/>
+                    </a:lnT>
+                    <a:lnB w="3556" cap="flat" cmpd="sng" algn="ctr">
+                      <a:solidFill>
+                        <a:srgbClr val="000000"/>
+                      </a:solidFill>
+                      <a:prstDash val="solid"/>
+                      <a:round/>
+                      <a:headEnd type="none" w="med" len="med"/>
+                      <a:tailEnd type="none" w="med" len="med"/>
+                    </a:lnB>
+                  </a:tcPr>
+                </a:tc>
+              </a:tr>
+              <a:tr h="243332">
+                <a:tc>
+                  <a:txBody>
+                    <a:bodyPr/>
+                    <a:lstStyle/>
+                    <a:p>
+                      <a:pPr marL="0" marR="0" indent="0" algn="ctr" fontAlgn="base" latinLnBrk="0">
+                        <a:lnSpc>
+                          <a:spcPct val="160000"/>
+                        </a:lnSpc>
+                        <a:spcBef>
+                          <a:spcPts val="0"/>
+                        </a:spcBef>
+                        <a:spcAft>
+                          <a:spcPts val="0"/>
+                        </a:spcAft>
+                      </a:pPr>
+                      <a:r>
+                        <a:rPr lang="en-US" sz="1000" b="1" kern="0" spc="0">
+                          <a:solidFill>
+                            <a:srgbClr val="000000"/>
+                          </a:solidFill>
+                          <a:effectLst/>
+                          <a:latin typeface="굴림체"/>
+                        </a:rPr>
+                        <a:t>3</a:t>
+                      </a:r>
+                      <a:endParaRPr lang="en-US" sz="1000" kern="0" spc="0">
+                        <a:solidFill>
+                          <a:srgbClr val="000000"/>
+                        </a:solidFill>
+                        <a:effectLst/>
+                      </a:endParaRPr>
+                    </a:p>
+                  </a:txBody>
+                  <a:tcPr marL="17907" marR="17907" marT="17907" marB="17907" anchor="ctr">
+                    <a:lnL w="21590" cap="flat" cmpd="sng" algn="ctr">
+                      <a:solidFill>
+                        <a:srgbClr val="000000"/>
+                      </a:solidFill>
+                      <a:prstDash val="solid"/>
+                      <a:round/>
+                      <a:headEnd type="none" w="med" len="med"/>
+                      <a:tailEnd type="none" w="med" len="med"/>
+                    </a:lnL>
+                    <a:lnR w="3556" cap="flat" cmpd="sng" algn="ctr">
+                      <a:solidFill>
+                        <a:srgbClr val="000000"/>
+                      </a:solidFill>
+                      <a:prstDash val="solid"/>
+                      <a:round/>
+                      <a:headEnd type="none" w="med" len="med"/>
+                      <a:tailEnd type="none" w="med" len="med"/>
+                    </a:lnR>
+                    <a:lnT w="3556" cap="flat" cmpd="sng" algn="ctr">
+                      <a:solidFill>
+                        <a:srgbClr val="000000"/>
+                      </a:solidFill>
+                      <a:prstDash val="solid"/>
+                      <a:round/>
+                      <a:headEnd type="none" w="med" len="med"/>
+                      <a:tailEnd type="none" w="med" len="med"/>
+                    </a:lnT>
+                    <a:lnB w="3556" cap="flat" cmpd="sng" algn="ctr">
+                      <a:solidFill>
+                        <a:srgbClr val="000000"/>
+                      </a:solidFill>
+                      <a:prstDash val="solid"/>
+                      <a:round/>
+                      <a:headEnd type="none" w="med" len="med"/>
+                      <a:tailEnd type="none" w="med" len="med"/>
+                    </a:lnB>
+                  </a:tcPr>
+                </a:tc>
+                <a:tc>
+                  <a:txBody>
+                    <a:bodyPr/>
+                    <a:lstStyle/>
+                    <a:p>
+                      <a:pPr marL="0" marR="0" indent="0" algn="ctr" fontAlgn="base" latinLnBrk="0">
+                        <a:lnSpc>
+                          <a:spcPct val="160000"/>
+                        </a:lnSpc>
+                        <a:spcBef>
+                          <a:spcPts val="0"/>
+                        </a:spcBef>
+                        <a:spcAft>
+                          <a:spcPts val="0"/>
+                        </a:spcAft>
+                      </a:pPr>
+                      <a:r>
+                        <a:rPr lang="en-US" sz="1000" b="1" kern="0" spc="0" dirty="0">
+                          <a:solidFill>
+                            <a:srgbClr val="000000"/>
+                          </a:solidFill>
+                          <a:effectLst/>
+                          <a:latin typeface="굴림체"/>
+                        </a:rPr>
+                        <a:t>Demo(ver.2.0)</a:t>
+                      </a:r>
+                      <a:endParaRPr lang="en-US" sz="1000" kern="0" spc="0" dirty="0">
+                        <a:solidFill>
+                          <a:srgbClr val="000000"/>
+                        </a:solidFill>
+                        <a:effectLst/>
+                      </a:endParaRPr>
+                    </a:p>
+                  </a:txBody>
+                  <a:tcPr marL="17907" marR="17907" marT="17907" marB="17907" anchor="ctr">
+                    <a:lnL w="3556" cap="flat" cmpd="sng" algn="ctr">
+                      <a:solidFill>
+                        <a:srgbClr val="000000"/>
+                      </a:solidFill>
+                      <a:prstDash val="solid"/>
+                      <a:round/>
+                      <a:headEnd type="none" w="med" len="med"/>
+                      <a:tailEnd type="none" w="med" len="med"/>
+                    </a:lnL>
+                    <a:lnR w="3556" cap="flat" cmpd="sng" algn="ctr">
+                      <a:solidFill>
+                        <a:srgbClr val="000000"/>
+                      </a:solidFill>
+                      <a:prstDash val="solid"/>
+                      <a:round/>
+                      <a:headEnd type="none" w="med" len="med"/>
+                      <a:tailEnd type="none" w="med" len="med"/>
+                    </a:lnR>
+                    <a:lnT w="3556" cap="flat" cmpd="sng" algn="ctr">
+                      <a:solidFill>
+                        <a:srgbClr val="000000"/>
+                      </a:solidFill>
+                      <a:prstDash val="solid"/>
+                      <a:round/>
+                      <a:headEnd type="none" w="med" len="med"/>
+                      <a:tailEnd type="none" w="med" len="med"/>
+                    </a:lnT>
+                    <a:lnB w="3556" cap="flat" cmpd="sng" algn="ctr">
+                      <a:solidFill>
+                        <a:srgbClr val="000000"/>
+                      </a:solidFill>
+                      <a:prstDash val="solid"/>
+                      <a:round/>
+                      <a:headEnd type="none" w="med" len="med"/>
+                      <a:tailEnd type="none" w="med" len="med"/>
+                    </a:lnB>
+                  </a:tcPr>
+                </a:tc>
+                <a:tc>
+                  <a:txBody>
+                    <a:bodyPr/>
+                    <a:lstStyle/>
+                    <a:p>
+                      <a:pPr marL="0" marR="0" indent="0" algn="ctr" fontAlgn="base" latinLnBrk="0">
+                        <a:lnSpc>
+                          <a:spcPct val="160000"/>
+                        </a:lnSpc>
+                        <a:spcBef>
+                          <a:spcPts val="0"/>
+                        </a:spcBef>
+                        <a:spcAft>
+                          <a:spcPts val="0"/>
+                        </a:spcAft>
+                      </a:pPr>
+                      <a:endParaRPr lang="ko-KR" altLang="en-US" sz="1000" kern="0" spc="0">
+                        <a:solidFill>
+                          <a:srgbClr val="000000"/>
+                        </a:solidFill>
+                        <a:effectLst/>
+                      </a:endParaRPr>
+                    </a:p>
+                  </a:txBody>
+                  <a:tcPr marL="17907" marR="17907" marT="17907" marB="17907" anchor="ctr">
+                    <a:lnL w="3556" cap="flat" cmpd="sng" algn="ctr">
+                      <a:solidFill>
+                        <a:srgbClr val="000000"/>
+                      </a:solidFill>
+                      <a:prstDash val="solid"/>
+                      <a:round/>
+                      <a:headEnd type="none" w="med" len="med"/>
+                      <a:tailEnd type="none" w="med" len="med"/>
+                    </a:lnL>
+                    <a:lnR w="3556" cap="flat" cmpd="sng" algn="ctr">
+                      <a:solidFill>
+                        <a:srgbClr val="000000"/>
+                      </a:solidFill>
+                      <a:prstDash val="solid"/>
+                      <a:round/>
+                      <a:headEnd type="none" w="med" len="med"/>
+                      <a:tailEnd type="none" w="med" len="med"/>
+                    </a:lnR>
+                    <a:lnT w="3556" cap="flat" cmpd="sng" algn="ctr">
+                      <a:solidFill>
+                        <a:srgbClr val="000000"/>
+                      </a:solidFill>
+                      <a:prstDash val="solid"/>
+                      <a:round/>
+                      <a:headEnd type="none" w="med" len="med"/>
+                      <a:tailEnd type="none" w="med" len="med"/>
+                    </a:lnT>
+                    <a:lnB w="3556" cap="flat" cmpd="sng" algn="ctr">
+                      <a:solidFill>
+                        <a:srgbClr val="000000"/>
+                      </a:solidFill>
+                      <a:prstDash val="solid"/>
+                      <a:round/>
+                      <a:headEnd type="none" w="med" len="med"/>
+                      <a:tailEnd type="none" w="med" len="med"/>
+                    </a:lnB>
+                  </a:tcPr>
+                </a:tc>
+                <a:tc>
+                  <a:txBody>
+                    <a:bodyPr/>
+                    <a:lstStyle/>
+                    <a:p>
+                      <a:pPr marL="0" marR="0" indent="0" algn="ctr" fontAlgn="base" latinLnBrk="0">
+                        <a:lnSpc>
+                          <a:spcPct val="160000"/>
+                        </a:lnSpc>
+                        <a:spcBef>
+                          <a:spcPts val="0"/>
+                        </a:spcBef>
+                        <a:spcAft>
+                          <a:spcPts val="0"/>
+                        </a:spcAft>
+                      </a:pPr>
+                      <a:endParaRPr lang="ko-KR" altLang="en-US" sz="1000" kern="0" spc="0">
+                        <a:solidFill>
+                          <a:srgbClr val="000000"/>
+                        </a:solidFill>
+                        <a:effectLst/>
+                      </a:endParaRPr>
+                    </a:p>
+                  </a:txBody>
+                  <a:tcPr marL="17907" marR="17907" marT="17907" marB="17907" anchor="ctr">
+                    <a:lnL w="3556" cap="flat" cmpd="sng" algn="ctr">
+                      <a:solidFill>
+                        <a:srgbClr val="000000"/>
+                      </a:solidFill>
+                      <a:prstDash val="solid"/>
+                      <a:round/>
+                      <a:headEnd type="none" w="med" len="med"/>
+                      <a:tailEnd type="none" w="med" len="med"/>
+                    </a:lnL>
+                    <a:lnR w="3556" cap="flat" cmpd="sng" algn="ctr">
+                      <a:solidFill>
+                        <a:srgbClr val="000000"/>
+                      </a:solidFill>
+                      <a:prstDash val="solid"/>
+                      <a:round/>
+                      <a:headEnd type="none" w="med" len="med"/>
+                      <a:tailEnd type="none" w="med" len="med"/>
+                    </a:lnR>
+                    <a:lnT w="3556" cap="flat" cmpd="sng" algn="ctr">
+                      <a:solidFill>
+                        <a:srgbClr val="000000"/>
+                      </a:solidFill>
+                      <a:prstDash val="solid"/>
+                      <a:round/>
+                      <a:headEnd type="none" w="med" len="med"/>
+                      <a:tailEnd type="none" w="med" len="med"/>
+                    </a:lnT>
+                    <a:lnB w="3556" cap="flat" cmpd="sng" algn="ctr">
+                      <a:solidFill>
+                        <a:srgbClr val="000000"/>
+                      </a:solidFill>
+                      <a:prstDash val="solid"/>
+                      <a:round/>
+                      <a:headEnd type="none" w="med" len="med"/>
+                      <a:tailEnd type="none" w="med" len="med"/>
+                    </a:lnB>
+                  </a:tcPr>
+                </a:tc>
+                <a:tc>
+                  <a:txBody>
+                    <a:bodyPr/>
+                    <a:lstStyle/>
+                    <a:p>
+                      <a:pPr marL="0" marR="0" indent="0" algn="ctr" fontAlgn="base" latinLnBrk="0">
+                        <a:lnSpc>
+                          <a:spcPct val="160000"/>
+                        </a:lnSpc>
+                        <a:spcBef>
+                          <a:spcPts val="0"/>
+                        </a:spcBef>
+                        <a:spcAft>
+                          <a:spcPts val="0"/>
+                        </a:spcAft>
+                      </a:pPr>
+                      <a:endParaRPr lang="ko-KR" altLang="en-US" sz="1000" kern="0" spc="0">
+                        <a:solidFill>
+                          <a:srgbClr val="000000"/>
+                        </a:solidFill>
+                        <a:effectLst/>
+                      </a:endParaRPr>
+                    </a:p>
+                  </a:txBody>
+                  <a:tcPr marL="17907" marR="17907" marT="17907" marB="17907" anchor="ctr">
+                    <a:lnL w="3556" cap="flat" cmpd="sng" algn="ctr">
+                      <a:solidFill>
+                        <a:srgbClr val="000000"/>
+                      </a:solidFill>
+                      <a:prstDash val="solid"/>
+                      <a:round/>
+                      <a:headEnd type="none" w="med" len="med"/>
+                      <a:tailEnd type="none" w="med" len="med"/>
+                    </a:lnL>
+                    <a:lnR w="3556" cap="flat" cmpd="sng" algn="ctr">
+                      <a:solidFill>
+                        <a:srgbClr val="000000"/>
+                      </a:solidFill>
+                      <a:prstDash val="solid"/>
+                      <a:round/>
+                      <a:headEnd type="none" w="med" len="med"/>
+                      <a:tailEnd type="none" w="med" len="med"/>
+                    </a:lnR>
+                    <a:lnT w="3556" cap="flat" cmpd="sng" algn="ctr">
+                      <a:solidFill>
+                        <a:srgbClr val="000000"/>
+                      </a:solidFill>
+                      <a:prstDash val="solid"/>
+                      <a:round/>
+                      <a:headEnd type="none" w="med" len="med"/>
+                      <a:tailEnd type="none" w="med" len="med"/>
+                    </a:lnT>
+                    <a:lnB w="3556" cap="flat" cmpd="sng" algn="ctr">
+                      <a:solidFill>
+                        <a:srgbClr val="000000"/>
+                      </a:solidFill>
+                      <a:prstDash val="solid"/>
+                      <a:round/>
+                      <a:headEnd type="none" w="med" len="med"/>
+                      <a:tailEnd type="none" w="med" len="med"/>
+                    </a:lnB>
+                    <a:solidFill>
+                      <a:srgbClr val="CCCCCC"/>
+                    </a:solidFill>
+                  </a:tcPr>
+                </a:tc>
+                <a:tc>
+                  <a:txBody>
+                    <a:bodyPr/>
+                    <a:lstStyle/>
+                    <a:p>
+                      <a:pPr marL="0" marR="0" indent="0" algn="ctr" fontAlgn="base" latinLnBrk="0">
+                        <a:lnSpc>
+                          <a:spcPct val="160000"/>
+                        </a:lnSpc>
+                        <a:spcBef>
+                          <a:spcPts val="0"/>
+                        </a:spcBef>
+                        <a:spcAft>
+                          <a:spcPts val="0"/>
+                        </a:spcAft>
+                      </a:pPr>
+                      <a:endParaRPr lang="ko-KR" altLang="en-US" sz="1000" kern="0" spc="0">
+                        <a:solidFill>
+                          <a:srgbClr val="000000"/>
+                        </a:solidFill>
+                        <a:effectLst/>
+                      </a:endParaRPr>
+                    </a:p>
+                  </a:txBody>
+                  <a:tcPr marL="17907" marR="17907" marT="17907" marB="17907" anchor="ctr">
+                    <a:lnL w="3556" cap="flat" cmpd="sng" algn="ctr">
+                      <a:solidFill>
+                        <a:srgbClr val="000000"/>
+                      </a:solidFill>
+                      <a:prstDash val="solid"/>
+                      <a:round/>
+                      <a:headEnd type="none" w="med" len="med"/>
+                      <a:tailEnd type="none" w="med" len="med"/>
+                    </a:lnL>
+                    <a:lnR w="3556" cap="flat" cmpd="sng" algn="ctr">
+                      <a:solidFill>
+                        <a:srgbClr val="000000"/>
+                      </a:solidFill>
+                      <a:prstDash val="solid"/>
+                      <a:round/>
+                      <a:headEnd type="none" w="med" len="med"/>
+                      <a:tailEnd type="none" w="med" len="med"/>
+                    </a:lnR>
+                    <a:lnT w="3556" cap="flat" cmpd="sng" algn="ctr">
+                      <a:solidFill>
+                        <a:srgbClr val="000000"/>
+                      </a:solidFill>
+                      <a:prstDash val="solid"/>
+                      <a:round/>
+                      <a:headEnd type="none" w="med" len="med"/>
+                      <a:tailEnd type="none" w="med" len="med"/>
+                    </a:lnT>
+                    <a:lnB w="3556" cap="flat" cmpd="sng" algn="ctr">
+                      <a:solidFill>
+                        <a:srgbClr val="000000"/>
+                      </a:solidFill>
+                      <a:prstDash val="solid"/>
+                      <a:round/>
+                      <a:headEnd type="none" w="med" len="med"/>
+                      <a:tailEnd type="none" w="med" len="med"/>
+                    </a:lnB>
+                    <a:solidFill>
+                      <a:srgbClr val="CCCCCC"/>
+                    </a:solidFill>
+                  </a:tcPr>
+                </a:tc>
+                <a:tc>
+                  <a:txBody>
+                    <a:bodyPr/>
+                    <a:lstStyle/>
+                    <a:p>
+                      <a:pPr marL="0" marR="0" indent="0" algn="ctr" fontAlgn="base" latinLnBrk="0">
+                        <a:lnSpc>
+                          <a:spcPct val="160000"/>
+                        </a:lnSpc>
+                        <a:spcBef>
+                          <a:spcPts val="0"/>
+                        </a:spcBef>
+                        <a:spcAft>
+                          <a:spcPts val="0"/>
+                        </a:spcAft>
+                      </a:pPr>
+                      <a:endParaRPr lang="ko-KR" altLang="en-US" sz="1000" kern="0" spc="0">
+                        <a:solidFill>
+                          <a:srgbClr val="000000"/>
+                        </a:solidFill>
+                        <a:effectLst/>
+                      </a:endParaRPr>
+                    </a:p>
+                  </a:txBody>
+                  <a:tcPr marL="17907" marR="17907" marT="17907" marB="17907" anchor="ctr">
+                    <a:lnL w="3556" cap="flat" cmpd="sng" algn="ctr">
+                      <a:solidFill>
+                        <a:srgbClr val="000000"/>
+                      </a:solidFill>
+                      <a:prstDash val="solid"/>
+                      <a:round/>
+                      <a:headEnd type="none" w="med" len="med"/>
+                      <a:tailEnd type="none" w="med" len="med"/>
+                    </a:lnL>
+                    <a:lnR w="3556" cap="flat" cmpd="sng" algn="ctr">
+                      <a:solidFill>
+                        <a:srgbClr val="000000"/>
+                      </a:solidFill>
+                      <a:prstDash val="solid"/>
+                      <a:round/>
+                      <a:headEnd type="none" w="med" len="med"/>
+                      <a:tailEnd type="none" w="med" len="med"/>
+                    </a:lnR>
+                    <a:lnT w="3556" cap="flat" cmpd="sng" algn="ctr">
+                      <a:solidFill>
+                        <a:srgbClr val="000000"/>
+                      </a:solidFill>
+                      <a:prstDash val="solid"/>
+                      <a:round/>
+                      <a:headEnd type="none" w="med" len="med"/>
+                      <a:tailEnd type="none" w="med" len="med"/>
+                    </a:lnT>
+                    <a:lnB w="3556" cap="flat" cmpd="sng" algn="ctr">
+                      <a:solidFill>
+                        <a:srgbClr val="000000"/>
+                      </a:solidFill>
+                      <a:prstDash val="solid"/>
+                      <a:round/>
+                      <a:headEnd type="none" w="med" len="med"/>
+                      <a:tailEnd type="none" w="med" len="med"/>
+                    </a:lnB>
+                  </a:tcPr>
+                </a:tc>
+                <a:tc>
+                  <a:txBody>
+                    <a:bodyPr/>
+                    <a:lstStyle/>
+                    <a:p>
+                      <a:pPr marL="0" marR="0" indent="0" algn="ctr" fontAlgn="base" latinLnBrk="0">
+                        <a:lnSpc>
+                          <a:spcPct val="160000"/>
+                        </a:lnSpc>
+                        <a:spcBef>
+                          <a:spcPts val="0"/>
+                        </a:spcBef>
+                        <a:spcAft>
+                          <a:spcPts val="0"/>
+                        </a:spcAft>
+                      </a:pPr>
+                      <a:endParaRPr lang="ko-KR" altLang="en-US" sz="1000" kern="0" spc="0">
+                        <a:solidFill>
+                          <a:srgbClr val="000000"/>
+                        </a:solidFill>
+                        <a:effectLst/>
+                      </a:endParaRPr>
+                    </a:p>
+                  </a:txBody>
+                  <a:tcPr marL="17907" marR="17907" marT="17907" marB="17907" anchor="ctr">
+                    <a:lnL w="3556" cap="flat" cmpd="sng" algn="ctr">
+                      <a:solidFill>
+                        <a:srgbClr val="000000"/>
+                      </a:solidFill>
+                      <a:prstDash val="solid"/>
+                      <a:round/>
+                      <a:headEnd type="none" w="med" len="med"/>
+                      <a:tailEnd type="none" w="med" len="med"/>
+                    </a:lnL>
+                    <a:lnR w="3556" cap="flat" cmpd="sng" algn="ctr">
+                      <a:solidFill>
+                        <a:srgbClr val="000000"/>
+                      </a:solidFill>
+                      <a:prstDash val="solid"/>
+                      <a:round/>
+                      <a:headEnd type="none" w="med" len="med"/>
+                      <a:tailEnd type="none" w="med" len="med"/>
+                    </a:lnR>
+                    <a:lnT w="3556" cap="flat" cmpd="sng" algn="ctr">
+                      <a:solidFill>
+                        <a:srgbClr val="000000"/>
+                      </a:solidFill>
+                      <a:prstDash val="solid"/>
+                      <a:round/>
+                      <a:headEnd type="none" w="med" len="med"/>
+                      <a:tailEnd type="none" w="med" len="med"/>
+                    </a:lnT>
+                    <a:lnB w="3556" cap="flat" cmpd="sng" algn="ctr">
+                      <a:solidFill>
+                        <a:srgbClr val="000000"/>
+                      </a:solidFill>
+                      <a:prstDash val="solid"/>
+                      <a:round/>
+                      <a:headEnd type="none" w="med" len="med"/>
+                      <a:tailEnd type="none" w="med" len="med"/>
+                    </a:lnB>
+                  </a:tcPr>
+                </a:tc>
+                <a:tc>
+                  <a:txBody>
+                    <a:bodyPr/>
+                    <a:lstStyle/>
+                    <a:p>
+                      <a:pPr marL="0" marR="0" indent="0" algn="ctr" fontAlgn="base" latinLnBrk="0">
+                        <a:lnSpc>
+                          <a:spcPct val="160000"/>
+                        </a:lnSpc>
+                        <a:spcBef>
+                          <a:spcPts val="0"/>
+                        </a:spcBef>
+                        <a:spcAft>
+                          <a:spcPts val="0"/>
+                        </a:spcAft>
+                      </a:pPr>
+                      <a:endParaRPr lang="ko-KR" altLang="en-US" sz="1000" kern="0" spc="0">
+                        <a:solidFill>
+                          <a:srgbClr val="000000"/>
+                        </a:solidFill>
+                        <a:effectLst/>
+                      </a:endParaRPr>
+                    </a:p>
+                  </a:txBody>
+                  <a:tcPr marL="17907" marR="17907" marT="17907" marB="17907" anchor="ctr">
+                    <a:lnL w="3556" cap="flat" cmpd="sng" algn="ctr">
+                      <a:solidFill>
+                        <a:srgbClr val="000000"/>
+                      </a:solidFill>
+                      <a:prstDash val="solid"/>
+                      <a:round/>
+                      <a:headEnd type="none" w="med" len="med"/>
+                      <a:tailEnd type="none" w="med" len="med"/>
+                    </a:lnL>
+                    <a:lnR w="3556" cap="flat" cmpd="sng" algn="ctr">
+                      <a:solidFill>
+                        <a:srgbClr val="000000"/>
+                      </a:solidFill>
+                      <a:prstDash val="solid"/>
+                      <a:round/>
+                      <a:headEnd type="none" w="med" len="med"/>
+                      <a:tailEnd type="none" w="med" len="med"/>
+                    </a:lnR>
+                    <a:lnT w="3556" cap="flat" cmpd="sng" algn="ctr">
+                      <a:solidFill>
+                        <a:srgbClr val="000000"/>
+                      </a:solidFill>
+                      <a:prstDash val="solid"/>
+                      <a:round/>
+                      <a:headEnd type="none" w="med" len="med"/>
+                      <a:tailEnd type="none" w="med" len="med"/>
+                    </a:lnT>
+                    <a:lnB w="3556" cap="flat" cmpd="sng" algn="ctr">
+                      <a:solidFill>
+                        <a:srgbClr val="000000"/>
+                      </a:solidFill>
+                      <a:prstDash val="solid"/>
+                      <a:round/>
+                      <a:headEnd type="none" w="med" len="med"/>
+                      <a:tailEnd type="none" w="med" len="med"/>
+                    </a:lnB>
+                  </a:tcPr>
+                </a:tc>
+                <a:tc>
+                  <a:txBody>
+                    <a:bodyPr/>
+                    <a:lstStyle/>
+                    <a:p>
+                      <a:pPr marL="0" marR="0" indent="0" algn="ctr" fontAlgn="base" latinLnBrk="0">
+                        <a:lnSpc>
+                          <a:spcPct val="160000"/>
+                        </a:lnSpc>
+                        <a:spcBef>
+                          <a:spcPts val="0"/>
+                        </a:spcBef>
+                        <a:spcAft>
+                          <a:spcPts val="0"/>
+                        </a:spcAft>
+                      </a:pPr>
+                      <a:endParaRPr lang="ko-KR" altLang="en-US" sz="1000" kern="0" spc="0">
+                        <a:solidFill>
+                          <a:srgbClr val="000000"/>
+                        </a:solidFill>
+                        <a:effectLst/>
+                      </a:endParaRPr>
+                    </a:p>
+                  </a:txBody>
+                  <a:tcPr marL="17907" marR="17907" marT="17907" marB="17907" anchor="ctr">
+                    <a:lnL w="3556" cap="flat" cmpd="sng" algn="ctr">
+                      <a:solidFill>
+                        <a:srgbClr val="000000"/>
+                      </a:solidFill>
+                      <a:prstDash val="solid"/>
+                      <a:round/>
+                      <a:headEnd type="none" w="med" len="med"/>
+                      <a:tailEnd type="none" w="med" len="med"/>
+                    </a:lnL>
+                    <a:lnR w="3556" cap="flat" cmpd="sng" algn="ctr">
+                      <a:solidFill>
+                        <a:srgbClr val="000000"/>
+                      </a:solidFill>
+                      <a:prstDash val="solid"/>
+                      <a:round/>
+                      <a:headEnd type="none" w="med" len="med"/>
+                      <a:tailEnd type="none" w="med" len="med"/>
+                    </a:lnR>
+                    <a:lnT w="3556" cap="flat" cmpd="sng" algn="ctr">
+                      <a:solidFill>
+                        <a:srgbClr val="000000"/>
+                      </a:solidFill>
+                      <a:prstDash val="solid"/>
+                      <a:round/>
+                      <a:headEnd type="none" w="med" len="med"/>
+                      <a:tailEnd type="none" w="med" len="med"/>
+                    </a:lnT>
+                    <a:lnB w="3556" cap="flat" cmpd="sng" algn="ctr">
+                      <a:solidFill>
+                        <a:srgbClr val="000000"/>
+                      </a:solidFill>
+                      <a:prstDash val="solid"/>
+                      <a:round/>
+                      <a:headEnd type="none" w="med" len="med"/>
+                      <a:tailEnd type="none" w="med" len="med"/>
+                    </a:lnB>
+                  </a:tcPr>
+                </a:tc>
+                <a:tc>
+                  <a:txBody>
+                    <a:bodyPr/>
+                    <a:lstStyle/>
+                    <a:p>
+                      <a:pPr marL="0" marR="0" indent="0" algn="ctr" fontAlgn="base" latinLnBrk="0">
+                        <a:lnSpc>
+                          <a:spcPct val="160000"/>
+                        </a:lnSpc>
+                        <a:spcBef>
+                          <a:spcPts val="0"/>
+                        </a:spcBef>
+                        <a:spcAft>
+                          <a:spcPts val="0"/>
+                        </a:spcAft>
+                      </a:pPr>
+                      <a:endParaRPr lang="ko-KR" altLang="en-US" sz="1000" kern="0" spc="0">
+                        <a:solidFill>
+                          <a:srgbClr val="000000"/>
+                        </a:solidFill>
+                        <a:effectLst/>
+                      </a:endParaRPr>
+                    </a:p>
+                  </a:txBody>
+                  <a:tcPr marL="17907" marR="17907" marT="17907" marB="17907" anchor="ctr">
+                    <a:lnL w="3556" cap="flat" cmpd="sng" algn="ctr">
+                      <a:solidFill>
+                        <a:srgbClr val="000000"/>
+                      </a:solidFill>
+                      <a:prstDash val="solid"/>
+                      <a:round/>
+                      <a:headEnd type="none" w="med" len="med"/>
+                      <a:tailEnd type="none" w="med" len="med"/>
+                    </a:lnL>
+                    <a:lnR w="3556" cap="flat" cmpd="sng" algn="ctr">
+                      <a:solidFill>
+                        <a:srgbClr val="000000"/>
+                      </a:solidFill>
+                      <a:prstDash val="solid"/>
+                      <a:round/>
+                      <a:headEnd type="none" w="med" len="med"/>
+                      <a:tailEnd type="none" w="med" len="med"/>
+                    </a:lnR>
+                    <a:lnT w="3556" cap="flat" cmpd="sng" algn="ctr">
+                      <a:solidFill>
+                        <a:srgbClr val="000000"/>
+                      </a:solidFill>
+                      <a:prstDash val="solid"/>
+                      <a:round/>
+                      <a:headEnd type="none" w="med" len="med"/>
+                      <a:tailEnd type="none" w="med" len="med"/>
+                    </a:lnT>
+                    <a:lnB w="3556" cap="flat" cmpd="sng" algn="ctr">
+                      <a:solidFill>
+                        <a:srgbClr val="000000"/>
+                      </a:solidFill>
+                      <a:prstDash val="solid"/>
+                      <a:round/>
+                      <a:headEnd type="none" w="med" len="med"/>
+                      <a:tailEnd type="none" w="med" len="med"/>
+                    </a:lnB>
+                  </a:tcPr>
+                </a:tc>
+                <a:tc>
+                  <a:txBody>
+                    <a:bodyPr/>
+                    <a:lstStyle/>
+                    <a:p>
+                      <a:pPr marL="0" marR="0" indent="0" algn="ctr" fontAlgn="base" latinLnBrk="0">
+                        <a:lnSpc>
+                          <a:spcPct val="160000"/>
+                        </a:lnSpc>
+                        <a:spcBef>
+                          <a:spcPts val="0"/>
+                        </a:spcBef>
+                        <a:spcAft>
+                          <a:spcPts val="0"/>
+                        </a:spcAft>
+                      </a:pPr>
+                      <a:endParaRPr lang="ko-KR" altLang="en-US" sz="1000" kern="0" spc="0">
+                        <a:solidFill>
+                          <a:srgbClr val="000000"/>
+                        </a:solidFill>
+                        <a:effectLst/>
+                      </a:endParaRPr>
+                    </a:p>
+                  </a:txBody>
+                  <a:tcPr marL="17907" marR="17907" marT="17907" marB="17907" anchor="ctr">
+                    <a:lnL w="3556" cap="flat" cmpd="sng" algn="ctr">
+                      <a:solidFill>
+                        <a:srgbClr val="000000"/>
+                      </a:solidFill>
+                      <a:prstDash val="solid"/>
+                      <a:round/>
+                      <a:headEnd type="none" w="med" len="med"/>
+                      <a:tailEnd type="none" w="med" len="med"/>
+                    </a:lnL>
+                    <a:lnR w="3556" cap="flat" cmpd="sng" algn="ctr">
+                      <a:solidFill>
+                        <a:srgbClr val="000000"/>
+                      </a:solidFill>
+                      <a:prstDash val="solid"/>
+                      <a:round/>
+                      <a:headEnd type="none" w="med" len="med"/>
+                      <a:tailEnd type="none" w="med" len="med"/>
+                    </a:lnR>
+                    <a:lnT w="3556" cap="flat" cmpd="sng" algn="ctr">
+                      <a:solidFill>
+                        <a:srgbClr val="000000"/>
+                      </a:solidFill>
+                      <a:prstDash val="solid"/>
+                      <a:round/>
+                      <a:headEnd type="none" w="med" len="med"/>
+                      <a:tailEnd type="none" w="med" len="med"/>
+                    </a:lnT>
+                    <a:lnB w="3556" cap="flat" cmpd="sng" algn="ctr">
+                      <a:solidFill>
+                        <a:srgbClr val="000000"/>
+                      </a:solidFill>
+                      <a:prstDash val="solid"/>
+                      <a:round/>
+                      <a:headEnd type="none" w="med" len="med"/>
+                      <a:tailEnd type="none" w="med" len="med"/>
+                    </a:lnB>
+                  </a:tcPr>
+                </a:tc>
+                <a:tc>
+                  <a:txBody>
+                    <a:bodyPr/>
+                    <a:lstStyle/>
+                    <a:p>
+                      <a:pPr marL="0" marR="0" indent="0" algn="ctr" fontAlgn="base" latinLnBrk="0">
+                        <a:lnSpc>
+                          <a:spcPct val="160000"/>
+                        </a:lnSpc>
+                        <a:spcBef>
+                          <a:spcPts val="0"/>
+                        </a:spcBef>
+                        <a:spcAft>
+                          <a:spcPts val="0"/>
+                        </a:spcAft>
+                      </a:pPr>
+                      <a:endParaRPr lang="ko-KR" altLang="en-US" sz="1000" kern="0" spc="0">
+                        <a:solidFill>
+                          <a:srgbClr val="000000"/>
+                        </a:solidFill>
+                        <a:effectLst/>
+                      </a:endParaRPr>
+                    </a:p>
+                  </a:txBody>
+                  <a:tcPr marL="17907" marR="17907" marT="17907" marB="17907" anchor="ctr">
+                    <a:lnL w="3556" cap="flat" cmpd="sng" algn="ctr">
+                      <a:solidFill>
+                        <a:srgbClr val="000000"/>
+                      </a:solidFill>
+                      <a:prstDash val="solid"/>
+                      <a:round/>
+                      <a:headEnd type="none" w="med" len="med"/>
+                      <a:tailEnd type="none" w="med" len="med"/>
+                    </a:lnL>
+                    <a:lnR w="3556" cap="flat" cmpd="sng" algn="ctr">
+                      <a:solidFill>
+                        <a:srgbClr val="000000"/>
+                      </a:solidFill>
+                      <a:prstDash val="solid"/>
+                      <a:round/>
+                      <a:headEnd type="none" w="med" len="med"/>
+                      <a:tailEnd type="none" w="med" len="med"/>
+                    </a:lnR>
+                    <a:lnT w="3556" cap="flat" cmpd="sng" algn="ctr">
+                      <a:solidFill>
+                        <a:srgbClr val="000000"/>
+                      </a:solidFill>
+                      <a:prstDash val="solid"/>
+                      <a:round/>
+                      <a:headEnd type="none" w="med" len="med"/>
+                      <a:tailEnd type="none" w="med" len="med"/>
+                    </a:lnT>
+                    <a:lnB w="3556" cap="flat" cmpd="sng" algn="ctr">
+                      <a:solidFill>
+                        <a:srgbClr val="000000"/>
+                      </a:solidFill>
+                      <a:prstDash val="solid"/>
+                      <a:round/>
+                      <a:headEnd type="none" w="med" len="med"/>
+                      <a:tailEnd type="none" w="med" len="med"/>
+                    </a:lnB>
+                  </a:tcPr>
+                </a:tc>
+                <a:tc>
+                  <a:txBody>
+                    <a:bodyPr/>
+                    <a:lstStyle/>
+                    <a:p>
+                      <a:pPr marL="0" marR="0" indent="0" algn="ctr" fontAlgn="base" latinLnBrk="0">
+                        <a:lnSpc>
+                          <a:spcPct val="160000"/>
+                        </a:lnSpc>
+                        <a:spcBef>
+                          <a:spcPts val="0"/>
+                        </a:spcBef>
+                        <a:spcAft>
+                          <a:spcPts val="0"/>
+                        </a:spcAft>
+                      </a:pPr>
+                      <a:endParaRPr lang="ko-KR" altLang="en-US" sz="1000" kern="0" spc="0">
+                        <a:solidFill>
+                          <a:srgbClr val="000000"/>
+                        </a:solidFill>
+                        <a:effectLst/>
+                      </a:endParaRPr>
+                    </a:p>
+                  </a:txBody>
+                  <a:tcPr marL="17907" marR="17907" marT="17907" marB="17907" anchor="ctr">
+                    <a:lnL w="3556" cap="flat" cmpd="sng" algn="ctr">
+                      <a:solidFill>
+                        <a:srgbClr val="000000"/>
+                      </a:solidFill>
+                      <a:prstDash val="solid"/>
+                      <a:round/>
+                      <a:headEnd type="none" w="med" len="med"/>
+                      <a:tailEnd type="none" w="med" len="med"/>
+                    </a:lnL>
+                    <a:lnR w="3556" cap="flat" cmpd="sng" algn="ctr">
+                      <a:solidFill>
+                        <a:srgbClr val="000000"/>
+                      </a:solidFill>
+                      <a:prstDash val="solid"/>
+                      <a:round/>
+                      <a:headEnd type="none" w="med" len="med"/>
+                      <a:tailEnd type="none" w="med" len="med"/>
+                    </a:lnR>
+                    <a:lnT w="3556" cap="flat" cmpd="sng" algn="ctr">
+                      <a:solidFill>
+                        <a:srgbClr val="000000"/>
+                      </a:solidFill>
+                      <a:prstDash val="solid"/>
+                      <a:round/>
+                      <a:headEnd type="none" w="med" len="med"/>
+                      <a:tailEnd type="none" w="med" len="med"/>
+                    </a:lnT>
+                    <a:lnB w="3556" cap="flat" cmpd="sng" algn="ctr">
+                      <a:solidFill>
+                        <a:srgbClr val="000000"/>
+                      </a:solidFill>
+                      <a:prstDash val="solid"/>
+                      <a:round/>
+                      <a:headEnd type="none" w="med" len="med"/>
+                      <a:tailEnd type="none" w="med" len="med"/>
+                    </a:lnB>
+                  </a:tcPr>
+                </a:tc>
+                <a:tc>
+                  <a:txBody>
+                    <a:bodyPr/>
+                    <a:lstStyle/>
+                    <a:p>
+                      <a:pPr marL="0" marR="0" indent="0" algn="ctr" fontAlgn="base" latinLnBrk="0">
+                        <a:lnSpc>
+                          <a:spcPct val="160000"/>
+                        </a:lnSpc>
+                        <a:spcBef>
+                          <a:spcPts val="0"/>
+                        </a:spcBef>
+                        <a:spcAft>
+                          <a:spcPts val="0"/>
+                        </a:spcAft>
+                      </a:pPr>
+                      <a:r>
+                        <a:rPr lang="ko-KR" altLang="en-US" sz="1000" kern="0" spc="0">
+                          <a:solidFill>
+                            <a:srgbClr val="000000"/>
+                          </a:solidFill>
+                          <a:effectLst/>
+                          <a:ea typeface="굴림체"/>
+                        </a:rPr>
+                        <a:t>손 위치 </a:t>
+                      </a:r>
+                      <a:endParaRPr lang="ko-KR" altLang="en-US" sz="1000" kern="0" spc="0">
+                        <a:solidFill>
+                          <a:srgbClr val="000000"/>
+                        </a:solidFill>
+                        <a:effectLst/>
+                      </a:endParaRPr>
+                    </a:p>
+                    <a:p>
+                      <a:pPr marL="0" marR="0" indent="0" algn="ctr" fontAlgn="base" latinLnBrk="0">
+                        <a:lnSpc>
+                          <a:spcPct val="160000"/>
+                        </a:lnSpc>
+                        <a:spcBef>
+                          <a:spcPts val="0"/>
+                        </a:spcBef>
+                        <a:spcAft>
+                          <a:spcPts val="0"/>
+                        </a:spcAft>
+                      </a:pPr>
+                      <a:r>
+                        <a:rPr lang="ko-KR" altLang="en-US" sz="1000" kern="0" spc="0">
+                          <a:solidFill>
+                            <a:srgbClr val="000000"/>
+                          </a:solidFill>
+                          <a:effectLst/>
+                          <a:ea typeface="굴림체"/>
+                        </a:rPr>
+                        <a:t>및 손가락 인식</a:t>
+                      </a:r>
+                      <a:endParaRPr lang="ko-KR" altLang="en-US" sz="1000" kern="0" spc="0">
+                        <a:solidFill>
+                          <a:srgbClr val="000000"/>
+                        </a:solidFill>
+                        <a:effectLst/>
+                      </a:endParaRPr>
+                    </a:p>
+                  </a:txBody>
+                  <a:tcPr marL="17907" marR="17907" marT="17907" marB="17907" anchor="ctr">
+                    <a:lnL w="3556" cap="flat" cmpd="sng" algn="ctr">
+                      <a:solidFill>
+                        <a:srgbClr val="000000"/>
+                      </a:solidFill>
+                      <a:prstDash val="solid"/>
+                      <a:round/>
+                      <a:headEnd type="none" w="med" len="med"/>
+                      <a:tailEnd type="none" w="med" len="med"/>
+                    </a:lnL>
+                    <a:lnR w="21590" cap="flat" cmpd="sng" algn="ctr">
+                      <a:solidFill>
+                        <a:srgbClr val="000000"/>
+                      </a:solidFill>
+                      <a:prstDash val="solid"/>
+                      <a:round/>
+                      <a:headEnd type="none" w="med" len="med"/>
+                      <a:tailEnd type="none" w="med" len="med"/>
+                    </a:lnR>
+                    <a:lnT w="3556" cap="flat" cmpd="sng" algn="ctr">
+                      <a:solidFill>
+                        <a:srgbClr val="000000"/>
+                      </a:solidFill>
+                      <a:prstDash val="solid"/>
+                      <a:round/>
+                      <a:headEnd type="none" w="med" len="med"/>
+                      <a:tailEnd type="none" w="med" len="med"/>
+                    </a:lnT>
+                    <a:lnB w="3556" cap="flat" cmpd="sng" algn="ctr">
+                      <a:solidFill>
+                        <a:srgbClr val="000000"/>
+                      </a:solidFill>
+                      <a:prstDash val="solid"/>
+                      <a:round/>
+                      <a:headEnd type="none" w="med" len="med"/>
+                      <a:tailEnd type="none" w="med" len="med"/>
+                    </a:lnB>
+                  </a:tcPr>
+                </a:tc>
+              </a:tr>
+              <a:tr h="243332">
+                <a:tc>
+                  <a:txBody>
+                    <a:bodyPr/>
+                    <a:lstStyle/>
+                    <a:p>
+                      <a:pPr marL="0" marR="0" indent="0" algn="ctr" fontAlgn="base" latinLnBrk="0">
+                        <a:lnSpc>
+                          <a:spcPct val="160000"/>
+                        </a:lnSpc>
+                        <a:spcBef>
+                          <a:spcPts val="0"/>
+                        </a:spcBef>
+                        <a:spcAft>
+                          <a:spcPts val="0"/>
+                        </a:spcAft>
+                      </a:pPr>
+                      <a:r>
+                        <a:rPr lang="en-US" sz="1000" b="1" kern="0" spc="0">
+                          <a:solidFill>
+                            <a:srgbClr val="000000"/>
+                          </a:solidFill>
+                          <a:effectLst/>
+                          <a:latin typeface="굴림체"/>
+                        </a:rPr>
+                        <a:t>4</a:t>
+                      </a:r>
+                      <a:endParaRPr lang="en-US" sz="1000" kern="0" spc="0">
+                        <a:solidFill>
+                          <a:srgbClr val="000000"/>
+                        </a:solidFill>
+                        <a:effectLst/>
+                      </a:endParaRPr>
+                    </a:p>
+                  </a:txBody>
+                  <a:tcPr marL="17907" marR="17907" marT="17907" marB="17907" anchor="ctr">
+                    <a:lnL w="21590" cap="flat" cmpd="sng" algn="ctr">
+                      <a:solidFill>
+                        <a:srgbClr val="000000"/>
+                      </a:solidFill>
+                      <a:prstDash val="solid"/>
+                      <a:round/>
+                      <a:headEnd type="none" w="med" len="med"/>
+                      <a:tailEnd type="none" w="med" len="med"/>
+                    </a:lnL>
+                    <a:lnR w="3556" cap="flat" cmpd="sng" algn="ctr">
+                      <a:solidFill>
+                        <a:srgbClr val="000000"/>
+                      </a:solidFill>
+                      <a:prstDash val="solid"/>
+                      <a:round/>
+                      <a:headEnd type="none" w="med" len="med"/>
+                      <a:tailEnd type="none" w="med" len="med"/>
+                    </a:lnR>
+                    <a:lnT w="3556" cap="flat" cmpd="sng" algn="ctr">
+                      <a:solidFill>
+                        <a:srgbClr val="000000"/>
+                      </a:solidFill>
+                      <a:prstDash val="solid"/>
+                      <a:round/>
+                      <a:headEnd type="none" w="med" len="med"/>
+                      <a:tailEnd type="none" w="med" len="med"/>
+                    </a:lnT>
+                    <a:lnB w="3556" cap="flat" cmpd="sng" algn="ctr">
+                      <a:solidFill>
+                        <a:srgbClr val="000000"/>
+                      </a:solidFill>
+                      <a:prstDash val="solid"/>
+                      <a:round/>
+                      <a:headEnd type="none" w="med" len="med"/>
+                      <a:tailEnd type="none" w="med" len="med"/>
+                    </a:lnB>
+                  </a:tcPr>
+                </a:tc>
+                <a:tc>
+                  <a:txBody>
+                    <a:bodyPr/>
+                    <a:lstStyle/>
+                    <a:p>
+                      <a:pPr marL="0" marR="0" indent="0" algn="ctr" fontAlgn="base" latinLnBrk="0">
+                        <a:lnSpc>
+                          <a:spcPct val="160000"/>
+                        </a:lnSpc>
+                        <a:spcBef>
+                          <a:spcPts val="0"/>
+                        </a:spcBef>
+                        <a:spcAft>
+                          <a:spcPts val="0"/>
+                        </a:spcAft>
+                      </a:pPr>
+                      <a:r>
+                        <a:rPr lang="en-US" sz="1000" b="1" kern="0" spc="0" dirty="0">
+                          <a:solidFill>
+                            <a:srgbClr val="000000"/>
+                          </a:solidFill>
+                          <a:effectLst/>
+                          <a:latin typeface="굴림체"/>
+                        </a:rPr>
+                        <a:t>Demo(ver.3.0)</a:t>
+                      </a:r>
+                      <a:endParaRPr lang="en-US" sz="1000" kern="0" spc="0" dirty="0">
+                        <a:solidFill>
+                          <a:srgbClr val="000000"/>
+                        </a:solidFill>
+                        <a:effectLst/>
+                      </a:endParaRPr>
+                    </a:p>
+                  </a:txBody>
+                  <a:tcPr marL="17907" marR="17907" marT="17907" marB="17907" anchor="ctr">
+                    <a:lnL w="3556" cap="flat" cmpd="sng" algn="ctr">
+                      <a:solidFill>
+                        <a:srgbClr val="000000"/>
+                      </a:solidFill>
+                      <a:prstDash val="solid"/>
+                      <a:round/>
+                      <a:headEnd type="none" w="med" len="med"/>
+                      <a:tailEnd type="none" w="med" len="med"/>
+                    </a:lnL>
+                    <a:lnR w="3556" cap="flat" cmpd="sng" algn="ctr">
+                      <a:solidFill>
+                        <a:srgbClr val="000000"/>
+                      </a:solidFill>
+                      <a:prstDash val="solid"/>
+                      <a:round/>
+                      <a:headEnd type="none" w="med" len="med"/>
+                      <a:tailEnd type="none" w="med" len="med"/>
+                    </a:lnR>
+                    <a:lnT w="3556" cap="flat" cmpd="sng" algn="ctr">
+                      <a:solidFill>
+                        <a:srgbClr val="000000"/>
+                      </a:solidFill>
+                      <a:prstDash val="solid"/>
+                      <a:round/>
+                      <a:headEnd type="none" w="med" len="med"/>
+                      <a:tailEnd type="none" w="med" len="med"/>
+                    </a:lnT>
+                    <a:lnB w="3556" cap="flat" cmpd="sng" algn="ctr">
+                      <a:solidFill>
+                        <a:srgbClr val="000000"/>
+                      </a:solidFill>
+                      <a:prstDash val="solid"/>
+                      <a:round/>
+                      <a:headEnd type="none" w="med" len="med"/>
+                      <a:tailEnd type="none" w="med" len="med"/>
+                    </a:lnB>
+                  </a:tcPr>
+                </a:tc>
+                <a:tc>
+                  <a:txBody>
+                    <a:bodyPr/>
+                    <a:lstStyle/>
+                    <a:p>
+                      <a:pPr marL="0" marR="0" indent="0" algn="ctr" fontAlgn="base" latinLnBrk="0">
+                        <a:lnSpc>
+                          <a:spcPct val="160000"/>
+                        </a:lnSpc>
+                        <a:spcBef>
+                          <a:spcPts val="0"/>
+                        </a:spcBef>
+                        <a:spcAft>
+                          <a:spcPts val="0"/>
+                        </a:spcAft>
+                      </a:pPr>
+                      <a:endParaRPr lang="ko-KR" altLang="en-US" sz="1000" kern="0" spc="0">
+                        <a:solidFill>
+                          <a:srgbClr val="000000"/>
+                        </a:solidFill>
+                        <a:effectLst/>
+                      </a:endParaRPr>
+                    </a:p>
+                  </a:txBody>
+                  <a:tcPr marL="17907" marR="17907" marT="17907" marB="17907" anchor="ctr">
+                    <a:lnL w="3556" cap="flat" cmpd="sng" algn="ctr">
+                      <a:solidFill>
+                        <a:srgbClr val="000000"/>
+                      </a:solidFill>
+                      <a:prstDash val="solid"/>
+                      <a:round/>
+                      <a:headEnd type="none" w="med" len="med"/>
+                      <a:tailEnd type="none" w="med" len="med"/>
+                    </a:lnL>
+                    <a:lnR w="3556" cap="flat" cmpd="sng" algn="ctr">
+                      <a:solidFill>
+                        <a:srgbClr val="000000"/>
+                      </a:solidFill>
+                      <a:prstDash val="solid"/>
+                      <a:round/>
+                      <a:headEnd type="none" w="med" len="med"/>
+                      <a:tailEnd type="none" w="med" len="med"/>
+                    </a:lnR>
+                    <a:lnT w="3556" cap="flat" cmpd="sng" algn="ctr">
+                      <a:solidFill>
+                        <a:srgbClr val="000000"/>
+                      </a:solidFill>
+                      <a:prstDash val="solid"/>
+                      <a:round/>
+                      <a:headEnd type="none" w="med" len="med"/>
+                      <a:tailEnd type="none" w="med" len="med"/>
+                    </a:lnT>
+                    <a:lnB w="3556" cap="flat" cmpd="sng" algn="ctr">
+                      <a:solidFill>
+                        <a:srgbClr val="000000"/>
+                      </a:solidFill>
+                      <a:prstDash val="solid"/>
+                      <a:round/>
+                      <a:headEnd type="none" w="med" len="med"/>
+                      <a:tailEnd type="none" w="med" len="med"/>
+                    </a:lnB>
+                    <a:solidFill>
+                      <a:srgbClr val="FFFFFF"/>
+                    </a:solidFill>
+                  </a:tcPr>
+                </a:tc>
+                <a:tc>
+                  <a:txBody>
+                    <a:bodyPr/>
+                    <a:lstStyle/>
+                    <a:p>
+                      <a:pPr marL="0" marR="0" indent="0" algn="ctr" fontAlgn="base" latinLnBrk="0">
+                        <a:lnSpc>
+                          <a:spcPct val="160000"/>
+                        </a:lnSpc>
+                        <a:spcBef>
+                          <a:spcPts val="0"/>
+                        </a:spcBef>
+                        <a:spcAft>
+                          <a:spcPts val="0"/>
+                        </a:spcAft>
+                      </a:pPr>
+                      <a:endParaRPr lang="ko-KR" altLang="en-US" sz="1000" kern="0" spc="0">
+                        <a:solidFill>
+                          <a:srgbClr val="000000"/>
+                        </a:solidFill>
+                        <a:effectLst/>
+                      </a:endParaRPr>
+                    </a:p>
+                  </a:txBody>
+                  <a:tcPr marL="17907" marR="17907" marT="17907" marB="17907" anchor="ctr">
+                    <a:lnL w="3556" cap="flat" cmpd="sng" algn="ctr">
+                      <a:solidFill>
+                        <a:srgbClr val="000000"/>
+                      </a:solidFill>
+                      <a:prstDash val="solid"/>
+                      <a:round/>
+                      <a:headEnd type="none" w="med" len="med"/>
+                      <a:tailEnd type="none" w="med" len="med"/>
+                    </a:lnL>
+                    <a:lnR w="3556" cap="flat" cmpd="sng" algn="ctr">
+                      <a:solidFill>
+                        <a:srgbClr val="000000"/>
+                      </a:solidFill>
+                      <a:prstDash val="solid"/>
+                      <a:round/>
+                      <a:headEnd type="none" w="med" len="med"/>
+                      <a:tailEnd type="none" w="med" len="med"/>
+                    </a:lnR>
+                    <a:lnT w="3556" cap="flat" cmpd="sng" algn="ctr">
+                      <a:solidFill>
+                        <a:srgbClr val="000000"/>
+                      </a:solidFill>
+                      <a:prstDash val="solid"/>
+                      <a:round/>
+                      <a:headEnd type="none" w="med" len="med"/>
+                      <a:tailEnd type="none" w="med" len="med"/>
+                    </a:lnT>
+                    <a:lnB w="3556" cap="flat" cmpd="sng" algn="ctr">
+                      <a:solidFill>
+                        <a:srgbClr val="000000"/>
+                      </a:solidFill>
+                      <a:prstDash val="solid"/>
+                      <a:round/>
+                      <a:headEnd type="none" w="med" len="med"/>
+                      <a:tailEnd type="none" w="med" len="med"/>
+                    </a:lnB>
+                    <a:solidFill>
+                      <a:srgbClr val="FFFFFF"/>
+                    </a:solidFill>
+                  </a:tcPr>
+                </a:tc>
+                <a:tc>
+                  <a:txBody>
+                    <a:bodyPr/>
+                    <a:lstStyle/>
+                    <a:p>
+                      <a:pPr marL="0" marR="0" indent="0" algn="ctr" fontAlgn="base" latinLnBrk="0">
+                        <a:lnSpc>
+                          <a:spcPct val="160000"/>
+                        </a:lnSpc>
+                        <a:spcBef>
+                          <a:spcPts val="0"/>
+                        </a:spcBef>
+                        <a:spcAft>
+                          <a:spcPts val="0"/>
+                        </a:spcAft>
+                      </a:pPr>
+                      <a:endParaRPr lang="ko-KR" altLang="en-US" sz="1000" kern="0" spc="0">
+                        <a:solidFill>
+                          <a:srgbClr val="000000"/>
+                        </a:solidFill>
+                        <a:effectLst/>
+                      </a:endParaRPr>
+                    </a:p>
+                  </a:txBody>
+                  <a:tcPr marL="17907" marR="17907" marT="17907" marB="17907" anchor="ctr">
+                    <a:lnL w="3556" cap="flat" cmpd="sng" algn="ctr">
+                      <a:solidFill>
+                        <a:srgbClr val="000000"/>
+                      </a:solidFill>
+                      <a:prstDash val="solid"/>
+                      <a:round/>
+                      <a:headEnd type="none" w="med" len="med"/>
+                      <a:tailEnd type="none" w="med" len="med"/>
+                    </a:lnL>
+                    <a:lnR w="3556" cap="flat" cmpd="sng" algn="ctr">
+                      <a:solidFill>
+                        <a:srgbClr val="000000"/>
+                      </a:solidFill>
+                      <a:prstDash val="solid"/>
+                      <a:round/>
+                      <a:headEnd type="none" w="med" len="med"/>
+                      <a:tailEnd type="none" w="med" len="med"/>
+                    </a:lnR>
+                    <a:lnT w="3556" cap="flat" cmpd="sng" algn="ctr">
+                      <a:solidFill>
+                        <a:srgbClr val="000000"/>
+                      </a:solidFill>
+                      <a:prstDash val="solid"/>
+                      <a:round/>
+                      <a:headEnd type="none" w="med" len="med"/>
+                      <a:tailEnd type="none" w="med" len="med"/>
+                    </a:lnT>
+                    <a:lnB w="3556" cap="flat" cmpd="sng" algn="ctr">
+                      <a:solidFill>
+                        <a:srgbClr val="000000"/>
+                      </a:solidFill>
+                      <a:prstDash val="solid"/>
+                      <a:round/>
+                      <a:headEnd type="none" w="med" len="med"/>
+                      <a:tailEnd type="none" w="med" len="med"/>
+                    </a:lnB>
+                  </a:tcPr>
+                </a:tc>
+                <a:tc>
+                  <a:txBody>
+                    <a:bodyPr/>
+                    <a:lstStyle/>
+                    <a:p>
+                      <a:pPr marL="0" marR="0" indent="0" algn="ctr" fontAlgn="base" latinLnBrk="0">
+                        <a:lnSpc>
+                          <a:spcPct val="160000"/>
+                        </a:lnSpc>
+                        <a:spcBef>
+                          <a:spcPts val="0"/>
+                        </a:spcBef>
+                        <a:spcAft>
+                          <a:spcPts val="0"/>
+                        </a:spcAft>
+                      </a:pPr>
+                      <a:endParaRPr lang="ko-KR" altLang="en-US" sz="1000" kern="0" spc="0">
+                        <a:solidFill>
+                          <a:srgbClr val="000000"/>
+                        </a:solidFill>
+                        <a:effectLst/>
+                      </a:endParaRPr>
+                    </a:p>
+                  </a:txBody>
+                  <a:tcPr marL="17907" marR="17907" marT="17907" marB="17907" anchor="ctr">
+                    <a:lnL w="3556" cap="flat" cmpd="sng" algn="ctr">
+                      <a:solidFill>
+                        <a:srgbClr val="000000"/>
+                      </a:solidFill>
+                      <a:prstDash val="solid"/>
+                      <a:round/>
+                      <a:headEnd type="none" w="med" len="med"/>
+                      <a:tailEnd type="none" w="med" len="med"/>
+                    </a:lnL>
+                    <a:lnR w="3556" cap="flat" cmpd="sng" algn="ctr">
+                      <a:solidFill>
+                        <a:srgbClr val="000000"/>
+                      </a:solidFill>
+                      <a:prstDash val="solid"/>
+                      <a:round/>
+                      <a:headEnd type="none" w="med" len="med"/>
+                      <a:tailEnd type="none" w="med" len="med"/>
+                    </a:lnR>
+                    <a:lnT w="3556" cap="flat" cmpd="sng" algn="ctr">
+                      <a:solidFill>
+                        <a:srgbClr val="000000"/>
+                      </a:solidFill>
+                      <a:prstDash val="solid"/>
+                      <a:round/>
+                      <a:headEnd type="none" w="med" len="med"/>
+                      <a:tailEnd type="none" w="med" len="med"/>
+                    </a:lnT>
+                    <a:lnB w="3556" cap="flat" cmpd="sng" algn="ctr">
+                      <a:solidFill>
+                        <a:srgbClr val="000000"/>
+                      </a:solidFill>
+                      <a:prstDash val="solid"/>
+                      <a:round/>
+                      <a:headEnd type="none" w="med" len="med"/>
+                      <a:tailEnd type="none" w="med" len="med"/>
+                    </a:lnB>
+                  </a:tcPr>
+                </a:tc>
+                <a:tc>
+                  <a:txBody>
+                    <a:bodyPr/>
+                    <a:lstStyle/>
+                    <a:p>
+                      <a:pPr marL="0" marR="0" indent="0" algn="ctr" fontAlgn="base" latinLnBrk="0">
+                        <a:lnSpc>
+                          <a:spcPct val="160000"/>
+                        </a:lnSpc>
+                        <a:spcBef>
+                          <a:spcPts val="0"/>
+                        </a:spcBef>
+                        <a:spcAft>
+                          <a:spcPts val="0"/>
+                        </a:spcAft>
+                      </a:pPr>
+                      <a:endParaRPr lang="ko-KR" altLang="en-US" sz="1000" kern="0" spc="0">
+                        <a:solidFill>
+                          <a:srgbClr val="000000"/>
+                        </a:solidFill>
+                        <a:effectLst/>
+                      </a:endParaRPr>
+                    </a:p>
+                  </a:txBody>
+                  <a:tcPr marL="17907" marR="17907" marT="17907" marB="17907" anchor="ctr">
+                    <a:lnL w="3556" cap="flat" cmpd="sng" algn="ctr">
+                      <a:solidFill>
+                        <a:srgbClr val="000000"/>
+                      </a:solidFill>
+                      <a:prstDash val="solid"/>
+                      <a:round/>
+                      <a:headEnd type="none" w="med" len="med"/>
+                      <a:tailEnd type="none" w="med" len="med"/>
+                    </a:lnL>
+                    <a:lnR w="3556" cap="flat" cmpd="sng" algn="ctr">
+                      <a:solidFill>
+                        <a:srgbClr val="000000"/>
+                      </a:solidFill>
+                      <a:prstDash val="solid"/>
+                      <a:round/>
+                      <a:headEnd type="none" w="med" len="med"/>
+                      <a:tailEnd type="none" w="med" len="med"/>
+                    </a:lnR>
+                    <a:lnT w="3556" cap="flat" cmpd="sng" algn="ctr">
+                      <a:solidFill>
+                        <a:srgbClr val="000000"/>
+                      </a:solidFill>
+                      <a:prstDash val="solid"/>
+                      <a:round/>
+                      <a:headEnd type="none" w="med" len="med"/>
+                      <a:tailEnd type="none" w="med" len="med"/>
+                    </a:lnT>
+                    <a:lnB w="3556" cap="flat" cmpd="sng" algn="ctr">
+                      <a:solidFill>
+                        <a:srgbClr val="000000"/>
+                      </a:solidFill>
+                      <a:prstDash val="solid"/>
+                      <a:round/>
+                      <a:headEnd type="none" w="med" len="med"/>
+                      <a:tailEnd type="none" w="med" len="med"/>
+                    </a:lnB>
+                    <a:solidFill>
+                      <a:srgbClr val="CCCCCC"/>
+                    </a:solidFill>
+                  </a:tcPr>
+                </a:tc>
+                <a:tc>
+                  <a:txBody>
+                    <a:bodyPr/>
+                    <a:lstStyle/>
+                    <a:p>
+                      <a:pPr marL="0" marR="0" indent="0" algn="ctr" fontAlgn="base" latinLnBrk="0">
+                        <a:lnSpc>
+                          <a:spcPct val="160000"/>
+                        </a:lnSpc>
+                        <a:spcBef>
+                          <a:spcPts val="0"/>
+                        </a:spcBef>
+                        <a:spcAft>
+                          <a:spcPts val="0"/>
+                        </a:spcAft>
+                      </a:pPr>
+                      <a:endParaRPr lang="ko-KR" altLang="en-US" sz="1000" kern="0" spc="0">
+                        <a:solidFill>
+                          <a:srgbClr val="000000"/>
+                        </a:solidFill>
+                        <a:effectLst/>
+                      </a:endParaRPr>
+                    </a:p>
+                  </a:txBody>
+                  <a:tcPr marL="17907" marR="17907" marT="17907" marB="17907" anchor="ctr">
+                    <a:lnL w="3556" cap="flat" cmpd="sng" algn="ctr">
+                      <a:solidFill>
+                        <a:srgbClr val="000000"/>
+                      </a:solidFill>
+                      <a:prstDash val="solid"/>
+                      <a:round/>
+                      <a:headEnd type="none" w="med" len="med"/>
+                      <a:tailEnd type="none" w="med" len="med"/>
+                    </a:lnL>
+                    <a:lnR w="3556" cap="flat" cmpd="sng" algn="ctr">
+                      <a:solidFill>
+                        <a:srgbClr val="000000"/>
+                      </a:solidFill>
+                      <a:prstDash val="solid"/>
+                      <a:round/>
+                      <a:headEnd type="none" w="med" len="med"/>
+                      <a:tailEnd type="none" w="med" len="med"/>
+                    </a:lnR>
+                    <a:lnT w="3556" cap="flat" cmpd="sng" algn="ctr">
+                      <a:solidFill>
+                        <a:srgbClr val="000000"/>
+                      </a:solidFill>
+                      <a:prstDash val="solid"/>
+                      <a:round/>
+                      <a:headEnd type="none" w="med" len="med"/>
+                      <a:tailEnd type="none" w="med" len="med"/>
+                    </a:lnT>
+                    <a:lnB w="3556" cap="flat" cmpd="sng" algn="ctr">
+                      <a:solidFill>
+                        <a:srgbClr val="000000"/>
+                      </a:solidFill>
+                      <a:prstDash val="solid"/>
+                      <a:round/>
+                      <a:headEnd type="none" w="med" len="med"/>
+                      <a:tailEnd type="none" w="med" len="med"/>
+                    </a:lnB>
+                    <a:solidFill>
+                      <a:srgbClr val="CCCCCC"/>
+                    </a:solidFill>
+                  </a:tcPr>
+                </a:tc>
+                <a:tc>
+                  <a:txBody>
+                    <a:bodyPr/>
+                    <a:lstStyle/>
+                    <a:p>
+                      <a:pPr marL="0" marR="0" indent="0" algn="ctr" fontAlgn="base" latinLnBrk="0">
+                        <a:lnSpc>
+                          <a:spcPct val="160000"/>
+                        </a:lnSpc>
+                        <a:spcBef>
+                          <a:spcPts val="0"/>
+                        </a:spcBef>
+                        <a:spcAft>
+                          <a:spcPts val="0"/>
+                        </a:spcAft>
+                      </a:pPr>
+                      <a:endParaRPr lang="ko-KR" altLang="en-US" sz="1000" kern="0" spc="0">
+                        <a:solidFill>
+                          <a:srgbClr val="000000"/>
+                        </a:solidFill>
+                        <a:effectLst/>
+                      </a:endParaRPr>
+                    </a:p>
+                  </a:txBody>
+                  <a:tcPr marL="17907" marR="17907" marT="17907" marB="17907" anchor="ctr">
+                    <a:lnL w="3556" cap="flat" cmpd="sng" algn="ctr">
+                      <a:solidFill>
+                        <a:srgbClr val="000000"/>
+                      </a:solidFill>
+                      <a:prstDash val="solid"/>
+                      <a:round/>
+                      <a:headEnd type="none" w="med" len="med"/>
+                      <a:tailEnd type="none" w="med" len="med"/>
+                    </a:lnL>
+                    <a:lnR w="3556" cap="flat" cmpd="sng" algn="ctr">
+                      <a:solidFill>
+                        <a:srgbClr val="000000"/>
+                      </a:solidFill>
+                      <a:prstDash val="solid"/>
+                      <a:round/>
+                      <a:headEnd type="none" w="med" len="med"/>
+                      <a:tailEnd type="none" w="med" len="med"/>
+                    </a:lnR>
+                    <a:lnT w="3556" cap="flat" cmpd="sng" algn="ctr">
+                      <a:solidFill>
+                        <a:srgbClr val="000000"/>
+                      </a:solidFill>
+                      <a:prstDash val="solid"/>
+                      <a:round/>
+                      <a:headEnd type="none" w="med" len="med"/>
+                      <a:tailEnd type="none" w="med" len="med"/>
+                    </a:lnT>
+                    <a:lnB w="3556" cap="flat" cmpd="sng" algn="ctr">
+                      <a:solidFill>
+                        <a:srgbClr val="000000"/>
+                      </a:solidFill>
+                      <a:prstDash val="solid"/>
+                      <a:round/>
+                      <a:headEnd type="none" w="med" len="med"/>
+                      <a:tailEnd type="none" w="med" len="med"/>
+                    </a:lnB>
+                    <a:solidFill>
+                      <a:srgbClr val="CCCCCC"/>
+                    </a:solidFill>
+                  </a:tcPr>
+                </a:tc>
+                <a:tc>
+                  <a:txBody>
+                    <a:bodyPr/>
+                    <a:lstStyle/>
+                    <a:p>
+                      <a:pPr marL="0" marR="0" indent="0" algn="ctr" fontAlgn="base" latinLnBrk="0">
+                        <a:lnSpc>
+                          <a:spcPct val="160000"/>
+                        </a:lnSpc>
+                        <a:spcBef>
+                          <a:spcPts val="0"/>
+                        </a:spcBef>
+                        <a:spcAft>
+                          <a:spcPts val="0"/>
+                        </a:spcAft>
+                      </a:pPr>
+                      <a:endParaRPr lang="ko-KR" altLang="en-US" sz="1000" kern="0" spc="0">
+                        <a:solidFill>
+                          <a:srgbClr val="000000"/>
+                        </a:solidFill>
+                        <a:effectLst/>
+                      </a:endParaRPr>
+                    </a:p>
+                  </a:txBody>
+                  <a:tcPr marL="17907" marR="17907" marT="17907" marB="17907" anchor="ctr">
+                    <a:lnL w="3556" cap="flat" cmpd="sng" algn="ctr">
+                      <a:solidFill>
+                        <a:srgbClr val="000000"/>
+                      </a:solidFill>
+                      <a:prstDash val="solid"/>
+                      <a:round/>
+                      <a:headEnd type="none" w="med" len="med"/>
+                      <a:tailEnd type="none" w="med" len="med"/>
+                    </a:lnL>
+                    <a:lnR w="3556" cap="flat" cmpd="sng" algn="ctr">
+                      <a:solidFill>
+                        <a:srgbClr val="000000"/>
+                      </a:solidFill>
+                      <a:prstDash val="solid"/>
+                      <a:round/>
+                      <a:headEnd type="none" w="med" len="med"/>
+                      <a:tailEnd type="none" w="med" len="med"/>
+                    </a:lnR>
+                    <a:lnT w="3556" cap="flat" cmpd="sng" algn="ctr">
+                      <a:solidFill>
+                        <a:srgbClr val="000000"/>
+                      </a:solidFill>
+                      <a:prstDash val="solid"/>
+                      <a:round/>
+                      <a:headEnd type="none" w="med" len="med"/>
+                      <a:tailEnd type="none" w="med" len="med"/>
+                    </a:lnT>
+                    <a:lnB w="3556" cap="flat" cmpd="sng" algn="ctr">
+                      <a:solidFill>
+                        <a:srgbClr val="000000"/>
+                      </a:solidFill>
+                      <a:prstDash val="solid"/>
+                      <a:round/>
+                      <a:headEnd type="none" w="med" len="med"/>
+                      <a:tailEnd type="none" w="med" len="med"/>
+                    </a:lnB>
+                  </a:tcPr>
+                </a:tc>
+                <a:tc>
+                  <a:txBody>
+                    <a:bodyPr/>
+                    <a:lstStyle/>
+                    <a:p>
+                      <a:pPr marL="0" marR="0" indent="0" algn="ctr" fontAlgn="base" latinLnBrk="0">
+                        <a:lnSpc>
+                          <a:spcPct val="160000"/>
+                        </a:lnSpc>
+                        <a:spcBef>
+                          <a:spcPts val="0"/>
+                        </a:spcBef>
+                        <a:spcAft>
+                          <a:spcPts val="0"/>
+                        </a:spcAft>
+                      </a:pPr>
+                      <a:endParaRPr lang="ko-KR" altLang="en-US" sz="1000" kern="0" spc="0">
+                        <a:solidFill>
+                          <a:srgbClr val="000000"/>
+                        </a:solidFill>
+                        <a:effectLst/>
+                      </a:endParaRPr>
+                    </a:p>
+                  </a:txBody>
+                  <a:tcPr marL="17907" marR="17907" marT="17907" marB="17907" anchor="ctr">
+                    <a:lnL w="3556" cap="flat" cmpd="sng" algn="ctr">
+                      <a:solidFill>
+                        <a:srgbClr val="000000"/>
+                      </a:solidFill>
+                      <a:prstDash val="solid"/>
+                      <a:round/>
+                      <a:headEnd type="none" w="med" len="med"/>
+                      <a:tailEnd type="none" w="med" len="med"/>
+                    </a:lnL>
+                    <a:lnR w="3556" cap="flat" cmpd="sng" algn="ctr">
+                      <a:solidFill>
+                        <a:srgbClr val="000000"/>
+                      </a:solidFill>
+                      <a:prstDash val="solid"/>
+                      <a:round/>
+                      <a:headEnd type="none" w="med" len="med"/>
+                      <a:tailEnd type="none" w="med" len="med"/>
+                    </a:lnR>
+                    <a:lnT w="3556" cap="flat" cmpd="sng" algn="ctr">
+                      <a:solidFill>
+                        <a:srgbClr val="000000"/>
+                      </a:solidFill>
+                      <a:prstDash val="solid"/>
+                      <a:round/>
+                      <a:headEnd type="none" w="med" len="med"/>
+                      <a:tailEnd type="none" w="med" len="med"/>
+                    </a:lnT>
+                    <a:lnB w="3556" cap="flat" cmpd="sng" algn="ctr">
+                      <a:solidFill>
+                        <a:srgbClr val="000000"/>
+                      </a:solidFill>
+                      <a:prstDash val="solid"/>
+                      <a:round/>
+                      <a:headEnd type="none" w="med" len="med"/>
+                      <a:tailEnd type="none" w="med" len="med"/>
+                    </a:lnB>
+                  </a:tcPr>
+                </a:tc>
+                <a:tc>
+                  <a:txBody>
+                    <a:bodyPr/>
+                    <a:lstStyle/>
+                    <a:p>
+                      <a:pPr marL="0" marR="0" indent="0" algn="ctr" fontAlgn="base" latinLnBrk="0">
+                        <a:lnSpc>
+                          <a:spcPct val="160000"/>
+                        </a:lnSpc>
+                        <a:spcBef>
+                          <a:spcPts val="0"/>
+                        </a:spcBef>
+                        <a:spcAft>
+                          <a:spcPts val="0"/>
+                        </a:spcAft>
+                      </a:pPr>
+                      <a:endParaRPr lang="ko-KR" altLang="en-US" sz="1000" kern="0" spc="0">
+                        <a:solidFill>
+                          <a:srgbClr val="000000"/>
+                        </a:solidFill>
+                        <a:effectLst/>
+                      </a:endParaRPr>
+                    </a:p>
+                  </a:txBody>
+                  <a:tcPr marL="17907" marR="17907" marT="17907" marB="17907" anchor="ctr">
+                    <a:lnL w="3556" cap="flat" cmpd="sng" algn="ctr">
+                      <a:solidFill>
+                        <a:srgbClr val="000000"/>
+                      </a:solidFill>
+                      <a:prstDash val="solid"/>
+                      <a:round/>
+                      <a:headEnd type="none" w="med" len="med"/>
+                      <a:tailEnd type="none" w="med" len="med"/>
+                    </a:lnL>
+                    <a:lnR w="3556" cap="flat" cmpd="sng" algn="ctr">
+                      <a:solidFill>
+                        <a:srgbClr val="000000"/>
+                      </a:solidFill>
+                      <a:prstDash val="solid"/>
+                      <a:round/>
+                      <a:headEnd type="none" w="med" len="med"/>
+                      <a:tailEnd type="none" w="med" len="med"/>
+                    </a:lnR>
+                    <a:lnT w="3556" cap="flat" cmpd="sng" algn="ctr">
+                      <a:solidFill>
+                        <a:srgbClr val="000000"/>
+                      </a:solidFill>
+                      <a:prstDash val="solid"/>
+                      <a:round/>
+                      <a:headEnd type="none" w="med" len="med"/>
+                      <a:tailEnd type="none" w="med" len="med"/>
+                    </a:lnT>
+                    <a:lnB w="3556" cap="flat" cmpd="sng" algn="ctr">
+                      <a:solidFill>
+                        <a:srgbClr val="000000"/>
+                      </a:solidFill>
+                      <a:prstDash val="solid"/>
+                      <a:round/>
+                      <a:headEnd type="none" w="med" len="med"/>
+                      <a:tailEnd type="none" w="med" len="med"/>
+                    </a:lnB>
+                  </a:tcPr>
+                </a:tc>
+                <a:tc>
+                  <a:txBody>
+                    <a:bodyPr/>
+                    <a:lstStyle/>
+                    <a:p>
+                      <a:pPr marL="0" marR="0" indent="0" algn="ctr" fontAlgn="base" latinLnBrk="0">
+                        <a:lnSpc>
+                          <a:spcPct val="160000"/>
+                        </a:lnSpc>
+                        <a:spcBef>
+                          <a:spcPts val="0"/>
+                        </a:spcBef>
+                        <a:spcAft>
+                          <a:spcPts val="0"/>
+                        </a:spcAft>
+                      </a:pPr>
+                      <a:endParaRPr lang="ko-KR" altLang="en-US" sz="1000" kern="0" spc="0">
+                        <a:solidFill>
+                          <a:srgbClr val="000000"/>
+                        </a:solidFill>
+                        <a:effectLst/>
+                      </a:endParaRPr>
+                    </a:p>
+                  </a:txBody>
+                  <a:tcPr marL="17907" marR="17907" marT="17907" marB="17907" anchor="ctr">
+                    <a:lnL w="3556" cap="flat" cmpd="sng" algn="ctr">
+                      <a:solidFill>
+                        <a:srgbClr val="000000"/>
+                      </a:solidFill>
+                      <a:prstDash val="solid"/>
+                      <a:round/>
+                      <a:headEnd type="none" w="med" len="med"/>
+                      <a:tailEnd type="none" w="med" len="med"/>
+                    </a:lnL>
+                    <a:lnR w="3556" cap="flat" cmpd="sng" algn="ctr">
+                      <a:solidFill>
+                        <a:srgbClr val="000000"/>
+                      </a:solidFill>
+                      <a:prstDash val="solid"/>
+                      <a:round/>
+                      <a:headEnd type="none" w="med" len="med"/>
+                      <a:tailEnd type="none" w="med" len="med"/>
+                    </a:lnR>
+                    <a:lnT w="3556" cap="flat" cmpd="sng" algn="ctr">
+                      <a:solidFill>
+                        <a:srgbClr val="000000"/>
+                      </a:solidFill>
+                      <a:prstDash val="solid"/>
+                      <a:round/>
+                      <a:headEnd type="none" w="med" len="med"/>
+                      <a:tailEnd type="none" w="med" len="med"/>
+                    </a:lnT>
+                    <a:lnB w="3556" cap="flat" cmpd="sng" algn="ctr">
+                      <a:solidFill>
+                        <a:srgbClr val="000000"/>
+                      </a:solidFill>
+                      <a:prstDash val="solid"/>
+                      <a:round/>
+                      <a:headEnd type="none" w="med" len="med"/>
+                      <a:tailEnd type="none" w="med" len="med"/>
+                    </a:lnB>
+                  </a:tcPr>
+                </a:tc>
+                <a:tc>
+                  <a:txBody>
+                    <a:bodyPr/>
+                    <a:lstStyle/>
+                    <a:p>
+                      <a:pPr marL="0" marR="0" indent="0" algn="ctr" fontAlgn="base" latinLnBrk="0">
+                        <a:lnSpc>
+                          <a:spcPct val="160000"/>
+                        </a:lnSpc>
+                        <a:spcBef>
+                          <a:spcPts val="0"/>
+                        </a:spcBef>
+                        <a:spcAft>
+                          <a:spcPts val="0"/>
+                        </a:spcAft>
+                      </a:pPr>
+                      <a:endParaRPr lang="ko-KR" altLang="en-US" sz="1000" kern="0" spc="0">
+                        <a:solidFill>
+                          <a:srgbClr val="000000"/>
+                        </a:solidFill>
+                        <a:effectLst/>
+                      </a:endParaRPr>
+                    </a:p>
+                  </a:txBody>
+                  <a:tcPr marL="17907" marR="17907" marT="17907" marB="17907" anchor="ctr">
+                    <a:lnL w="3556" cap="flat" cmpd="sng" algn="ctr">
+                      <a:solidFill>
+                        <a:srgbClr val="000000"/>
+                      </a:solidFill>
+                      <a:prstDash val="solid"/>
+                      <a:round/>
+                      <a:headEnd type="none" w="med" len="med"/>
+                      <a:tailEnd type="none" w="med" len="med"/>
+                    </a:lnL>
+                    <a:lnR w="3556" cap="flat" cmpd="sng" algn="ctr">
+                      <a:solidFill>
+                        <a:srgbClr val="000000"/>
+                      </a:solidFill>
+                      <a:prstDash val="solid"/>
+                      <a:round/>
+                      <a:headEnd type="none" w="med" len="med"/>
+                      <a:tailEnd type="none" w="med" len="med"/>
+                    </a:lnR>
+                    <a:lnT w="3556" cap="flat" cmpd="sng" algn="ctr">
+                      <a:solidFill>
+                        <a:srgbClr val="000000"/>
+                      </a:solidFill>
+                      <a:prstDash val="solid"/>
+                      <a:round/>
+                      <a:headEnd type="none" w="med" len="med"/>
+                      <a:tailEnd type="none" w="med" len="med"/>
+                    </a:lnT>
+                    <a:lnB w="3556" cap="flat" cmpd="sng" algn="ctr">
+                      <a:solidFill>
+                        <a:srgbClr val="000000"/>
+                      </a:solidFill>
+                      <a:prstDash val="solid"/>
+                      <a:round/>
+                      <a:headEnd type="none" w="med" len="med"/>
+                      <a:tailEnd type="none" w="med" len="med"/>
+                    </a:lnB>
+                  </a:tcPr>
+                </a:tc>
+                <a:tc>
+                  <a:txBody>
+                    <a:bodyPr/>
+                    <a:lstStyle/>
+                    <a:p>
+                      <a:pPr marL="0" marR="0" indent="0" algn="ctr" fontAlgn="base" latinLnBrk="0">
+                        <a:lnSpc>
+                          <a:spcPct val="160000"/>
+                        </a:lnSpc>
+                        <a:spcBef>
+                          <a:spcPts val="0"/>
+                        </a:spcBef>
+                        <a:spcAft>
+                          <a:spcPts val="0"/>
+                        </a:spcAft>
+                      </a:pPr>
+                      <a:r>
+                        <a:rPr lang="ko-KR" altLang="en-US" sz="1000" kern="0" spc="0">
+                          <a:solidFill>
+                            <a:srgbClr val="000000"/>
+                          </a:solidFill>
+                          <a:effectLst/>
+                          <a:ea typeface="굴림체"/>
+                        </a:rPr>
+                        <a:t>특정 제스처 검출</a:t>
+                      </a:r>
+                      <a:endParaRPr lang="ko-KR" altLang="en-US" sz="1000" kern="0" spc="0">
+                        <a:solidFill>
+                          <a:srgbClr val="000000"/>
+                        </a:solidFill>
+                        <a:effectLst/>
+                      </a:endParaRPr>
+                    </a:p>
+                  </a:txBody>
+                  <a:tcPr marL="17907" marR="17907" marT="17907" marB="17907" anchor="ctr">
+                    <a:lnL w="3556" cap="flat" cmpd="sng" algn="ctr">
+                      <a:solidFill>
+                        <a:srgbClr val="000000"/>
+                      </a:solidFill>
+                      <a:prstDash val="solid"/>
+                      <a:round/>
+                      <a:headEnd type="none" w="med" len="med"/>
+                      <a:tailEnd type="none" w="med" len="med"/>
+                    </a:lnL>
+                    <a:lnR w="21590" cap="flat" cmpd="sng" algn="ctr">
+                      <a:solidFill>
+                        <a:srgbClr val="000000"/>
+                      </a:solidFill>
+                      <a:prstDash val="solid"/>
+                      <a:round/>
+                      <a:headEnd type="none" w="med" len="med"/>
+                      <a:tailEnd type="none" w="med" len="med"/>
+                    </a:lnR>
+                    <a:lnT w="3556" cap="flat" cmpd="sng" algn="ctr">
+                      <a:solidFill>
+                        <a:srgbClr val="000000"/>
+                      </a:solidFill>
+                      <a:prstDash val="solid"/>
+                      <a:round/>
+                      <a:headEnd type="none" w="med" len="med"/>
+                      <a:tailEnd type="none" w="med" len="med"/>
+                    </a:lnT>
+                    <a:lnB w="3556" cap="flat" cmpd="sng" algn="ctr">
+                      <a:solidFill>
+                        <a:srgbClr val="000000"/>
+                      </a:solidFill>
+                      <a:prstDash val="solid"/>
+                      <a:round/>
+                      <a:headEnd type="none" w="med" len="med"/>
+                      <a:tailEnd type="none" w="med" len="med"/>
+                    </a:lnB>
+                  </a:tcPr>
+                </a:tc>
+              </a:tr>
+              <a:tr h="243332">
+                <a:tc>
+                  <a:txBody>
+                    <a:bodyPr/>
+                    <a:lstStyle/>
+                    <a:p>
+                      <a:pPr marL="0" marR="0" indent="0" algn="ctr" fontAlgn="base" latinLnBrk="0">
+                        <a:lnSpc>
+                          <a:spcPct val="160000"/>
+                        </a:lnSpc>
+                        <a:spcBef>
+                          <a:spcPts val="0"/>
+                        </a:spcBef>
+                        <a:spcAft>
+                          <a:spcPts val="0"/>
+                        </a:spcAft>
+                      </a:pPr>
+                      <a:r>
+                        <a:rPr lang="en-US" sz="1000" b="1" kern="0" spc="0">
+                          <a:solidFill>
+                            <a:srgbClr val="000000"/>
+                          </a:solidFill>
+                          <a:effectLst/>
+                          <a:latin typeface="굴림체"/>
+                        </a:rPr>
+                        <a:t>5</a:t>
+                      </a:r>
+                      <a:endParaRPr lang="en-US" sz="1000" kern="0" spc="0">
+                        <a:solidFill>
+                          <a:srgbClr val="000000"/>
+                        </a:solidFill>
+                        <a:effectLst/>
+                      </a:endParaRPr>
+                    </a:p>
+                  </a:txBody>
+                  <a:tcPr marL="17907" marR="17907" marT="17907" marB="17907" anchor="ctr">
+                    <a:lnL w="21590" cap="flat" cmpd="sng" algn="ctr">
+                      <a:solidFill>
+                        <a:srgbClr val="000000"/>
+                      </a:solidFill>
+                      <a:prstDash val="solid"/>
+                      <a:round/>
+                      <a:headEnd type="none" w="med" len="med"/>
+                      <a:tailEnd type="none" w="med" len="med"/>
+                    </a:lnL>
+                    <a:lnR w="3556" cap="flat" cmpd="sng" algn="ctr">
+                      <a:solidFill>
+                        <a:srgbClr val="000000"/>
+                      </a:solidFill>
+                      <a:prstDash val="solid"/>
+                      <a:round/>
+                      <a:headEnd type="none" w="med" len="med"/>
+                      <a:tailEnd type="none" w="med" len="med"/>
+                    </a:lnR>
+                    <a:lnT w="3556" cap="flat" cmpd="sng" algn="ctr">
+                      <a:solidFill>
+                        <a:srgbClr val="000000"/>
+                      </a:solidFill>
+                      <a:prstDash val="solid"/>
+                      <a:round/>
+                      <a:headEnd type="none" w="med" len="med"/>
+                      <a:tailEnd type="none" w="med" len="med"/>
+                    </a:lnT>
+                    <a:lnB w="3556" cap="flat" cmpd="sng" algn="ctr">
+                      <a:solidFill>
+                        <a:srgbClr val="000000"/>
+                      </a:solidFill>
+                      <a:prstDash val="solid"/>
+                      <a:round/>
+                      <a:headEnd type="none" w="med" len="med"/>
+                      <a:tailEnd type="none" w="med" len="med"/>
+                    </a:lnB>
+                  </a:tcPr>
+                </a:tc>
+                <a:tc>
+                  <a:txBody>
+                    <a:bodyPr/>
+                    <a:lstStyle/>
+                    <a:p>
+                      <a:pPr marL="0" marR="0" indent="0" algn="ctr" fontAlgn="base" latinLnBrk="0">
+                        <a:lnSpc>
+                          <a:spcPct val="160000"/>
+                        </a:lnSpc>
+                        <a:spcBef>
+                          <a:spcPts val="0"/>
+                        </a:spcBef>
+                        <a:spcAft>
+                          <a:spcPts val="0"/>
+                        </a:spcAft>
+                      </a:pPr>
+                      <a:r>
+                        <a:rPr lang="en-US" sz="1000" b="1" kern="0" spc="0" dirty="0">
+                          <a:solidFill>
+                            <a:srgbClr val="000000"/>
+                          </a:solidFill>
+                          <a:effectLst/>
+                          <a:latin typeface="굴림체"/>
+                        </a:rPr>
+                        <a:t>DSLR(ver.1.0)</a:t>
+                      </a:r>
+                      <a:endParaRPr lang="en-US" sz="1000" kern="0" spc="0" dirty="0">
+                        <a:solidFill>
+                          <a:srgbClr val="000000"/>
+                        </a:solidFill>
+                        <a:effectLst/>
+                      </a:endParaRPr>
+                    </a:p>
+                  </a:txBody>
+                  <a:tcPr marL="17907" marR="17907" marT="17907" marB="17907" anchor="ctr">
+                    <a:lnL w="3556" cap="flat" cmpd="sng" algn="ctr">
+                      <a:solidFill>
+                        <a:srgbClr val="000000"/>
+                      </a:solidFill>
+                      <a:prstDash val="solid"/>
+                      <a:round/>
+                      <a:headEnd type="none" w="med" len="med"/>
+                      <a:tailEnd type="none" w="med" len="med"/>
+                    </a:lnL>
+                    <a:lnR w="3556" cap="flat" cmpd="sng" algn="ctr">
+                      <a:solidFill>
+                        <a:srgbClr val="000000"/>
+                      </a:solidFill>
+                      <a:prstDash val="solid"/>
+                      <a:round/>
+                      <a:headEnd type="none" w="med" len="med"/>
+                      <a:tailEnd type="none" w="med" len="med"/>
+                    </a:lnR>
+                    <a:lnT w="3556" cap="flat" cmpd="sng" algn="ctr">
+                      <a:solidFill>
+                        <a:srgbClr val="000000"/>
+                      </a:solidFill>
+                      <a:prstDash val="solid"/>
+                      <a:round/>
+                      <a:headEnd type="none" w="med" len="med"/>
+                      <a:tailEnd type="none" w="med" len="med"/>
+                    </a:lnT>
+                    <a:lnB w="3556" cap="flat" cmpd="sng" algn="ctr">
+                      <a:solidFill>
+                        <a:srgbClr val="000000"/>
+                      </a:solidFill>
+                      <a:prstDash val="solid"/>
+                      <a:round/>
+                      <a:headEnd type="none" w="med" len="med"/>
+                      <a:tailEnd type="none" w="med" len="med"/>
+                    </a:lnB>
+                  </a:tcPr>
+                </a:tc>
+                <a:tc>
+                  <a:txBody>
+                    <a:bodyPr/>
+                    <a:lstStyle/>
+                    <a:p>
+                      <a:pPr marL="0" marR="0" indent="0" algn="ctr" fontAlgn="base" latinLnBrk="0">
+                        <a:lnSpc>
+                          <a:spcPct val="160000"/>
+                        </a:lnSpc>
+                        <a:spcBef>
+                          <a:spcPts val="0"/>
+                        </a:spcBef>
+                        <a:spcAft>
+                          <a:spcPts val="0"/>
+                        </a:spcAft>
+                      </a:pPr>
+                      <a:endParaRPr lang="ko-KR" altLang="en-US" sz="1000" kern="0" spc="0">
+                        <a:solidFill>
+                          <a:srgbClr val="000000"/>
+                        </a:solidFill>
+                        <a:effectLst/>
+                      </a:endParaRPr>
+                    </a:p>
+                  </a:txBody>
+                  <a:tcPr marL="17907" marR="17907" marT="17907" marB="17907" anchor="ctr">
+                    <a:lnL w="3556" cap="flat" cmpd="sng" algn="ctr">
+                      <a:solidFill>
+                        <a:srgbClr val="000000"/>
+                      </a:solidFill>
+                      <a:prstDash val="solid"/>
+                      <a:round/>
+                      <a:headEnd type="none" w="med" len="med"/>
+                      <a:tailEnd type="none" w="med" len="med"/>
+                    </a:lnL>
+                    <a:lnR w="3556" cap="flat" cmpd="sng" algn="ctr">
+                      <a:solidFill>
+                        <a:srgbClr val="000000"/>
+                      </a:solidFill>
+                      <a:prstDash val="solid"/>
+                      <a:round/>
+                      <a:headEnd type="none" w="med" len="med"/>
+                      <a:tailEnd type="none" w="med" len="med"/>
+                    </a:lnR>
+                    <a:lnT w="3556" cap="flat" cmpd="sng" algn="ctr">
+                      <a:solidFill>
+                        <a:srgbClr val="000000"/>
+                      </a:solidFill>
+                      <a:prstDash val="solid"/>
+                      <a:round/>
+                      <a:headEnd type="none" w="med" len="med"/>
+                      <a:tailEnd type="none" w="med" len="med"/>
+                    </a:lnT>
+                    <a:lnB w="3556" cap="flat" cmpd="sng" algn="ctr">
+                      <a:solidFill>
+                        <a:srgbClr val="000000"/>
+                      </a:solidFill>
+                      <a:prstDash val="solid"/>
+                      <a:round/>
+                      <a:headEnd type="none" w="med" len="med"/>
+                      <a:tailEnd type="none" w="med" len="med"/>
+                    </a:lnB>
+                  </a:tcPr>
+                </a:tc>
+                <a:tc>
+                  <a:txBody>
+                    <a:bodyPr/>
+                    <a:lstStyle/>
+                    <a:p>
+                      <a:pPr marL="0" marR="0" indent="0" algn="ctr" fontAlgn="base" latinLnBrk="0">
+                        <a:lnSpc>
+                          <a:spcPct val="160000"/>
+                        </a:lnSpc>
+                        <a:spcBef>
+                          <a:spcPts val="0"/>
+                        </a:spcBef>
+                        <a:spcAft>
+                          <a:spcPts val="0"/>
+                        </a:spcAft>
+                      </a:pPr>
+                      <a:endParaRPr lang="ko-KR" altLang="en-US" sz="1000" kern="0" spc="0">
+                        <a:solidFill>
+                          <a:srgbClr val="000000"/>
+                        </a:solidFill>
+                        <a:effectLst/>
+                      </a:endParaRPr>
+                    </a:p>
+                  </a:txBody>
+                  <a:tcPr marL="17907" marR="17907" marT="17907" marB="17907" anchor="ctr">
+                    <a:lnL w="3556" cap="flat" cmpd="sng" algn="ctr">
+                      <a:solidFill>
+                        <a:srgbClr val="000000"/>
+                      </a:solidFill>
+                      <a:prstDash val="solid"/>
+                      <a:round/>
+                      <a:headEnd type="none" w="med" len="med"/>
+                      <a:tailEnd type="none" w="med" len="med"/>
+                    </a:lnL>
+                    <a:lnR w="3556" cap="flat" cmpd="sng" algn="ctr">
+                      <a:solidFill>
+                        <a:srgbClr val="000000"/>
+                      </a:solidFill>
+                      <a:prstDash val="solid"/>
+                      <a:round/>
+                      <a:headEnd type="none" w="med" len="med"/>
+                      <a:tailEnd type="none" w="med" len="med"/>
+                    </a:lnR>
+                    <a:lnT w="3556" cap="flat" cmpd="sng" algn="ctr">
+                      <a:solidFill>
+                        <a:srgbClr val="000000"/>
+                      </a:solidFill>
+                      <a:prstDash val="solid"/>
+                      <a:round/>
+                      <a:headEnd type="none" w="med" len="med"/>
+                      <a:tailEnd type="none" w="med" len="med"/>
+                    </a:lnT>
+                    <a:lnB w="3556" cap="flat" cmpd="sng" algn="ctr">
+                      <a:solidFill>
+                        <a:srgbClr val="000000"/>
+                      </a:solidFill>
+                      <a:prstDash val="solid"/>
+                      <a:round/>
+                      <a:headEnd type="none" w="med" len="med"/>
+                      <a:tailEnd type="none" w="med" len="med"/>
+                    </a:lnB>
+                  </a:tcPr>
+                </a:tc>
+                <a:tc>
+                  <a:txBody>
+                    <a:bodyPr/>
+                    <a:lstStyle/>
+                    <a:p>
+                      <a:pPr marL="0" marR="0" indent="0" algn="ctr" fontAlgn="base" latinLnBrk="0">
+                        <a:lnSpc>
+                          <a:spcPct val="160000"/>
+                        </a:lnSpc>
+                        <a:spcBef>
+                          <a:spcPts val="0"/>
+                        </a:spcBef>
+                        <a:spcAft>
+                          <a:spcPts val="0"/>
+                        </a:spcAft>
+                      </a:pPr>
+                      <a:endParaRPr lang="ko-KR" altLang="en-US" sz="1000" kern="0" spc="0">
+                        <a:solidFill>
+                          <a:srgbClr val="000000"/>
+                        </a:solidFill>
+                        <a:effectLst/>
+                      </a:endParaRPr>
+                    </a:p>
+                  </a:txBody>
+                  <a:tcPr marL="17907" marR="17907" marT="17907" marB="17907" anchor="ctr">
+                    <a:lnL w="3556" cap="flat" cmpd="sng" algn="ctr">
+                      <a:solidFill>
+                        <a:srgbClr val="000000"/>
+                      </a:solidFill>
+                      <a:prstDash val="solid"/>
+                      <a:round/>
+                      <a:headEnd type="none" w="med" len="med"/>
+                      <a:tailEnd type="none" w="med" len="med"/>
+                    </a:lnL>
+                    <a:lnR w="3556" cap="flat" cmpd="sng" algn="ctr">
+                      <a:solidFill>
+                        <a:srgbClr val="000000"/>
+                      </a:solidFill>
+                      <a:prstDash val="solid"/>
+                      <a:round/>
+                      <a:headEnd type="none" w="med" len="med"/>
+                      <a:tailEnd type="none" w="med" len="med"/>
+                    </a:lnR>
+                    <a:lnT w="3556" cap="flat" cmpd="sng" algn="ctr">
+                      <a:solidFill>
+                        <a:srgbClr val="000000"/>
+                      </a:solidFill>
+                      <a:prstDash val="solid"/>
+                      <a:round/>
+                      <a:headEnd type="none" w="med" len="med"/>
+                      <a:tailEnd type="none" w="med" len="med"/>
+                    </a:lnT>
+                    <a:lnB w="3556" cap="flat" cmpd="sng" algn="ctr">
+                      <a:solidFill>
+                        <a:srgbClr val="000000"/>
+                      </a:solidFill>
+                      <a:prstDash val="solid"/>
+                      <a:round/>
+                      <a:headEnd type="none" w="med" len="med"/>
+                      <a:tailEnd type="none" w="med" len="med"/>
+                    </a:lnB>
+                  </a:tcPr>
+                </a:tc>
+                <a:tc>
+                  <a:txBody>
+                    <a:bodyPr/>
+                    <a:lstStyle/>
+                    <a:p>
+                      <a:pPr marL="0" marR="0" indent="0" algn="ctr" fontAlgn="base" latinLnBrk="0">
+                        <a:lnSpc>
+                          <a:spcPct val="160000"/>
+                        </a:lnSpc>
+                        <a:spcBef>
+                          <a:spcPts val="0"/>
+                        </a:spcBef>
+                        <a:spcAft>
+                          <a:spcPts val="0"/>
+                        </a:spcAft>
+                      </a:pPr>
+                      <a:endParaRPr lang="ko-KR" altLang="en-US" sz="1000" kern="0" spc="0">
+                        <a:solidFill>
+                          <a:srgbClr val="000000"/>
+                        </a:solidFill>
+                        <a:effectLst/>
+                      </a:endParaRPr>
+                    </a:p>
+                  </a:txBody>
+                  <a:tcPr marL="17907" marR="17907" marT="17907" marB="17907" anchor="ctr">
+                    <a:lnL w="3556" cap="flat" cmpd="sng" algn="ctr">
+                      <a:solidFill>
+                        <a:srgbClr val="000000"/>
+                      </a:solidFill>
+                      <a:prstDash val="solid"/>
+                      <a:round/>
+                      <a:headEnd type="none" w="med" len="med"/>
+                      <a:tailEnd type="none" w="med" len="med"/>
+                    </a:lnL>
+                    <a:lnR w="3556" cap="flat" cmpd="sng" algn="ctr">
+                      <a:solidFill>
+                        <a:srgbClr val="000000"/>
+                      </a:solidFill>
+                      <a:prstDash val="solid"/>
+                      <a:round/>
+                      <a:headEnd type="none" w="med" len="med"/>
+                      <a:tailEnd type="none" w="med" len="med"/>
+                    </a:lnR>
+                    <a:lnT w="3556" cap="flat" cmpd="sng" algn="ctr">
+                      <a:solidFill>
+                        <a:srgbClr val="000000"/>
+                      </a:solidFill>
+                      <a:prstDash val="solid"/>
+                      <a:round/>
+                      <a:headEnd type="none" w="med" len="med"/>
+                      <a:tailEnd type="none" w="med" len="med"/>
+                    </a:lnT>
+                    <a:lnB w="3556" cap="flat" cmpd="sng" algn="ctr">
+                      <a:solidFill>
+                        <a:srgbClr val="000000"/>
+                      </a:solidFill>
+                      <a:prstDash val="solid"/>
+                      <a:round/>
+                      <a:headEnd type="none" w="med" len="med"/>
+                      <a:tailEnd type="none" w="med" len="med"/>
+                    </a:lnB>
+                  </a:tcPr>
+                </a:tc>
+                <a:tc>
+                  <a:txBody>
+                    <a:bodyPr/>
+                    <a:lstStyle/>
+                    <a:p>
+                      <a:pPr marL="0" marR="0" indent="0" algn="ctr" fontAlgn="base" latinLnBrk="0">
+                        <a:lnSpc>
+                          <a:spcPct val="160000"/>
+                        </a:lnSpc>
+                        <a:spcBef>
+                          <a:spcPts val="0"/>
+                        </a:spcBef>
+                        <a:spcAft>
+                          <a:spcPts val="0"/>
+                        </a:spcAft>
+                      </a:pPr>
+                      <a:endParaRPr lang="ko-KR" altLang="en-US" sz="1000" kern="0" spc="0">
+                        <a:solidFill>
+                          <a:srgbClr val="000000"/>
+                        </a:solidFill>
+                        <a:effectLst/>
+                      </a:endParaRPr>
+                    </a:p>
+                  </a:txBody>
+                  <a:tcPr marL="17907" marR="17907" marT="17907" marB="17907" anchor="ctr">
+                    <a:lnL w="3556" cap="flat" cmpd="sng" algn="ctr">
+                      <a:solidFill>
+                        <a:srgbClr val="000000"/>
+                      </a:solidFill>
+                      <a:prstDash val="solid"/>
+                      <a:round/>
+                      <a:headEnd type="none" w="med" len="med"/>
+                      <a:tailEnd type="none" w="med" len="med"/>
+                    </a:lnL>
+                    <a:lnR w="3556" cap="flat" cmpd="sng" algn="ctr">
+                      <a:solidFill>
+                        <a:srgbClr val="000000"/>
+                      </a:solidFill>
+                      <a:prstDash val="solid"/>
+                      <a:round/>
+                      <a:headEnd type="none" w="med" len="med"/>
+                      <a:tailEnd type="none" w="med" len="med"/>
+                    </a:lnR>
+                    <a:lnT w="3556" cap="flat" cmpd="sng" algn="ctr">
+                      <a:solidFill>
+                        <a:srgbClr val="000000"/>
+                      </a:solidFill>
+                      <a:prstDash val="solid"/>
+                      <a:round/>
+                      <a:headEnd type="none" w="med" len="med"/>
+                      <a:tailEnd type="none" w="med" len="med"/>
+                    </a:lnT>
+                    <a:lnB w="3556" cap="flat" cmpd="sng" algn="ctr">
+                      <a:solidFill>
+                        <a:srgbClr val="000000"/>
+                      </a:solidFill>
+                      <a:prstDash val="solid"/>
+                      <a:round/>
+                      <a:headEnd type="none" w="med" len="med"/>
+                      <a:tailEnd type="none" w="med" len="med"/>
+                    </a:lnB>
+                  </a:tcPr>
+                </a:tc>
+                <a:tc>
+                  <a:txBody>
+                    <a:bodyPr/>
+                    <a:lstStyle/>
+                    <a:p>
+                      <a:pPr marL="0" marR="0" indent="0" algn="ctr" fontAlgn="base" latinLnBrk="0">
+                        <a:lnSpc>
+                          <a:spcPct val="160000"/>
+                        </a:lnSpc>
+                        <a:spcBef>
+                          <a:spcPts val="0"/>
+                        </a:spcBef>
+                        <a:spcAft>
+                          <a:spcPts val="0"/>
+                        </a:spcAft>
+                      </a:pPr>
+                      <a:endParaRPr lang="ko-KR" altLang="en-US" sz="1000" kern="0" spc="0">
+                        <a:solidFill>
+                          <a:srgbClr val="000000"/>
+                        </a:solidFill>
+                        <a:effectLst/>
+                      </a:endParaRPr>
+                    </a:p>
+                  </a:txBody>
+                  <a:tcPr marL="17907" marR="17907" marT="17907" marB="17907" anchor="ctr">
+                    <a:lnL w="3556" cap="flat" cmpd="sng" algn="ctr">
+                      <a:solidFill>
+                        <a:srgbClr val="000000"/>
+                      </a:solidFill>
+                      <a:prstDash val="solid"/>
+                      <a:round/>
+                      <a:headEnd type="none" w="med" len="med"/>
+                      <a:tailEnd type="none" w="med" len="med"/>
+                    </a:lnL>
+                    <a:lnR w="3556" cap="flat" cmpd="sng" algn="ctr">
+                      <a:solidFill>
+                        <a:srgbClr val="000000"/>
+                      </a:solidFill>
+                      <a:prstDash val="solid"/>
+                      <a:round/>
+                      <a:headEnd type="none" w="med" len="med"/>
+                      <a:tailEnd type="none" w="med" len="med"/>
+                    </a:lnR>
+                    <a:lnT w="3556" cap="flat" cmpd="sng" algn="ctr">
+                      <a:solidFill>
+                        <a:srgbClr val="000000"/>
+                      </a:solidFill>
+                      <a:prstDash val="solid"/>
+                      <a:round/>
+                      <a:headEnd type="none" w="med" len="med"/>
+                      <a:tailEnd type="none" w="med" len="med"/>
+                    </a:lnT>
+                    <a:lnB w="3556" cap="flat" cmpd="sng" algn="ctr">
+                      <a:solidFill>
+                        <a:srgbClr val="000000"/>
+                      </a:solidFill>
+                      <a:prstDash val="solid"/>
+                      <a:round/>
+                      <a:headEnd type="none" w="med" len="med"/>
+                      <a:tailEnd type="none" w="med" len="med"/>
+                    </a:lnB>
+                  </a:tcPr>
+                </a:tc>
+                <a:tc>
+                  <a:txBody>
+                    <a:bodyPr/>
+                    <a:lstStyle/>
+                    <a:p>
+                      <a:pPr marL="0" marR="0" indent="0" algn="ctr" fontAlgn="base" latinLnBrk="0">
+                        <a:lnSpc>
+                          <a:spcPct val="160000"/>
+                        </a:lnSpc>
+                        <a:spcBef>
+                          <a:spcPts val="0"/>
+                        </a:spcBef>
+                        <a:spcAft>
+                          <a:spcPts val="0"/>
+                        </a:spcAft>
+                      </a:pPr>
+                      <a:endParaRPr lang="ko-KR" altLang="en-US" sz="1000" kern="0" spc="0">
+                        <a:solidFill>
+                          <a:srgbClr val="000000"/>
+                        </a:solidFill>
+                        <a:effectLst/>
+                      </a:endParaRPr>
+                    </a:p>
+                  </a:txBody>
+                  <a:tcPr marL="17907" marR="17907" marT="17907" marB="17907" anchor="ctr">
+                    <a:lnL w="3556" cap="flat" cmpd="sng" algn="ctr">
+                      <a:solidFill>
+                        <a:srgbClr val="000000"/>
+                      </a:solidFill>
+                      <a:prstDash val="solid"/>
+                      <a:round/>
+                      <a:headEnd type="none" w="med" len="med"/>
+                      <a:tailEnd type="none" w="med" len="med"/>
+                    </a:lnL>
+                    <a:lnR w="3556" cap="flat" cmpd="sng" algn="ctr">
+                      <a:solidFill>
+                        <a:srgbClr val="000000"/>
+                      </a:solidFill>
+                      <a:prstDash val="solid"/>
+                      <a:round/>
+                      <a:headEnd type="none" w="med" len="med"/>
+                      <a:tailEnd type="none" w="med" len="med"/>
+                    </a:lnR>
+                    <a:lnT w="3556" cap="flat" cmpd="sng" algn="ctr">
+                      <a:solidFill>
+                        <a:srgbClr val="000000"/>
+                      </a:solidFill>
+                      <a:prstDash val="solid"/>
+                      <a:round/>
+                      <a:headEnd type="none" w="med" len="med"/>
+                      <a:tailEnd type="none" w="med" len="med"/>
+                    </a:lnT>
+                    <a:lnB w="3556" cap="flat" cmpd="sng" algn="ctr">
+                      <a:solidFill>
+                        <a:srgbClr val="000000"/>
+                      </a:solidFill>
+                      <a:prstDash val="solid"/>
+                      <a:round/>
+                      <a:headEnd type="none" w="med" len="med"/>
+                      <a:tailEnd type="none" w="med" len="med"/>
+                    </a:lnB>
+                  </a:tcPr>
+                </a:tc>
+                <a:tc>
+                  <a:txBody>
+                    <a:bodyPr/>
+                    <a:lstStyle/>
+                    <a:p>
+                      <a:pPr marL="0" marR="0" indent="0" algn="ctr" fontAlgn="base" latinLnBrk="0">
+                        <a:lnSpc>
+                          <a:spcPct val="160000"/>
+                        </a:lnSpc>
+                        <a:spcBef>
+                          <a:spcPts val="0"/>
+                        </a:spcBef>
+                        <a:spcAft>
+                          <a:spcPts val="0"/>
+                        </a:spcAft>
+                      </a:pPr>
+                      <a:endParaRPr lang="ko-KR" altLang="en-US" sz="1000" kern="0" spc="0">
+                        <a:solidFill>
+                          <a:srgbClr val="000000"/>
+                        </a:solidFill>
+                        <a:effectLst/>
+                      </a:endParaRPr>
+                    </a:p>
+                  </a:txBody>
+                  <a:tcPr marL="17907" marR="17907" marT="17907" marB="17907" anchor="ctr">
+                    <a:lnL w="3556" cap="flat" cmpd="sng" algn="ctr">
+                      <a:solidFill>
+                        <a:srgbClr val="000000"/>
+                      </a:solidFill>
+                      <a:prstDash val="solid"/>
+                      <a:round/>
+                      <a:headEnd type="none" w="med" len="med"/>
+                      <a:tailEnd type="none" w="med" len="med"/>
+                    </a:lnL>
+                    <a:lnR w="3556" cap="flat" cmpd="sng" algn="ctr">
+                      <a:solidFill>
+                        <a:srgbClr val="000000"/>
+                      </a:solidFill>
+                      <a:prstDash val="solid"/>
+                      <a:round/>
+                      <a:headEnd type="none" w="med" len="med"/>
+                      <a:tailEnd type="none" w="med" len="med"/>
+                    </a:lnR>
+                    <a:lnT w="3556" cap="flat" cmpd="sng" algn="ctr">
+                      <a:solidFill>
+                        <a:srgbClr val="000000"/>
+                      </a:solidFill>
+                      <a:prstDash val="solid"/>
+                      <a:round/>
+                      <a:headEnd type="none" w="med" len="med"/>
+                      <a:tailEnd type="none" w="med" len="med"/>
+                    </a:lnT>
+                    <a:lnB w="3556" cap="flat" cmpd="sng" algn="ctr">
+                      <a:solidFill>
+                        <a:srgbClr val="000000"/>
+                      </a:solidFill>
+                      <a:prstDash val="solid"/>
+                      <a:round/>
+                      <a:headEnd type="none" w="med" len="med"/>
+                      <a:tailEnd type="none" w="med" len="med"/>
+                    </a:lnB>
+                    <a:solidFill>
+                      <a:srgbClr val="CCCCCC"/>
+                    </a:solidFill>
+                  </a:tcPr>
+                </a:tc>
+                <a:tc>
+                  <a:txBody>
+                    <a:bodyPr/>
+                    <a:lstStyle/>
+                    <a:p>
+                      <a:pPr marL="0" marR="0" indent="0" algn="ctr" fontAlgn="base" latinLnBrk="0">
+                        <a:lnSpc>
+                          <a:spcPct val="160000"/>
+                        </a:lnSpc>
+                        <a:spcBef>
+                          <a:spcPts val="0"/>
+                        </a:spcBef>
+                        <a:spcAft>
+                          <a:spcPts val="0"/>
+                        </a:spcAft>
+                      </a:pPr>
+                      <a:endParaRPr lang="ko-KR" altLang="en-US" sz="1000" kern="0" spc="0">
+                        <a:solidFill>
+                          <a:srgbClr val="000000"/>
+                        </a:solidFill>
+                        <a:effectLst/>
+                      </a:endParaRPr>
+                    </a:p>
+                  </a:txBody>
+                  <a:tcPr marL="17907" marR="17907" marT="17907" marB="17907" anchor="ctr">
+                    <a:lnL w="3556" cap="flat" cmpd="sng" algn="ctr">
+                      <a:solidFill>
+                        <a:srgbClr val="000000"/>
+                      </a:solidFill>
+                      <a:prstDash val="solid"/>
+                      <a:round/>
+                      <a:headEnd type="none" w="med" len="med"/>
+                      <a:tailEnd type="none" w="med" len="med"/>
+                    </a:lnL>
+                    <a:lnR w="3556" cap="flat" cmpd="sng" algn="ctr">
+                      <a:solidFill>
+                        <a:srgbClr val="000000"/>
+                      </a:solidFill>
+                      <a:prstDash val="solid"/>
+                      <a:round/>
+                      <a:headEnd type="none" w="med" len="med"/>
+                      <a:tailEnd type="none" w="med" len="med"/>
+                    </a:lnR>
+                    <a:lnT w="3556" cap="flat" cmpd="sng" algn="ctr">
+                      <a:solidFill>
+                        <a:srgbClr val="000000"/>
+                      </a:solidFill>
+                      <a:prstDash val="solid"/>
+                      <a:round/>
+                      <a:headEnd type="none" w="med" len="med"/>
+                      <a:tailEnd type="none" w="med" len="med"/>
+                    </a:lnT>
+                    <a:lnB w="3556" cap="flat" cmpd="sng" algn="ctr">
+                      <a:solidFill>
+                        <a:srgbClr val="000000"/>
+                      </a:solidFill>
+                      <a:prstDash val="solid"/>
+                      <a:round/>
+                      <a:headEnd type="none" w="med" len="med"/>
+                      <a:tailEnd type="none" w="med" len="med"/>
+                    </a:lnB>
+                    <a:solidFill>
+                      <a:srgbClr val="CCCCCC"/>
+                    </a:solidFill>
+                  </a:tcPr>
+                </a:tc>
+                <a:tc>
+                  <a:txBody>
+                    <a:bodyPr/>
+                    <a:lstStyle/>
+                    <a:p>
+                      <a:pPr marL="0" marR="0" indent="0" algn="ctr" fontAlgn="base" latinLnBrk="0">
+                        <a:lnSpc>
+                          <a:spcPct val="160000"/>
+                        </a:lnSpc>
+                        <a:spcBef>
+                          <a:spcPts val="0"/>
+                        </a:spcBef>
+                        <a:spcAft>
+                          <a:spcPts val="0"/>
+                        </a:spcAft>
+                      </a:pPr>
+                      <a:endParaRPr lang="ko-KR" altLang="en-US" sz="1000" kern="0" spc="0">
+                        <a:solidFill>
+                          <a:srgbClr val="000000"/>
+                        </a:solidFill>
+                        <a:effectLst/>
+                      </a:endParaRPr>
+                    </a:p>
+                  </a:txBody>
+                  <a:tcPr marL="17907" marR="17907" marT="17907" marB="17907" anchor="ctr">
+                    <a:lnL w="3556" cap="flat" cmpd="sng" algn="ctr">
+                      <a:solidFill>
+                        <a:srgbClr val="000000"/>
+                      </a:solidFill>
+                      <a:prstDash val="solid"/>
+                      <a:round/>
+                      <a:headEnd type="none" w="med" len="med"/>
+                      <a:tailEnd type="none" w="med" len="med"/>
+                    </a:lnL>
+                    <a:lnR w="3556" cap="flat" cmpd="sng" algn="ctr">
+                      <a:solidFill>
+                        <a:srgbClr val="000000"/>
+                      </a:solidFill>
+                      <a:prstDash val="solid"/>
+                      <a:round/>
+                      <a:headEnd type="none" w="med" len="med"/>
+                      <a:tailEnd type="none" w="med" len="med"/>
+                    </a:lnR>
+                    <a:lnT w="3556" cap="flat" cmpd="sng" algn="ctr">
+                      <a:solidFill>
+                        <a:srgbClr val="000000"/>
+                      </a:solidFill>
+                      <a:prstDash val="solid"/>
+                      <a:round/>
+                      <a:headEnd type="none" w="med" len="med"/>
+                      <a:tailEnd type="none" w="med" len="med"/>
+                    </a:lnT>
+                    <a:lnB w="3556" cap="flat" cmpd="sng" algn="ctr">
+                      <a:solidFill>
+                        <a:srgbClr val="000000"/>
+                      </a:solidFill>
+                      <a:prstDash val="solid"/>
+                      <a:round/>
+                      <a:headEnd type="none" w="med" len="med"/>
+                      <a:tailEnd type="none" w="med" len="med"/>
+                    </a:lnB>
+                    <a:solidFill>
+                      <a:srgbClr val="CCCCCC"/>
+                    </a:solidFill>
+                  </a:tcPr>
+                </a:tc>
+                <a:tc>
+                  <a:txBody>
+                    <a:bodyPr/>
+                    <a:lstStyle/>
+                    <a:p>
+                      <a:pPr marL="0" marR="0" indent="0" algn="ctr" fontAlgn="base" latinLnBrk="0">
+                        <a:lnSpc>
+                          <a:spcPct val="160000"/>
+                        </a:lnSpc>
+                        <a:spcBef>
+                          <a:spcPts val="0"/>
+                        </a:spcBef>
+                        <a:spcAft>
+                          <a:spcPts val="0"/>
+                        </a:spcAft>
+                      </a:pPr>
+                      <a:endParaRPr lang="ko-KR" altLang="en-US" sz="1000" kern="0" spc="0">
+                        <a:solidFill>
+                          <a:srgbClr val="000000"/>
+                        </a:solidFill>
+                        <a:effectLst/>
+                      </a:endParaRPr>
+                    </a:p>
+                  </a:txBody>
+                  <a:tcPr marL="17907" marR="17907" marT="17907" marB="17907" anchor="ctr">
+                    <a:lnL w="3556" cap="flat" cmpd="sng" algn="ctr">
+                      <a:solidFill>
+                        <a:srgbClr val="000000"/>
+                      </a:solidFill>
+                      <a:prstDash val="solid"/>
+                      <a:round/>
+                      <a:headEnd type="none" w="med" len="med"/>
+                      <a:tailEnd type="none" w="med" len="med"/>
+                    </a:lnL>
+                    <a:lnR w="3556" cap="flat" cmpd="sng" algn="ctr">
+                      <a:solidFill>
+                        <a:srgbClr val="000000"/>
+                      </a:solidFill>
+                      <a:prstDash val="solid"/>
+                      <a:round/>
+                      <a:headEnd type="none" w="med" len="med"/>
+                      <a:tailEnd type="none" w="med" len="med"/>
+                    </a:lnR>
+                    <a:lnT w="3556" cap="flat" cmpd="sng" algn="ctr">
+                      <a:solidFill>
+                        <a:srgbClr val="000000"/>
+                      </a:solidFill>
+                      <a:prstDash val="solid"/>
+                      <a:round/>
+                      <a:headEnd type="none" w="med" len="med"/>
+                      <a:tailEnd type="none" w="med" len="med"/>
+                    </a:lnT>
+                    <a:lnB w="3556" cap="flat" cmpd="sng" algn="ctr">
+                      <a:solidFill>
+                        <a:srgbClr val="000000"/>
+                      </a:solidFill>
+                      <a:prstDash val="solid"/>
+                      <a:round/>
+                      <a:headEnd type="none" w="med" len="med"/>
+                      <a:tailEnd type="none" w="med" len="med"/>
+                    </a:lnB>
+                    <a:solidFill>
+                      <a:srgbClr val="CCCCCC"/>
+                    </a:solidFill>
+                  </a:tcPr>
+                </a:tc>
+                <a:tc>
+                  <a:txBody>
+                    <a:bodyPr/>
+                    <a:lstStyle/>
+                    <a:p>
+                      <a:pPr marL="0" marR="0" indent="0" algn="ctr" fontAlgn="base" latinLnBrk="0">
+                        <a:lnSpc>
+                          <a:spcPct val="160000"/>
+                        </a:lnSpc>
+                        <a:spcBef>
+                          <a:spcPts val="0"/>
+                        </a:spcBef>
+                        <a:spcAft>
+                          <a:spcPts val="0"/>
+                        </a:spcAft>
+                      </a:pPr>
+                      <a:endParaRPr lang="ko-KR" altLang="en-US" sz="1000" kern="0" spc="0">
+                        <a:solidFill>
+                          <a:srgbClr val="000000"/>
+                        </a:solidFill>
+                        <a:effectLst/>
+                      </a:endParaRPr>
+                    </a:p>
+                  </a:txBody>
+                  <a:tcPr marL="17907" marR="17907" marT="17907" marB="17907" anchor="ctr">
+                    <a:lnL w="3556" cap="flat" cmpd="sng" algn="ctr">
+                      <a:solidFill>
+                        <a:srgbClr val="000000"/>
+                      </a:solidFill>
+                      <a:prstDash val="solid"/>
+                      <a:round/>
+                      <a:headEnd type="none" w="med" len="med"/>
+                      <a:tailEnd type="none" w="med" len="med"/>
+                    </a:lnL>
+                    <a:lnR w="3556" cap="flat" cmpd="sng" algn="ctr">
+                      <a:solidFill>
+                        <a:srgbClr val="000000"/>
+                      </a:solidFill>
+                      <a:prstDash val="solid"/>
+                      <a:round/>
+                      <a:headEnd type="none" w="med" len="med"/>
+                      <a:tailEnd type="none" w="med" len="med"/>
+                    </a:lnR>
+                    <a:lnT w="3556" cap="flat" cmpd="sng" algn="ctr">
+                      <a:solidFill>
+                        <a:srgbClr val="000000"/>
+                      </a:solidFill>
+                      <a:prstDash val="solid"/>
+                      <a:round/>
+                      <a:headEnd type="none" w="med" len="med"/>
+                      <a:tailEnd type="none" w="med" len="med"/>
+                    </a:lnT>
+                    <a:lnB w="3556" cap="flat" cmpd="sng" algn="ctr">
+                      <a:solidFill>
+                        <a:srgbClr val="000000"/>
+                      </a:solidFill>
+                      <a:prstDash val="solid"/>
+                      <a:round/>
+                      <a:headEnd type="none" w="med" len="med"/>
+                      <a:tailEnd type="none" w="med" len="med"/>
+                    </a:lnB>
+                    <a:solidFill>
+                      <a:srgbClr val="CCCCCC"/>
+                    </a:solidFill>
+                  </a:tcPr>
+                </a:tc>
+                <a:tc>
+                  <a:txBody>
+                    <a:bodyPr/>
+                    <a:lstStyle/>
+                    <a:p>
+                      <a:pPr marL="0" marR="0" indent="0" algn="just" fontAlgn="base" latinLnBrk="1">
+                        <a:lnSpc>
+                          <a:spcPct val="160000"/>
+                        </a:lnSpc>
+                        <a:spcBef>
+                          <a:spcPts val="0"/>
+                        </a:spcBef>
+                        <a:spcAft>
+                          <a:spcPts val="0"/>
+                        </a:spcAft>
+                      </a:pPr>
+                      <a:r>
+                        <a:rPr lang="ko-KR" altLang="en-US" sz="1000" kern="0" spc="0">
+                          <a:solidFill>
+                            <a:srgbClr val="000000"/>
+                          </a:solidFill>
+                          <a:effectLst/>
+                          <a:ea typeface="굴림체"/>
+                        </a:rPr>
+                        <a:t>수화</a:t>
+                      </a:r>
+                      <a:r>
+                        <a:rPr lang="en-US" altLang="ko-KR" sz="1000" kern="0" spc="0">
+                          <a:solidFill>
+                            <a:srgbClr val="000000"/>
+                          </a:solidFill>
+                          <a:effectLst/>
+                          <a:latin typeface="굴림체"/>
+                        </a:rPr>
+                        <a:t>DB</a:t>
+                      </a:r>
+                      <a:r>
+                        <a:rPr lang="ko-KR" altLang="en-US" sz="1000" kern="0" spc="0">
+                          <a:solidFill>
+                            <a:srgbClr val="000000"/>
+                          </a:solidFill>
+                          <a:effectLst/>
+                          <a:ea typeface="굴림체"/>
+                        </a:rPr>
+                        <a:t>와 연동하여 수화 검출 </a:t>
+                      </a:r>
+                      <a:r>
+                        <a:rPr lang="en-US" altLang="ko-KR" sz="1000" kern="0" spc="0">
+                          <a:solidFill>
+                            <a:srgbClr val="000000"/>
+                          </a:solidFill>
+                          <a:effectLst/>
+                          <a:latin typeface="굴림체"/>
+                        </a:rPr>
+                        <a:t>&amp; </a:t>
+                      </a:r>
+                      <a:r>
+                        <a:rPr lang="ko-KR" altLang="en-US" sz="1000" kern="0" spc="0">
+                          <a:solidFill>
+                            <a:srgbClr val="000000"/>
+                          </a:solidFill>
+                          <a:effectLst/>
+                          <a:ea typeface="굴림체"/>
+                        </a:rPr>
+                        <a:t>새로운 수화 학습</a:t>
+                      </a:r>
+                      <a:endParaRPr lang="ko-KR" altLang="en-US" sz="1000" kern="0" spc="0">
+                        <a:solidFill>
+                          <a:srgbClr val="000000"/>
+                        </a:solidFill>
+                        <a:effectLst/>
+                      </a:endParaRPr>
+                    </a:p>
+                  </a:txBody>
+                  <a:tcPr marL="17907" marR="17907" marT="17907" marB="17907" anchor="ctr">
+                    <a:lnL w="3556" cap="flat" cmpd="sng" algn="ctr">
+                      <a:solidFill>
+                        <a:srgbClr val="000000"/>
+                      </a:solidFill>
+                      <a:prstDash val="solid"/>
+                      <a:round/>
+                      <a:headEnd type="none" w="med" len="med"/>
+                      <a:tailEnd type="none" w="med" len="med"/>
+                    </a:lnL>
+                    <a:lnR w="21590" cap="flat" cmpd="sng" algn="ctr">
+                      <a:solidFill>
+                        <a:srgbClr val="000000"/>
+                      </a:solidFill>
+                      <a:prstDash val="solid"/>
+                      <a:round/>
+                      <a:headEnd type="none" w="med" len="med"/>
+                      <a:tailEnd type="none" w="med" len="med"/>
+                    </a:lnR>
+                    <a:lnT w="3556" cap="flat" cmpd="sng" algn="ctr">
+                      <a:solidFill>
+                        <a:srgbClr val="000000"/>
+                      </a:solidFill>
+                      <a:prstDash val="solid"/>
+                      <a:round/>
+                      <a:headEnd type="none" w="med" len="med"/>
+                      <a:tailEnd type="none" w="med" len="med"/>
+                    </a:lnT>
+                    <a:lnB w="3556" cap="flat" cmpd="sng" algn="ctr">
+                      <a:solidFill>
+                        <a:srgbClr val="000000"/>
+                      </a:solidFill>
+                      <a:prstDash val="solid"/>
+                      <a:round/>
+                      <a:headEnd type="none" w="med" len="med"/>
+                      <a:tailEnd type="none" w="med" len="med"/>
+                    </a:lnB>
+                  </a:tcPr>
+                </a:tc>
+              </a:tr>
+              <a:tr h="243332">
+                <a:tc>
+                  <a:txBody>
+                    <a:bodyPr/>
+                    <a:lstStyle/>
+                    <a:p>
+                      <a:pPr marL="0" marR="0" indent="0" algn="ctr" fontAlgn="base" latinLnBrk="0">
+                        <a:lnSpc>
+                          <a:spcPct val="160000"/>
+                        </a:lnSpc>
+                        <a:spcBef>
+                          <a:spcPts val="0"/>
+                        </a:spcBef>
+                        <a:spcAft>
+                          <a:spcPts val="0"/>
+                        </a:spcAft>
+                      </a:pPr>
+                      <a:r>
+                        <a:rPr lang="en-US" sz="1000" b="1" kern="0" spc="0">
+                          <a:solidFill>
+                            <a:srgbClr val="000000"/>
+                          </a:solidFill>
+                          <a:effectLst/>
+                          <a:latin typeface="굴림체"/>
+                        </a:rPr>
+                        <a:t>6</a:t>
+                      </a:r>
+                      <a:endParaRPr lang="en-US" sz="1000" kern="0" spc="0">
+                        <a:solidFill>
+                          <a:srgbClr val="000000"/>
+                        </a:solidFill>
+                        <a:effectLst/>
+                      </a:endParaRPr>
+                    </a:p>
+                  </a:txBody>
+                  <a:tcPr marL="17907" marR="17907" marT="17907" marB="17907" anchor="ctr">
+                    <a:lnL w="21590" cap="flat" cmpd="sng" algn="ctr">
+                      <a:solidFill>
+                        <a:srgbClr val="000000"/>
+                      </a:solidFill>
+                      <a:prstDash val="solid"/>
+                      <a:round/>
+                      <a:headEnd type="none" w="med" len="med"/>
+                      <a:tailEnd type="none" w="med" len="med"/>
+                    </a:lnL>
+                    <a:lnR w="3556" cap="flat" cmpd="sng" algn="ctr">
+                      <a:solidFill>
+                        <a:srgbClr val="000000"/>
+                      </a:solidFill>
+                      <a:prstDash val="solid"/>
+                      <a:round/>
+                      <a:headEnd type="none" w="med" len="med"/>
+                      <a:tailEnd type="none" w="med" len="med"/>
+                    </a:lnR>
+                    <a:lnT w="3556" cap="flat" cmpd="sng" algn="ctr">
+                      <a:solidFill>
+                        <a:srgbClr val="000000"/>
+                      </a:solidFill>
+                      <a:prstDash val="solid"/>
+                      <a:round/>
+                      <a:headEnd type="none" w="med" len="med"/>
+                      <a:tailEnd type="none" w="med" len="med"/>
+                    </a:lnT>
+                    <a:lnB w="3556" cap="flat" cmpd="sng" algn="ctr">
+                      <a:solidFill>
+                        <a:srgbClr val="000000"/>
+                      </a:solidFill>
+                      <a:prstDash val="solid"/>
+                      <a:round/>
+                      <a:headEnd type="none" w="med" len="med"/>
+                      <a:tailEnd type="none" w="med" len="med"/>
+                    </a:lnB>
+                  </a:tcPr>
+                </a:tc>
+                <a:tc>
+                  <a:txBody>
+                    <a:bodyPr/>
+                    <a:lstStyle/>
+                    <a:p>
+                      <a:pPr marL="0" marR="0" indent="0" algn="ctr" fontAlgn="base" latinLnBrk="0">
+                        <a:lnSpc>
+                          <a:spcPct val="160000"/>
+                        </a:lnSpc>
+                        <a:spcBef>
+                          <a:spcPts val="0"/>
+                        </a:spcBef>
+                        <a:spcAft>
+                          <a:spcPts val="0"/>
+                        </a:spcAft>
+                      </a:pPr>
+                      <a:r>
+                        <a:rPr lang="ko-KR" altLang="en-US" sz="1000" b="1" kern="0" spc="0">
+                          <a:solidFill>
+                            <a:srgbClr val="000000"/>
+                          </a:solidFill>
+                          <a:effectLst/>
+                          <a:ea typeface="굴림체"/>
+                        </a:rPr>
+                        <a:t>수화</a:t>
+                      </a:r>
+                      <a:r>
+                        <a:rPr lang="en-US" sz="1000" b="1" kern="0" spc="0">
+                          <a:solidFill>
+                            <a:srgbClr val="000000"/>
+                          </a:solidFill>
+                          <a:effectLst/>
+                          <a:latin typeface="굴림체"/>
+                        </a:rPr>
+                        <a:t>DB</a:t>
+                      </a:r>
+                      <a:r>
+                        <a:rPr lang="ko-KR" altLang="en-US" sz="1000" b="1" kern="0" spc="0">
+                          <a:solidFill>
+                            <a:srgbClr val="000000"/>
+                          </a:solidFill>
+                          <a:effectLst/>
+                          <a:ea typeface="굴림체"/>
+                        </a:rPr>
+                        <a:t>구축</a:t>
+                      </a:r>
+                      <a:endParaRPr lang="ko-KR" altLang="en-US" sz="1000" kern="0" spc="0">
+                        <a:solidFill>
+                          <a:srgbClr val="000000"/>
+                        </a:solidFill>
+                        <a:effectLst/>
+                      </a:endParaRPr>
+                    </a:p>
+                  </a:txBody>
+                  <a:tcPr marL="17907" marR="17907" marT="17907" marB="17907" anchor="ctr">
+                    <a:lnL w="3556" cap="flat" cmpd="sng" algn="ctr">
+                      <a:solidFill>
+                        <a:srgbClr val="000000"/>
+                      </a:solidFill>
+                      <a:prstDash val="solid"/>
+                      <a:round/>
+                      <a:headEnd type="none" w="med" len="med"/>
+                      <a:tailEnd type="none" w="med" len="med"/>
+                    </a:lnL>
+                    <a:lnR w="3556" cap="flat" cmpd="sng" algn="ctr">
+                      <a:solidFill>
+                        <a:srgbClr val="000000"/>
+                      </a:solidFill>
+                      <a:prstDash val="solid"/>
+                      <a:round/>
+                      <a:headEnd type="none" w="med" len="med"/>
+                      <a:tailEnd type="none" w="med" len="med"/>
+                    </a:lnR>
+                    <a:lnT w="3556" cap="flat" cmpd="sng" algn="ctr">
+                      <a:solidFill>
+                        <a:srgbClr val="000000"/>
+                      </a:solidFill>
+                      <a:prstDash val="solid"/>
+                      <a:round/>
+                      <a:headEnd type="none" w="med" len="med"/>
+                      <a:tailEnd type="none" w="med" len="med"/>
+                    </a:lnT>
+                    <a:lnB w="3556" cap="flat" cmpd="sng" algn="ctr">
+                      <a:solidFill>
+                        <a:srgbClr val="000000"/>
+                      </a:solidFill>
+                      <a:prstDash val="solid"/>
+                      <a:round/>
+                      <a:headEnd type="none" w="med" len="med"/>
+                      <a:tailEnd type="none" w="med" len="med"/>
+                    </a:lnB>
+                  </a:tcPr>
+                </a:tc>
+                <a:tc>
+                  <a:txBody>
+                    <a:bodyPr/>
+                    <a:lstStyle/>
+                    <a:p>
+                      <a:pPr marL="0" marR="0" indent="0" algn="ctr" fontAlgn="base" latinLnBrk="0">
+                        <a:lnSpc>
+                          <a:spcPct val="160000"/>
+                        </a:lnSpc>
+                        <a:spcBef>
+                          <a:spcPts val="0"/>
+                        </a:spcBef>
+                        <a:spcAft>
+                          <a:spcPts val="0"/>
+                        </a:spcAft>
+                      </a:pPr>
+                      <a:endParaRPr lang="ko-KR" altLang="en-US" sz="1000" kern="0" spc="0">
+                        <a:solidFill>
+                          <a:srgbClr val="000000"/>
+                        </a:solidFill>
+                        <a:effectLst/>
+                      </a:endParaRPr>
+                    </a:p>
+                  </a:txBody>
+                  <a:tcPr marL="17907" marR="17907" marT="17907" marB="17907" anchor="ctr">
+                    <a:lnL w="3556" cap="flat" cmpd="sng" algn="ctr">
+                      <a:solidFill>
+                        <a:srgbClr val="000000"/>
+                      </a:solidFill>
+                      <a:prstDash val="solid"/>
+                      <a:round/>
+                      <a:headEnd type="none" w="med" len="med"/>
+                      <a:tailEnd type="none" w="med" len="med"/>
+                    </a:lnL>
+                    <a:lnR w="3556" cap="flat" cmpd="sng" algn="ctr">
+                      <a:solidFill>
+                        <a:srgbClr val="000000"/>
+                      </a:solidFill>
+                      <a:prstDash val="solid"/>
+                      <a:round/>
+                      <a:headEnd type="none" w="med" len="med"/>
+                      <a:tailEnd type="none" w="med" len="med"/>
+                    </a:lnR>
+                    <a:lnT w="3556" cap="flat" cmpd="sng" algn="ctr">
+                      <a:solidFill>
+                        <a:srgbClr val="000000"/>
+                      </a:solidFill>
+                      <a:prstDash val="solid"/>
+                      <a:round/>
+                      <a:headEnd type="none" w="med" len="med"/>
+                      <a:tailEnd type="none" w="med" len="med"/>
+                    </a:lnT>
+                    <a:lnB w="3556" cap="flat" cmpd="sng" algn="ctr">
+                      <a:solidFill>
+                        <a:srgbClr val="000000"/>
+                      </a:solidFill>
+                      <a:prstDash val="solid"/>
+                      <a:round/>
+                      <a:headEnd type="none" w="med" len="med"/>
+                      <a:tailEnd type="none" w="med" len="med"/>
+                    </a:lnB>
+                    <a:solidFill>
+                      <a:srgbClr val="FFFFFF"/>
+                    </a:solidFill>
+                  </a:tcPr>
+                </a:tc>
+                <a:tc>
+                  <a:txBody>
+                    <a:bodyPr/>
+                    <a:lstStyle/>
+                    <a:p>
+                      <a:pPr marL="0" marR="0" indent="0" algn="ctr" fontAlgn="base" latinLnBrk="0">
+                        <a:lnSpc>
+                          <a:spcPct val="160000"/>
+                        </a:lnSpc>
+                        <a:spcBef>
+                          <a:spcPts val="0"/>
+                        </a:spcBef>
+                        <a:spcAft>
+                          <a:spcPts val="0"/>
+                        </a:spcAft>
+                      </a:pPr>
+                      <a:endParaRPr lang="ko-KR" altLang="en-US" sz="1000" kern="0" spc="0">
+                        <a:solidFill>
+                          <a:srgbClr val="000000"/>
+                        </a:solidFill>
+                        <a:effectLst/>
+                      </a:endParaRPr>
+                    </a:p>
+                  </a:txBody>
+                  <a:tcPr marL="17907" marR="17907" marT="17907" marB="17907" anchor="ctr">
+                    <a:lnL w="3556" cap="flat" cmpd="sng" algn="ctr">
+                      <a:solidFill>
+                        <a:srgbClr val="000000"/>
+                      </a:solidFill>
+                      <a:prstDash val="solid"/>
+                      <a:round/>
+                      <a:headEnd type="none" w="med" len="med"/>
+                      <a:tailEnd type="none" w="med" len="med"/>
+                    </a:lnL>
+                    <a:lnR w="3556" cap="flat" cmpd="sng" algn="ctr">
+                      <a:solidFill>
+                        <a:srgbClr val="000000"/>
+                      </a:solidFill>
+                      <a:prstDash val="solid"/>
+                      <a:round/>
+                      <a:headEnd type="none" w="med" len="med"/>
+                      <a:tailEnd type="none" w="med" len="med"/>
+                    </a:lnR>
+                    <a:lnT w="3556" cap="flat" cmpd="sng" algn="ctr">
+                      <a:solidFill>
+                        <a:srgbClr val="000000"/>
+                      </a:solidFill>
+                      <a:prstDash val="solid"/>
+                      <a:round/>
+                      <a:headEnd type="none" w="med" len="med"/>
+                      <a:tailEnd type="none" w="med" len="med"/>
+                    </a:lnT>
+                    <a:lnB w="3556" cap="flat" cmpd="sng" algn="ctr">
+                      <a:solidFill>
+                        <a:srgbClr val="000000"/>
+                      </a:solidFill>
+                      <a:prstDash val="solid"/>
+                      <a:round/>
+                      <a:headEnd type="none" w="med" len="med"/>
+                      <a:tailEnd type="none" w="med" len="med"/>
+                    </a:lnB>
+                    <a:solidFill>
+                      <a:srgbClr val="FFFFFF"/>
+                    </a:solidFill>
+                  </a:tcPr>
+                </a:tc>
+                <a:tc>
+                  <a:txBody>
+                    <a:bodyPr/>
+                    <a:lstStyle/>
+                    <a:p>
+                      <a:pPr marL="0" marR="0" indent="0" algn="ctr" fontAlgn="base" latinLnBrk="0">
+                        <a:lnSpc>
+                          <a:spcPct val="160000"/>
+                        </a:lnSpc>
+                        <a:spcBef>
+                          <a:spcPts val="0"/>
+                        </a:spcBef>
+                        <a:spcAft>
+                          <a:spcPts val="0"/>
+                        </a:spcAft>
+                      </a:pPr>
+                      <a:endParaRPr lang="ko-KR" altLang="en-US" sz="1000" kern="0" spc="0">
+                        <a:solidFill>
+                          <a:srgbClr val="000000"/>
+                        </a:solidFill>
+                        <a:effectLst/>
+                      </a:endParaRPr>
+                    </a:p>
+                  </a:txBody>
+                  <a:tcPr marL="17907" marR="17907" marT="17907" marB="17907" anchor="ctr">
+                    <a:lnL w="3556" cap="flat" cmpd="sng" algn="ctr">
+                      <a:solidFill>
+                        <a:srgbClr val="000000"/>
+                      </a:solidFill>
+                      <a:prstDash val="solid"/>
+                      <a:round/>
+                      <a:headEnd type="none" w="med" len="med"/>
+                      <a:tailEnd type="none" w="med" len="med"/>
+                    </a:lnL>
+                    <a:lnR w="3556" cap="flat" cmpd="sng" algn="ctr">
+                      <a:solidFill>
+                        <a:srgbClr val="000000"/>
+                      </a:solidFill>
+                      <a:prstDash val="solid"/>
+                      <a:round/>
+                      <a:headEnd type="none" w="med" len="med"/>
+                      <a:tailEnd type="none" w="med" len="med"/>
+                    </a:lnR>
+                    <a:lnT w="3556" cap="flat" cmpd="sng" algn="ctr">
+                      <a:solidFill>
+                        <a:srgbClr val="000000"/>
+                      </a:solidFill>
+                      <a:prstDash val="solid"/>
+                      <a:round/>
+                      <a:headEnd type="none" w="med" len="med"/>
+                      <a:tailEnd type="none" w="med" len="med"/>
+                    </a:lnT>
+                    <a:lnB w="3556" cap="flat" cmpd="sng" algn="ctr">
+                      <a:solidFill>
+                        <a:srgbClr val="000000"/>
+                      </a:solidFill>
+                      <a:prstDash val="solid"/>
+                      <a:round/>
+                      <a:headEnd type="none" w="med" len="med"/>
+                      <a:tailEnd type="none" w="med" len="med"/>
+                    </a:lnB>
+                    <a:solidFill>
+                      <a:srgbClr val="FFFFFF"/>
+                    </a:solidFill>
+                  </a:tcPr>
+                </a:tc>
+                <a:tc>
+                  <a:txBody>
+                    <a:bodyPr/>
+                    <a:lstStyle/>
+                    <a:p>
+                      <a:pPr marL="0" marR="0" indent="0" algn="ctr" fontAlgn="base" latinLnBrk="0">
+                        <a:lnSpc>
+                          <a:spcPct val="160000"/>
+                        </a:lnSpc>
+                        <a:spcBef>
+                          <a:spcPts val="0"/>
+                        </a:spcBef>
+                        <a:spcAft>
+                          <a:spcPts val="0"/>
+                        </a:spcAft>
+                      </a:pPr>
+                      <a:endParaRPr lang="ko-KR" altLang="en-US" sz="1000" kern="0" spc="0">
+                        <a:solidFill>
+                          <a:srgbClr val="000000"/>
+                        </a:solidFill>
+                        <a:effectLst/>
+                      </a:endParaRPr>
+                    </a:p>
+                  </a:txBody>
+                  <a:tcPr marL="17907" marR="17907" marT="17907" marB="17907" anchor="ctr">
+                    <a:lnL w="3556" cap="flat" cmpd="sng" algn="ctr">
+                      <a:solidFill>
+                        <a:srgbClr val="000000"/>
+                      </a:solidFill>
+                      <a:prstDash val="solid"/>
+                      <a:round/>
+                      <a:headEnd type="none" w="med" len="med"/>
+                      <a:tailEnd type="none" w="med" len="med"/>
+                    </a:lnL>
+                    <a:lnR w="3556" cap="flat" cmpd="sng" algn="ctr">
+                      <a:solidFill>
+                        <a:srgbClr val="000000"/>
+                      </a:solidFill>
+                      <a:prstDash val="solid"/>
+                      <a:round/>
+                      <a:headEnd type="none" w="med" len="med"/>
+                      <a:tailEnd type="none" w="med" len="med"/>
+                    </a:lnR>
+                    <a:lnT w="3556" cap="flat" cmpd="sng" algn="ctr">
+                      <a:solidFill>
+                        <a:srgbClr val="000000"/>
+                      </a:solidFill>
+                      <a:prstDash val="solid"/>
+                      <a:round/>
+                      <a:headEnd type="none" w="med" len="med"/>
+                      <a:tailEnd type="none" w="med" len="med"/>
+                    </a:lnT>
+                    <a:lnB w="3556" cap="flat" cmpd="sng" algn="ctr">
+                      <a:solidFill>
+                        <a:srgbClr val="000000"/>
+                      </a:solidFill>
+                      <a:prstDash val="solid"/>
+                      <a:round/>
+                      <a:headEnd type="none" w="med" len="med"/>
+                      <a:tailEnd type="none" w="med" len="med"/>
+                    </a:lnB>
+                    <a:solidFill>
+                      <a:srgbClr val="FFFFFF"/>
+                    </a:solidFill>
+                  </a:tcPr>
+                </a:tc>
+                <a:tc>
+                  <a:txBody>
+                    <a:bodyPr/>
+                    <a:lstStyle/>
+                    <a:p>
+                      <a:pPr marL="0" marR="0" indent="0" algn="ctr" fontAlgn="base" latinLnBrk="0">
+                        <a:lnSpc>
+                          <a:spcPct val="160000"/>
+                        </a:lnSpc>
+                        <a:spcBef>
+                          <a:spcPts val="0"/>
+                        </a:spcBef>
+                        <a:spcAft>
+                          <a:spcPts val="0"/>
+                        </a:spcAft>
+                      </a:pPr>
+                      <a:endParaRPr lang="ko-KR" altLang="en-US" sz="1000" kern="0" spc="0">
+                        <a:solidFill>
+                          <a:srgbClr val="000000"/>
+                        </a:solidFill>
+                        <a:effectLst/>
+                      </a:endParaRPr>
+                    </a:p>
+                  </a:txBody>
+                  <a:tcPr marL="17907" marR="17907" marT="17907" marB="17907" anchor="ctr">
+                    <a:lnL w="3556" cap="flat" cmpd="sng" algn="ctr">
+                      <a:solidFill>
+                        <a:srgbClr val="000000"/>
+                      </a:solidFill>
+                      <a:prstDash val="solid"/>
+                      <a:round/>
+                      <a:headEnd type="none" w="med" len="med"/>
+                      <a:tailEnd type="none" w="med" len="med"/>
+                    </a:lnL>
+                    <a:lnR w="3556" cap="flat" cmpd="sng" algn="ctr">
+                      <a:solidFill>
+                        <a:srgbClr val="000000"/>
+                      </a:solidFill>
+                      <a:prstDash val="solid"/>
+                      <a:round/>
+                      <a:headEnd type="none" w="med" len="med"/>
+                      <a:tailEnd type="none" w="med" len="med"/>
+                    </a:lnR>
+                    <a:lnT w="3556" cap="flat" cmpd="sng" algn="ctr">
+                      <a:solidFill>
+                        <a:srgbClr val="000000"/>
+                      </a:solidFill>
+                      <a:prstDash val="solid"/>
+                      <a:round/>
+                      <a:headEnd type="none" w="med" len="med"/>
+                      <a:tailEnd type="none" w="med" len="med"/>
+                    </a:lnT>
+                    <a:lnB w="3556" cap="flat" cmpd="sng" algn="ctr">
+                      <a:solidFill>
+                        <a:srgbClr val="000000"/>
+                      </a:solidFill>
+                      <a:prstDash val="solid"/>
+                      <a:round/>
+                      <a:headEnd type="none" w="med" len="med"/>
+                      <a:tailEnd type="none" w="med" len="med"/>
+                    </a:lnB>
+                    <a:solidFill>
+                      <a:srgbClr val="FFFFFF"/>
+                    </a:solidFill>
+                  </a:tcPr>
+                </a:tc>
+                <a:tc>
+                  <a:txBody>
+                    <a:bodyPr/>
+                    <a:lstStyle/>
+                    <a:p>
+                      <a:pPr marL="0" marR="0" indent="0" algn="ctr" fontAlgn="base" latinLnBrk="0">
+                        <a:lnSpc>
+                          <a:spcPct val="160000"/>
+                        </a:lnSpc>
+                        <a:spcBef>
+                          <a:spcPts val="0"/>
+                        </a:spcBef>
+                        <a:spcAft>
+                          <a:spcPts val="0"/>
+                        </a:spcAft>
+                      </a:pPr>
+                      <a:endParaRPr lang="ko-KR" altLang="en-US" sz="1000" kern="0" spc="0">
+                        <a:solidFill>
+                          <a:srgbClr val="000000"/>
+                        </a:solidFill>
+                        <a:effectLst/>
+                      </a:endParaRPr>
+                    </a:p>
+                  </a:txBody>
+                  <a:tcPr marL="17907" marR="17907" marT="17907" marB="17907" anchor="ctr">
+                    <a:lnL w="3556" cap="flat" cmpd="sng" algn="ctr">
+                      <a:solidFill>
+                        <a:srgbClr val="000000"/>
+                      </a:solidFill>
+                      <a:prstDash val="solid"/>
+                      <a:round/>
+                      <a:headEnd type="none" w="med" len="med"/>
+                      <a:tailEnd type="none" w="med" len="med"/>
+                    </a:lnL>
+                    <a:lnR w="3556" cap="flat" cmpd="sng" algn="ctr">
+                      <a:solidFill>
+                        <a:srgbClr val="000000"/>
+                      </a:solidFill>
+                      <a:prstDash val="solid"/>
+                      <a:round/>
+                      <a:headEnd type="none" w="med" len="med"/>
+                      <a:tailEnd type="none" w="med" len="med"/>
+                    </a:lnR>
+                    <a:lnT w="3556" cap="flat" cmpd="sng" algn="ctr">
+                      <a:solidFill>
+                        <a:srgbClr val="000000"/>
+                      </a:solidFill>
+                      <a:prstDash val="solid"/>
+                      <a:round/>
+                      <a:headEnd type="none" w="med" len="med"/>
+                      <a:tailEnd type="none" w="med" len="med"/>
+                    </a:lnT>
+                    <a:lnB w="3556" cap="flat" cmpd="sng" algn="ctr">
+                      <a:solidFill>
+                        <a:srgbClr val="000000"/>
+                      </a:solidFill>
+                      <a:prstDash val="solid"/>
+                      <a:round/>
+                      <a:headEnd type="none" w="med" len="med"/>
+                      <a:tailEnd type="none" w="med" len="med"/>
+                    </a:lnB>
+                    <a:solidFill>
+                      <a:srgbClr val="FFFFFF"/>
+                    </a:solidFill>
+                  </a:tcPr>
+                </a:tc>
+                <a:tc>
+                  <a:txBody>
+                    <a:bodyPr/>
+                    <a:lstStyle/>
+                    <a:p>
+                      <a:pPr marL="0" marR="0" indent="0" algn="ctr" fontAlgn="base" latinLnBrk="0">
+                        <a:lnSpc>
+                          <a:spcPct val="160000"/>
+                        </a:lnSpc>
+                        <a:spcBef>
+                          <a:spcPts val="0"/>
+                        </a:spcBef>
+                        <a:spcAft>
+                          <a:spcPts val="0"/>
+                        </a:spcAft>
+                      </a:pPr>
+                      <a:endParaRPr lang="ko-KR" altLang="en-US" sz="1000" kern="0" spc="0">
+                        <a:solidFill>
+                          <a:srgbClr val="000000"/>
+                        </a:solidFill>
+                        <a:effectLst/>
+                      </a:endParaRPr>
+                    </a:p>
+                  </a:txBody>
+                  <a:tcPr marL="17907" marR="17907" marT="17907" marB="17907" anchor="ctr">
+                    <a:lnL w="3556" cap="flat" cmpd="sng" algn="ctr">
+                      <a:solidFill>
+                        <a:srgbClr val="000000"/>
+                      </a:solidFill>
+                      <a:prstDash val="solid"/>
+                      <a:round/>
+                      <a:headEnd type="none" w="med" len="med"/>
+                      <a:tailEnd type="none" w="med" len="med"/>
+                    </a:lnL>
+                    <a:lnR w="3556" cap="flat" cmpd="sng" algn="ctr">
+                      <a:solidFill>
+                        <a:srgbClr val="000000"/>
+                      </a:solidFill>
+                      <a:prstDash val="solid"/>
+                      <a:round/>
+                      <a:headEnd type="none" w="med" len="med"/>
+                      <a:tailEnd type="none" w="med" len="med"/>
+                    </a:lnR>
+                    <a:lnT w="3556" cap="flat" cmpd="sng" algn="ctr">
+                      <a:solidFill>
+                        <a:srgbClr val="000000"/>
+                      </a:solidFill>
+                      <a:prstDash val="solid"/>
+                      <a:round/>
+                      <a:headEnd type="none" w="med" len="med"/>
+                      <a:tailEnd type="none" w="med" len="med"/>
+                    </a:lnT>
+                    <a:lnB w="3556" cap="flat" cmpd="sng" algn="ctr">
+                      <a:solidFill>
+                        <a:srgbClr val="000000"/>
+                      </a:solidFill>
+                      <a:prstDash val="solid"/>
+                      <a:round/>
+                      <a:headEnd type="none" w="med" len="med"/>
+                      <a:tailEnd type="none" w="med" len="med"/>
+                    </a:lnB>
+                    <a:solidFill>
+                      <a:srgbClr val="FFFFFF"/>
+                    </a:solidFill>
+                  </a:tcPr>
+                </a:tc>
+                <a:tc>
+                  <a:txBody>
+                    <a:bodyPr/>
+                    <a:lstStyle/>
+                    <a:p>
+                      <a:pPr marL="0" marR="0" indent="0" algn="ctr" fontAlgn="base" latinLnBrk="0">
+                        <a:lnSpc>
+                          <a:spcPct val="160000"/>
+                        </a:lnSpc>
+                        <a:spcBef>
+                          <a:spcPts val="0"/>
+                        </a:spcBef>
+                        <a:spcAft>
+                          <a:spcPts val="0"/>
+                        </a:spcAft>
+                      </a:pPr>
+                      <a:endParaRPr lang="ko-KR" altLang="en-US" sz="1000" kern="0" spc="0">
+                        <a:solidFill>
+                          <a:srgbClr val="000000"/>
+                        </a:solidFill>
+                        <a:effectLst/>
+                      </a:endParaRPr>
+                    </a:p>
+                  </a:txBody>
+                  <a:tcPr marL="17907" marR="17907" marT="17907" marB="17907" anchor="ctr">
+                    <a:lnL w="3556" cap="flat" cmpd="sng" algn="ctr">
+                      <a:solidFill>
+                        <a:srgbClr val="000000"/>
+                      </a:solidFill>
+                      <a:prstDash val="solid"/>
+                      <a:round/>
+                      <a:headEnd type="none" w="med" len="med"/>
+                      <a:tailEnd type="none" w="med" len="med"/>
+                    </a:lnL>
+                    <a:lnR w="3556" cap="flat" cmpd="sng" algn="ctr">
+                      <a:solidFill>
+                        <a:srgbClr val="000000"/>
+                      </a:solidFill>
+                      <a:prstDash val="solid"/>
+                      <a:round/>
+                      <a:headEnd type="none" w="med" len="med"/>
+                      <a:tailEnd type="none" w="med" len="med"/>
+                    </a:lnR>
+                    <a:lnT w="3556" cap="flat" cmpd="sng" algn="ctr">
+                      <a:solidFill>
+                        <a:srgbClr val="000000"/>
+                      </a:solidFill>
+                      <a:prstDash val="solid"/>
+                      <a:round/>
+                      <a:headEnd type="none" w="med" len="med"/>
+                      <a:tailEnd type="none" w="med" len="med"/>
+                    </a:lnT>
+                    <a:lnB w="3556" cap="flat" cmpd="sng" algn="ctr">
+                      <a:solidFill>
+                        <a:srgbClr val="000000"/>
+                      </a:solidFill>
+                      <a:prstDash val="solid"/>
+                      <a:round/>
+                      <a:headEnd type="none" w="med" len="med"/>
+                      <a:tailEnd type="none" w="med" len="med"/>
+                    </a:lnB>
+                    <a:solidFill>
+                      <a:srgbClr val="CCCCCC"/>
+                    </a:solidFill>
+                  </a:tcPr>
+                </a:tc>
+                <a:tc>
+                  <a:txBody>
+                    <a:bodyPr/>
+                    <a:lstStyle/>
+                    <a:p>
+                      <a:pPr marL="0" marR="0" indent="0" algn="ctr" fontAlgn="base" latinLnBrk="0">
+                        <a:lnSpc>
+                          <a:spcPct val="160000"/>
+                        </a:lnSpc>
+                        <a:spcBef>
+                          <a:spcPts val="0"/>
+                        </a:spcBef>
+                        <a:spcAft>
+                          <a:spcPts val="0"/>
+                        </a:spcAft>
+                      </a:pPr>
+                      <a:endParaRPr lang="ko-KR" altLang="en-US" sz="1000" kern="0" spc="0">
+                        <a:solidFill>
+                          <a:srgbClr val="000000"/>
+                        </a:solidFill>
+                        <a:effectLst/>
+                      </a:endParaRPr>
+                    </a:p>
+                  </a:txBody>
+                  <a:tcPr marL="17907" marR="17907" marT="17907" marB="17907" anchor="ctr">
+                    <a:lnL w="3556" cap="flat" cmpd="sng" algn="ctr">
+                      <a:solidFill>
+                        <a:srgbClr val="000000"/>
+                      </a:solidFill>
+                      <a:prstDash val="solid"/>
+                      <a:round/>
+                      <a:headEnd type="none" w="med" len="med"/>
+                      <a:tailEnd type="none" w="med" len="med"/>
+                    </a:lnL>
+                    <a:lnR w="3556" cap="flat" cmpd="sng" algn="ctr">
+                      <a:solidFill>
+                        <a:srgbClr val="000000"/>
+                      </a:solidFill>
+                      <a:prstDash val="solid"/>
+                      <a:round/>
+                      <a:headEnd type="none" w="med" len="med"/>
+                      <a:tailEnd type="none" w="med" len="med"/>
+                    </a:lnR>
+                    <a:lnT w="3556" cap="flat" cmpd="sng" algn="ctr">
+                      <a:solidFill>
+                        <a:srgbClr val="000000"/>
+                      </a:solidFill>
+                      <a:prstDash val="solid"/>
+                      <a:round/>
+                      <a:headEnd type="none" w="med" len="med"/>
+                      <a:tailEnd type="none" w="med" len="med"/>
+                    </a:lnT>
+                    <a:lnB w="3556" cap="flat" cmpd="sng" algn="ctr">
+                      <a:solidFill>
+                        <a:srgbClr val="000000"/>
+                      </a:solidFill>
+                      <a:prstDash val="solid"/>
+                      <a:round/>
+                      <a:headEnd type="none" w="med" len="med"/>
+                      <a:tailEnd type="none" w="med" len="med"/>
+                    </a:lnB>
+                    <a:solidFill>
+                      <a:srgbClr val="CCCCCC"/>
+                    </a:solidFill>
+                  </a:tcPr>
+                </a:tc>
+                <a:tc>
+                  <a:txBody>
+                    <a:bodyPr/>
+                    <a:lstStyle/>
+                    <a:p>
+                      <a:pPr marL="0" marR="0" indent="0" algn="ctr" fontAlgn="base" latinLnBrk="0">
+                        <a:lnSpc>
+                          <a:spcPct val="160000"/>
+                        </a:lnSpc>
+                        <a:spcBef>
+                          <a:spcPts val="0"/>
+                        </a:spcBef>
+                        <a:spcAft>
+                          <a:spcPts val="0"/>
+                        </a:spcAft>
+                      </a:pPr>
+                      <a:endParaRPr lang="ko-KR" altLang="en-US" sz="1000" kern="0" spc="0">
+                        <a:solidFill>
+                          <a:srgbClr val="000000"/>
+                        </a:solidFill>
+                        <a:effectLst/>
+                      </a:endParaRPr>
+                    </a:p>
+                  </a:txBody>
+                  <a:tcPr marL="17907" marR="17907" marT="17907" marB="17907" anchor="ctr">
+                    <a:lnL w="3556" cap="flat" cmpd="sng" algn="ctr">
+                      <a:solidFill>
+                        <a:srgbClr val="000000"/>
+                      </a:solidFill>
+                      <a:prstDash val="solid"/>
+                      <a:round/>
+                      <a:headEnd type="none" w="med" len="med"/>
+                      <a:tailEnd type="none" w="med" len="med"/>
+                    </a:lnL>
+                    <a:lnR w="3556" cap="flat" cmpd="sng" algn="ctr">
+                      <a:solidFill>
+                        <a:srgbClr val="000000"/>
+                      </a:solidFill>
+                      <a:prstDash val="solid"/>
+                      <a:round/>
+                      <a:headEnd type="none" w="med" len="med"/>
+                      <a:tailEnd type="none" w="med" len="med"/>
+                    </a:lnR>
+                    <a:lnT w="3556" cap="flat" cmpd="sng" algn="ctr">
+                      <a:solidFill>
+                        <a:srgbClr val="000000"/>
+                      </a:solidFill>
+                      <a:prstDash val="solid"/>
+                      <a:round/>
+                      <a:headEnd type="none" w="med" len="med"/>
+                      <a:tailEnd type="none" w="med" len="med"/>
+                    </a:lnT>
+                    <a:lnB w="3556" cap="flat" cmpd="sng" algn="ctr">
+                      <a:solidFill>
+                        <a:srgbClr val="000000"/>
+                      </a:solidFill>
+                      <a:prstDash val="solid"/>
+                      <a:round/>
+                      <a:headEnd type="none" w="med" len="med"/>
+                      <a:tailEnd type="none" w="med" len="med"/>
+                    </a:lnB>
+                    <a:solidFill>
+                      <a:srgbClr val="CCCCCC"/>
+                    </a:solidFill>
+                  </a:tcPr>
+                </a:tc>
+                <a:tc>
+                  <a:txBody>
+                    <a:bodyPr/>
+                    <a:lstStyle/>
+                    <a:p>
+                      <a:pPr marL="0" marR="0" indent="0" algn="ctr" fontAlgn="base" latinLnBrk="0">
+                        <a:lnSpc>
+                          <a:spcPct val="160000"/>
+                        </a:lnSpc>
+                        <a:spcBef>
+                          <a:spcPts val="0"/>
+                        </a:spcBef>
+                        <a:spcAft>
+                          <a:spcPts val="0"/>
+                        </a:spcAft>
+                      </a:pPr>
+                      <a:endParaRPr lang="ko-KR" altLang="en-US" sz="1000" kern="0" spc="0">
+                        <a:solidFill>
+                          <a:srgbClr val="000000"/>
+                        </a:solidFill>
+                        <a:effectLst/>
+                      </a:endParaRPr>
+                    </a:p>
+                  </a:txBody>
+                  <a:tcPr marL="17907" marR="17907" marT="17907" marB="17907" anchor="ctr">
+                    <a:lnL w="3556" cap="flat" cmpd="sng" algn="ctr">
+                      <a:solidFill>
+                        <a:srgbClr val="000000"/>
+                      </a:solidFill>
+                      <a:prstDash val="solid"/>
+                      <a:round/>
+                      <a:headEnd type="none" w="med" len="med"/>
+                      <a:tailEnd type="none" w="med" len="med"/>
+                    </a:lnL>
+                    <a:lnR w="3556" cap="flat" cmpd="sng" algn="ctr">
+                      <a:solidFill>
+                        <a:srgbClr val="000000"/>
+                      </a:solidFill>
+                      <a:prstDash val="solid"/>
+                      <a:round/>
+                      <a:headEnd type="none" w="med" len="med"/>
+                      <a:tailEnd type="none" w="med" len="med"/>
+                    </a:lnR>
+                    <a:lnT w="3556" cap="flat" cmpd="sng" algn="ctr">
+                      <a:solidFill>
+                        <a:srgbClr val="000000"/>
+                      </a:solidFill>
+                      <a:prstDash val="solid"/>
+                      <a:round/>
+                      <a:headEnd type="none" w="med" len="med"/>
+                      <a:tailEnd type="none" w="med" len="med"/>
+                    </a:lnT>
+                    <a:lnB w="3556" cap="flat" cmpd="sng" algn="ctr">
+                      <a:solidFill>
+                        <a:srgbClr val="000000"/>
+                      </a:solidFill>
+                      <a:prstDash val="solid"/>
+                      <a:round/>
+                      <a:headEnd type="none" w="med" len="med"/>
+                      <a:tailEnd type="none" w="med" len="med"/>
+                    </a:lnB>
+                  </a:tcPr>
+                </a:tc>
+                <a:tc>
+                  <a:txBody>
+                    <a:bodyPr/>
+                    <a:lstStyle/>
+                    <a:p>
+                      <a:pPr marL="0" marR="0" indent="0" algn="ctr" fontAlgn="base" latinLnBrk="0">
+                        <a:lnSpc>
+                          <a:spcPct val="160000"/>
+                        </a:lnSpc>
+                        <a:spcBef>
+                          <a:spcPts val="0"/>
+                        </a:spcBef>
+                        <a:spcAft>
+                          <a:spcPts val="0"/>
+                        </a:spcAft>
+                      </a:pPr>
+                      <a:endParaRPr lang="ko-KR" altLang="en-US" sz="1000" kern="0" spc="0">
+                        <a:solidFill>
+                          <a:srgbClr val="000000"/>
+                        </a:solidFill>
+                        <a:effectLst/>
+                      </a:endParaRPr>
+                    </a:p>
+                  </a:txBody>
+                  <a:tcPr marL="17907" marR="17907" marT="17907" marB="17907" anchor="ctr">
+                    <a:lnL w="3556" cap="flat" cmpd="sng" algn="ctr">
+                      <a:solidFill>
+                        <a:srgbClr val="000000"/>
+                      </a:solidFill>
+                      <a:prstDash val="solid"/>
+                      <a:round/>
+                      <a:headEnd type="none" w="med" len="med"/>
+                      <a:tailEnd type="none" w="med" len="med"/>
+                    </a:lnL>
+                    <a:lnR w="3556" cap="flat" cmpd="sng" algn="ctr">
+                      <a:solidFill>
+                        <a:srgbClr val="000000"/>
+                      </a:solidFill>
+                      <a:prstDash val="solid"/>
+                      <a:round/>
+                      <a:headEnd type="none" w="med" len="med"/>
+                      <a:tailEnd type="none" w="med" len="med"/>
+                    </a:lnR>
+                    <a:lnT w="3556" cap="flat" cmpd="sng" algn="ctr">
+                      <a:solidFill>
+                        <a:srgbClr val="000000"/>
+                      </a:solidFill>
+                      <a:prstDash val="solid"/>
+                      <a:round/>
+                      <a:headEnd type="none" w="med" len="med"/>
+                      <a:tailEnd type="none" w="med" len="med"/>
+                    </a:lnT>
+                    <a:lnB w="3556" cap="flat" cmpd="sng" algn="ctr">
+                      <a:solidFill>
+                        <a:srgbClr val="000000"/>
+                      </a:solidFill>
+                      <a:prstDash val="solid"/>
+                      <a:round/>
+                      <a:headEnd type="none" w="med" len="med"/>
+                      <a:tailEnd type="none" w="med" len="med"/>
+                    </a:lnB>
+                  </a:tcPr>
+                </a:tc>
+                <a:tc>
+                  <a:txBody>
+                    <a:bodyPr/>
+                    <a:lstStyle/>
+                    <a:p>
+                      <a:pPr marL="0" marR="0" indent="0" algn="just" fontAlgn="base" latinLnBrk="1">
+                        <a:lnSpc>
+                          <a:spcPct val="160000"/>
+                        </a:lnSpc>
+                        <a:spcBef>
+                          <a:spcPts val="0"/>
+                        </a:spcBef>
+                        <a:spcAft>
+                          <a:spcPts val="0"/>
+                        </a:spcAft>
+                      </a:pPr>
+                      <a:endParaRPr lang="ko-KR" altLang="en-US" sz="1000" kern="0" spc="0">
+                        <a:solidFill>
+                          <a:srgbClr val="000000"/>
+                        </a:solidFill>
+                        <a:effectLst/>
+                      </a:endParaRPr>
+                    </a:p>
+                  </a:txBody>
+                  <a:tcPr marL="17907" marR="17907" marT="17907" marB="17907" anchor="ctr">
+                    <a:lnL w="3556" cap="flat" cmpd="sng" algn="ctr">
+                      <a:solidFill>
+                        <a:srgbClr val="000000"/>
+                      </a:solidFill>
+                      <a:prstDash val="solid"/>
+                      <a:round/>
+                      <a:headEnd type="none" w="med" len="med"/>
+                      <a:tailEnd type="none" w="med" len="med"/>
+                    </a:lnL>
+                    <a:lnR w="21590" cap="flat" cmpd="sng" algn="ctr">
+                      <a:solidFill>
+                        <a:srgbClr val="000000"/>
+                      </a:solidFill>
+                      <a:prstDash val="solid"/>
+                      <a:round/>
+                      <a:headEnd type="none" w="med" len="med"/>
+                      <a:tailEnd type="none" w="med" len="med"/>
+                    </a:lnR>
+                    <a:lnT w="3556" cap="flat" cmpd="sng" algn="ctr">
+                      <a:solidFill>
+                        <a:srgbClr val="000000"/>
+                      </a:solidFill>
+                      <a:prstDash val="solid"/>
+                      <a:round/>
+                      <a:headEnd type="none" w="med" len="med"/>
+                      <a:tailEnd type="none" w="med" len="med"/>
+                    </a:lnT>
+                    <a:lnB w="3556" cap="flat" cmpd="sng" algn="ctr">
+                      <a:solidFill>
+                        <a:srgbClr val="000000"/>
+                      </a:solidFill>
+                      <a:prstDash val="solid"/>
+                      <a:round/>
+                      <a:headEnd type="none" w="med" len="med"/>
+                      <a:tailEnd type="none" w="med" len="med"/>
+                    </a:lnB>
+                  </a:tcPr>
+                </a:tc>
+              </a:tr>
+              <a:tr h="243332">
+                <a:tc>
+                  <a:txBody>
+                    <a:bodyPr/>
+                    <a:lstStyle/>
+                    <a:p>
+                      <a:pPr marL="0" marR="0" indent="0" algn="ctr" fontAlgn="base" latinLnBrk="0">
+                        <a:lnSpc>
+                          <a:spcPct val="160000"/>
+                        </a:lnSpc>
+                        <a:spcBef>
+                          <a:spcPts val="0"/>
+                        </a:spcBef>
+                        <a:spcAft>
+                          <a:spcPts val="0"/>
+                        </a:spcAft>
+                      </a:pPr>
+                      <a:r>
+                        <a:rPr lang="en-US" sz="1000" b="1" kern="0" spc="0">
+                          <a:solidFill>
+                            <a:srgbClr val="000000"/>
+                          </a:solidFill>
+                          <a:effectLst/>
+                          <a:latin typeface="굴림체"/>
+                        </a:rPr>
+                        <a:t>7</a:t>
+                      </a:r>
+                      <a:endParaRPr lang="en-US" sz="1000" kern="0" spc="0">
+                        <a:solidFill>
+                          <a:srgbClr val="000000"/>
+                        </a:solidFill>
+                        <a:effectLst/>
+                      </a:endParaRPr>
+                    </a:p>
+                  </a:txBody>
+                  <a:tcPr marL="17907" marR="17907" marT="17907" marB="17907" anchor="ctr">
+                    <a:lnL w="21590" cap="flat" cmpd="sng" algn="ctr">
+                      <a:solidFill>
+                        <a:srgbClr val="000000"/>
+                      </a:solidFill>
+                      <a:prstDash val="solid"/>
+                      <a:round/>
+                      <a:headEnd type="none" w="med" len="med"/>
+                      <a:tailEnd type="none" w="med" len="med"/>
+                    </a:lnL>
+                    <a:lnR w="3556" cap="flat" cmpd="sng" algn="ctr">
+                      <a:solidFill>
+                        <a:srgbClr val="000000"/>
+                      </a:solidFill>
+                      <a:prstDash val="solid"/>
+                      <a:round/>
+                      <a:headEnd type="none" w="med" len="med"/>
+                      <a:tailEnd type="none" w="med" len="med"/>
+                    </a:lnR>
+                    <a:lnT w="3556" cap="flat" cmpd="sng" algn="ctr">
+                      <a:solidFill>
+                        <a:srgbClr val="000000"/>
+                      </a:solidFill>
+                      <a:prstDash val="solid"/>
+                      <a:round/>
+                      <a:headEnd type="none" w="med" len="med"/>
+                      <a:tailEnd type="none" w="med" len="med"/>
+                    </a:lnT>
+                    <a:lnB w="21590" cap="flat" cmpd="sng" algn="ctr">
+                      <a:solidFill>
+                        <a:srgbClr val="000000"/>
+                      </a:solidFill>
+                      <a:prstDash val="solid"/>
+                      <a:round/>
+                      <a:headEnd type="none" w="med" len="med"/>
+                      <a:tailEnd type="none" w="med" len="med"/>
+                    </a:lnB>
+                  </a:tcPr>
+                </a:tc>
+                <a:tc>
+                  <a:txBody>
+                    <a:bodyPr/>
+                    <a:lstStyle/>
+                    <a:p>
+                      <a:pPr marL="0" marR="0" indent="0" algn="ctr" fontAlgn="base" latinLnBrk="0">
+                        <a:lnSpc>
+                          <a:spcPct val="160000"/>
+                        </a:lnSpc>
+                        <a:spcBef>
+                          <a:spcPts val="0"/>
+                        </a:spcBef>
+                        <a:spcAft>
+                          <a:spcPts val="0"/>
+                        </a:spcAft>
+                      </a:pPr>
+                      <a:r>
+                        <a:rPr lang="en-US" sz="1000" b="1" kern="0" spc="0">
+                          <a:solidFill>
+                            <a:srgbClr val="000000"/>
+                          </a:solidFill>
+                          <a:effectLst/>
+                          <a:latin typeface="굴림체"/>
+                        </a:rPr>
+                        <a:t>Debugging &amp;</a:t>
+                      </a:r>
+                      <a:endParaRPr lang="en-US" sz="1000" kern="0" spc="0">
+                        <a:solidFill>
+                          <a:srgbClr val="000000"/>
+                        </a:solidFill>
+                        <a:effectLst/>
+                      </a:endParaRPr>
+                    </a:p>
+                    <a:p>
+                      <a:pPr marL="0" marR="0" indent="0" algn="ctr" fontAlgn="base" latinLnBrk="0">
+                        <a:lnSpc>
+                          <a:spcPct val="160000"/>
+                        </a:lnSpc>
+                        <a:spcBef>
+                          <a:spcPts val="0"/>
+                        </a:spcBef>
+                        <a:spcAft>
+                          <a:spcPts val="0"/>
+                        </a:spcAft>
+                      </a:pPr>
+                      <a:r>
+                        <a:rPr lang="en-US" sz="1000" b="1" kern="0" spc="0">
+                          <a:solidFill>
+                            <a:srgbClr val="000000"/>
+                          </a:solidFill>
+                          <a:effectLst/>
+                          <a:latin typeface="굴림체"/>
+                        </a:rPr>
+                        <a:t>Test</a:t>
+                      </a:r>
+                      <a:endParaRPr lang="en-US" sz="1000" kern="0" spc="0">
+                        <a:solidFill>
+                          <a:srgbClr val="000000"/>
+                        </a:solidFill>
+                        <a:effectLst/>
+                      </a:endParaRPr>
+                    </a:p>
+                  </a:txBody>
+                  <a:tcPr marL="17907" marR="17907" marT="17907" marB="17907" anchor="ctr">
+                    <a:lnL w="3556" cap="flat" cmpd="sng" algn="ctr">
+                      <a:solidFill>
+                        <a:srgbClr val="000000"/>
+                      </a:solidFill>
+                      <a:prstDash val="solid"/>
+                      <a:round/>
+                      <a:headEnd type="none" w="med" len="med"/>
+                      <a:tailEnd type="none" w="med" len="med"/>
+                    </a:lnL>
+                    <a:lnR w="3556" cap="flat" cmpd="sng" algn="ctr">
+                      <a:solidFill>
+                        <a:srgbClr val="000000"/>
+                      </a:solidFill>
+                      <a:prstDash val="solid"/>
+                      <a:round/>
+                      <a:headEnd type="none" w="med" len="med"/>
+                      <a:tailEnd type="none" w="med" len="med"/>
+                    </a:lnR>
+                    <a:lnT w="3556" cap="flat" cmpd="sng" algn="ctr">
+                      <a:solidFill>
+                        <a:srgbClr val="000000"/>
+                      </a:solidFill>
+                      <a:prstDash val="solid"/>
+                      <a:round/>
+                      <a:headEnd type="none" w="med" len="med"/>
+                      <a:tailEnd type="none" w="med" len="med"/>
+                    </a:lnT>
+                    <a:lnB w="21590" cap="flat" cmpd="sng" algn="ctr">
+                      <a:solidFill>
+                        <a:srgbClr val="000000"/>
+                      </a:solidFill>
+                      <a:prstDash val="solid"/>
+                      <a:round/>
+                      <a:headEnd type="none" w="med" len="med"/>
+                      <a:tailEnd type="none" w="med" len="med"/>
+                    </a:lnB>
+                  </a:tcPr>
+                </a:tc>
+                <a:tc>
+                  <a:txBody>
+                    <a:bodyPr/>
+                    <a:lstStyle/>
+                    <a:p>
+                      <a:pPr marL="0" marR="0" indent="0" algn="ctr" fontAlgn="base" latinLnBrk="0">
+                        <a:lnSpc>
+                          <a:spcPct val="160000"/>
+                        </a:lnSpc>
+                        <a:spcBef>
+                          <a:spcPts val="0"/>
+                        </a:spcBef>
+                        <a:spcAft>
+                          <a:spcPts val="0"/>
+                        </a:spcAft>
+                      </a:pPr>
+                      <a:endParaRPr lang="ko-KR" altLang="en-US" sz="1000" kern="0" spc="0">
+                        <a:solidFill>
+                          <a:srgbClr val="000000"/>
+                        </a:solidFill>
+                        <a:effectLst/>
+                      </a:endParaRPr>
+                    </a:p>
+                  </a:txBody>
+                  <a:tcPr marL="17907" marR="17907" marT="17907" marB="17907" anchor="ctr">
+                    <a:lnL w="3556" cap="flat" cmpd="sng" algn="ctr">
+                      <a:solidFill>
+                        <a:srgbClr val="000000"/>
+                      </a:solidFill>
+                      <a:prstDash val="solid"/>
+                      <a:round/>
+                      <a:headEnd type="none" w="med" len="med"/>
+                      <a:tailEnd type="none" w="med" len="med"/>
+                    </a:lnL>
+                    <a:lnR w="3556" cap="flat" cmpd="sng" algn="ctr">
+                      <a:solidFill>
+                        <a:srgbClr val="000000"/>
+                      </a:solidFill>
+                      <a:prstDash val="solid"/>
+                      <a:round/>
+                      <a:headEnd type="none" w="med" len="med"/>
+                      <a:tailEnd type="none" w="med" len="med"/>
+                    </a:lnR>
+                    <a:lnT w="3556" cap="flat" cmpd="sng" algn="ctr">
+                      <a:solidFill>
+                        <a:srgbClr val="000000"/>
+                      </a:solidFill>
+                      <a:prstDash val="solid"/>
+                      <a:round/>
+                      <a:headEnd type="none" w="med" len="med"/>
+                      <a:tailEnd type="none" w="med" len="med"/>
+                    </a:lnT>
+                    <a:lnB w="21590" cap="flat" cmpd="sng" algn="ctr">
+                      <a:solidFill>
+                        <a:srgbClr val="000000"/>
+                      </a:solidFill>
+                      <a:prstDash val="solid"/>
+                      <a:round/>
+                      <a:headEnd type="none" w="med" len="med"/>
+                      <a:tailEnd type="none" w="med" len="med"/>
+                    </a:lnB>
+                    <a:solidFill>
+                      <a:srgbClr val="FFFFFF"/>
+                    </a:solidFill>
+                  </a:tcPr>
+                </a:tc>
+                <a:tc>
+                  <a:txBody>
+                    <a:bodyPr/>
+                    <a:lstStyle/>
+                    <a:p>
+                      <a:pPr marL="0" marR="0" indent="0" algn="ctr" fontAlgn="base" latinLnBrk="0">
+                        <a:lnSpc>
+                          <a:spcPct val="160000"/>
+                        </a:lnSpc>
+                        <a:spcBef>
+                          <a:spcPts val="0"/>
+                        </a:spcBef>
+                        <a:spcAft>
+                          <a:spcPts val="0"/>
+                        </a:spcAft>
+                      </a:pPr>
+                      <a:endParaRPr lang="ko-KR" altLang="en-US" sz="1000" kern="0" spc="0">
+                        <a:solidFill>
+                          <a:srgbClr val="000000"/>
+                        </a:solidFill>
+                        <a:effectLst/>
+                      </a:endParaRPr>
+                    </a:p>
+                  </a:txBody>
+                  <a:tcPr marL="17907" marR="17907" marT="17907" marB="17907" anchor="ctr">
+                    <a:lnL w="3556" cap="flat" cmpd="sng" algn="ctr">
+                      <a:solidFill>
+                        <a:srgbClr val="000000"/>
+                      </a:solidFill>
+                      <a:prstDash val="solid"/>
+                      <a:round/>
+                      <a:headEnd type="none" w="med" len="med"/>
+                      <a:tailEnd type="none" w="med" len="med"/>
+                    </a:lnL>
+                    <a:lnR w="3556" cap="flat" cmpd="sng" algn="ctr">
+                      <a:solidFill>
+                        <a:srgbClr val="000000"/>
+                      </a:solidFill>
+                      <a:prstDash val="solid"/>
+                      <a:round/>
+                      <a:headEnd type="none" w="med" len="med"/>
+                      <a:tailEnd type="none" w="med" len="med"/>
+                    </a:lnR>
+                    <a:lnT w="3556" cap="flat" cmpd="sng" algn="ctr">
+                      <a:solidFill>
+                        <a:srgbClr val="000000"/>
+                      </a:solidFill>
+                      <a:prstDash val="solid"/>
+                      <a:round/>
+                      <a:headEnd type="none" w="med" len="med"/>
+                      <a:tailEnd type="none" w="med" len="med"/>
+                    </a:lnT>
+                    <a:lnB w="21590" cap="flat" cmpd="sng" algn="ctr">
+                      <a:solidFill>
+                        <a:srgbClr val="000000"/>
+                      </a:solidFill>
+                      <a:prstDash val="solid"/>
+                      <a:round/>
+                      <a:headEnd type="none" w="med" len="med"/>
+                      <a:tailEnd type="none" w="med" len="med"/>
+                    </a:lnB>
+                    <a:solidFill>
+                      <a:srgbClr val="C0C0C0"/>
+                    </a:solidFill>
+                  </a:tcPr>
+                </a:tc>
+                <a:tc>
+                  <a:txBody>
+                    <a:bodyPr/>
+                    <a:lstStyle/>
+                    <a:p>
+                      <a:pPr marL="0" marR="0" indent="0" algn="ctr" fontAlgn="base" latinLnBrk="0">
+                        <a:lnSpc>
+                          <a:spcPct val="160000"/>
+                        </a:lnSpc>
+                        <a:spcBef>
+                          <a:spcPts val="0"/>
+                        </a:spcBef>
+                        <a:spcAft>
+                          <a:spcPts val="0"/>
+                        </a:spcAft>
+                      </a:pPr>
+                      <a:endParaRPr lang="ko-KR" altLang="en-US" sz="1000" kern="0" spc="0">
+                        <a:solidFill>
+                          <a:srgbClr val="000000"/>
+                        </a:solidFill>
+                        <a:effectLst/>
+                      </a:endParaRPr>
+                    </a:p>
+                  </a:txBody>
+                  <a:tcPr marL="17907" marR="17907" marT="17907" marB="17907" anchor="ctr">
+                    <a:lnL w="3556" cap="flat" cmpd="sng" algn="ctr">
+                      <a:solidFill>
+                        <a:srgbClr val="000000"/>
+                      </a:solidFill>
+                      <a:prstDash val="solid"/>
+                      <a:round/>
+                      <a:headEnd type="none" w="med" len="med"/>
+                      <a:tailEnd type="none" w="med" len="med"/>
+                    </a:lnL>
+                    <a:lnR w="3556" cap="flat" cmpd="sng" algn="ctr">
+                      <a:solidFill>
+                        <a:srgbClr val="000000"/>
+                      </a:solidFill>
+                      <a:prstDash val="solid"/>
+                      <a:round/>
+                      <a:headEnd type="none" w="med" len="med"/>
+                      <a:tailEnd type="none" w="med" len="med"/>
+                    </a:lnR>
+                    <a:lnT w="3556" cap="flat" cmpd="sng" algn="ctr">
+                      <a:solidFill>
+                        <a:srgbClr val="000000"/>
+                      </a:solidFill>
+                      <a:prstDash val="solid"/>
+                      <a:round/>
+                      <a:headEnd type="none" w="med" len="med"/>
+                      <a:tailEnd type="none" w="med" len="med"/>
+                    </a:lnT>
+                    <a:lnB w="21590" cap="flat" cmpd="sng" algn="ctr">
+                      <a:solidFill>
+                        <a:srgbClr val="000000"/>
+                      </a:solidFill>
+                      <a:prstDash val="solid"/>
+                      <a:round/>
+                      <a:headEnd type="none" w="med" len="med"/>
+                      <a:tailEnd type="none" w="med" len="med"/>
+                    </a:lnB>
+                    <a:solidFill>
+                      <a:srgbClr val="C0C0C0"/>
+                    </a:solidFill>
+                  </a:tcPr>
+                </a:tc>
+                <a:tc>
+                  <a:txBody>
+                    <a:bodyPr/>
+                    <a:lstStyle/>
+                    <a:p>
+                      <a:pPr marL="0" marR="0" indent="0" algn="ctr" fontAlgn="base" latinLnBrk="0">
+                        <a:lnSpc>
+                          <a:spcPct val="160000"/>
+                        </a:lnSpc>
+                        <a:spcBef>
+                          <a:spcPts val="0"/>
+                        </a:spcBef>
+                        <a:spcAft>
+                          <a:spcPts val="0"/>
+                        </a:spcAft>
+                      </a:pPr>
+                      <a:endParaRPr lang="ko-KR" altLang="en-US" sz="1000" kern="0" spc="0">
+                        <a:solidFill>
+                          <a:srgbClr val="000000"/>
+                        </a:solidFill>
+                        <a:effectLst/>
+                      </a:endParaRPr>
+                    </a:p>
+                  </a:txBody>
+                  <a:tcPr marL="17907" marR="17907" marT="17907" marB="17907" anchor="ctr">
+                    <a:lnL w="3556" cap="flat" cmpd="sng" algn="ctr">
+                      <a:solidFill>
+                        <a:srgbClr val="000000"/>
+                      </a:solidFill>
+                      <a:prstDash val="solid"/>
+                      <a:round/>
+                      <a:headEnd type="none" w="med" len="med"/>
+                      <a:tailEnd type="none" w="med" len="med"/>
+                    </a:lnL>
+                    <a:lnR w="3556" cap="flat" cmpd="sng" algn="ctr">
+                      <a:solidFill>
+                        <a:srgbClr val="000000"/>
+                      </a:solidFill>
+                      <a:prstDash val="solid"/>
+                      <a:round/>
+                      <a:headEnd type="none" w="med" len="med"/>
+                      <a:tailEnd type="none" w="med" len="med"/>
+                    </a:lnR>
+                    <a:lnT w="3556" cap="flat" cmpd="sng" algn="ctr">
+                      <a:solidFill>
+                        <a:srgbClr val="000000"/>
+                      </a:solidFill>
+                      <a:prstDash val="solid"/>
+                      <a:round/>
+                      <a:headEnd type="none" w="med" len="med"/>
+                      <a:tailEnd type="none" w="med" len="med"/>
+                    </a:lnT>
+                    <a:lnB w="21590" cap="flat" cmpd="sng" algn="ctr">
+                      <a:solidFill>
+                        <a:srgbClr val="000000"/>
+                      </a:solidFill>
+                      <a:prstDash val="solid"/>
+                      <a:round/>
+                      <a:headEnd type="none" w="med" len="med"/>
+                      <a:tailEnd type="none" w="med" len="med"/>
+                    </a:lnB>
+                    <a:solidFill>
+                      <a:srgbClr val="C0C0C0"/>
+                    </a:solidFill>
+                  </a:tcPr>
+                </a:tc>
+                <a:tc>
+                  <a:txBody>
+                    <a:bodyPr/>
+                    <a:lstStyle/>
+                    <a:p>
+                      <a:pPr marL="0" marR="0" indent="0" algn="ctr" fontAlgn="base" latinLnBrk="0">
+                        <a:lnSpc>
+                          <a:spcPct val="160000"/>
+                        </a:lnSpc>
+                        <a:spcBef>
+                          <a:spcPts val="0"/>
+                        </a:spcBef>
+                        <a:spcAft>
+                          <a:spcPts val="0"/>
+                        </a:spcAft>
+                      </a:pPr>
+                      <a:endParaRPr lang="ko-KR" altLang="en-US" sz="1000" kern="0" spc="0">
+                        <a:solidFill>
+                          <a:srgbClr val="000000"/>
+                        </a:solidFill>
+                        <a:effectLst/>
+                      </a:endParaRPr>
+                    </a:p>
+                  </a:txBody>
+                  <a:tcPr marL="17907" marR="17907" marT="17907" marB="17907" anchor="ctr">
+                    <a:lnL w="3556" cap="flat" cmpd="sng" algn="ctr">
+                      <a:solidFill>
+                        <a:srgbClr val="000000"/>
+                      </a:solidFill>
+                      <a:prstDash val="solid"/>
+                      <a:round/>
+                      <a:headEnd type="none" w="med" len="med"/>
+                      <a:tailEnd type="none" w="med" len="med"/>
+                    </a:lnL>
+                    <a:lnR w="3556" cap="flat" cmpd="sng" algn="ctr">
+                      <a:solidFill>
+                        <a:srgbClr val="000000"/>
+                      </a:solidFill>
+                      <a:prstDash val="solid"/>
+                      <a:round/>
+                      <a:headEnd type="none" w="med" len="med"/>
+                      <a:tailEnd type="none" w="med" len="med"/>
+                    </a:lnR>
+                    <a:lnT w="3556" cap="flat" cmpd="sng" algn="ctr">
+                      <a:solidFill>
+                        <a:srgbClr val="000000"/>
+                      </a:solidFill>
+                      <a:prstDash val="solid"/>
+                      <a:round/>
+                      <a:headEnd type="none" w="med" len="med"/>
+                      <a:tailEnd type="none" w="med" len="med"/>
+                    </a:lnT>
+                    <a:lnB w="21590" cap="flat" cmpd="sng" algn="ctr">
+                      <a:solidFill>
+                        <a:srgbClr val="000000"/>
+                      </a:solidFill>
+                      <a:prstDash val="solid"/>
+                      <a:round/>
+                      <a:headEnd type="none" w="med" len="med"/>
+                      <a:tailEnd type="none" w="med" len="med"/>
+                    </a:lnB>
+                    <a:solidFill>
+                      <a:srgbClr val="C0C0C0"/>
+                    </a:solidFill>
+                  </a:tcPr>
+                </a:tc>
+                <a:tc>
+                  <a:txBody>
+                    <a:bodyPr/>
+                    <a:lstStyle/>
+                    <a:p>
+                      <a:pPr marL="0" marR="0" indent="0" algn="ctr" fontAlgn="base" latinLnBrk="0">
+                        <a:lnSpc>
+                          <a:spcPct val="160000"/>
+                        </a:lnSpc>
+                        <a:spcBef>
+                          <a:spcPts val="0"/>
+                        </a:spcBef>
+                        <a:spcAft>
+                          <a:spcPts val="0"/>
+                        </a:spcAft>
+                      </a:pPr>
+                      <a:endParaRPr lang="ko-KR" altLang="en-US" sz="1000" kern="0" spc="0">
+                        <a:solidFill>
+                          <a:srgbClr val="000000"/>
+                        </a:solidFill>
+                        <a:effectLst/>
+                      </a:endParaRPr>
+                    </a:p>
+                  </a:txBody>
+                  <a:tcPr marL="17907" marR="17907" marT="17907" marB="17907" anchor="ctr">
+                    <a:lnL w="3556" cap="flat" cmpd="sng" algn="ctr">
+                      <a:solidFill>
+                        <a:srgbClr val="000000"/>
+                      </a:solidFill>
+                      <a:prstDash val="solid"/>
+                      <a:round/>
+                      <a:headEnd type="none" w="med" len="med"/>
+                      <a:tailEnd type="none" w="med" len="med"/>
+                    </a:lnL>
+                    <a:lnR w="3556" cap="flat" cmpd="sng" algn="ctr">
+                      <a:solidFill>
+                        <a:srgbClr val="000000"/>
+                      </a:solidFill>
+                      <a:prstDash val="solid"/>
+                      <a:round/>
+                      <a:headEnd type="none" w="med" len="med"/>
+                      <a:tailEnd type="none" w="med" len="med"/>
+                    </a:lnR>
+                    <a:lnT w="3556" cap="flat" cmpd="sng" algn="ctr">
+                      <a:solidFill>
+                        <a:srgbClr val="000000"/>
+                      </a:solidFill>
+                      <a:prstDash val="solid"/>
+                      <a:round/>
+                      <a:headEnd type="none" w="med" len="med"/>
+                      <a:tailEnd type="none" w="med" len="med"/>
+                    </a:lnT>
+                    <a:lnB w="21590" cap="flat" cmpd="sng" algn="ctr">
+                      <a:solidFill>
+                        <a:srgbClr val="000000"/>
+                      </a:solidFill>
+                      <a:prstDash val="solid"/>
+                      <a:round/>
+                      <a:headEnd type="none" w="med" len="med"/>
+                      <a:tailEnd type="none" w="med" len="med"/>
+                    </a:lnB>
+                    <a:solidFill>
+                      <a:srgbClr val="C0C0C0"/>
+                    </a:solidFill>
+                  </a:tcPr>
+                </a:tc>
+                <a:tc>
+                  <a:txBody>
+                    <a:bodyPr/>
+                    <a:lstStyle/>
+                    <a:p>
+                      <a:pPr marL="0" marR="0" indent="0" algn="ctr" fontAlgn="base" latinLnBrk="0">
+                        <a:lnSpc>
+                          <a:spcPct val="160000"/>
+                        </a:lnSpc>
+                        <a:spcBef>
+                          <a:spcPts val="0"/>
+                        </a:spcBef>
+                        <a:spcAft>
+                          <a:spcPts val="0"/>
+                        </a:spcAft>
+                      </a:pPr>
+                      <a:endParaRPr lang="ko-KR" altLang="en-US" sz="1000" kern="0" spc="0">
+                        <a:solidFill>
+                          <a:srgbClr val="000000"/>
+                        </a:solidFill>
+                        <a:effectLst/>
+                      </a:endParaRPr>
+                    </a:p>
+                  </a:txBody>
+                  <a:tcPr marL="17907" marR="17907" marT="17907" marB="17907" anchor="ctr">
+                    <a:lnL w="3556" cap="flat" cmpd="sng" algn="ctr">
+                      <a:solidFill>
+                        <a:srgbClr val="000000"/>
+                      </a:solidFill>
+                      <a:prstDash val="solid"/>
+                      <a:round/>
+                      <a:headEnd type="none" w="med" len="med"/>
+                      <a:tailEnd type="none" w="med" len="med"/>
+                    </a:lnL>
+                    <a:lnR w="3556" cap="flat" cmpd="sng" algn="ctr">
+                      <a:solidFill>
+                        <a:srgbClr val="000000"/>
+                      </a:solidFill>
+                      <a:prstDash val="solid"/>
+                      <a:round/>
+                      <a:headEnd type="none" w="med" len="med"/>
+                      <a:tailEnd type="none" w="med" len="med"/>
+                    </a:lnR>
+                    <a:lnT w="3556" cap="flat" cmpd="sng" algn="ctr">
+                      <a:solidFill>
+                        <a:srgbClr val="000000"/>
+                      </a:solidFill>
+                      <a:prstDash val="solid"/>
+                      <a:round/>
+                      <a:headEnd type="none" w="med" len="med"/>
+                      <a:tailEnd type="none" w="med" len="med"/>
+                    </a:lnT>
+                    <a:lnB w="21590" cap="flat" cmpd="sng" algn="ctr">
+                      <a:solidFill>
+                        <a:srgbClr val="000000"/>
+                      </a:solidFill>
+                      <a:prstDash val="solid"/>
+                      <a:round/>
+                      <a:headEnd type="none" w="med" len="med"/>
+                      <a:tailEnd type="none" w="med" len="med"/>
+                    </a:lnB>
+                    <a:solidFill>
+                      <a:srgbClr val="C0C0C0"/>
+                    </a:solidFill>
+                  </a:tcPr>
+                </a:tc>
+                <a:tc>
+                  <a:txBody>
+                    <a:bodyPr/>
+                    <a:lstStyle/>
+                    <a:p>
+                      <a:pPr marL="0" marR="0" indent="0" algn="ctr" fontAlgn="base" latinLnBrk="0">
+                        <a:lnSpc>
+                          <a:spcPct val="160000"/>
+                        </a:lnSpc>
+                        <a:spcBef>
+                          <a:spcPts val="0"/>
+                        </a:spcBef>
+                        <a:spcAft>
+                          <a:spcPts val="0"/>
+                        </a:spcAft>
+                      </a:pPr>
+                      <a:endParaRPr lang="ko-KR" altLang="en-US" sz="1000" kern="0" spc="0">
+                        <a:solidFill>
+                          <a:srgbClr val="000000"/>
+                        </a:solidFill>
+                        <a:effectLst/>
+                      </a:endParaRPr>
+                    </a:p>
+                  </a:txBody>
+                  <a:tcPr marL="17907" marR="17907" marT="17907" marB="17907" anchor="ctr">
+                    <a:lnL w="3556" cap="flat" cmpd="sng" algn="ctr">
+                      <a:solidFill>
+                        <a:srgbClr val="000000"/>
+                      </a:solidFill>
+                      <a:prstDash val="solid"/>
+                      <a:round/>
+                      <a:headEnd type="none" w="med" len="med"/>
+                      <a:tailEnd type="none" w="med" len="med"/>
+                    </a:lnL>
+                    <a:lnR w="3556" cap="flat" cmpd="sng" algn="ctr">
+                      <a:solidFill>
+                        <a:srgbClr val="000000"/>
+                      </a:solidFill>
+                      <a:prstDash val="solid"/>
+                      <a:round/>
+                      <a:headEnd type="none" w="med" len="med"/>
+                      <a:tailEnd type="none" w="med" len="med"/>
+                    </a:lnR>
+                    <a:lnT w="3556" cap="flat" cmpd="sng" algn="ctr">
+                      <a:solidFill>
+                        <a:srgbClr val="000000"/>
+                      </a:solidFill>
+                      <a:prstDash val="solid"/>
+                      <a:round/>
+                      <a:headEnd type="none" w="med" len="med"/>
+                      <a:tailEnd type="none" w="med" len="med"/>
+                    </a:lnT>
+                    <a:lnB w="21590" cap="flat" cmpd="sng" algn="ctr">
+                      <a:solidFill>
+                        <a:srgbClr val="000000"/>
+                      </a:solidFill>
+                      <a:prstDash val="solid"/>
+                      <a:round/>
+                      <a:headEnd type="none" w="med" len="med"/>
+                      <a:tailEnd type="none" w="med" len="med"/>
+                    </a:lnB>
+                    <a:solidFill>
+                      <a:srgbClr val="CCCCCC"/>
+                    </a:solidFill>
+                  </a:tcPr>
+                </a:tc>
+                <a:tc>
+                  <a:txBody>
+                    <a:bodyPr/>
+                    <a:lstStyle/>
+                    <a:p>
+                      <a:pPr marL="0" marR="0" indent="0" algn="ctr" fontAlgn="base" latinLnBrk="0">
+                        <a:lnSpc>
+                          <a:spcPct val="160000"/>
+                        </a:lnSpc>
+                        <a:spcBef>
+                          <a:spcPts val="0"/>
+                        </a:spcBef>
+                        <a:spcAft>
+                          <a:spcPts val="0"/>
+                        </a:spcAft>
+                      </a:pPr>
+                      <a:endParaRPr lang="ko-KR" altLang="en-US" sz="1000" kern="0" spc="0">
+                        <a:solidFill>
+                          <a:srgbClr val="000000"/>
+                        </a:solidFill>
+                        <a:effectLst/>
+                      </a:endParaRPr>
+                    </a:p>
+                  </a:txBody>
+                  <a:tcPr marL="17907" marR="17907" marT="17907" marB="17907" anchor="ctr">
+                    <a:lnL w="3556" cap="flat" cmpd="sng" algn="ctr">
+                      <a:solidFill>
+                        <a:srgbClr val="000000"/>
+                      </a:solidFill>
+                      <a:prstDash val="solid"/>
+                      <a:round/>
+                      <a:headEnd type="none" w="med" len="med"/>
+                      <a:tailEnd type="none" w="med" len="med"/>
+                    </a:lnL>
+                    <a:lnR w="3556" cap="flat" cmpd="sng" algn="ctr">
+                      <a:solidFill>
+                        <a:srgbClr val="000000"/>
+                      </a:solidFill>
+                      <a:prstDash val="solid"/>
+                      <a:round/>
+                      <a:headEnd type="none" w="med" len="med"/>
+                      <a:tailEnd type="none" w="med" len="med"/>
+                    </a:lnR>
+                    <a:lnT w="3556" cap="flat" cmpd="sng" algn="ctr">
+                      <a:solidFill>
+                        <a:srgbClr val="000000"/>
+                      </a:solidFill>
+                      <a:prstDash val="solid"/>
+                      <a:round/>
+                      <a:headEnd type="none" w="med" len="med"/>
+                      <a:tailEnd type="none" w="med" len="med"/>
+                    </a:lnT>
+                    <a:lnB w="21590" cap="flat" cmpd="sng" algn="ctr">
+                      <a:solidFill>
+                        <a:srgbClr val="000000"/>
+                      </a:solidFill>
+                      <a:prstDash val="solid"/>
+                      <a:round/>
+                      <a:headEnd type="none" w="med" len="med"/>
+                      <a:tailEnd type="none" w="med" len="med"/>
+                    </a:lnB>
+                    <a:solidFill>
+                      <a:srgbClr val="CCCCCC"/>
+                    </a:solidFill>
+                  </a:tcPr>
+                </a:tc>
+                <a:tc>
+                  <a:txBody>
+                    <a:bodyPr/>
+                    <a:lstStyle/>
+                    <a:p>
+                      <a:pPr marL="0" marR="0" indent="0" algn="ctr" fontAlgn="base" latinLnBrk="0">
+                        <a:lnSpc>
+                          <a:spcPct val="160000"/>
+                        </a:lnSpc>
+                        <a:spcBef>
+                          <a:spcPts val="0"/>
+                        </a:spcBef>
+                        <a:spcAft>
+                          <a:spcPts val="0"/>
+                        </a:spcAft>
+                      </a:pPr>
+                      <a:endParaRPr lang="ko-KR" altLang="en-US" sz="1000" kern="0" spc="0">
+                        <a:solidFill>
+                          <a:srgbClr val="000000"/>
+                        </a:solidFill>
+                        <a:effectLst/>
+                      </a:endParaRPr>
+                    </a:p>
+                  </a:txBody>
+                  <a:tcPr marL="17907" marR="17907" marT="17907" marB="17907" anchor="ctr">
+                    <a:lnL w="3556" cap="flat" cmpd="sng" algn="ctr">
+                      <a:solidFill>
+                        <a:srgbClr val="000000"/>
+                      </a:solidFill>
+                      <a:prstDash val="solid"/>
+                      <a:round/>
+                      <a:headEnd type="none" w="med" len="med"/>
+                      <a:tailEnd type="none" w="med" len="med"/>
+                    </a:lnL>
+                    <a:lnR w="3556" cap="flat" cmpd="sng" algn="ctr">
+                      <a:solidFill>
+                        <a:srgbClr val="000000"/>
+                      </a:solidFill>
+                      <a:prstDash val="solid"/>
+                      <a:round/>
+                      <a:headEnd type="none" w="med" len="med"/>
+                      <a:tailEnd type="none" w="med" len="med"/>
+                    </a:lnR>
+                    <a:lnT w="3556" cap="flat" cmpd="sng" algn="ctr">
+                      <a:solidFill>
+                        <a:srgbClr val="000000"/>
+                      </a:solidFill>
+                      <a:prstDash val="solid"/>
+                      <a:round/>
+                      <a:headEnd type="none" w="med" len="med"/>
+                      <a:tailEnd type="none" w="med" len="med"/>
+                    </a:lnT>
+                    <a:lnB w="21590" cap="flat" cmpd="sng" algn="ctr">
+                      <a:solidFill>
+                        <a:srgbClr val="000000"/>
+                      </a:solidFill>
+                      <a:prstDash val="solid"/>
+                      <a:round/>
+                      <a:headEnd type="none" w="med" len="med"/>
+                      <a:tailEnd type="none" w="med" len="med"/>
+                    </a:lnB>
+                    <a:solidFill>
+                      <a:srgbClr val="CCCCCC"/>
+                    </a:solidFill>
+                  </a:tcPr>
+                </a:tc>
+                <a:tc>
+                  <a:txBody>
+                    <a:bodyPr/>
+                    <a:lstStyle/>
+                    <a:p>
+                      <a:pPr marL="0" marR="0" indent="0" algn="ctr" fontAlgn="base" latinLnBrk="0">
+                        <a:lnSpc>
+                          <a:spcPct val="160000"/>
+                        </a:lnSpc>
+                        <a:spcBef>
+                          <a:spcPts val="0"/>
+                        </a:spcBef>
+                        <a:spcAft>
+                          <a:spcPts val="0"/>
+                        </a:spcAft>
+                      </a:pPr>
+                      <a:endParaRPr lang="ko-KR" altLang="en-US" sz="1000" kern="0" spc="0">
+                        <a:solidFill>
+                          <a:srgbClr val="000000"/>
+                        </a:solidFill>
+                        <a:effectLst/>
+                      </a:endParaRPr>
+                    </a:p>
+                  </a:txBody>
+                  <a:tcPr marL="17907" marR="17907" marT="17907" marB="17907" anchor="ctr">
+                    <a:lnL w="3556" cap="flat" cmpd="sng" algn="ctr">
+                      <a:solidFill>
+                        <a:srgbClr val="000000"/>
+                      </a:solidFill>
+                      <a:prstDash val="solid"/>
+                      <a:round/>
+                      <a:headEnd type="none" w="med" len="med"/>
+                      <a:tailEnd type="none" w="med" len="med"/>
+                    </a:lnL>
+                    <a:lnR w="3556" cap="flat" cmpd="sng" algn="ctr">
+                      <a:solidFill>
+                        <a:srgbClr val="000000"/>
+                      </a:solidFill>
+                      <a:prstDash val="solid"/>
+                      <a:round/>
+                      <a:headEnd type="none" w="med" len="med"/>
+                      <a:tailEnd type="none" w="med" len="med"/>
+                    </a:lnR>
+                    <a:lnT w="3556" cap="flat" cmpd="sng" algn="ctr">
+                      <a:solidFill>
+                        <a:srgbClr val="000000"/>
+                      </a:solidFill>
+                      <a:prstDash val="solid"/>
+                      <a:round/>
+                      <a:headEnd type="none" w="med" len="med"/>
+                      <a:tailEnd type="none" w="med" len="med"/>
+                    </a:lnT>
+                    <a:lnB w="21590" cap="flat" cmpd="sng" algn="ctr">
+                      <a:solidFill>
+                        <a:srgbClr val="000000"/>
+                      </a:solidFill>
+                      <a:prstDash val="solid"/>
+                      <a:round/>
+                      <a:headEnd type="none" w="med" len="med"/>
+                      <a:tailEnd type="none" w="med" len="med"/>
+                    </a:lnB>
+                    <a:solidFill>
+                      <a:srgbClr val="CCCCCC"/>
+                    </a:solidFill>
+                  </a:tcPr>
+                </a:tc>
+                <a:tc>
+                  <a:txBody>
+                    <a:bodyPr/>
+                    <a:lstStyle/>
+                    <a:p>
+                      <a:pPr marL="0" marR="0" indent="0" algn="ctr" fontAlgn="base" latinLnBrk="0">
+                        <a:lnSpc>
+                          <a:spcPct val="160000"/>
+                        </a:lnSpc>
+                        <a:spcBef>
+                          <a:spcPts val="0"/>
+                        </a:spcBef>
+                        <a:spcAft>
+                          <a:spcPts val="0"/>
+                        </a:spcAft>
+                      </a:pPr>
+                      <a:endParaRPr lang="ko-KR" altLang="en-US" sz="1000" kern="0" spc="0">
+                        <a:solidFill>
+                          <a:srgbClr val="000000"/>
+                        </a:solidFill>
+                        <a:effectLst/>
+                      </a:endParaRPr>
+                    </a:p>
+                  </a:txBody>
+                  <a:tcPr marL="17907" marR="17907" marT="17907" marB="17907" anchor="ctr">
+                    <a:lnL w="3556" cap="flat" cmpd="sng" algn="ctr">
+                      <a:solidFill>
+                        <a:srgbClr val="000000"/>
+                      </a:solidFill>
+                      <a:prstDash val="solid"/>
+                      <a:round/>
+                      <a:headEnd type="none" w="med" len="med"/>
+                      <a:tailEnd type="none" w="med" len="med"/>
+                    </a:lnL>
+                    <a:lnR w="3556" cap="flat" cmpd="sng" algn="ctr">
+                      <a:solidFill>
+                        <a:srgbClr val="000000"/>
+                      </a:solidFill>
+                      <a:prstDash val="solid"/>
+                      <a:round/>
+                      <a:headEnd type="none" w="med" len="med"/>
+                      <a:tailEnd type="none" w="med" len="med"/>
+                    </a:lnR>
+                    <a:lnT w="3556" cap="flat" cmpd="sng" algn="ctr">
+                      <a:solidFill>
+                        <a:srgbClr val="000000"/>
+                      </a:solidFill>
+                      <a:prstDash val="solid"/>
+                      <a:round/>
+                      <a:headEnd type="none" w="med" len="med"/>
+                      <a:tailEnd type="none" w="med" len="med"/>
+                    </a:lnT>
+                    <a:lnB w="21590" cap="flat" cmpd="sng" algn="ctr">
+                      <a:solidFill>
+                        <a:srgbClr val="000000"/>
+                      </a:solidFill>
+                      <a:prstDash val="solid"/>
+                      <a:round/>
+                      <a:headEnd type="none" w="med" len="med"/>
+                      <a:tailEnd type="none" w="med" len="med"/>
+                    </a:lnB>
+                    <a:solidFill>
+                      <a:srgbClr val="CCCCCC"/>
+                    </a:solidFill>
+                  </a:tcPr>
+                </a:tc>
+                <a:tc>
+                  <a:txBody>
+                    <a:bodyPr/>
+                    <a:lstStyle/>
+                    <a:p>
+                      <a:pPr marL="0" marR="0" indent="0" algn="just" fontAlgn="base" latinLnBrk="1">
+                        <a:lnSpc>
+                          <a:spcPct val="160000"/>
+                        </a:lnSpc>
+                        <a:spcBef>
+                          <a:spcPts val="0"/>
+                        </a:spcBef>
+                        <a:spcAft>
+                          <a:spcPts val="0"/>
+                        </a:spcAft>
+                      </a:pPr>
+                      <a:endParaRPr lang="ko-KR" altLang="en-US" sz="1000" kern="0" spc="0" dirty="0">
+                        <a:solidFill>
+                          <a:srgbClr val="000000"/>
+                        </a:solidFill>
+                        <a:effectLst/>
+                      </a:endParaRPr>
+                    </a:p>
+                  </a:txBody>
+                  <a:tcPr marL="17907" marR="17907" marT="17907" marB="17907" anchor="ctr">
+                    <a:lnL w="3556" cap="flat" cmpd="sng" algn="ctr">
+                      <a:solidFill>
+                        <a:srgbClr val="000000"/>
+                      </a:solidFill>
+                      <a:prstDash val="solid"/>
+                      <a:round/>
+                      <a:headEnd type="none" w="med" len="med"/>
+                      <a:tailEnd type="none" w="med" len="med"/>
+                    </a:lnL>
+                    <a:lnR w="21590" cap="flat" cmpd="sng" algn="ctr">
+                      <a:solidFill>
+                        <a:srgbClr val="000000"/>
+                      </a:solidFill>
+                      <a:prstDash val="solid"/>
+                      <a:round/>
+                      <a:headEnd type="none" w="med" len="med"/>
+                      <a:tailEnd type="none" w="med" len="med"/>
+                    </a:lnR>
+                    <a:lnT w="3556" cap="flat" cmpd="sng" algn="ctr">
+                      <a:solidFill>
+                        <a:srgbClr val="000000"/>
+                      </a:solidFill>
+                      <a:prstDash val="solid"/>
+                      <a:round/>
+                      <a:headEnd type="none" w="med" len="med"/>
+                      <a:tailEnd type="none" w="med" len="med"/>
+                    </a:lnT>
+                    <a:lnB w="21590" cap="flat" cmpd="sng" algn="ctr">
+                      <a:solidFill>
+                        <a:srgbClr val="000000"/>
+                      </a:solidFill>
+                      <a:prstDash val="solid"/>
+                      <a:round/>
+                      <a:headEnd type="none" w="med" len="med"/>
+                      <a:tailEnd type="none" w="med" len="med"/>
+                    </a:lnB>
+                  </a:tcPr>
+                </a:tc>
+              </a:tr>
+            </a:tbl>
+          </a:graphicData>
+        </a:graphic>
+      </p:graphicFrame>
     </p:spTree>
     <p:extLst>
       <p:ext uri="{BB962C8B-B14F-4D97-AF65-F5344CB8AC3E}">
@@ -5916,6 +14737,13 @@
   <p:clrMapOvr>
     <a:masterClrMapping/>
   </p:clrMapOvr>
+  <p:timing>
+    <p:tnLst>
+      <p:par>
+        <p:cTn id="1" dur="indefinite" restart="never" nodeType="tmRoot"/>
+      </p:par>
+    </p:tnLst>
+  </p:timing>
 </p:sld>
 </file>
 

--- a/doc/DSLR Proposal.pptx
+++ b/doc/DSLR Proposal.pptx
@@ -5,15 +5,16 @@
     <p:sldMasterId id="2147483660" r:id="rId1"/>
   </p:sldMasterIdLst>
   <p:notesMasterIdLst>
-    <p:notesMasterId r:id="rId8"/>
+    <p:notesMasterId r:id="rId9"/>
   </p:notesMasterIdLst>
   <p:sldIdLst>
     <p:sldId id="256" r:id="rId2"/>
-    <p:sldId id="257" r:id="rId3"/>
-    <p:sldId id="258" r:id="rId4"/>
-    <p:sldId id="259" r:id="rId5"/>
-    <p:sldId id="261" r:id="rId6"/>
-    <p:sldId id="260" r:id="rId7"/>
+    <p:sldId id="262" r:id="rId3"/>
+    <p:sldId id="257" r:id="rId4"/>
+    <p:sldId id="258" r:id="rId5"/>
+    <p:sldId id="259" r:id="rId6"/>
+    <p:sldId id="261" r:id="rId7"/>
+    <p:sldId id="260" r:id="rId8"/>
   </p:sldIdLst>
   <p:sldSz cx="9144000" cy="6858000" type="screen4x3"/>
   <p:notesSz cx="6858000" cy="9144000"/>
@@ -197,7 +198,7 @@
           <a:p>
             <a:fld id="{F691A432-E9BC-495B-9031-8FAC2536ACE4}" type="datetimeFigureOut">
               <a:rPr lang="ko-KR" altLang="en-US" smtClean="0"/>
-              <a:t>2013-03-22</a:t>
+              <a:t>2013-03-25</a:t>
             </a:fld>
             <a:endParaRPr lang="ko-KR" altLang="en-US"/>
           </a:p>
@@ -599,11 +600,7 @@
             </a:r>
             <a:r>
               <a:rPr lang="ko-KR" altLang="en-US" baseline="0" dirty="0" smtClean="0"/>
-              <a:t>참고로 </a:t>
-            </a:r>
-            <a:r>
-              <a:rPr lang="ko-KR" altLang="en-US" baseline="0" dirty="0" smtClean="0"/>
-              <a:t>저희는 중소기업청에서 하는 산학연공동개발사업에 참여하고 있습니다</a:t>
+              <a:t>참고로 저희는 중소기업청에서 하는 산학연공동개발사업에 참여하고 있습니다</a:t>
             </a:r>
             <a:r>
               <a:rPr lang="en-US" altLang="ko-KR" baseline="0" dirty="0" smtClean="0"/>
@@ -712,8 +709,10 @@
             </a:pPr>
             <a:r>
               <a:rPr lang="ko-KR" altLang="en-US" dirty="0" smtClean="0"/>
-              <a:t>필요성과 개발 목표</a:t>
-            </a:r>
+              <a:t>청각 장애인이 일반인과 일상생활에서 의사소통하기 위해서는 청각 장애인의 수화를 일반 문자나 음성으로 번역해 주는 시스템이 필요</a:t>
+            </a:r>
+          </a:p>
+          <a:p>
             <a:endParaRPr lang="ko-KR" altLang="en-US" dirty="0"/>
           </a:p>
         </p:txBody>
@@ -744,7 +743,7 @@
     </p:spTree>
     <p:extLst>
       <p:ext uri="{BB962C8B-B14F-4D97-AF65-F5344CB8AC3E}">
-        <p14:creationId xmlns:p14="http://schemas.microsoft.com/office/powerpoint/2010/main" val="3664714102"/>
+        <p14:creationId xmlns:p14="http://schemas.microsoft.com/office/powerpoint/2010/main" val="3146566060"/>
       </p:ext>
     </p:extLst>
   </p:cSld>
@@ -800,23 +799,15 @@
           <a:p>
             <a:r>
               <a:rPr lang="en-US" altLang="ko-KR" dirty="0" smtClean="0"/>
-              <a:t>KINECT</a:t>
+              <a:t>Microsoft KINECT</a:t>
             </a:r>
             <a:r>
               <a:rPr lang="ko-KR" altLang="en-US" dirty="0" smtClean="0"/>
-              <a:t>로부터 입력 받은 영상 표시</a:t>
+              <a:t>를 이용하여 한국어 수화 번역 시스템을 개발한다</a:t>
             </a:r>
             <a:r>
               <a:rPr lang="en-US" altLang="ko-KR" dirty="0" smtClean="0"/>
-              <a:t>, </a:t>
-            </a:r>
-            <a:r>
-              <a:rPr lang="ko-KR" altLang="en-US" dirty="0" smtClean="0"/>
-              <a:t>수화를 시작하면 실시간으로 단어 번역</a:t>
-            </a:r>
-            <a:r>
-              <a:rPr lang="en-US" altLang="ko-KR" dirty="0" smtClean="0"/>
-              <a:t>. </a:t>
+              <a:t>.</a:t>
             </a:r>
             <a:endParaRPr lang="ko-KR" altLang="en-US" dirty="0"/>
           </a:p>
@@ -848,7 +839,7 @@
     </p:spTree>
     <p:extLst>
       <p:ext uri="{BB962C8B-B14F-4D97-AF65-F5344CB8AC3E}">
-        <p14:creationId xmlns:p14="http://schemas.microsoft.com/office/powerpoint/2010/main" val="2357871040"/>
+        <p14:creationId xmlns:p14="http://schemas.microsoft.com/office/powerpoint/2010/main" val="3664714102"/>
       </p:ext>
     </p:extLst>
   </p:cSld>
@@ -902,106 +893,25 @@
           <a:bodyPr/>
           <a:lstStyle/>
           <a:p>
-            <a:pPr marL="0" marR="0" indent="0" algn="l" defTabSz="914400" rtl="0" eaLnBrk="1" fontAlgn="auto" latinLnBrk="1" hangingPunct="1">
-              <a:lnSpc>
-                <a:spcPct val="100000"/>
-              </a:lnSpc>
-              <a:spcBef>
-                <a:spcPts val="0"/>
-              </a:spcBef>
-              <a:spcAft>
-                <a:spcPts val="0"/>
-              </a:spcAft>
-              <a:buClrTx/>
-              <a:buSzTx/>
-              <a:buFontTx/>
-              <a:buNone/>
-              <a:tabLst/>
-              <a:defRPr/>
-            </a:pPr>
             <a:r>
               <a:rPr lang="en-US" altLang="ko-KR" dirty="0" smtClean="0"/>
               <a:t>KINECT</a:t>
             </a:r>
             <a:r>
               <a:rPr lang="ko-KR" altLang="en-US" dirty="0" smtClean="0"/>
-              <a:t>로부터 영상</a:t>
+              <a:t>로부터 입력 받은 영상 표시</a:t>
             </a:r>
             <a:r>
               <a:rPr lang="en-US" altLang="ko-KR" dirty="0" smtClean="0"/>
-              <a:t>(</a:t>
-            </a:r>
-            <a:r>
-              <a:rPr lang="en-US" altLang="ko-KR" dirty="0" err="1" smtClean="0"/>
-              <a:t>ColorStream</a:t>
+              <a:t>, </a:t>
+            </a:r>
+            <a:r>
+              <a:rPr lang="ko-KR" altLang="en-US" dirty="0" smtClean="0"/>
+              <a:t>수화를 시작하면 실시간으로 단어 번역</a:t>
             </a:r>
             <a:r>
               <a:rPr lang="en-US" altLang="ko-KR" dirty="0" smtClean="0"/>
-              <a:t>,</a:t>
-            </a:r>
-            <a:r>
-              <a:rPr lang="en-US" altLang="ko-KR" baseline="0" dirty="0" smtClean="0"/>
-              <a:t> </a:t>
-            </a:r>
-            <a:r>
-              <a:rPr lang="en-US" altLang="ko-KR" baseline="0" dirty="0" err="1" smtClean="0"/>
-              <a:t>DepthStream</a:t>
-            </a:r>
-            <a:r>
-              <a:rPr lang="ko-KR" altLang="en-US" baseline="0" dirty="0" smtClean="0"/>
-              <a:t>등</a:t>
-            </a:r>
-            <a:r>
-              <a:rPr lang="en-US" altLang="ko-KR" baseline="0" dirty="0" smtClean="0"/>
-              <a:t>) </a:t>
-            </a:r>
-            <a:r>
-              <a:rPr lang="ko-KR" altLang="en-US" baseline="0" dirty="0" smtClean="0"/>
-              <a:t>받음</a:t>
-            </a:r>
-            <a:r>
-              <a:rPr lang="en-US" altLang="ko-KR" baseline="0" dirty="0" smtClean="0"/>
-              <a:t>. Skeleton</a:t>
-            </a:r>
-            <a:r>
-              <a:rPr lang="ko-KR" altLang="en-US" baseline="0" dirty="0" smtClean="0"/>
-              <a:t>정보</a:t>
-            </a:r>
-            <a:r>
-              <a:rPr lang="en-US" altLang="ko-KR" baseline="0" dirty="0" smtClean="0"/>
-              <a:t>, </a:t>
-            </a:r>
-            <a:r>
-              <a:rPr lang="ko-KR" altLang="en-US" baseline="0" dirty="0" smtClean="0"/>
-              <a:t>윤곽선 추출 등의 영상처리</a:t>
-            </a:r>
-            <a:r>
-              <a:rPr lang="en-US" altLang="ko-KR" baseline="0" dirty="0" smtClean="0"/>
-              <a:t>, </a:t>
-            </a:r>
-            <a:r>
-              <a:rPr lang="ko-KR" altLang="en-US" baseline="0" dirty="0" smtClean="0"/>
-              <a:t>처리된 정보를 가지고 수화</a:t>
-            </a:r>
-            <a:r>
-              <a:rPr lang="en-US" altLang="ko-KR" baseline="0" dirty="0" smtClean="0"/>
-              <a:t>DB</a:t>
-            </a:r>
-            <a:r>
-              <a:rPr lang="ko-KR" altLang="en-US" baseline="0" dirty="0" smtClean="0"/>
-              <a:t>와 비교</a:t>
-            </a:r>
-            <a:r>
-              <a:rPr lang="en-US" altLang="ko-KR" baseline="0" dirty="0" smtClean="0"/>
               <a:t>. </a:t>
-            </a:r>
-            <a:r>
-              <a:rPr lang="ko-KR" altLang="en-US" baseline="0" dirty="0" smtClean="0"/>
-              <a:t>맞으면 해당 수화 출력</a:t>
-            </a:r>
-            <a:r>
-              <a:rPr lang="en-US" altLang="ko-KR" baseline="0" dirty="0" smtClean="0"/>
-              <a:t>.</a:t>
             </a:r>
             <a:endParaRPr lang="ko-KR" altLang="en-US" dirty="0"/>
           </a:p>
@@ -1033,7 +943,7 @@
     </p:spTree>
     <p:extLst>
       <p:ext uri="{BB962C8B-B14F-4D97-AF65-F5344CB8AC3E}">
-        <p14:creationId xmlns:p14="http://schemas.microsoft.com/office/powerpoint/2010/main" val="649765892"/>
+        <p14:creationId xmlns:p14="http://schemas.microsoft.com/office/powerpoint/2010/main" val="2357871040"/>
       </p:ext>
     </p:extLst>
   </p:cSld>
@@ -1087,13 +997,42 @@
           <a:bodyPr/>
           <a:lstStyle/>
           <a:p>
+            <a:pPr marL="0" marR="0" indent="0" algn="l" defTabSz="914400" rtl="0" eaLnBrk="1" fontAlgn="auto" latinLnBrk="1" hangingPunct="1">
+              <a:lnSpc>
+                <a:spcPct val="100000"/>
+              </a:lnSpc>
+              <a:spcBef>
+                <a:spcPts val="0"/>
+              </a:spcBef>
+              <a:spcAft>
+                <a:spcPts val="0"/>
+              </a:spcAft>
+              <a:buClrTx/>
+              <a:buSzTx/>
+              <a:buFontTx/>
+              <a:buNone/>
+              <a:tabLst/>
+              <a:defRPr/>
+            </a:pPr>
+            <a:r>
+              <a:rPr lang="en-US" altLang="ko-KR" dirty="0" err="1" smtClean="0"/>
+              <a:t>Kinect</a:t>
+            </a:r>
             <a:r>
               <a:rPr lang="en-US" altLang="ko-KR" dirty="0" smtClean="0"/>
-              <a:t>XBOX360</a:t>
+              <a:t> </a:t>
             </a:r>
             <a:r>
               <a:rPr lang="ko-KR" altLang="en-US" dirty="0" smtClean="0"/>
-              <a:t>의 </a:t>
+              <a:t>설명</a:t>
+            </a:r>
+            <a:r>
+              <a:rPr lang="en-US" altLang="ko-KR" dirty="0" smtClean="0"/>
+              <a:t>(Color, Depth)</a:t>
+            </a:r>
+            <a:r>
+              <a:rPr lang="en-US" altLang="ko-KR" baseline="0" dirty="0" smtClean="0"/>
+              <a:t> </a:t>
             </a:r>
             <a:r>
               <a:rPr lang="en-US" altLang="ko-KR" dirty="0" smtClean="0"/>
@@ -1101,71 +1040,55 @@
             </a:r>
             <a:r>
               <a:rPr lang="ko-KR" altLang="en-US" dirty="0" smtClean="0"/>
-              <a:t>가 아니라 </a:t>
-            </a:r>
-            <a:r>
-              <a:rPr lang="en-US" altLang="ko-KR" dirty="0" smtClean="0"/>
-              <a:t>KINECT</a:t>
+              <a:t>로부터 </a:t>
+            </a:r>
+            <a:r>
+              <a:rPr lang="ko-KR" altLang="en-US" dirty="0" smtClean="0"/>
+              <a:t>영상 </a:t>
+            </a:r>
+            <a:r>
+              <a:rPr lang="ko-KR" altLang="en-US" baseline="0" dirty="0" smtClean="0"/>
+              <a:t>입력 받음</a:t>
             </a:r>
             <a:r>
               <a:rPr lang="en-US" altLang="ko-KR" baseline="0" dirty="0" smtClean="0"/>
-              <a:t> for Windows </a:t>
+              <a:t>. </a:t>
             </a:r>
             <a:r>
               <a:rPr lang="ko-KR" altLang="en-US" baseline="0" dirty="0" smtClean="0"/>
-              <a:t>사용</a:t>
+              <a:t>이후 영상처리</a:t>
             </a:r>
             <a:r>
               <a:rPr lang="en-US" altLang="ko-KR" baseline="0" dirty="0" smtClean="0"/>
-              <a:t>(WINDOWS</a:t>
+              <a:t>, </a:t>
             </a:r>
             <a:r>
               <a:rPr lang="ko-KR" altLang="en-US" baseline="0" dirty="0" smtClean="0"/>
-              <a:t>의 </a:t>
+              <a:t>수화 검출기에서 처리된 </a:t>
+            </a:r>
+            <a:r>
+              <a:rPr lang="ko-KR" altLang="en-US" baseline="0" dirty="0" smtClean="0"/>
+              <a:t>정보를 가지고 수화</a:t>
             </a:r>
             <a:r>
               <a:rPr lang="en-US" altLang="ko-KR" baseline="0" dirty="0" smtClean="0"/>
-              <a:t>KINECT SDK </a:t>
+              <a:t>DB</a:t>
             </a:r>
             <a:r>
               <a:rPr lang="ko-KR" altLang="en-US" baseline="0" dirty="0" smtClean="0"/>
-              <a:t>사용가능</a:t>
+              <a:t>와 비교</a:t>
             </a:r>
             <a:r>
               <a:rPr lang="en-US" altLang="ko-KR" baseline="0" dirty="0" smtClean="0"/>
-              <a:t>). </a:t>
-            </a:r>
-            <a:r>
-              <a:rPr lang="en-US" altLang="ko-KR" dirty="0" smtClean="0"/>
-              <a:t>KINECT</a:t>
+              <a:t>. </a:t>
+            </a:r>
+            <a:r>
+              <a:rPr lang="ko-KR" altLang="en-US" baseline="0" dirty="0" smtClean="0"/>
+              <a:t>맞으면 해당 수화 출력</a:t>
             </a:r>
             <a:r>
               <a:rPr lang="en-US" altLang="ko-KR" baseline="0" dirty="0" smtClean="0"/>
-              <a:t> for Window</a:t>
-            </a:r>
-            <a:r>
-              <a:rPr lang="ko-KR" altLang="en-US" baseline="0" dirty="0" smtClean="0"/>
-              <a:t>는 </a:t>
-            </a:r>
-            <a:r>
-              <a:rPr lang="ko-KR" altLang="en-US" baseline="0" dirty="0" err="1" smtClean="0"/>
-              <a:t>비주얼스튜디오</a:t>
-            </a:r>
-            <a:r>
-              <a:rPr lang="en-US" altLang="ko-KR" baseline="0" dirty="0" smtClean="0"/>
-              <a:t>2010</a:t>
-            </a:r>
-            <a:r>
-              <a:rPr lang="ko-KR" altLang="en-US" baseline="0" dirty="0" smtClean="0"/>
-              <a:t>과 </a:t>
-            </a:r>
-            <a:r>
-              <a:rPr lang="en-US" altLang="ko-KR" baseline="0" dirty="0" smtClean="0"/>
-              <a:t>Windows7 </a:t>
-            </a:r>
-            <a:r>
-              <a:rPr lang="ko-KR" altLang="en-US" baseline="0" dirty="0" smtClean="0"/>
-              <a:t>환경에서 동작 및 개발 가능</a:t>
+              <a:t>.</a:t>
             </a:r>
             <a:endParaRPr lang="ko-KR" altLang="en-US" dirty="0"/>
           </a:p>
@@ -1189,6 +1112,174 @@
             <a:fld id="{A1D6A000-E7F9-4C12-BE07-97209BF2411E}" type="slidenum">
               <a:rPr lang="ko-KR" altLang="en-US" smtClean="0"/>
               <a:t>5</a:t>
+            </a:fld>
+            <a:endParaRPr lang="ko-KR" altLang="en-US"/>
+          </a:p>
+        </p:txBody>
+      </p:sp>
+    </p:spTree>
+    <p:extLst>
+      <p:ext uri="{BB962C8B-B14F-4D97-AF65-F5344CB8AC3E}">
+        <p14:creationId xmlns:p14="http://schemas.microsoft.com/office/powerpoint/2010/main" val="649765892"/>
+      </p:ext>
+    </p:extLst>
+  </p:cSld>
+  <p:clrMapOvr>
+    <a:masterClrMapping/>
+  </p:clrMapOvr>
+</p:notes>
+</file>
+
+<file path=ppt/notesSlides/notesSlide6.xml><?xml version="1.0" encoding="utf-8"?>
+<p:notes xmlns:a="http://schemas.openxmlformats.org/drawingml/2006/main" xmlns:r="http://schemas.openxmlformats.org/officeDocument/2006/relationships" xmlns:p="http://schemas.openxmlformats.org/presentationml/2006/main">
+  <p:cSld>
+    <p:spTree>
+      <p:nvGrpSpPr>
+        <p:cNvPr id="1" name=""/>
+        <p:cNvGrpSpPr/>
+        <p:nvPr/>
+      </p:nvGrpSpPr>
+      <p:grpSpPr>
+        <a:xfrm>
+          <a:off x="0" y="0"/>
+          <a:ext cx="0" cy="0"/>
+          <a:chOff x="0" y="0"/>
+          <a:chExt cx="0" cy="0"/>
+        </a:xfrm>
+      </p:grpSpPr>
+      <p:sp>
+        <p:nvSpPr>
+          <p:cNvPr id="2" name="슬라이드 이미지 개체 틀 1"/>
+          <p:cNvSpPr>
+            <a:spLocks noGrp="1" noRot="1" noChangeAspect="1"/>
+          </p:cNvSpPr>
+          <p:nvPr>
+            <p:ph type="sldImg"/>
+          </p:nvPr>
+        </p:nvSpPr>
+        <p:spPr/>
+      </p:sp>
+      <p:sp>
+        <p:nvSpPr>
+          <p:cNvPr id="3" name="슬라이드 노트 개체 틀 2"/>
+          <p:cNvSpPr>
+            <a:spLocks noGrp="1"/>
+          </p:cNvSpPr>
+          <p:nvPr>
+            <p:ph type="body" idx="1"/>
+          </p:nvPr>
+        </p:nvSpPr>
+        <p:spPr/>
+        <p:txBody>
+          <a:bodyPr/>
+          <a:lstStyle/>
+          <a:p>
+            <a:r>
+              <a:rPr lang="en-US" altLang="ko-KR" dirty="0" smtClean="0"/>
+              <a:t>XBOX360</a:t>
+            </a:r>
+            <a:r>
+              <a:rPr lang="ko-KR" altLang="en-US" dirty="0" smtClean="0"/>
+              <a:t>의 </a:t>
+            </a:r>
+            <a:r>
+              <a:rPr lang="en-US" altLang="ko-KR" dirty="0" smtClean="0"/>
+              <a:t>KINECT</a:t>
+            </a:r>
+            <a:r>
+              <a:rPr lang="ko-KR" altLang="en-US" dirty="0" smtClean="0"/>
+              <a:t>가 아니라 </a:t>
+            </a:r>
+            <a:r>
+              <a:rPr lang="en-US" altLang="ko-KR" dirty="0" smtClean="0"/>
+              <a:t>KINECT</a:t>
+            </a:r>
+            <a:r>
+              <a:rPr lang="en-US" altLang="ko-KR" baseline="0" dirty="0" smtClean="0"/>
+              <a:t> for Windows </a:t>
+            </a:r>
+            <a:r>
+              <a:rPr lang="ko-KR" altLang="en-US" baseline="0" dirty="0" smtClean="0"/>
+              <a:t>사용</a:t>
+            </a:r>
+            <a:r>
+              <a:rPr lang="en-US" altLang="ko-KR" baseline="0" dirty="0" smtClean="0"/>
+              <a:t>(WINDOWS</a:t>
+            </a:r>
+            <a:r>
+              <a:rPr lang="ko-KR" altLang="en-US" baseline="0" dirty="0" smtClean="0"/>
+              <a:t>의 </a:t>
+            </a:r>
+            <a:r>
+              <a:rPr lang="en-US" altLang="ko-KR" baseline="0" dirty="0" smtClean="0"/>
+              <a:t>KINECT SDK </a:t>
+            </a:r>
+            <a:r>
+              <a:rPr lang="ko-KR" altLang="en-US" baseline="0" dirty="0" smtClean="0"/>
+              <a:t>사용가능</a:t>
+            </a:r>
+            <a:r>
+              <a:rPr lang="en-US" altLang="ko-KR" baseline="0" dirty="0" smtClean="0"/>
+              <a:t>). </a:t>
+            </a:r>
+            <a:r>
+              <a:rPr lang="en-US" altLang="ko-KR" dirty="0" smtClean="0"/>
+              <a:t>KINECT</a:t>
+            </a:r>
+            <a:r>
+              <a:rPr lang="en-US" altLang="ko-KR" baseline="0" dirty="0" smtClean="0"/>
+              <a:t> for </a:t>
+            </a:r>
+            <a:r>
+              <a:rPr lang="en-US" altLang="ko-KR" baseline="0" dirty="0" smtClean="0"/>
+              <a:t>Windows</a:t>
+            </a:r>
+            <a:r>
+              <a:rPr lang="ko-KR" altLang="en-US" baseline="0" dirty="0" smtClean="0"/>
+              <a:t>는 </a:t>
+            </a:r>
+            <a:r>
+              <a:rPr lang="ko-KR" altLang="en-US" baseline="0" dirty="0" err="1" smtClean="0"/>
+              <a:t>비주얼스튜디오</a:t>
+            </a:r>
+            <a:r>
+              <a:rPr lang="en-US" altLang="ko-KR" baseline="0" dirty="0" smtClean="0"/>
+              <a:t>2010</a:t>
+            </a:r>
+            <a:r>
+              <a:rPr lang="ko-KR" altLang="en-US" baseline="0" dirty="0" smtClean="0"/>
+              <a:t>과 </a:t>
+            </a:r>
+            <a:r>
+              <a:rPr lang="en-US" altLang="ko-KR" baseline="0" dirty="0" smtClean="0"/>
+              <a:t>Windows7 </a:t>
+            </a:r>
+            <a:r>
+              <a:rPr lang="ko-KR" altLang="en-US" baseline="0" dirty="0" smtClean="0"/>
+              <a:t>환경에서 동작 및 개발 가능</a:t>
+            </a:r>
+            <a:endParaRPr lang="ko-KR" altLang="en-US" dirty="0"/>
+          </a:p>
+        </p:txBody>
+      </p:sp>
+      <p:sp>
+        <p:nvSpPr>
+          <p:cNvPr id="4" name="슬라이드 번호 개체 틀 3"/>
+          <p:cNvSpPr>
+            <a:spLocks noGrp="1"/>
+          </p:cNvSpPr>
+          <p:nvPr>
+            <p:ph type="sldNum" sz="quarter" idx="10"/>
+          </p:nvPr>
+        </p:nvSpPr>
+        <p:spPr/>
+        <p:txBody>
+          <a:bodyPr/>
+          <a:lstStyle/>
+          <a:p>
+            <a:fld id="{A1D6A000-E7F9-4C12-BE07-97209BF2411E}" type="slidenum">
+              <a:rPr lang="ko-KR" altLang="en-US" smtClean="0"/>
+              <a:t>6</a:t>
             </a:fld>
             <a:endParaRPr lang="ko-KR" altLang="en-US"/>
           </a:p>
@@ -1401,7 +1492,7 @@
           <a:p>
             <a:fld id="{D698ECF3-E86C-4529-9833-4A4DF0A41B5F}" type="datetimeFigureOut">
               <a:rPr lang="ko-KR" altLang="en-US" smtClean="0"/>
-              <a:t>2013-03-22</a:t>
+              <a:t>2013-03-25</a:t>
             </a:fld>
             <a:endParaRPr lang="ko-KR" altLang="en-US"/>
           </a:p>
@@ -1754,7 +1845,7 @@
           <a:p>
             <a:fld id="{D698ECF3-E86C-4529-9833-4A4DF0A41B5F}" type="datetimeFigureOut">
               <a:rPr lang="ko-KR" altLang="en-US" smtClean="0"/>
-              <a:t>2013-03-22</a:t>
+              <a:t>2013-03-25</a:t>
             </a:fld>
             <a:endParaRPr lang="ko-KR" altLang="en-US"/>
           </a:p>
@@ -1929,7 +2020,7 @@
           <a:p>
             <a:fld id="{D698ECF3-E86C-4529-9833-4A4DF0A41B5F}" type="datetimeFigureOut">
               <a:rPr lang="ko-KR" altLang="en-US" smtClean="0"/>
-              <a:t>2013-03-22</a:t>
+              <a:t>2013-03-25</a:t>
             </a:fld>
             <a:endParaRPr lang="ko-KR" altLang="en-US"/>
           </a:p>
@@ -2042,7 +2133,7 @@
           <a:p>
             <a:fld id="{D698ECF3-E86C-4529-9833-4A4DF0A41B5F}" type="datetimeFigureOut">
               <a:rPr lang="ko-KR" altLang="en-US" smtClean="0"/>
-              <a:t>2013-03-22</a:t>
+              <a:t>2013-03-25</a:t>
             </a:fld>
             <a:endParaRPr lang="ko-KR" altLang="en-US"/>
           </a:p>
@@ -2400,7 +2491,7 @@
           <a:p>
             <a:fld id="{D698ECF3-E86C-4529-9833-4A4DF0A41B5F}" type="datetimeFigureOut">
               <a:rPr lang="ko-KR" altLang="en-US" smtClean="0"/>
-              <a:t>2013-03-22</a:t>
+              <a:t>2013-03-25</a:t>
             </a:fld>
             <a:endParaRPr lang="ko-KR" altLang="en-US"/>
           </a:p>
@@ -2665,7 +2756,7 @@
           <a:p>
             <a:fld id="{D698ECF3-E86C-4529-9833-4A4DF0A41B5F}" type="datetimeFigureOut">
               <a:rPr lang="ko-KR" altLang="en-US" smtClean="0"/>
-              <a:t>2013-03-22</a:t>
+              <a:t>2013-03-25</a:t>
             </a:fld>
             <a:endParaRPr lang="ko-KR" altLang="en-US"/>
           </a:p>
@@ -3027,7 +3118,7 @@
           <a:p>
             <a:fld id="{D698ECF3-E86C-4529-9833-4A4DF0A41B5F}" type="datetimeFigureOut">
               <a:rPr lang="ko-KR" altLang="en-US" smtClean="0"/>
-              <a:t>2013-03-22</a:t>
+              <a:t>2013-03-25</a:t>
             </a:fld>
             <a:endParaRPr lang="ko-KR" altLang="en-US"/>
           </a:p>
@@ -3254,7 +3345,7 @@
           <a:p>
             <a:fld id="{D698ECF3-E86C-4529-9833-4A4DF0A41B5F}" type="datetimeFigureOut">
               <a:rPr lang="ko-KR" altLang="en-US" smtClean="0"/>
-              <a:t>2013-03-22</a:t>
+              <a:t>2013-03-25</a:t>
             </a:fld>
             <a:endParaRPr lang="ko-KR" altLang="en-US"/>
           </a:p>
@@ -3344,7 +3435,7 @@
           <a:p>
             <a:fld id="{D698ECF3-E86C-4529-9833-4A4DF0A41B5F}" type="datetimeFigureOut">
               <a:rPr lang="ko-KR" altLang="en-US" smtClean="0"/>
-              <a:t>2013-03-22</a:t>
+              <a:t>2013-03-25</a:t>
             </a:fld>
             <a:endParaRPr lang="ko-KR" altLang="en-US"/>
           </a:p>
@@ -3611,7 +3702,7 @@
           <a:p>
             <a:fld id="{D698ECF3-E86C-4529-9833-4A4DF0A41B5F}" type="datetimeFigureOut">
               <a:rPr lang="ko-KR" altLang="en-US" smtClean="0"/>
-              <a:t>2013-03-22</a:t>
+              <a:t>2013-03-25</a:t>
             </a:fld>
             <a:endParaRPr lang="ko-KR" altLang="en-US"/>
           </a:p>
@@ -3839,7 +3930,7 @@
           <a:p>
             <a:fld id="{D698ECF3-E86C-4529-9833-4A4DF0A41B5F}" type="datetimeFigureOut">
               <a:rPr lang="ko-KR" altLang="en-US" smtClean="0"/>
-              <a:t>2013-03-22</a:t>
+              <a:t>2013-03-25</a:t>
             </a:fld>
             <a:endParaRPr lang="ko-KR" altLang="en-US"/>
           </a:p>
@@ -4338,7 +4429,7 @@
           <a:p>
             <a:fld id="{D698ECF3-E86C-4529-9833-4A4DF0A41B5F}" type="datetimeFigureOut">
               <a:rPr lang="ko-KR" altLang="en-US" smtClean="0"/>
-              <a:t>2013-03-22</a:t>
+              <a:t>2013-03-25</a:t>
             </a:fld>
             <a:endParaRPr lang="ko-KR" altLang="en-US"/>
           </a:p>
@@ -4982,102 +5073,24 @@
           <a:p>
             <a:r>
               <a:rPr lang="ko-KR" altLang="en-US" b="1" dirty="0" smtClean="0">
-                <a:latin typeface="+mn-ea"/>
-                <a:ea typeface="+mn-ea"/>
+                <a:solidFill>
+                  <a:srgbClr val="696464"/>
+                </a:solidFill>
+                <a:latin typeface="맑은 고딕"/>
+                <a:ea typeface="맑은 고딕"/>
               </a:rPr>
-              <a:t>필요성과 개발 목표</a:t>
-            </a:r>
-            <a:endParaRPr lang="ko-KR" altLang="en-US" b="1" dirty="0">
-              <a:latin typeface="+mn-ea"/>
-              <a:ea typeface="+mn-ea"/>
-            </a:endParaRPr>
-          </a:p>
-        </p:txBody>
-      </p:sp>
-      <p:sp>
-        <p:nvSpPr>
-          <p:cNvPr id="3" name="내용 개체 틀 2"/>
-          <p:cNvSpPr>
-            <a:spLocks noGrp="1"/>
-          </p:cNvSpPr>
-          <p:nvPr>
-            <p:ph sz="quarter" idx="1"/>
-          </p:nvPr>
-        </p:nvSpPr>
-        <p:spPr/>
-        <p:txBody>
-          <a:bodyPr/>
-          <a:lstStyle/>
-          <a:p>
-            <a:endParaRPr lang="en-US" altLang="ko-KR" dirty="0" smtClean="0"/>
-          </a:p>
-          <a:p>
-            <a:r>
-              <a:rPr lang="ko-KR" altLang="en-US" dirty="0" smtClean="0"/>
-              <a:t>필요성</a:t>
-            </a:r>
-            <a:endParaRPr lang="en-US" altLang="ko-KR" dirty="0" smtClean="0"/>
-          </a:p>
-          <a:p>
-            <a:pPr marL="0" indent="0">
-              <a:buNone/>
-            </a:pPr>
-            <a:r>
-              <a:rPr lang="en-US" altLang="ko-KR" dirty="0"/>
-              <a:t> </a:t>
-            </a:r>
-            <a:r>
-              <a:rPr lang="ko-KR" altLang="en-US" dirty="0" smtClean="0"/>
-              <a:t>청각 </a:t>
-            </a:r>
-            <a:r>
-              <a:rPr lang="ko-KR" altLang="en-US" dirty="0"/>
-              <a:t>장애인이 일반인과 일상생활에서 의사소통하기 위해서는 청각 장애인의 수화를 일반 문자나 음성으로 번역해 주는 시스템이 필요</a:t>
-            </a:r>
-          </a:p>
-          <a:p>
-            <a:endParaRPr lang="en-US" altLang="ko-KR" dirty="0" smtClean="0"/>
-          </a:p>
-          <a:p>
-            <a:r>
-              <a:rPr lang="ko-KR" altLang="en-US" dirty="0" smtClean="0"/>
-              <a:t>개발 목표</a:t>
-            </a:r>
-            <a:endParaRPr lang="en-US" altLang="ko-KR" dirty="0" smtClean="0"/>
-          </a:p>
-          <a:p>
-            <a:pPr marL="0" indent="0">
-              <a:buNone/>
-            </a:pPr>
-            <a:r>
-              <a:rPr lang="en-US" altLang="ko-KR" dirty="0"/>
-              <a:t> </a:t>
-            </a:r>
-            <a:r>
-              <a:rPr lang="en-US" altLang="ko-KR" dirty="0" smtClean="0"/>
-              <a:t>Microsoft </a:t>
-            </a:r>
-            <a:r>
-              <a:rPr lang="en-US" altLang="ko-KR" dirty="0"/>
-              <a:t>KINECT</a:t>
-            </a:r>
-            <a:r>
-              <a:rPr lang="ko-KR" altLang="en-US" dirty="0"/>
-              <a:t>를 이용하여 한국어 수화 번역 시스템을 개발한다</a:t>
-            </a:r>
-            <a:r>
-              <a:rPr lang="en-US" altLang="ko-KR" dirty="0"/>
-              <a:t>.</a:t>
-            </a:r>
-            <a:endParaRPr lang="ko-KR" altLang="en-US" dirty="0"/>
-          </a:p>
-          <a:p>
-            <a:endParaRPr lang="en-US" altLang="ko-KR" dirty="0" smtClean="0"/>
-          </a:p>
-          <a:p>
-            <a:pPr marL="0" indent="0">
-              <a:buNone/>
-            </a:pPr>
+              <a:t>필요</a:t>
+            </a:r>
+            <a:r>
+              <a:rPr lang="ko-KR" altLang="en-US" b="1" dirty="0">
+                <a:solidFill>
+                  <a:srgbClr val="696464"/>
+                </a:solidFill>
+                <a:latin typeface="맑은 고딕"/>
+                <a:ea typeface="맑은 고딕"/>
+              </a:rPr>
+              <a:t>성</a:t>
+            </a:r>
             <a:endParaRPr lang="ko-KR" altLang="en-US" dirty="0"/>
           </a:p>
         </p:txBody>
@@ -5112,6 +5125,429 @@
           </a:fontRef>
         </p:style>
       </p:cxnSp>
+      <p:pic>
+        <p:nvPicPr>
+          <p:cNvPr id="1028" name="Picture 4" descr="http://cfile4.uf.tistory.com/image/134D3B184AA451596F436E"/>
+          <p:cNvPicPr>
+            <a:picLocks noChangeAspect="1" noChangeArrowheads="1"/>
+          </p:cNvPicPr>
+          <p:nvPr/>
+        </p:nvPicPr>
+        <p:blipFill>
+          <a:blip r:embed="rId3">
+            <a:extLst>
+              <a:ext uri="{28A0092B-C50C-407E-A947-70E740481C1C}">
+                <a14:useLocalDpi xmlns:a14="http://schemas.microsoft.com/office/drawing/2010/main" val="0"/>
+              </a:ext>
+            </a:extLst>
+          </a:blip>
+          <a:srcRect/>
+          <a:stretch>
+            <a:fillRect/>
+          </a:stretch>
+        </p:blipFill>
+        <p:spPr bwMode="auto">
+          <a:xfrm>
+            <a:off x="683568" y="2132856"/>
+            <a:ext cx="4896544" cy="3964622"/>
+          </a:xfrm>
+          <a:prstGeom prst="rect">
+            <a:avLst/>
+          </a:prstGeom>
+          <a:noFill/>
+          <a:extLst>
+            <a:ext uri="{909E8E84-426E-40DD-AFC4-6F175D3DCCD1}">
+              <a14:hiddenFill xmlns:a14="http://schemas.microsoft.com/office/drawing/2010/main">
+                <a:solidFill>
+                  <a:srgbClr val="FFFFFF"/>
+                </a:solidFill>
+              </a14:hiddenFill>
+            </a:ext>
+          </a:extLst>
+        </p:spPr>
+      </p:pic>
+      <p:pic>
+        <p:nvPicPr>
+          <p:cNvPr id="1030" name="Picture 6" descr="http://cfile29.uf.tistory.com/image/1826E03F4F5CBB6B051DD3"/>
+          <p:cNvPicPr>
+            <a:picLocks noChangeAspect="1" noChangeArrowheads="1"/>
+          </p:cNvPicPr>
+          <p:nvPr/>
+        </p:nvPicPr>
+        <p:blipFill>
+          <a:blip r:embed="rId4">
+            <a:extLst>
+              <a:ext uri="{28A0092B-C50C-407E-A947-70E740481C1C}">
+                <a14:useLocalDpi xmlns:a14="http://schemas.microsoft.com/office/drawing/2010/main" val="0"/>
+              </a:ext>
+            </a:extLst>
+          </a:blip>
+          <a:srcRect/>
+          <a:stretch>
+            <a:fillRect/>
+          </a:stretch>
+        </p:blipFill>
+        <p:spPr bwMode="auto">
+          <a:xfrm>
+            <a:off x="6012160" y="3076837"/>
+            <a:ext cx="2466975" cy="1847851"/>
+          </a:xfrm>
+          <a:prstGeom prst="rect">
+            <a:avLst/>
+          </a:prstGeom>
+          <a:noFill/>
+          <a:extLst>
+            <a:ext uri="{909E8E84-426E-40DD-AFC4-6F175D3DCCD1}">
+              <a14:hiddenFill xmlns:a14="http://schemas.microsoft.com/office/drawing/2010/main">
+                <a:solidFill>
+                  <a:srgbClr val="FFFFFF"/>
+                </a:solidFill>
+              </a14:hiddenFill>
+            </a:ext>
+          </a:extLst>
+        </p:spPr>
+      </p:pic>
+    </p:spTree>
+    <p:extLst>
+      <p:ext uri="{BB962C8B-B14F-4D97-AF65-F5344CB8AC3E}">
+        <p14:creationId xmlns:p14="http://schemas.microsoft.com/office/powerpoint/2010/main" val="1680669272"/>
+      </p:ext>
+    </p:extLst>
+  </p:cSld>
+  <p:clrMapOvr>
+    <a:masterClrMapping/>
+  </p:clrMapOvr>
+  <p:timing>
+    <p:tnLst>
+      <p:par>
+        <p:cTn id="1" dur="indefinite" restart="never" nodeType="tmRoot"/>
+      </p:par>
+    </p:tnLst>
+  </p:timing>
+</p:sld>
+</file>
+
+<file path=ppt/slides/slide3.xml><?xml version="1.0" encoding="utf-8"?>
+<p:sld xmlns:a="http://schemas.openxmlformats.org/drawingml/2006/main" xmlns:r="http://schemas.openxmlformats.org/officeDocument/2006/relationships" xmlns:p="http://schemas.openxmlformats.org/presentationml/2006/main">
+  <p:cSld>
+    <p:spTree>
+      <p:nvGrpSpPr>
+        <p:cNvPr id="1" name=""/>
+        <p:cNvGrpSpPr/>
+        <p:nvPr/>
+      </p:nvGrpSpPr>
+      <p:grpSpPr>
+        <a:xfrm>
+          <a:off x="0" y="0"/>
+          <a:ext cx="0" cy="0"/>
+          <a:chOff x="0" y="0"/>
+          <a:chExt cx="0" cy="0"/>
+        </a:xfrm>
+      </p:grpSpPr>
+      <p:sp>
+        <p:nvSpPr>
+          <p:cNvPr id="2" name="제목 1"/>
+          <p:cNvSpPr>
+            <a:spLocks noGrp="1"/>
+          </p:cNvSpPr>
+          <p:nvPr>
+            <p:ph type="title"/>
+          </p:nvPr>
+        </p:nvSpPr>
+        <p:spPr/>
+        <p:txBody>
+          <a:bodyPr/>
+          <a:lstStyle/>
+          <a:p>
+            <a:r>
+              <a:rPr lang="ko-KR" altLang="en-US" b="1" dirty="0" smtClean="0">
+                <a:latin typeface="+mn-ea"/>
+                <a:ea typeface="+mn-ea"/>
+              </a:rPr>
+              <a:t>개발 </a:t>
+            </a:r>
+            <a:r>
+              <a:rPr lang="ko-KR" altLang="en-US" b="1" dirty="0" smtClean="0">
+                <a:latin typeface="+mn-ea"/>
+                <a:ea typeface="+mn-ea"/>
+              </a:rPr>
+              <a:t>목표</a:t>
+            </a:r>
+            <a:endParaRPr lang="ko-KR" altLang="en-US" b="1" dirty="0">
+              <a:latin typeface="+mn-ea"/>
+              <a:ea typeface="+mn-ea"/>
+            </a:endParaRPr>
+          </a:p>
+        </p:txBody>
+      </p:sp>
+      <p:sp>
+        <p:nvSpPr>
+          <p:cNvPr id="3" name="내용 개체 틀 2"/>
+          <p:cNvSpPr>
+            <a:spLocks noGrp="1"/>
+          </p:cNvSpPr>
+          <p:nvPr>
+            <p:ph sz="quarter" idx="1"/>
+          </p:nvPr>
+        </p:nvSpPr>
+        <p:spPr/>
+        <p:txBody>
+          <a:bodyPr/>
+          <a:lstStyle/>
+          <a:p>
+            <a:pPr marL="0" indent="0">
+              <a:buNone/>
+            </a:pPr>
+            <a:endParaRPr lang="en-US" altLang="ko-KR" dirty="0" smtClean="0"/>
+          </a:p>
+          <a:p>
+            <a:endParaRPr lang="en-US" altLang="ko-KR" dirty="0" smtClean="0"/>
+          </a:p>
+          <a:p>
+            <a:pPr marL="0" indent="0">
+              <a:buNone/>
+            </a:pPr>
+            <a:endParaRPr lang="ko-KR" altLang="en-US" dirty="0"/>
+          </a:p>
+        </p:txBody>
+      </p:sp>
+      <p:cxnSp>
+        <p:nvCxnSpPr>
+          <p:cNvPr id="4" name="직선 연결선 3"/>
+          <p:cNvCxnSpPr/>
+          <p:nvPr/>
+        </p:nvCxnSpPr>
+        <p:spPr>
+          <a:xfrm>
+            <a:off x="539552" y="1552203"/>
+            <a:ext cx="8136904" cy="0"/>
+          </a:xfrm>
+          <a:prstGeom prst="line">
+            <a:avLst/>
+          </a:prstGeom>
+        </p:spPr>
+        <p:style>
+          <a:lnRef idx="3">
+            <a:schemeClr val="accent1"/>
+          </a:lnRef>
+          <a:fillRef idx="0">
+            <a:schemeClr val="accent1"/>
+          </a:fillRef>
+          <a:effectRef idx="2">
+            <a:schemeClr val="accent1"/>
+          </a:effectRef>
+          <a:fontRef idx="minor">
+            <a:schemeClr val="tx1"/>
+          </a:fontRef>
+        </p:style>
+      </p:cxnSp>
+      <p:pic>
+        <p:nvPicPr>
+          <p:cNvPr id="2052" name="Picture 4" descr="http://c.ask.nate.com/imgs/qrsi.php/6048642/10612198/0/1/A/01.jpg"/>
+          <p:cNvPicPr>
+            <a:picLocks noChangeAspect="1" noChangeArrowheads="1"/>
+          </p:cNvPicPr>
+          <p:nvPr/>
+        </p:nvPicPr>
+        <p:blipFill>
+          <a:blip r:embed="rId3">
+            <a:extLst>
+              <a:ext uri="{28A0092B-C50C-407E-A947-70E740481C1C}">
+                <a14:useLocalDpi xmlns:a14="http://schemas.microsoft.com/office/drawing/2010/main" val="0"/>
+              </a:ext>
+            </a:extLst>
+          </a:blip>
+          <a:srcRect/>
+          <a:stretch>
+            <a:fillRect/>
+          </a:stretch>
+        </p:blipFill>
+        <p:spPr bwMode="auto">
+          <a:xfrm>
+            <a:off x="539552" y="2636912"/>
+            <a:ext cx="2750704" cy="1872208"/>
+          </a:xfrm>
+          <a:prstGeom prst="rect">
+            <a:avLst/>
+          </a:prstGeom>
+          <a:noFill/>
+          <a:extLst>
+            <a:ext uri="{909E8E84-426E-40DD-AFC4-6F175D3DCCD1}">
+              <a14:hiddenFill xmlns:a14="http://schemas.microsoft.com/office/drawing/2010/main">
+                <a:solidFill>
+                  <a:srgbClr val="FFFFFF"/>
+                </a:solidFill>
+              </a14:hiddenFill>
+            </a:ext>
+          </a:extLst>
+        </p:spPr>
+      </p:pic>
+      <p:sp>
+        <p:nvSpPr>
+          <p:cNvPr id="5" name="모서리가 둥근 직사각형 4"/>
+          <p:cNvSpPr/>
+          <p:nvPr/>
+        </p:nvSpPr>
+        <p:spPr>
+          <a:xfrm>
+            <a:off x="3858917" y="2755911"/>
+            <a:ext cx="2232248" cy="1660090"/>
+          </a:xfrm>
+          <a:prstGeom prst="roundRect">
+            <a:avLst/>
+          </a:prstGeom>
+        </p:spPr>
+        <p:style>
+          <a:lnRef idx="2">
+            <a:schemeClr val="accent1">
+              <a:shade val="50000"/>
+            </a:schemeClr>
+          </a:lnRef>
+          <a:fillRef idx="1">
+            <a:schemeClr val="accent1"/>
+          </a:fillRef>
+          <a:effectRef idx="0">
+            <a:schemeClr val="accent1"/>
+          </a:effectRef>
+          <a:fontRef idx="minor">
+            <a:schemeClr val="lt1"/>
+          </a:fontRef>
+        </p:style>
+        <p:txBody>
+          <a:bodyPr rtlCol="0" anchor="ctr"/>
+          <a:lstStyle/>
+          <a:p>
+            <a:pPr algn="ctr"/>
+            <a:r>
+              <a:rPr lang="ko-KR" altLang="en-US" sz="3200" dirty="0" smtClean="0"/>
+              <a:t>한국어 </a:t>
+            </a:r>
+            <a:endParaRPr lang="en-US" altLang="ko-KR" sz="3200" dirty="0" smtClean="0"/>
+          </a:p>
+          <a:p>
+            <a:pPr algn="ctr"/>
+            <a:r>
+              <a:rPr lang="ko-KR" altLang="en-US" sz="3200" dirty="0" smtClean="0"/>
+              <a:t>수화 번역 시스템</a:t>
+            </a:r>
+            <a:endParaRPr lang="ko-KR" altLang="en-US" sz="3200" dirty="0"/>
+          </a:p>
+        </p:txBody>
+      </p:sp>
+      <p:sp>
+        <p:nvSpPr>
+          <p:cNvPr id="6" name="TextBox 5"/>
+          <p:cNvSpPr txBox="1"/>
+          <p:nvPr/>
+        </p:nvSpPr>
+        <p:spPr>
+          <a:xfrm>
+            <a:off x="6667229" y="3215167"/>
+            <a:ext cx="1728192" cy="707886"/>
+          </a:xfrm>
+          <a:prstGeom prst="rect">
+            <a:avLst/>
+          </a:prstGeom>
+          <a:solidFill>
+            <a:schemeClr val="bg2">
+              <a:lumMod val="75000"/>
+            </a:schemeClr>
+          </a:solidFill>
+        </p:spPr>
+        <p:txBody>
+          <a:bodyPr wrap="square" rtlCol="0">
+            <a:spAutoFit/>
+          </a:bodyPr>
+          <a:lstStyle/>
+          <a:p>
+            <a:r>
+              <a:rPr lang="ko-KR" altLang="en-US" sz="4000" dirty="0" smtClean="0"/>
+              <a:t>사랑해</a:t>
+            </a:r>
+            <a:endParaRPr lang="ko-KR" altLang="en-US" sz="4000" dirty="0"/>
+          </a:p>
+        </p:txBody>
+      </p:sp>
+      <p:sp>
+        <p:nvSpPr>
+          <p:cNvPr id="7" name="오른쪽 화살표 6"/>
+          <p:cNvSpPr/>
+          <p:nvPr/>
+        </p:nvSpPr>
+        <p:spPr>
+          <a:xfrm>
+            <a:off x="3426869" y="3281078"/>
+            <a:ext cx="288032" cy="576064"/>
+          </a:xfrm>
+          <a:prstGeom prst="rightArrow">
+            <a:avLst/>
+          </a:prstGeom>
+        </p:spPr>
+        <p:style>
+          <a:lnRef idx="2">
+            <a:schemeClr val="accent1">
+              <a:shade val="50000"/>
+            </a:schemeClr>
+          </a:lnRef>
+          <a:fillRef idx="1">
+            <a:schemeClr val="accent1"/>
+          </a:fillRef>
+          <a:effectRef idx="0">
+            <a:schemeClr val="accent1"/>
+          </a:effectRef>
+          <a:fontRef idx="minor">
+            <a:schemeClr val="lt1"/>
+          </a:fontRef>
+        </p:style>
+        <p:txBody>
+          <a:bodyPr rtlCol="0" anchor="ctr"/>
+          <a:lstStyle/>
+          <a:p>
+            <a:pPr algn="ctr"/>
+            <a:endParaRPr lang="ko-KR" altLang="en-US"/>
+          </a:p>
+        </p:txBody>
+      </p:sp>
+      <p:sp>
+        <p:nvSpPr>
+          <p:cNvPr id="10" name="오른쪽 화살표 9"/>
+          <p:cNvSpPr/>
+          <p:nvPr/>
+        </p:nvSpPr>
+        <p:spPr>
+          <a:xfrm>
+            <a:off x="6235181" y="3281078"/>
+            <a:ext cx="288032" cy="576064"/>
+          </a:xfrm>
+          <a:prstGeom prst="rightArrow">
+            <a:avLst/>
+          </a:prstGeom>
+        </p:spPr>
+        <p:style>
+          <a:lnRef idx="2">
+            <a:schemeClr val="accent1">
+              <a:shade val="50000"/>
+            </a:schemeClr>
+          </a:lnRef>
+          <a:fillRef idx="1">
+            <a:schemeClr val="accent1"/>
+          </a:fillRef>
+          <a:effectRef idx="0">
+            <a:schemeClr val="accent1"/>
+          </a:effectRef>
+          <a:fontRef idx="minor">
+            <a:schemeClr val="lt1"/>
+          </a:fontRef>
+        </p:style>
+        <p:txBody>
+          <a:bodyPr rtlCol="0" anchor="ctr"/>
+          <a:lstStyle/>
+          <a:p>
+            <a:pPr algn="ctr"/>
+            <a:endParaRPr lang="ko-KR" altLang="en-US"/>
+          </a:p>
+        </p:txBody>
+      </p:sp>
     </p:spTree>
     <p:extLst>
       <p:ext uri="{BB962C8B-B14F-4D97-AF65-F5344CB8AC3E}">
@@ -5132,7 +5568,7 @@
 </p:sld>
 </file>
 
-<file path=ppt/slides/slide3.xml><?xml version="1.0" encoding="utf-8"?>
+<file path=ppt/slides/slide4.xml><?xml version="1.0" encoding="utf-8"?>
 <p:sld xmlns:a="http://schemas.openxmlformats.org/drawingml/2006/main" xmlns:r="http://schemas.openxmlformats.org/officeDocument/2006/relationships" xmlns:p="http://schemas.openxmlformats.org/presentationml/2006/main">
   <p:cSld>
     <p:spTree>
@@ -5271,406 +5707,60 @@
           </a:fontRef>
         </p:style>
       </p:cxnSp>
-      <p:grpSp>
-        <p:nvGrpSpPr>
-          <p:cNvPr id="3" name="그룹 2"/>
-          <p:cNvGrpSpPr/>
+      <p:pic>
+        <p:nvPicPr>
+          <p:cNvPr id="18" name="Picture 4"/>
+          <p:cNvPicPr>
+            <a:picLocks noChangeAspect="1" noChangeArrowheads="1"/>
+          </p:cNvPicPr>
           <p:nvPr/>
-        </p:nvGrpSpPr>
-        <p:grpSpPr>
-          <a:xfrm>
-            <a:off x="1288445" y="1581390"/>
-            <a:ext cx="6699469" cy="5050532"/>
-            <a:chOff x="395536" y="214313"/>
-            <a:chExt cx="7189955" cy="5446935"/>
-          </a:xfrm>
-        </p:grpSpPr>
-        <p:pic>
-          <p:nvPicPr>
-            <p:cNvPr id="9" name="Picture 4"/>
-            <p:cNvPicPr>
-              <a:picLocks noChangeAspect="1" noChangeArrowheads="1"/>
-            </p:cNvPicPr>
-            <p:nvPr/>
-          </p:nvPicPr>
-          <p:blipFill>
-            <a:blip r:embed="rId3">
-              <a:extLst>
-                <a:ext uri="{28A0092B-C50C-407E-A947-70E740481C1C}">
-                  <a14:useLocalDpi xmlns:a14="http://schemas.microsoft.com/office/drawing/2010/main" val="0"/>
-                </a:ext>
-              </a:extLst>
-            </a:blip>
-            <a:srcRect/>
-            <a:stretch>
-              <a:fillRect/>
-            </a:stretch>
-          </p:blipFill>
-          <p:spPr bwMode="auto">
-            <a:xfrm>
-              <a:off x="395536" y="214313"/>
-              <a:ext cx="7189955" cy="5446935"/>
-            </a:xfrm>
-            <a:prstGeom prst="rect">
-              <a:avLst/>
-            </a:prstGeom>
-            <a:noFill/>
-            <a:ln>
-              <a:noFill/>
-            </a:ln>
-            <a:effectLst/>
+        </p:nvPicPr>
+        <p:blipFill>
+          <a:blip r:embed="rId3">
             <a:extLst>
-              <a:ext uri="{909E8E84-426E-40DD-AFC4-6F175D3DCCD1}">
-                <a14:hiddenFill xmlns:a14="http://schemas.microsoft.com/office/drawing/2010/main">
-                  <a:solidFill>
-                    <a:schemeClr val="accent1"/>
-                  </a:solidFill>
-                </a14:hiddenFill>
-              </a:ext>
-              <a:ext uri="{91240B29-F687-4F45-9708-019B960494DF}">
-                <a14:hiddenLine xmlns:a14="http://schemas.microsoft.com/office/drawing/2010/main" w="9525">
-                  <a:solidFill>
-                    <a:schemeClr val="tx1"/>
-                  </a:solidFill>
-                  <a:miter lim="800000"/>
-                  <a:headEnd/>
-                  <a:tailEnd/>
-                </a14:hiddenLine>
-              </a:ext>
-              <a:ext uri="{AF507438-7753-43E0-B8FC-AC1667EBCBE1}">
-                <a14:hiddenEffects xmlns:a14="http://schemas.microsoft.com/office/drawing/2010/main">
-                  <a:effectLst>
-                    <a:outerShdw dist="35921" dir="2700000" algn="ctr" rotWithShape="0">
-                      <a:schemeClr val="bg2"/>
-                    </a:outerShdw>
-                  </a:effectLst>
-                </a14:hiddenEffects>
+              <a:ext uri="{28A0092B-C50C-407E-A947-70E740481C1C}">
+                <a14:useLocalDpi xmlns:a14="http://schemas.microsoft.com/office/drawing/2010/main" val="0"/>
               </a:ext>
             </a:extLst>
-          </p:spPr>
-        </p:pic>
-        <p:sp>
-          <p:nvSpPr>
-            <p:cNvPr id="10" name="모서리가 둥근 직사각형 9"/>
-            <p:cNvSpPr/>
-            <p:nvPr/>
-          </p:nvSpPr>
-          <p:spPr>
-            <a:xfrm>
-              <a:off x="611560" y="3582201"/>
-              <a:ext cx="3228258" cy="1933433"/>
-            </a:xfrm>
-            <a:prstGeom prst="roundRect">
-              <a:avLst/>
-            </a:prstGeom>
-            <a:solidFill>
-              <a:schemeClr val="bg1">
-                <a:lumMod val="95000"/>
-              </a:schemeClr>
-            </a:solidFill>
-          </p:spPr>
-          <p:style>
-            <a:lnRef idx="2">
-              <a:schemeClr val="accent1">
-                <a:shade val="50000"/>
-              </a:schemeClr>
-            </a:lnRef>
-            <a:fillRef idx="1">
-              <a:schemeClr val="accent1"/>
-            </a:fillRef>
-            <a:effectRef idx="0">
-              <a:schemeClr val="accent1"/>
-            </a:effectRef>
-            <a:fontRef idx="minor">
-              <a:schemeClr val="lt1"/>
-            </a:fontRef>
-          </p:style>
-          <p:txBody>
-            <a:bodyPr rtlCol="0" anchor="ctr"/>
-            <a:lstStyle/>
-            <a:p>
-              <a:pPr algn="ctr"/>
-              <a:endParaRPr lang="ko-KR" altLang="en-US"/>
-            </a:p>
-          </p:txBody>
-        </p:sp>
-        <p:sp>
-          <p:nvSpPr>
-            <p:cNvPr id="11" name="모서리가 둥근 직사각형 10"/>
-            <p:cNvSpPr/>
-            <p:nvPr/>
-          </p:nvSpPr>
-          <p:spPr>
-            <a:xfrm>
-              <a:off x="4139952" y="3928796"/>
-              <a:ext cx="2699997" cy="966717"/>
-            </a:xfrm>
-            <a:prstGeom prst="roundRect">
-              <a:avLst/>
-            </a:prstGeom>
-            <a:solidFill>
-              <a:schemeClr val="bg1">
-                <a:lumMod val="95000"/>
-              </a:schemeClr>
-            </a:solidFill>
-          </p:spPr>
-          <p:style>
-            <a:lnRef idx="2">
-              <a:schemeClr val="accent1">
-                <a:shade val="50000"/>
-              </a:schemeClr>
-            </a:lnRef>
-            <a:fillRef idx="1">
-              <a:schemeClr val="accent1"/>
-            </a:fillRef>
-            <a:effectRef idx="0">
-              <a:schemeClr val="accent1"/>
-            </a:effectRef>
-            <a:fontRef idx="minor">
-              <a:schemeClr val="lt1"/>
-            </a:fontRef>
-          </p:style>
-          <p:txBody>
-            <a:bodyPr rtlCol="0" anchor="ctr"/>
-            <a:lstStyle/>
-            <a:p>
-              <a:pPr algn="ctr"/>
-              <a:endParaRPr lang="ko-KR" altLang="en-US"/>
-            </a:p>
-          </p:txBody>
-        </p:sp>
-        <p:sp>
-          <p:nvSpPr>
-            <p:cNvPr id="12" name="모서리가 둥근 직사각형 11"/>
-            <p:cNvSpPr/>
-            <p:nvPr/>
-          </p:nvSpPr>
-          <p:spPr>
-            <a:xfrm>
-              <a:off x="4067944" y="3098843"/>
-              <a:ext cx="1512168" cy="483358"/>
-            </a:xfrm>
-            <a:prstGeom prst="roundRect">
-              <a:avLst/>
-            </a:prstGeom>
-            <a:solidFill>
-              <a:schemeClr val="bg1">
-                <a:lumMod val="95000"/>
-              </a:schemeClr>
-            </a:solidFill>
-          </p:spPr>
-          <p:style>
-            <a:lnRef idx="2">
-              <a:schemeClr val="accent1">
-                <a:shade val="50000"/>
-              </a:schemeClr>
-            </a:lnRef>
-            <a:fillRef idx="1">
-              <a:schemeClr val="accent1"/>
-            </a:fillRef>
-            <a:effectRef idx="0">
-              <a:schemeClr val="accent1"/>
-            </a:effectRef>
-            <a:fontRef idx="minor">
-              <a:schemeClr val="lt1"/>
-            </a:fontRef>
-          </p:style>
-          <p:txBody>
-            <a:bodyPr rtlCol="0" anchor="ctr"/>
-            <a:lstStyle/>
-            <a:p>
-              <a:pPr algn="ctr"/>
-              <a:endParaRPr lang="ko-KR" altLang="en-US"/>
-            </a:p>
-          </p:txBody>
-        </p:sp>
-        <p:sp>
-          <p:nvSpPr>
-            <p:cNvPr id="13" name="모서리가 둥근 직사각형 12"/>
-            <p:cNvSpPr/>
-            <p:nvPr/>
-          </p:nvSpPr>
-          <p:spPr>
-            <a:xfrm>
-              <a:off x="628353" y="2996952"/>
-              <a:ext cx="1343038" cy="483358"/>
-            </a:xfrm>
-            <a:prstGeom prst="roundRect">
-              <a:avLst/>
-            </a:prstGeom>
-            <a:solidFill>
-              <a:schemeClr val="bg1">
-                <a:lumMod val="95000"/>
-              </a:schemeClr>
-            </a:solidFill>
-          </p:spPr>
-          <p:style>
-            <a:lnRef idx="2">
-              <a:schemeClr val="accent1">
-                <a:shade val="50000"/>
-              </a:schemeClr>
-            </a:lnRef>
-            <a:fillRef idx="1">
-              <a:schemeClr val="accent1"/>
-            </a:fillRef>
-            <a:effectRef idx="0">
-              <a:schemeClr val="accent1"/>
-            </a:effectRef>
-            <a:fontRef idx="minor">
-              <a:schemeClr val="lt1"/>
-            </a:fontRef>
-          </p:style>
-          <p:txBody>
-            <a:bodyPr rtlCol="0" anchor="ctr"/>
-            <a:lstStyle/>
-            <a:p>
-              <a:pPr algn="ctr"/>
-              <a:endParaRPr lang="ko-KR" altLang="en-US"/>
-            </a:p>
-          </p:txBody>
-        </p:sp>
-        <p:sp>
-          <p:nvSpPr>
-            <p:cNvPr id="14" name="TextBox 13"/>
-            <p:cNvSpPr txBox="1"/>
-            <p:nvPr/>
-          </p:nvSpPr>
-          <p:spPr>
-            <a:xfrm>
-              <a:off x="611560" y="3053965"/>
-              <a:ext cx="1542121" cy="369332"/>
-            </a:xfrm>
-            <a:prstGeom prst="rect">
-              <a:avLst/>
-            </a:prstGeom>
+          </a:blip>
+          <a:srcRect/>
+          <a:stretch>
+            <a:fillRect/>
+          </a:stretch>
+        </p:blipFill>
+        <p:spPr bwMode="auto">
+          <a:xfrm>
+            <a:off x="1024901" y="1988840"/>
+            <a:ext cx="6408712" cy="4183026"/>
+          </a:xfrm>
+          <a:prstGeom prst="rect">
+            <a:avLst/>
+          </a:prstGeom>
+          <a:noFill/>
+          <a:ln>
             <a:noFill/>
-          </p:spPr>
-          <p:txBody>
-            <a:bodyPr wrap="square" rtlCol="0">
-              <a:spAutoFit/>
-            </a:bodyPr>
-            <a:lstStyle/>
-            <a:p>
-              <a:r>
-                <a:rPr lang="ko-KR" altLang="en-US" dirty="0" smtClean="0"/>
-                <a:t>번역된 문장</a:t>
-              </a:r>
-              <a:endParaRPr lang="ko-KR" altLang="en-US" dirty="0"/>
-            </a:p>
-          </p:txBody>
-        </p:sp>
-        <p:sp>
-          <p:nvSpPr>
-            <p:cNvPr id="15" name="TextBox 14"/>
-            <p:cNvSpPr txBox="1"/>
-            <p:nvPr/>
-          </p:nvSpPr>
-          <p:spPr>
-            <a:xfrm>
-              <a:off x="4114349" y="3155856"/>
-              <a:ext cx="1687616" cy="369332"/>
-            </a:xfrm>
-            <a:prstGeom prst="rect">
-              <a:avLst/>
-            </a:prstGeom>
-            <a:noFill/>
-          </p:spPr>
-          <p:txBody>
-            <a:bodyPr wrap="square" rtlCol="0">
-              <a:spAutoFit/>
-            </a:bodyPr>
-            <a:lstStyle/>
-            <a:p>
-              <a:r>
-                <a:rPr lang="ko-KR" altLang="en-US" dirty="0" smtClean="0"/>
-                <a:t>번역된 단어</a:t>
-              </a:r>
-              <a:endParaRPr lang="ko-KR" altLang="en-US" dirty="0"/>
-            </a:p>
-          </p:txBody>
-        </p:sp>
-        <p:sp>
-          <p:nvSpPr>
-            <p:cNvPr id="16" name="TextBox 15"/>
-            <p:cNvSpPr txBox="1"/>
-            <p:nvPr/>
-          </p:nvSpPr>
-          <p:spPr>
-            <a:xfrm>
-              <a:off x="784166" y="4895513"/>
-              <a:ext cx="2883045" cy="369332"/>
-            </a:xfrm>
-            <a:prstGeom prst="rect">
-              <a:avLst/>
-            </a:prstGeom>
-            <a:noFill/>
-          </p:spPr>
-          <p:txBody>
-            <a:bodyPr wrap="square" rtlCol="0">
-              <a:spAutoFit/>
-            </a:bodyPr>
-            <a:lstStyle/>
-            <a:p>
-              <a:r>
-                <a:rPr lang="ko-KR" altLang="en-US" dirty="0" smtClean="0"/>
-                <a:t>오늘 농구를 했다</a:t>
-              </a:r>
-              <a:r>
-                <a:rPr lang="en-US" altLang="ko-KR" dirty="0" smtClean="0"/>
-                <a:t>.</a:t>
-              </a:r>
-              <a:endParaRPr lang="ko-KR" altLang="en-US" dirty="0"/>
-            </a:p>
-          </p:txBody>
-        </p:sp>
-        <p:sp>
-          <p:nvSpPr>
-            <p:cNvPr id="17" name="TextBox 16"/>
-            <p:cNvSpPr txBox="1"/>
-            <p:nvPr/>
-          </p:nvSpPr>
-          <p:spPr>
-            <a:xfrm>
-              <a:off x="4211960" y="3928796"/>
-              <a:ext cx="2883045" cy="923330"/>
-            </a:xfrm>
-            <a:prstGeom prst="rect">
-              <a:avLst/>
-            </a:prstGeom>
-            <a:noFill/>
-          </p:spPr>
-          <p:txBody>
-            <a:bodyPr wrap="square" rtlCol="0">
-              <a:spAutoFit/>
-            </a:bodyPr>
-            <a:lstStyle/>
-            <a:p>
-              <a:r>
-                <a:rPr lang="ko-KR" altLang="en-US" dirty="0" smtClean="0"/>
-                <a:t>오늘</a:t>
-              </a:r>
-              <a:endParaRPr lang="en-US" altLang="ko-KR" dirty="0" smtClean="0"/>
-            </a:p>
-            <a:p>
-              <a:r>
-                <a:rPr lang="ko-KR" altLang="en-US" dirty="0" smtClean="0"/>
-                <a:t>농구</a:t>
-              </a:r>
-              <a:endParaRPr lang="en-US" altLang="ko-KR" dirty="0" smtClean="0"/>
-            </a:p>
-            <a:p>
-              <a:r>
-                <a:rPr lang="ko-KR" altLang="en-US" dirty="0" smtClean="0"/>
-                <a:t>하</a:t>
-              </a:r>
-              <a:r>
-                <a:rPr lang="ko-KR" altLang="en-US" dirty="0"/>
-                <a:t>다</a:t>
-              </a:r>
-            </a:p>
-          </p:txBody>
-        </p:sp>
-      </p:grpSp>
+          </a:ln>
+          <a:extLst>
+            <a:ext uri="{909E8E84-426E-40DD-AFC4-6F175D3DCCD1}">
+              <a14:hiddenFill xmlns:a14="http://schemas.microsoft.com/office/drawing/2010/main">
+                <a:solidFill>
+                  <a:schemeClr val="accent1"/>
+                </a:solidFill>
+              </a14:hiddenFill>
+            </a:ext>
+            <a:ext uri="{91240B29-F687-4F45-9708-019B960494DF}">
+              <a14:hiddenLine xmlns:a14="http://schemas.microsoft.com/office/drawing/2010/main" w="9525">
+                <a:solidFill>
+                  <a:schemeClr val="tx1"/>
+                </a:solidFill>
+                <a:miter lim="800000"/>
+                <a:headEnd/>
+                <a:tailEnd/>
+              </a14:hiddenLine>
+            </a:ext>
+          </a:extLst>
+        </p:spPr>
+      </p:pic>
     </p:spTree>
     <p:extLst>
       <p:ext uri="{BB962C8B-B14F-4D97-AF65-F5344CB8AC3E}">
@@ -5691,7 +5781,7 @@
 </p:sld>
 </file>
 
-<file path=ppt/slides/slide4.xml><?xml version="1.0" encoding="utf-8"?>
+<file path=ppt/slides/slide5.xml><?xml version="1.0" encoding="utf-8"?>
 <p:sld xmlns:a="http://schemas.openxmlformats.org/drawingml/2006/main" xmlns:r="http://schemas.openxmlformats.org/officeDocument/2006/relationships" xmlns:p="http://schemas.openxmlformats.org/presentationml/2006/main">
   <p:cSld>
     <p:spTree>
@@ -5791,14 +5881,7 @@
                 <a:latin typeface="+mn-ea"/>
                 <a:ea typeface="+mn-ea"/>
               </a:rPr>
-              <a:t>수화번역 </a:t>
-            </a:r>
-            <a:r>
-              <a:rPr lang="ko-KR" altLang="en-US" b="1" dirty="0" smtClean="0">
-                <a:latin typeface="+mn-ea"/>
-                <a:ea typeface="+mn-ea"/>
-              </a:rPr>
-              <a:t>시스템 구조</a:t>
+              <a:t>수화번역 시스템 구조</a:t>
             </a:r>
             <a:endParaRPr lang="ko-KR" altLang="en-US" b="1" dirty="0">
               <a:latin typeface="+mn-ea"/>
@@ -6344,7 +6427,7 @@
 </p:sld>
 </file>
 
-<file path=ppt/slides/slide5.xml><?xml version="1.0" encoding="utf-8"?>
+<file path=ppt/slides/slide6.xml><?xml version="1.0" encoding="utf-8"?>
 <p:sld xmlns:a="http://schemas.openxmlformats.org/drawingml/2006/main" xmlns:r="http://schemas.openxmlformats.org/officeDocument/2006/relationships" xmlns:p="http://schemas.openxmlformats.org/presentationml/2006/main">
   <p:cSld>
     <p:spTree>
@@ -6636,7 +6719,7 @@
 </p:sld>
 </file>
 
-<file path=ppt/slides/slide6.xml><?xml version="1.0" encoding="utf-8"?>
+<file path=ppt/slides/slide7.xml><?xml version="1.0" encoding="utf-8"?>
 <p:sld xmlns:a="http://schemas.openxmlformats.org/drawingml/2006/main" xmlns:r="http://schemas.openxmlformats.org/officeDocument/2006/relationships" xmlns:p="http://schemas.openxmlformats.org/presentationml/2006/main">
   <p:cSld>
     <p:spTree>
